--- a/Session3/Session3_Slides.pptx
+++ b/Session3/Session3_Slides.pptx
@@ -45,6 +45,18 @@
     <p:sldId id="290" r:id="rId42"/>
     <p:sldId id="291" r:id="rId43"/>
     <p:sldId id="292" r:id="rId44"/>
+    <p:sldId id="293" r:id="rId45"/>
+    <p:sldId id="294" r:id="rId46"/>
+    <p:sldId id="295" r:id="rId47"/>
+    <p:sldId id="296" r:id="rId48"/>
+    <p:sldId id="297" r:id="rId49"/>
+    <p:sldId id="298" r:id="rId50"/>
+    <p:sldId id="299" r:id="rId51"/>
+    <p:sldId id="300" r:id="rId52"/>
+    <p:sldId id="301" r:id="rId53"/>
+    <p:sldId id="302" r:id="rId54"/>
+    <p:sldId id="303" r:id="rId55"/>
+    <p:sldId id="304" r:id="rId56"/>
   </p:sldIdLst>
   <p:sldSz cx="13004800" cy="9753600"/>
   <p:notesSz cx="6858000" cy="9144000"/>
@@ -6352,107 +6364,54 @@
       </p:grpSpPr>
       <p:sp>
         <p:nvSpPr>
-          <p:cNvPr id="220" name="Shape 220"/>
-          <p:cNvSpPr/>
-          <p:nvPr>
-            <p:ph type="title"/>
-          </p:nvPr>
-        </p:nvSpPr>
-        <p:spPr>
-          <a:xfrm>
-            <a:off x="406400" y="1536700"/>
-            <a:ext cx="12192000" cy="1169261"/>
-          </a:xfrm>
+          <p:cNvPr id="216" name="Shape 216"/>
+          <p:cNvSpPr/>
+          <p:nvPr>
+            <p:ph type="subTitle" sz="quarter" idx="1"/>
+          </p:nvPr>
+        </p:nvSpPr>
+        <p:spPr>
           <a:prstGeom prst="rect">
             <a:avLst/>
           </a:prstGeom>
         </p:spPr>
         <p:txBody>
           <a:bodyPr/>
-          <a:lstStyle>
-            <a:lvl1pPr defTabSz="403097">
-              <a:spcBef>
-                <a:spcPts val="1900"/>
-              </a:spcBef>
-              <a:defRPr sz="8200"/>
-            </a:lvl1pPr>
-          </a:lstStyle>
+          <a:lstStyle/>
           <a:p>
             <a:pPr/>
-            <a:r>
-              <a:t>Logistic Regression</a:t>
-            </a:r>
-          </a:p>
-        </p:txBody>
-      </p:sp>
-      <p:sp>
-        <p:nvSpPr>
-          <p:cNvPr id="221" name="Shape 221"/>
-          <p:cNvSpPr/>
-          <p:nvPr>
-            <p:ph type="body" sz="half" idx="1"/>
-          </p:nvPr>
-        </p:nvSpPr>
-        <p:spPr>
-          <a:xfrm>
-            <a:off x="406400" y="4237533"/>
-            <a:ext cx="12192001" cy="2531601"/>
-          </a:xfrm>
-          <a:prstGeom prst="rect">
-            <a:avLst/>
-          </a:prstGeom>
-        </p:spPr>
-        <p:txBody>
-          <a:bodyPr anchor="t"/>
-          <a:lstStyle/>
-          <a:p>
-            <a:pPr marL="550656" indent="-550656" defTabSz="455674">
-              <a:lnSpc>
-                <a:spcPct val="100000"/>
-              </a:lnSpc>
-              <a:spcBef>
-                <a:spcPts val="2100"/>
-              </a:spcBef>
-              <a:buSzPct val="40000"/>
-              <a:buBlip>
-                <a:blip r:embed="rId2"/>
-              </a:buBlip>
-              <a:defRPr cap="none" spc="0" sz="4900">
-                <a:latin typeface="Avenir Next Medium"/>
-                <a:ea typeface="Avenir Next Medium"/>
-                <a:cs typeface="Avenir Next Medium"/>
-                <a:sym typeface="Avenir Next Medium"/>
-              </a:defRPr>
-            </a:pPr>
-            <a:r>
-              <a:t>Output is probability, but really classifier</a:t>
-            </a:r>
-          </a:p>
-          <a:p>
-            <a:pPr marL="550656" indent="-550656" defTabSz="455674">
-              <a:lnSpc>
-                <a:spcPct val="100000"/>
-              </a:lnSpc>
-              <a:spcBef>
-                <a:spcPts val="2100"/>
-              </a:spcBef>
-              <a:buSzPct val="40000"/>
-              <a:buBlip>
-                <a:blip r:embed="rId2"/>
-              </a:buBlip>
-              <a:defRPr cap="none" spc="0" sz="4900">
-                <a:latin typeface="Avenir Next Medium"/>
-                <a:ea typeface="Avenir Next Medium"/>
-                <a:cs typeface="Avenir Next Medium"/>
-                <a:sym typeface="Avenir Next Medium"/>
-              </a:defRPr>
-            </a:pPr>
-            <a:r>
-              <a:t>Default is 0.5 threshold</a:t>
-            </a:r>
-          </a:p>
-        </p:txBody>
-      </p:sp>
+          </a:p>
+        </p:txBody>
+      </p:sp>
+      <p:pic>
+        <p:nvPicPr>
+          <p:cNvPr id="217" name="pasted-image.png"/>
+          <p:cNvPicPr>
+            <a:picLocks noChangeAspect="1"/>
+          </p:cNvPicPr>
+          <p:nvPr/>
+        </p:nvPicPr>
+        <p:blipFill>
+          <a:blip r:embed="rId2">
+            <a:extLst/>
+          </a:blip>
+          <a:stretch>
+            <a:fillRect/>
+          </a:stretch>
+        </p:blipFill>
+        <p:spPr>
+          <a:xfrm>
+            <a:off x="309033" y="884766"/>
+            <a:ext cx="12386734" cy="7452600"/>
+          </a:xfrm>
+          <a:prstGeom prst="rect">
+            <a:avLst/>
+          </a:prstGeom>
+          <a:ln w="12700">
+            <a:miter lim="400000"/>
+          </a:ln>
+        </p:spPr>
+      </p:pic>
     </p:spTree>
   </p:cSld>
   <p:clrMapOvr>
@@ -6481,77 +6440,189 @@
       </p:grpSpPr>
       <p:sp>
         <p:nvSpPr>
-          <p:cNvPr id="223" name="Shape 223"/>
-          <p:cNvSpPr/>
-          <p:nvPr>
-            <p:ph type="ctrTitle"/>
-          </p:nvPr>
-        </p:nvSpPr>
-        <p:spPr>
-          <a:prstGeom prst="rect">
-            <a:avLst/>
-          </a:prstGeom>
-        </p:spPr>
-        <p:txBody>
-          <a:bodyPr/>
+          <p:cNvPr id="219" name="Shape 219"/>
+          <p:cNvSpPr/>
+          <p:nvPr>
+            <p:ph type="title" idx="4294967295"/>
+          </p:nvPr>
+        </p:nvSpPr>
+        <p:spPr>
+          <a:xfrm>
+            <a:off x="524933" y="1062566"/>
+            <a:ext cx="12192001" cy="1169261"/>
+          </a:xfrm>
+          <a:prstGeom prst="rect">
+            <a:avLst/>
+          </a:prstGeom>
+        </p:spPr>
+        <p:txBody>
+          <a:bodyPr lIns="50800" tIns="50800" rIns="50800" bIns="50800" anchor="t"/>
+          <a:lstStyle>
+            <a:lvl1pPr algn="l" defTabSz="403097">
+              <a:lnSpc>
+                <a:spcPct val="80000"/>
+              </a:lnSpc>
+              <a:spcBef>
+                <a:spcPts val="1900"/>
+              </a:spcBef>
+              <a:defRPr cap="all" sz="8200">
+                <a:solidFill>
+                  <a:schemeClr val="accent1"/>
+                </a:solidFill>
+                <a:latin typeface="DIN Condensed"/>
+                <a:ea typeface="DIN Condensed"/>
+                <a:cs typeface="DIN Condensed"/>
+                <a:sym typeface="DIN Condensed"/>
+              </a:defRPr>
+            </a:lvl1pPr>
+          </a:lstStyle>
+          <a:p>
+            <a:pPr/>
+            <a:r>
+              <a:t>Fix #1: Odds</a:t>
+            </a:r>
+          </a:p>
+        </p:txBody>
+      </p:sp>
+      <p:sp>
+        <p:nvSpPr>
+          <p:cNvPr id="220" name="Shape 220"/>
+          <p:cNvSpPr/>
+          <p:nvPr>
+            <p:ph type="body" idx="4294967295"/>
+          </p:nvPr>
+        </p:nvSpPr>
+        <p:spPr>
+          <a:xfrm>
+            <a:off x="524933" y="2880584"/>
+            <a:ext cx="12192001" cy="6059357"/>
+          </a:xfrm>
+          <a:prstGeom prst="rect">
+            <a:avLst/>
+          </a:prstGeom>
+        </p:spPr>
+        <p:txBody>
+          <a:bodyPr lIns="50800" tIns="50800" rIns="50800" bIns="50800"/>
           <a:lstStyle/>
           <a:p>
-            <a:pPr defTabSz="455675">
-              <a:defRPr sz="13259"/>
+            <a:pPr marL="550656" indent="-550656" defTabSz="455674">
+              <a:spcBef>
+                <a:spcPts val="2100"/>
+              </a:spcBef>
+              <a:buSzPct val="40000"/>
+              <a:buFontTx/>
+              <a:buBlip>
+                <a:blip r:embed="rId2"/>
+              </a:buBlip>
+              <a:defRPr sz="4900">
+                <a:solidFill>
+                  <a:srgbClr val="838787"/>
+                </a:solidFill>
+                <a:latin typeface="Avenir Next Medium"/>
+                <a:ea typeface="Avenir Next Medium"/>
+                <a:cs typeface="Avenir Next Medium"/>
+                <a:sym typeface="Avenir Next Medium"/>
+              </a:defRPr>
             </a:pPr>
-          </a:p>
-        </p:txBody>
-      </p:sp>
-      <p:sp>
-        <p:nvSpPr>
-          <p:cNvPr id="224" name="Shape 224"/>
-          <p:cNvSpPr/>
-          <p:nvPr>
-            <p:ph type="subTitle" sz="quarter" idx="1"/>
-          </p:nvPr>
-        </p:nvSpPr>
-        <p:spPr>
-          <a:prstGeom prst="rect">
-            <a:avLst/>
-          </a:prstGeom>
-        </p:spPr>
-        <p:txBody>
-          <a:bodyPr/>
-          <a:lstStyle/>
-          <a:p>
-            <a:pPr/>
-          </a:p>
-        </p:txBody>
-      </p:sp>
-      <p:pic>
-        <p:nvPicPr>
-          <p:cNvPr id="225" name="pasted-image.png"/>
-          <p:cNvPicPr>
-            <a:picLocks noChangeAspect="1"/>
-          </p:cNvPicPr>
-          <p:nvPr/>
-        </p:nvPicPr>
-        <p:blipFill>
-          <a:blip r:embed="rId2">
-            <a:extLst/>
-          </a:blip>
-          <a:stretch>
-            <a:fillRect/>
-          </a:stretch>
-        </p:blipFill>
-        <p:spPr>
-          <a:xfrm>
-            <a:off x="4233" y="1659261"/>
-            <a:ext cx="12996334" cy="6435078"/>
-          </a:xfrm>
-          <a:prstGeom prst="rect">
-            <a:avLst/>
-          </a:prstGeom>
-          <a:ln w="12700">
-            <a:miter lim="400000"/>
-          </a:ln>
-        </p:spPr>
-      </p:pic>
+            <a:r>
+              <a:t>Ratio of two probabilities</a:t>
+            </a:r>
+          </a:p>
+          <a:p>
+            <a:pPr marL="550656" indent="-550656" defTabSz="455674">
+              <a:spcBef>
+                <a:spcPts val="2100"/>
+              </a:spcBef>
+              <a:buSzPct val="40000"/>
+              <a:buFontTx/>
+              <a:buBlip>
+                <a:blip r:embed="rId2"/>
+              </a:buBlip>
+              <a:defRPr sz="4900">
+                <a:solidFill>
+                  <a:srgbClr val="838787"/>
+                </a:solidFill>
+                <a:latin typeface="Avenir Next Medium"/>
+                <a:ea typeface="Avenir Next Medium"/>
+                <a:cs typeface="Avenir Next Medium"/>
+                <a:sym typeface="Avenir Next Medium"/>
+              </a:defRPr>
+            </a:pPr>
+            <a:r>
+              <a:t>e.g. P(Win) = 0.8, P(Lose) =0.2</a:t>
+            </a:r>
+          </a:p>
+          <a:p>
+            <a:pPr marL="550656" indent="-550656" defTabSz="455674">
+              <a:spcBef>
+                <a:spcPts val="2100"/>
+              </a:spcBef>
+              <a:buSzPct val="40000"/>
+              <a:buFontTx/>
+              <a:buBlip>
+                <a:blip r:embed="rId2"/>
+              </a:buBlip>
+              <a:defRPr sz="4900">
+                <a:solidFill>
+                  <a:srgbClr val="838787"/>
+                </a:solidFill>
+                <a:latin typeface="Avenir Next Medium"/>
+                <a:ea typeface="Avenir Next Medium"/>
+                <a:cs typeface="Avenir Next Medium"/>
+                <a:sym typeface="Avenir Next Medium"/>
+              </a:defRPr>
+            </a:pPr>
+          </a:p>
+          <a:p>
+            <a:pPr marL="550656" indent="-550656" defTabSz="455674">
+              <a:spcBef>
+                <a:spcPts val="2100"/>
+              </a:spcBef>
+              <a:buSzPct val="40000"/>
+              <a:buFontTx/>
+              <a:buBlip>
+                <a:blip r:embed="rId2"/>
+              </a:buBlip>
+              <a:defRPr sz="4900">
+                <a:solidFill>
+                  <a:srgbClr val="838787"/>
+                </a:solidFill>
+                <a:latin typeface="Avenir Next Medium"/>
+                <a:ea typeface="Avenir Next Medium"/>
+                <a:cs typeface="Avenir Next Medium"/>
+                <a:sym typeface="Avenir Next Medium"/>
+              </a:defRPr>
+            </a:pPr>
+            <a:r>
+              <a:t>Odds of winning = 0.8/0.2 = 4 </a:t>
+            </a:r>
+          </a:p>
+          <a:p>
+            <a:pPr marL="550656" indent="-550656" defTabSz="455674">
+              <a:spcBef>
+                <a:spcPts val="2100"/>
+              </a:spcBef>
+              <a:buSzPct val="40000"/>
+              <a:buFontTx/>
+              <a:buBlip>
+                <a:blip r:embed="rId2"/>
+              </a:buBlip>
+              <a:defRPr sz="4900">
+                <a:solidFill>
+                  <a:srgbClr val="838787"/>
+                </a:solidFill>
+                <a:latin typeface="Avenir Next Medium"/>
+                <a:ea typeface="Avenir Next Medium"/>
+                <a:cs typeface="Avenir Next Medium"/>
+                <a:sym typeface="Avenir Next Medium"/>
+              </a:defRPr>
+            </a:pPr>
+            <a:r>
+              <a:t>Odds of losing = 0.2/0.8 = 0.25</a:t>
+            </a:r>
+          </a:p>
+        </p:txBody>
+      </p:sp>
     </p:spTree>
   </p:cSld>
   <p:clrMapOvr>
@@ -6580,58 +6651,99 @@
       </p:grpSpPr>
       <p:sp>
         <p:nvSpPr>
-          <p:cNvPr id="227" name="Shape 227"/>
+          <p:cNvPr id="222" name="Shape 222"/>
           <p:cNvSpPr/>
           <p:nvPr>
             <p:ph type="ctrTitle"/>
           </p:nvPr>
         </p:nvSpPr>
         <p:spPr>
+          <a:xfrm>
+            <a:off x="406400" y="1536700"/>
+            <a:ext cx="12192000" cy="1169261"/>
+          </a:xfrm>
           <a:prstGeom prst="rect">
             <a:avLst/>
           </a:prstGeom>
         </p:spPr>
         <p:txBody>
           <a:bodyPr/>
-          <a:lstStyle/>
-          <a:p>
-            <a:pPr defTabSz="455675">
-              <a:defRPr sz="13259"/>
-            </a:pPr>
-          </a:p>
-        </p:txBody>
-      </p:sp>
-      <p:sp>
-        <p:nvSpPr>
-          <p:cNvPr id="228" name="Shape 228"/>
+          <a:lstStyle>
+            <a:lvl1pPr defTabSz="403097">
+              <a:spcBef>
+                <a:spcPts val="1900"/>
+              </a:spcBef>
+              <a:defRPr sz="8200"/>
+            </a:lvl1pPr>
+          </a:lstStyle>
+          <a:p>
+            <a:pPr/>
+            <a:r>
+              <a:t>Odds</a:t>
+            </a:r>
+          </a:p>
+        </p:txBody>
+      </p:sp>
+      <p:sp>
+        <p:nvSpPr>
+          <p:cNvPr id="223" name="Shape 223"/>
           <p:cNvSpPr/>
           <p:nvPr>
             <p:ph type="subTitle" sz="quarter" idx="1"/>
           </p:nvPr>
         </p:nvSpPr>
         <p:spPr>
-          <a:prstGeom prst="rect">
-            <a:avLst/>
-          </a:prstGeom>
-        </p:spPr>
-        <p:txBody>
-          <a:bodyPr/>
-          <a:lstStyle/>
+          <a:xfrm>
+            <a:off x="0" y="3557918"/>
+            <a:ext cx="12192000" cy="1304860"/>
+          </a:xfrm>
+          <a:prstGeom prst="rect">
+            <a:avLst/>
+          </a:prstGeom>
+        </p:spPr>
+        <p:txBody>
+          <a:bodyPr anchor="t"/>
+          <a:lstStyle>
+            <a:lvl1pPr marL="550656" indent="-550656" defTabSz="455674">
+              <a:lnSpc>
+                <a:spcPct val="100000"/>
+              </a:lnSpc>
+              <a:spcBef>
+                <a:spcPts val="2100"/>
+              </a:spcBef>
+              <a:buSzPct val="40000"/>
+              <a:buBlip>
+                <a:blip r:embed="rId2"/>
+              </a:buBlip>
+              <a:defRPr cap="none" sz="4900">
+                <a:solidFill>
+                  <a:srgbClr val="838787"/>
+                </a:solidFill>
+                <a:latin typeface="Avenir Next Medium"/>
+                <a:ea typeface="Avenir Next Medium"/>
+                <a:cs typeface="Avenir Next Medium"/>
+                <a:sym typeface="Avenir Next Medium"/>
+              </a:defRPr>
+            </a:lvl1pPr>
+          </a:lstStyle>
           <a:p>
             <a:pPr/>
+            <a:r>
+              <a:t>Only valid between 0 and 1</a:t>
+            </a:r>
           </a:p>
         </p:txBody>
       </p:sp>
       <p:pic>
         <p:nvPicPr>
-          <p:cNvPr id="229" name="pasted-image.png"/>
+          <p:cNvPr id="224" name="Screen Shot 2019-09-17 at 12.14.43 AM.png"/>
           <p:cNvPicPr>
             <a:picLocks noChangeAspect="1"/>
           </p:cNvPicPr>
           <p:nvPr/>
         </p:nvPicPr>
         <p:blipFill>
-          <a:blip r:embed="rId2">
+          <a:blip r:embed="rId3">
             <a:extLst/>
           </a:blip>
           <a:stretch>
@@ -6640,8 +6752,8 @@
         </p:blipFill>
         <p:spPr>
           <a:xfrm>
-            <a:off x="-2117" y="535890"/>
-            <a:ext cx="13009035" cy="8681820"/>
+            <a:off x="-1" y="2935591"/>
+            <a:ext cx="13004801" cy="5313681"/>
           </a:xfrm>
           <a:prstGeom prst="rect">
             <a:avLst/>
@@ -6679,16 +6791,16 @@
       </p:grpSpPr>
       <p:sp>
         <p:nvSpPr>
-          <p:cNvPr id="231" name="Shape 231"/>
-          <p:cNvSpPr/>
-          <p:nvPr>
-            <p:ph type="title"/>
-          </p:nvPr>
-        </p:nvSpPr>
-        <p:spPr>
-          <a:xfrm>
-            <a:off x="2802101" y="4038600"/>
-            <a:ext cx="7400598" cy="4521200"/>
+          <p:cNvPr id="226" name="Shape 226"/>
+          <p:cNvSpPr/>
+          <p:nvPr>
+            <p:ph type="ctrTitle"/>
+          </p:nvPr>
+        </p:nvSpPr>
+        <p:spPr>
+          <a:xfrm>
+            <a:off x="406400" y="1536700"/>
+            <a:ext cx="12192000" cy="1169261"/>
           </a:xfrm>
           <a:prstGeom prst="rect">
             <a:avLst/>
@@ -6696,15 +6808,101 @@
         </p:spPr>
         <p:txBody>
           <a:bodyPr/>
-          <a:lstStyle/>
+          <a:lstStyle>
+            <a:lvl1pPr defTabSz="403097">
+              <a:spcBef>
+                <a:spcPts val="1900"/>
+              </a:spcBef>
+              <a:defRPr sz="8200"/>
+            </a:lvl1pPr>
+          </a:lstStyle>
           <a:p>
             <a:pPr/>
             <a:r>
-              <a:t>Exercises</a:t>
-            </a:r>
-          </a:p>
-        </p:txBody>
-      </p:sp>
+              <a:t>Odds</a:t>
+            </a:r>
+          </a:p>
+        </p:txBody>
+      </p:sp>
+      <p:sp>
+        <p:nvSpPr>
+          <p:cNvPr id="227" name="Shape 227"/>
+          <p:cNvSpPr/>
+          <p:nvPr>
+            <p:ph type="subTitle" sz="quarter" idx="1"/>
+          </p:nvPr>
+        </p:nvSpPr>
+        <p:spPr>
+          <a:xfrm>
+            <a:off x="0" y="3557918"/>
+            <a:ext cx="12192000" cy="1304860"/>
+          </a:xfrm>
+          <a:prstGeom prst="rect">
+            <a:avLst/>
+          </a:prstGeom>
+        </p:spPr>
+        <p:txBody>
+          <a:bodyPr anchor="t"/>
+          <a:lstStyle>
+            <a:lvl1pPr marL="550656" indent="-550656" defTabSz="455674">
+              <a:lnSpc>
+                <a:spcPct val="100000"/>
+              </a:lnSpc>
+              <a:spcBef>
+                <a:spcPts val="2100"/>
+              </a:spcBef>
+              <a:buSzPct val="40000"/>
+              <a:buBlip>
+                <a:blip r:embed="rId2"/>
+              </a:buBlip>
+              <a:defRPr cap="none" sz="4900">
+                <a:solidFill>
+                  <a:srgbClr val="838787"/>
+                </a:solidFill>
+                <a:latin typeface="Avenir Next Medium"/>
+                <a:ea typeface="Avenir Next Medium"/>
+                <a:cs typeface="Avenir Next Medium"/>
+                <a:sym typeface="Avenir Next Medium"/>
+              </a:defRPr>
+            </a:lvl1pPr>
+          </a:lstStyle>
+          <a:p>
+            <a:pPr/>
+            <a:r>
+              <a:t>Only valid between 0 and 1</a:t>
+            </a:r>
+          </a:p>
+        </p:txBody>
+      </p:sp>
+      <p:pic>
+        <p:nvPicPr>
+          <p:cNvPr id="228" name="Screen Shot 2019-09-17 at 12.15.05 AM.png"/>
+          <p:cNvPicPr>
+            <a:picLocks noChangeAspect="1"/>
+          </p:cNvPicPr>
+          <p:nvPr/>
+        </p:nvPicPr>
+        <p:blipFill>
+          <a:blip r:embed="rId3">
+            <a:extLst/>
+          </a:blip>
+          <a:stretch>
+            <a:fillRect/>
+          </a:stretch>
+        </p:blipFill>
+        <p:spPr>
+          <a:xfrm>
+            <a:off x="-1" y="3133711"/>
+            <a:ext cx="13004801" cy="4968241"/>
+          </a:xfrm>
+          <a:prstGeom prst="rect">
+            <a:avLst/>
+          </a:prstGeom>
+          <a:ln w="12700">
+            <a:miter lim="400000"/>
+          </a:ln>
+        </p:spPr>
+      </p:pic>
     </p:spTree>
   </p:cSld>
   <p:clrMapOvr>
@@ -6733,38 +6931,136 @@
       </p:grpSpPr>
       <p:sp>
         <p:nvSpPr>
-          <p:cNvPr id="233" name="Shape 233"/>
-          <p:cNvSpPr/>
-          <p:nvPr>
-            <p:ph type="title"/>
-          </p:nvPr>
-        </p:nvSpPr>
-        <p:spPr>
-          <a:xfrm>
-            <a:off x="2015066" y="3056466"/>
-            <a:ext cx="12192001" cy="4521201"/>
-          </a:xfrm>
-          <a:prstGeom prst="rect">
-            <a:avLst/>
-          </a:prstGeom>
-        </p:spPr>
-        <p:txBody>
-          <a:bodyPr/>
+          <p:cNvPr id="230" name="Shape 230"/>
+          <p:cNvSpPr/>
+          <p:nvPr>
+            <p:ph type="title" idx="4294967295"/>
+          </p:nvPr>
+        </p:nvSpPr>
+        <p:spPr>
+          <a:xfrm>
+            <a:off x="524933" y="1062566"/>
+            <a:ext cx="12192001" cy="1169261"/>
+          </a:xfrm>
+          <a:prstGeom prst="rect">
+            <a:avLst/>
+          </a:prstGeom>
+        </p:spPr>
+        <p:txBody>
+          <a:bodyPr lIns="50800" tIns="50800" rIns="50800" bIns="50800" anchor="t"/>
+          <a:lstStyle>
+            <a:lvl1pPr algn="l" defTabSz="403097">
+              <a:lnSpc>
+                <a:spcPct val="80000"/>
+              </a:lnSpc>
+              <a:spcBef>
+                <a:spcPts val="1900"/>
+              </a:spcBef>
+              <a:defRPr cap="all" sz="8200">
+                <a:solidFill>
+                  <a:schemeClr val="accent1"/>
+                </a:solidFill>
+                <a:latin typeface="DIN Condensed"/>
+                <a:ea typeface="DIN Condensed"/>
+                <a:cs typeface="DIN Condensed"/>
+                <a:sym typeface="DIN Condensed"/>
+              </a:defRPr>
+            </a:lvl1pPr>
+          </a:lstStyle>
+          <a:p>
+            <a:pPr/>
+            <a:r>
+              <a:t>Fix #2: Log()</a:t>
+            </a:r>
+          </a:p>
+        </p:txBody>
+      </p:sp>
+      <p:sp>
+        <p:nvSpPr>
+          <p:cNvPr id="231" name="Shape 231"/>
+          <p:cNvSpPr/>
+          <p:nvPr>
+            <p:ph type="body" idx="4294967295"/>
+          </p:nvPr>
+        </p:nvSpPr>
+        <p:spPr>
+          <a:xfrm>
+            <a:off x="524933" y="2389518"/>
+            <a:ext cx="12192001" cy="6059357"/>
+          </a:xfrm>
+          <a:prstGeom prst="rect">
+            <a:avLst/>
+          </a:prstGeom>
+        </p:spPr>
+        <p:txBody>
+          <a:bodyPr lIns="50800" tIns="50800" rIns="50800" bIns="50800"/>
           <a:lstStyle/>
           <a:p>
-            <a:pPr/>
-            <a:r>
-              <a:t>Evaluating</a:t>
-            </a:r>
-          </a:p>
-          <a:p>
-            <a:pPr/>
-            <a:r>
-              <a:t>Classifiers</a:t>
-            </a:r>
-          </a:p>
-        </p:txBody>
-      </p:sp>
+            <a:pPr marL="550656" indent="-550656" defTabSz="455674">
+              <a:spcBef>
+                <a:spcPts val="2100"/>
+              </a:spcBef>
+              <a:buSzPct val="40000"/>
+              <a:buFontTx/>
+              <a:buBlip>
+                <a:blip r:embed="rId2"/>
+              </a:buBlip>
+              <a:defRPr sz="4900">
+                <a:solidFill>
+                  <a:srgbClr val="838787"/>
+                </a:solidFill>
+                <a:latin typeface="Avenir Next Medium"/>
+                <a:ea typeface="Avenir Next Medium"/>
+                <a:cs typeface="Avenir Next Medium"/>
+                <a:sym typeface="Avenir Next Medium"/>
+              </a:defRPr>
+            </a:pPr>
+            <a:r>
+              <a:t>Evens out </a:t>
+            </a:r>
+            <a:r>
+              <a:rPr>
+                <a:solidFill>
+                  <a:schemeClr val="accent3"/>
+                </a:solidFill>
+              </a:rPr>
+              <a:t>scale</a:t>
+            </a:r>
+            <a:r>
+              <a:t> between 0-1 and rest</a:t>
+            </a:r>
+          </a:p>
+        </p:txBody>
+      </p:sp>
+      <p:pic>
+        <p:nvPicPr>
+          <p:cNvPr id="232" name="pasted-image.gif"/>
+          <p:cNvPicPr>
+            <a:picLocks noChangeAspect="1"/>
+          </p:cNvPicPr>
+          <p:nvPr/>
+        </p:nvPicPr>
+        <p:blipFill>
+          <a:blip r:embed="rId3">
+            <a:extLst/>
+          </a:blip>
+          <a:stretch>
+            <a:fillRect/>
+          </a:stretch>
+        </p:blipFill>
+        <p:spPr>
+          <a:xfrm>
+            <a:off x="1083733" y="3415863"/>
+            <a:ext cx="7996702" cy="6059357"/>
+          </a:xfrm>
+          <a:prstGeom prst="rect">
+            <a:avLst/>
+          </a:prstGeom>
+          <a:ln w="12700">
+            <a:miter lim="400000"/>
+          </a:ln>
+        </p:spPr>
+      </p:pic>
     </p:spTree>
   </p:cSld>
   <p:clrMapOvr>
@@ -6793,10 +7089,61 @@
       </p:grpSpPr>
       <p:sp>
         <p:nvSpPr>
-          <p:cNvPr id="235" name="Shape 235"/>
-          <p:cNvSpPr/>
-          <p:nvPr>
-            <p:ph type="title"/>
+          <p:cNvPr id="234" name="Shape 234"/>
+          <p:cNvSpPr/>
+          <p:nvPr>
+            <p:ph type="subTitle" sz="quarter" idx="1"/>
+          </p:nvPr>
+        </p:nvSpPr>
+        <p:spPr>
+          <a:prstGeom prst="rect">
+            <a:avLst/>
+          </a:prstGeom>
+        </p:spPr>
+        <p:txBody>
+          <a:bodyPr/>
+          <a:lstStyle/>
+          <a:p>
+            <a:pPr/>
+          </a:p>
+        </p:txBody>
+      </p:sp>
+      <p:pic>
+        <p:nvPicPr>
+          <p:cNvPr id="235" name="pasted-image.png"/>
+          <p:cNvPicPr>
+            <a:picLocks noChangeAspect="1"/>
+          </p:cNvPicPr>
+          <p:nvPr/>
+        </p:nvPicPr>
+        <p:blipFill>
+          <a:blip r:embed="rId2">
+            <a:extLst/>
+          </a:blip>
+          <a:srcRect l="2575" t="0" r="2575" b="0"/>
+          <a:stretch>
+            <a:fillRect/>
+          </a:stretch>
+        </p:blipFill>
+        <p:spPr>
+          <a:xfrm>
+            <a:off x="-7938" y="3089764"/>
+            <a:ext cx="13020619" cy="4257714"/>
+          </a:xfrm>
+          <a:prstGeom prst="rect">
+            <a:avLst/>
+          </a:prstGeom>
+          <a:ln w="12700">
+            <a:miter lim="400000"/>
+          </a:ln>
+        </p:spPr>
+      </p:pic>
+      <p:sp>
+        <p:nvSpPr>
+          <p:cNvPr id="236" name="Shape 236"/>
+          <p:cNvSpPr/>
+          <p:nvPr>
+            <p:ph type="ctrTitle"/>
           </p:nvPr>
         </p:nvSpPr>
         <p:spPr>
@@ -6821,75 +7168,7 @@
           <a:p>
             <a:pPr/>
             <a:r>
-              <a:t>Confusion Matrix</a:t>
-            </a:r>
-          </a:p>
-        </p:txBody>
-      </p:sp>
-      <p:sp>
-        <p:nvSpPr>
-          <p:cNvPr id="236" name="Shape 236"/>
-          <p:cNvSpPr/>
-          <p:nvPr>
-            <p:ph type="body" sz="half" idx="1"/>
-          </p:nvPr>
-        </p:nvSpPr>
-        <p:spPr>
-          <a:xfrm>
-            <a:off x="406400" y="4237533"/>
-            <a:ext cx="12192000" cy="3462405"/>
-          </a:xfrm>
-          <a:prstGeom prst="rect">
-            <a:avLst/>
-          </a:prstGeom>
-        </p:spPr>
-        <p:txBody>
-          <a:bodyPr anchor="t"/>
-          <a:lstStyle/>
-          <a:p>
-            <a:pPr marL="550656" indent="-550656" defTabSz="455674">
-              <a:lnSpc>
-                <a:spcPct val="100000"/>
-              </a:lnSpc>
-              <a:spcBef>
-                <a:spcPts val="2100"/>
-              </a:spcBef>
-              <a:buSzPct val="40000"/>
-              <a:buBlip>
-                <a:blip r:embed="rId2"/>
-              </a:buBlip>
-              <a:defRPr cap="none" spc="0" sz="4900">
-                <a:latin typeface="Avenir Next Medium"/>
-                <a:ea typeface="Avenir Next Medium"/>
-                <a:cs typeface="Avenir Next Medium"/>
-                <a:sym typeface="Avenir Next Medium"/>
-              </a:defRPr>
-            </a:pPr>
-            <a:r>
-              <a:t>Shows where your errors lie</a:t>
-            </a:r>
-          </a:p>
-          <a:p>
-            <a:pPr marL="550656" indent="-550656" defTabSz="455674">
-              <a:lnSpc>
-                <a:spcPct val="100000"/>
-              </a:lnSpc>
-              <a:spcBef>
-                <a:spcPts val="2100"/>
-              </a:spcBef>
-              <a:buSzPct val="40000"/>
-              <a:buBlip>
-                <a:blip r:embed="rId2"/>
-              </a:buBlip>
-              <a:defRPr cap="none" spc="0" sz="4900">
-                <a:latin typeface="Avenir Next Medium"/>
-                <a:ea typeface="Avenir Next Medium"/>
-                <a:cs typeface="Avenir Next Medium"/>
-                <a:sym typeface="Avenir Next Medium"/>
-              </a:defRPr>
-            </a:pPr>
-            <a:r>
-              <a:t>Correction classification on diagonal</a:t>
+              <a:t>Log-Odds</a:t>
             </a:r>
           </a:p>
         </p:txBody>
@@ -6925,42 +7204,57 @@
           <p:cNvPr id="238" name="Shape 238"/>
           <p:cNvSpPr/>
           <p:nvPr>
-            <p:ph type="subTitle" sz="quarter" idx="1"/>
-          </p:nvPr>
-        </p:nvSpPr>
-        <p:spPr>
-          <a:prstGeom prst="rect">
-            <a:avLst/>
-          </a:prstGeom>
-        </p:spPr>
-        <p:txBody>
-          <a:bodyPr/>
-          <a:lstStyle/>
+            <p:ph type="title" idx="4294967295"/>
+          </p:nvPr>
+        </p:nvSpPr>
+        <p:spPr>
+          <a:xfrm>
+            <a:off x="524933" y="1062566"/>
+            <a:ext cx="12192001" cy="1169261"/>
+          </a:xfrm>
+          <a:prstGeom prst="rect">
+            <a:avLst/>
+          </a:prstGeom>
+        </p:spPr>
+        <p:txBody>
+          <a:bodyPr lIns="50800" tIns="50800" rIns="50800" bIns="50800" anchor="t"/>
+          <a:lstStyle>
+            <a:lvl1pPr algn="l" defTabSz="403097">
+              <a:lnSpc>
+                <a:spcPct val="80000"/>
+              </a:lnSpc>
+              <a:spcBef>
+                <a:spcPts val="1900"/>
+              </a:spcBef>
+              <a:defRPr cap="all" sz="8200">
+                <a:solidFill>
+                  <a:schemeClr val="accent1"/>
+                </a:solidFill>
+                <a:latin typeface="DIN Condensed"/>
+                <a:ea typeface="DIN Condensed"/>
+                <a:cs typeface="DIN Condensed"/>
+                <a:sym typeface="DIN Condensed"/>
+              </a:defRPr>
+            </a:lvl1pPr>
+          </a:lstStyle>
           <a:p>
             <a:pPr/>
-          </a:p>
-        </p:txBody>
-      </p:sp>
-      <p:pic>
-        <p:nvPicPr>
-          <p:cNvPr id="239" name="pasted-image.png"/>
-          <p:cNvPicPr>
-            <a:picLocks noChangeAspect="1"/>
-          </p:cNvPicPr>
+            <a:r>
+              <a:t>Fix #2: Log()</a:t>
+            </a:r>
+          </a:p>
+        </p:txBody>
+      </p:sp>
+      <p:sp>
+        <p:nvSpPr>
+          <p:cNvPr id="239" name="Shape 239"/>
+          <p:cNvSpPr/>
           <p:nvPr/>
-        </p:nvPicPr>
-        <p:blipFill>
-          <a:blip r:embed="rId2">
-            <a:extLst/>
-          </a:blip>
-          <a:stretch>
-            <a:fillRect/>
-          </a:stretch>
-        </p:blipFill>
-        <p:spPr>
-          <a:xfrm>
-            <a:off x="0" y="1003607"/>
-            <a:ext cx="14671184" cy="7746386"/>
+        </p:nvSpPr>
+        <p:spPr>
+          <a:xfrm>
+            <a:off x="657871" y="3841750"/>
+            <a:ext cx="7506524" cy="2070101"/>
           </a:xfrm>
           <a:prstGeom prst="rect">
             <a:avLst/>
@@ -6968,8 +7262,65 @@
           <a:ln w="12700">
             <a:miter lim="400000"/>
           </a:ln>
-        </p:spPr>
-      </p:pic>
+          <a:extLst>
+            <a:ext uri="{C572A759-6A51-4108-AA02-DFA0A04FC94B}">
+              <ma14:wrappingTextBoxFlag xmlns:ma14="http://schemas.microsoft.com/office/mac/drawingml/2011/main" val="1"/>
+            </a:ext>
+          </a:extLst>
+        </p:spPr>
+        <p:txBody>
+          <a:bodyPr wrap="none" lIns="50800" tIns="50800" rIns="50800" bIns="50800" anchor="ctr">
+            <a:spAutoFit/>
+          </a:bodyPr>
+          <a:lstStyle/>
+          <a:p>
+            <a:pPr marL="550656" indent="-550656" defTabSz="455674">
+              <a:spcBef>
+                <a:spcPts val="2100"/>
+              </a:spcBef>
+              <a:buSzPct val="40000"/>
+              <a:buBlip>
+                <a:blip r:embed="rId2"/>
+              </a:buBlip>
+              <a:defRPr sz="4900">
+                <a:solidFill>
+                  <a:srgbClr val="838787"/>
+                </a:solidFill>
+                <a:latin typeface="Avenir Next Medium"/>
+                <a:ea typeface="Avenir Next Medium"/>
+                <a:cs typeface="Avenir Next Medium"/>
+                <a:sym typeface="Avenir Next Medium"/>
+              </a:defRPr>
+            </a:pPr>
+            <a:r>
+              <a:t>Win = log(4) = 1.39 </a:t>
+            </a:r>
+          </a:p>
+          <a:p>
+            <a:pPr marL="550656" indent="-550656" defTabSz="455674">
+              <a:spcBef>
+                <a:spcPts val="2100"/>
+              </a:spcBef>
+              <a:buSzPct val="40000"/>
+              <a:buBlip>
+                <a:blip r:embed="rId2"/>
+              </a:buBlip>
+              <a:defRPr sz="4900">
+                <a:solidFill>
+                  <a:srgbClr val="838787"/>
+                </a:solidFill>
+                <a:latin typeface="Avenir Next Medium"/>
+                <a:ea typeface="Avenir Next Medium"/>
+                <a:cs typeface="Avenir Next Medium"/>
+                <a:sym typeface="Avenir Next Medium"/>
+              </a:defRPr>
+            </a:pPr>
+            <a:r>
+              <a:t>Lose = log(0.25) = -1.39</a:t>
+            </a:r>
+          </a:p>
+        </p:txBody>
+      </p:sp>
     </p:spTree>
   </p:cSld>
   <p:clrMapOvr>
@@ -6982,6 +7333,13 @@
 <file path=ppt/slides/slide17.xml><?xml version="1.0" encoding="utf-8"?>
 <p:sld xmlns:a="http://schemas.openxmlformats.org/drawingml/2006/main" xmlns:r="http://schemas.openxmlformats.org/officeDocument/2006/relationships" xmlns:p="http://schemas.openxmlformats.org/presentationml/2006/main" showMasterSp="1" showMasterPhAnim="1">
   <p:cSld>
+    <p:bg>
+      <p:bgPr>
+        <a:solidFill>
+          <a:srgbClr val="D2DADD"/>
+        </a:solidFill>
+      </p:bgPr>
+    </p:bg>
     <p:spTree>
       <p:nvGrpSpPr>
         <p:cNvPr id="1" name=""/>
@@ -6996,44 +7354,9 @@
           <a:chExt cx="0" cy="0"/>
         </a:xfrm>
       </p:grpSpPr>
-      <p:sp>
-        <p:nvSpPr>
-          <p:cNvPr id="241" name="Shape 241"/>
-          <p:cNvSpPr/>
-          <p:nvPr>
-            <p:ph type="title"/>
-          </p:nvPr>
-        </p:nvSpPr>
-        <p:spPr>
-          <a:xfrm>
-            <a:off x="406400" y="1536700"/>
-            <a:ext cx="12192000" cy="1169261"/>
-          </a:xfrm>
-          <a:prstGeom prst="rect">
-            <a:avLst/>
-          </a:prstGeom>
-        </p:spPr>
-        <p:txBody>
-          <a:bodyPr/>
-          <a:lstStyle>
-            <a:lvl1pPr defTabSz="403097">
-              <a:spcBef>
-                <a:spcPts val="1900"/>
-              </a:spcBef>
-              <a:defRPr sz="8200"/>
-            </a:lvl1pPr>
-          </a:lstStyle>
-          <a:p>
-            <a:pPr/>
-            <a:r>
-              <a:t>Confusion Matrix</a:t>
-            </a:r>
-          </a:p>
-        </p:txBody>
-      </p:sp>
       <p:pic>
         <p:nvPicPr>
-          <p:cNvPr id="242" name="pasted-image.png"/>
+          <p:cNvPr id="241" name="pasted-image.png"/>
           <p:cNvPicPr>
             <a:picLocks noChangeAspect="1"/>
           </p:cNvPicPr>
@@ -7049,38 +7372,8 @@
         </p:blipFill>
         <p:spPr>
           <a:xfrm>
-            <a:off x="1122891" y="1870934"/>
-            <a:ext cx="4762501" cy="3454401"/>
-          </a:xfrm>
-          <a:prstGeom prst="rect">
-            <a:avLst/>
-          </a:prstGeom>
-          <a:ln w="12700">
-            <a:miter lim="400000"/>
-          </a:ln>
-        </p:spPr>
-      </p:pic>
-      <p:pic>
-        <p:nvPicPr>
-          <p:cNvPr id="243" name="pasted-image.png"/>
-          <p:cNvPicPr>
-            <a:picLocks noChangeAspect="1"/>
-          </p:cNvPicPr>
-          <p:nvPr/>
-        </p:nvPicPr>
-        <p:blipFill>
-          <a:blip r:embed="rId3">
-            <a:extLst/>
-          </a:blip>
-          <a:srcRect l="1243" t="0" r="0" b="0"/>
-          <a:stretch>
-            <a:fillRect/>
-          </a:stretch>
-        </p:blipFill>
-        <p:spPr>
-          <a:xfrm>
-            <a:off x="-91182" y="-153260"/>
-            <a:ext cx="13355285" cy="10547990"/>
+            <a:off x="-82352" y="1700675"/>
+            <a:ext cx="13169422" cy="6041473"/>
           </a:xfrm>
           <a:prstGeom prst="rect">
             <a:avLst/>
@@ -7118,7 +7411,7 @@
       </p:grpSpPr>
       <p:sp>
         <p:nvSpPr>
-          <p:cNvPr id="245" name="Shape 245"/>
+          <p:cNvPr id="243" name="Shape 243"/>
           <p:cNvSpPr/>
           <p:nvPr>
             <p:ph type="title"/>
@@ -7146,23 +7439,23 @@
           <a:p>
             <a:pPr/>
             <a:r>
-              <a:t>Class prediction Error</a:t>
-            </a:r>
-          </a:p>
-        </p:txBody>
-      </p:sp>
-      <p:sp>
-        <p:nvSpPr>
-          <p:cNvPr id="246" name="Shape 246"/>
-          <p:cNvSpPr/>
-          <p:nvPr>
-            <p:ph type="body" sz="half" idx="1"/>
-          </p:nvPr>
-        </p:nvSpPr>
-        <p:spPr>
-          <a:xfrm>
-            <a:off x="406400" y="4237533"/>
-            <a:ext cx="12192000" cy="3462405"/>
+              <a:t>Sigmoid function</a:t>
+            </a:r>
+          </a:p>
+        </p:txBody>
+      </p:sp>
+      <p:sp>
+        <p:nvSpPr>
+          <p:cNvPr id="244" name="Shape 244"/>
+          <p:cNvSpPr/>
+          <p:nvPr>
+            <p:ph type="body" sz="quarter" idx="1"/>
+          </p:nvPr>
+        </p:nvSpPr>
+        <p:spPr>
+          <a:xfrm>
+            <a:off x="406400" y="3236537"/>
+            <a:ext cx="12192001" cy="1169261"/>
           </a:xfrm>
           <a:prstGeom prst="rect">
             <a:avLst/>
@@ -7191,34 +7484,51 @@
               </a:defRPr>
             </a:pPr>
             <a:r>
-              <a:t>Derived from the confusion matrix</a:t>
-            </a:r>
-          </a:p>
-          <a:p>
-            <a:pPr marL="550656" indent="-550656" defTabSz="455674">
-              <a:lnSpc>
-                <a:spcPct val="100000"/>
-              </a:lnSpc>
-              <a:spcBef>
-                <a:spcPts val="2100"/>
-              </a:spcBef>
-              <a:buSzPct val="40000"/>
-              <a:buBlip>
-                <a:blip r:embed="rId2"/>
-              </a:buBlip>
-              <a:defRPr cap="none" spc="0" sz="4900">
-                <a:latin typeface="Avenir Next Medium"/>
-                <a:ea typeface="Avenir Next Medium"/>
-                <a:cs typeface="Avenir Next Medium"/>
-                <a:sym typeface="Avenir Next Medium"/>
-              </a:defRPr>
-            </a:pPr>
-            <a:r>
-              <a:t>Sometimes easier to interpret</a:t>
-            </a:r>
-          </a:p>
-        </p:txBody>
-      </p:sp>
+              <a:rPr>
+                <a:solidFill>
+                  <a:schemeClr val="accent3"/>
+                </a:solidFill>
+              </a:rPr>
+              <a:t>Translates</a:t>
+            </a:r>
+            <a:r>
+              <a:t> log-odds back to </a:t>
+            </a:r>
+            <a:r>
+              <a:t>probability</a:t>
+            </a:r>
+          </a:p>
+        </p:txBody>
+      </p:sp>
+      <p:pic>
+        <p:nvPicPr>
+          <p:cNvPr id="245" name="pasted-image.png"/>
+          <p:cNvPicPr>
+            <a:picLocks noChangeAspect="1"/>
+          </p:cNvPicPr>
+          <p:nvPr/>
+        </p:nvPicPr>
+        <p:blipFill>
+          <a:blip r:embed="rId3">
+            <a:extLst/>
+          </a:blip>
+          <a:stretch>
+            <a:fillRect/>
+          </a:stretch>
+        </p:blipFill>
+        <p:spPr>
+          <a:xfrm>
+            <a:off x="506941" y="4369990"/>
+            <a:ext cx="10795001" cy="5067301"/>
+          </a:xfrm>
+          <a:prstGeom prst="rect">
+            <a:avLst/>
+          </a:prstGeom>
+          <a:ln w="12700">
+            <a:miter lim="400000"/>
+          </a:ln>
+        </p:spPr>
+      </p:pic>
     </p:spTree>
   </p:cSld>
   <p:clrMapOvr>
@@ -7247,7 +7557,7 @@
       </p:grpSpPr>
       <p:sp>
         <p:nvSpPr>
-          <p:cNvPr id="248" name="Shape 248"/>
+          <p:cNvPr id="247" name="Shape 247"/>
           <p:cNvSpPr/>
           <p:nvPr>
             <p:ph type="ctrTitle"/>
@@ -7270,7 +7580,7 @@
       </p:sp>
       <p:sp>
         <p:nvSpPr>
-          <p:cNvPr id="249" name="Shape 249"/>
+          <p:cNvPr id="248" name="Shape 248"/>
           <p:cNvSpPr/>
           <p:nvPr>
             <p:ph type="subTitle" sz="quarter" idx="1"/>
@@ -7291,7 +7601,7 @@
       </p:sp>
       <p:pic>
         <p:nvPicPr>
-          <p:cNvPr id="250" name="pasted-image.png"/>
+          <p:cNvPr id="249" name="pasted-image.jpeg"/>
           <p:cNvPicPr>
             <a:picLocks noChangeAspect="1"/>
           </p:cNvPicPr>
@@ -7307,8 +7617,8 @@
         </p:blipFill>
         <p:spPr>
           <a:xfrm>
-            <a:off x="152400" y="694266"/>
-            <a:ext cx="12527941" cy="8612961"/>
+            <a:off x="215900" y="1282700"/>
+            <a:ext cx="12573000" cy="7188200"/>
           </a:xfrm>
           <a:prstGeom prst="rect">
             <a:avLst/>
@@ -7354,7 +7664,7 @@
         </p:nvSpPr>
         <p:spPr>
           <a:xfrm>
-            <a:off x="2253592" y="2939153"/>
+            <a:off x="3675992" y="3684220"/>
             <a:ext cx="9818416" cy="4654227"/>
           </a:xfrm>
           <a:prstGeom prst="rect">
@@ -7367,7 +7677,7 @@
           <a:p>
             <a:pPr/>
             <a:r>
-              <a:t>Logistic Regression</a:t>
+              <a:t>Review</a:t>
             </a:r>
           </a:p>
         </p:txBody>
@@ -7400,7 +7710,7 @@
       </p:grpSpPr>
       <p:sp>
         <p:nvSpPr>
-          <p:cNvPr id="252" name="Shape 252"/>
+          <p:cNvPr id="251" name="Shape 251"/>
           <p:cNvSpPr/>
           <p:nvPr>
             <p:ph type="title"/>
@@ -7409,7 +7719,7 @@
         <p:spPr>
           <a:xfrm>
             <a:off x="406400" y="1536700"/>
-            <a:ext cx="12192000" cy="1169260"/>
+            <a:ext cx="12192000" cy="1169261"/>
           </a:xfrm>
           <a:prstGeom prst="rect">
             <a:avLst/>
@@ -7422,20 +7732,20 @@
               <a:spcBef>
                 <a:spcPts val="1900"/>
               </a:spcBef>
-              <a:defRPr sz="8280"/>
+              <a:defRPr sz="8200"/>
             </a:lvl1pPr>
           </a:lstStyle>
           <a:p>
             <a:pPr/>
             <a:r>
-              <a:t>ROC Curve</a:t>
-            </a:r>
-          </a:p>
-        </p:txBody>
-      </p:sp>
-      <p:sp>
-        <p:nvSpPr>
-          <p:cNvPr id="253" name="Shape 253"/>
+              <a:t>Logistic Regression</a:t>
+            </a:r>
+          </a:p>
+        </p:txBody>
+      </p:sp>
+      <p:sp>
+        <p:nvSpPr>
+          <p:cNvPr id="252" name="Shape 252"/>
           <p:cNvSpPr/>
           <p:nvPr>
             <p:ph type="body" idx="1"/>
@@ -7443,53 +7753,107 @@
         </p:nvSpPr>
         <p:spPr>
           <a:xfrm>
-            <a:off x="406400" y="2570901"/>
-            <a:ext cx="12192000" cy="6465998"/>
-          </a:xfrm>
-          <a:prstGeom prst="rect">
-            <a:avLst/>
-          </a:prstGeom>
-        </p:spPr>
-        <p:txBody>
-          <a:bodyPr/>
+            <a:off x="406400" y="4237533"/>
+            <a:ext cx="12192000" cy="4536481"/>
+          </a:xfrm>
+          <a:prstGeom prst="rect">
+            <a:avLst/>
+          </a:prstGeom>
+        </p:spPr>
+        <p:txBody>
+          <a:bodyPr anchor="t"/>
           <a:lstStyle/>
           <a:p>
-            <a:pPr marL="705970" indent="-705970">
-              <a:buClrTx/>
+            <a:pPr marL="550656" indent="-550656" defTabSz="455674">
+              <a:lnSpc>
+                <a:spcPct val="100000"/>
+              </a:lnSpc>
+              <a:spcBef>
+                <a:spcPts val="2100"/>
+              </a:spcBef>
               <a:buSzPct val="40000"/>
-              <a:buFontTx/>
               <a:buBlip>
                 <a:blip r:embed="rId2"/>
               </a:buBlip>
-              <a:defRPr sz="6400"/>
+              <a:defRPr cap="none" spc="0" sz="4900">
+                <a:solidFill>
+                  <a:srgbClr val="A7A7A7"/>
+                </a:solidFill>
+                <a:latin typeface="Avenir Next Medium"/>
+                <a:ea typeface="Avenir Next Medium"/>
+                <a:cs typeface="Avenir Next Medium"/>
+                <a:sym typeface="Avenir Next Medium"/>
+              </a:defRPr>
             </a:pPr>
-          </a:p>
-          <a:p>
-            <a:pPr marL="705970" indent="-705970">
-              <a:buClrTx/>
+            <a:r>
+              <a:t>Output is probability</a:t>
+            </a:r>
+          </a:p>
+          <a:p>
+            <a:pPr marL="550656" indent="-550656" defTabSz="455674">
+              <a:lnSpc>
+                <a:spcPct val="100000"/>
+              </a:lnSpc>
+              <a:spcBef>
+                <a:spcPts val="2100"/>
+              </a:spcBef>
               <a:buSzPct val="40000"/>
-              <a:buFontTx/>
               <a:buBlip>
                 <a:blip r:embed="rId2"/>
               </a:buBlip>
-              <a:defRPr sz="6400"/>
+              <a:defRPr cap="none" spc="0" sz="4900">
+                <a:latin typeface="Avenir Next Medium"/>
+                <a:ea typeface="Avenir Next Medium"/>
+                <a:cs typeface="Avenir Next Medium"/>
+                <a:sym typeface="Avenir Next Medium"/>
+              </a:defRPr>
             </a:pPr>
             <a:r>
-              <a:t>Short for “Receiver operating characteristic” </a:t>
-            </a:r>
-          </a:p>
-          <a:p>
-            <a:pPr marL="705970" indent="-705970">
-              <a:buClrTx/>
+              <a:rPr>
+                <a:solidFill>
+                  <a:srgbClr val="A7A7A7"/>
+                </a:solidFill>
+              </a:rPr>
+              <a:t>Probability -&gt; classification using a </a:t>
+            </a:r>
+            <a:r>
+              <a:rPr>
+                <a:solidFill>
+                  <a:schemeClr val="accent3"/>
+                </a:solidFill>
+              </a:rPr>
+              <a:t>discrimination threshold</a:t>
+            </a:r>
+            <a:endParaRPr>
+              <a:solidFill>
+                <a:schemeClr val="accent3"/>
+              </a:solidFill>
+            </a:endParaRPr>
+          </a:p>
+          <a:p>
+            <a:pPr marL="550656" indent="-550656" defTabSz="455674">
+              <a:lnSpc>
+                <a:spcPct val="100000"/>
+              </a:lnSpc>
+              <a:spcBef>
+                <a:spcPts val="2100"/>
+              </a:spcBef>
               <a:buSzPct val="40000"/>
-              <a:buFontTx/>
               <a:buBlip>
                 <a:blip r:embed="rId2"/>
               </a:buBlip>
-              <a:defRPr sz="6400"/>
+              <a:defRPr cap="none" spc="0" sz="4900">
+                <a:solidFill>
+                  <a:srgbClr val="A7A7A7"/>
+                </a:solidFill>
+                <a:latin typeface="Avenir Next Medium"/>
+                <a:ea typeface="Avenir Next Medium"/>
+                <a:cs typeface="Avenir Next Medium"/>
+                <a:sym typeface="Avenir Next Medium"/>
+              </a:defRPr>
             </a:pPr>
             <a:r>
-              <a:t>Shows effect of changing probability threshold </a:t>
+              <a:t>Default threshold: 0.5</a:t>
             </a:r>
           </a:p>
         </p:txBody>
@@ -7520,9 +7884,53 @@
           <a:chExt cx="0" cy="0"/>
         </a:xfrm>
       </p:grpSpPr>
+      <p:sp>
+        <p:nvSpPr>
+          <p:cNvPr id="254" name="Shape 254"/>
+          <p:cNvSpPr/>
+          <p:nvPr>
+            <p:ph type="ctrTitle"/>
+          </p:nvPr>
+        </p:nvSpPr>
+        <p:spPr>
+          <a:prstGeom prst="rect">
+            <a:avLst/>
+          </a:prstGeom>
+        </p:spPr>
+        <p:txBody>
+          <a:bodyPr/>
+          <a:lstStyle/>
+          <a:p>
+            <a:pPr defTabSz="455675">
+              <a:defRPr sz="13259"/>
+            </a:pPr>
+          </a:p>
+        </p:txBody>
+      </p:sp>
+      <p:sp>
+        <p:nvSpPr>
+          <p:cNvPr id="255" name="Shape 255"/>
+          <p:cNvSpPr/>
+          <p:nvPr>
+            <p:ph type="subTitle" sz="quarter" idx="1"/>
+          </p:nvPr>
+        </p:nvSpPr>
+        <p:spPr>
+          <a:prstGeom prst="rect">
+            <a:avLst/>
+          </a:prstGeom>
+        </p:spPr>
+        <p:txBody>
+          <a:bodyPr/>
+          <a:lstStyle/>
+          <a:p>
+            <a:pPr/>
+          </a:p>
+        </p:txBody>
+      </p:sp>
       <p:pic>
         <p:nvPicPr>
-          <p:cNvPr id="255" name="pasted-image.png"/>
+          <p:cNvPr id="256" name="pasted-image.jpeg"/>
           <p:cNvPicPr>
             <a:picLocks noChangeAspect="1"/>
           </p:cNvPicPr>
@@ -7538,8 +7946,8 @@
         </p:blipFill>
         <p:spPr>
           <a:xfrm>
-            <a:off x="357214" y="-44847"/>
-            <a:ext cx="12290372" cy="9843294"/>
+            <a:off x="215900" y="1282700"/>
+            <a:ext cx="12573000" cy="7188200"/>
           </a:xfrm>
           <a:prstGeom prst="rect">
             <a:avLst/>
@@ -7549,6 +7957,44 @@
           </a:ln>
         </p:spPr>
       </p:pic>
+      <p:sp>
+        <p:nvSpPr>
+          <p:cNvPr id="257" name="Shape 257"/>
+          <p:cNvSpPr/>
+          <p:nvPr/>
+        </p:nvSpPr>
+        <p:spPr>
+          <a:xfrm>
+            <a:off x="2082800" y="4206975"/>
+            <a:ext cx="10509665" cy="1"/>
+          </a:xfrm>
+          <a:prstGeom prst="line">
+            <a:avLst/>
+          </a:prstGeom>
+          <a:ln w="76200">
+            <a:solidFill>
+              <a:schemeClr val="accent5"/>
+            </a:solidFill>
+            <a:custDash>
+              <a:ds d="200000" sp="200000"/>
+            </a:custDash>
+            <a:miter lim="400000"/>
+          </a:ln>
+        </p:spPr>
+        <p:txBody>
+          <a:bodyPr lIns="45718" tIns="45718" rIns="45718" bIns="45718"/>
+          <a:lstStyle/>
+          <a:p>
+            <a:pPr>
+              <a:defRPr>
+                <a:solidFill>
+                  <a:srgbClr val="838787"/>
+                </a:solidFill>
+              </a:defRPr>
+            </a:pPr>
+          </a:p>
+        </p:txBody>
+      </p:sp>
     </p:spTree>
   </p:cSld>
   <p:clrMapOvr>
@@ -7577,52 +8023,13 @@
       </p:grpSpPr>
       <p:sp>
         <p:nvSpPr>
-          <p:cNvPr id="257" name="Shape 257"/>
-          <p:cNvSpPr/>
-          <p:nvPr>
-            <p:ph type="title"/>
-          </p:nvPr>
-        </p:nvSpPr>
-        <p:spPr>
-          <a:xfrm>
-            <a:off x="406400" y="1536700"/>
-            <a:ext cx="12192000" cy="1169260"/>
-          </a:xfrm>
-          <a:prstGeom prst="rect">
-            <a:avLst/>
-          </a:prstGeom>
-        </p:spPr>
-        <p:txBody>
-          <a:bodyPr/>
-          <a:lstStyle>
-            <a:lvl1pPr defTabSz="403097">
-              <a:spcBef>
-                <a:spcPts val="1900"/>
-              </a:spcBef>
-              <a:defRPr sz="8280"/>
-            </a:lvl1pPr>
-          </a:lstStyle>
-          <a:p>
-            <a:pPr/>
-            <a:r>
-              <a:t>Area Under the curve</a:t>
-            </a:r>
-          </a:p>
-        </p:txBody>
-      </p:sp>
-      <p:sp>
-        <p:nvSpPr>
-          <p:cNvPr id="258" name="Shape 258"/>
-          <p:cNvSpPr/>
-          <p:nvPr>
-            <p:ph type="body" idx="1"/>
-          </p:nvPr>
-        </p:nvSpPr>
-        <p:spPr>
-          <a:xfrm>
-            <a:off x="406400" y="2570901"/>
-            <a:ext cx="12192000" cy="6465998"/>
-          </a:xfrm>
+          <p:cNvPr id="259" name="Shape 259"/>
+          <p:cNvSpPr/>
+          <p:nvPr>
+            <p:ph type="ctrTitle"/>
+          </p:nvPr>
+        </p:nvSpPr>
+        <p:spPr>
           <a:prstGeom prst="rect">
             <a:avLst/>
           </a:prstGeom>
@@ -7631,46 +8038,62 @@
           <a:bodyPr/>
           <a:lstStyle/>
           <a:p>
-            <a:pPr marL="705970" indent="-705970">
-              <a:buClrTx/>
-              <a:buSzPct val="40000"/>
-              <a:buFontTx/>
-              <a:buBlip>
-                <a:blip r:embed="rId2"/>
-              </a:buBlip>
-              <a:defRPr sz="6400"/>
+            <a:pPr defTabSz="455675">
+              <a:defRPr sz="13259"/>
             </a:pPr>
           </a:p>
-          <a:p>
-            <a:pPr marL="705970" indent="-705970">
-              <a:buClrTx/>
-              <a:buSzPct val="40000"/>
-              <a:buFontTx/>
-              <a:buBlip>
-                <a:blip r:embed="rId2"/>
-              </a:buBlip>
-              <a:defRPr sz="6400"/>
-            </a:pPr>
-            <a:r>
-              <a:t>Total AUC is a measure of classifier power</a:t>
-            </a:r>
-          </a:p>
-          <a:p>
-            <a:pPr marL="705970" indent="-705970">
-              <a:buClrTx/>
-              <a:buSzPct val="40000"/>
-              <a:buFontTx/>
-              <a:buBlip>
-                <a:blip r:embed="rId2"/>
-              </a:buBlip>
-              <a:defRPr sz="6400"/>
-            </a:pPr>
-            <a:r>
-              <a:t>1.0 is perfect, 0.5 is as bad as random chance</a:t>
-            </a:r>
-          </a:p>
-        </p:txBody>
-      </p:sp>
+        </p:txBody>
+      </p:sp>
+      <p:sp>
+        <p:nvSpPr>
+          <p:cNvPr id="260" name="Shape 260"/>
+          <p:cNvSpPr/>
+          <p:nvPr>
+            <p:ph type="subTitle" sz="quarter" idx="1"/>
+          </p:nvPr>
+        </p:nvSpPr>
+        <p:spPr>
+          <a:prstGeom prst="rect">
+            <a:avLst/>
+          </a:prstGeom>
+        </p:spPr>
+        <p:txBody>
+          <a:bodyPr/>
+          <a:lstStyle/>
+          <a:p>
+            <a:pPr/>
+          </a:p>
+        </p:txBody>
+      </p:sp>
+      <p:pic>
+        <p:nvPicPr>
+          <p:cNvPr id="261" name="pasted-image.png"/>
+          <p:cNvPicPr>
+            <a:picLocks noChangeAspect="1"/>
+          </p:cNvPicPr>
+          <p:nvPr/>
+        </p:nvPicPr>
+        <p:blipFill>
+          <a:blip r:embed="rId2">
+            <a:extLst/>
+          </a:blip>
+          <a:stretch>
+            <a:fillRect/>
+          </a:stretch>
+        </p:blipFill>
+        <p:spPr>
+          <a:xfrm>
+            <a:off x="4233" y="1659261"/>
+            <a:ext cx="12996334" cy="6435078"/>
+          </a:xfrm>
+          <a:prstGeom prst="rect">
+            <a:avLst/>
+          </a:prstGeom>
+          <a:ln w="12700">
+            <a:miter lim="400000"/>
+          </a:ln>
+        </p:spPr>
+      </p:pic>
     </p:spTree>
   </p:cSld>
   <p:clrMapOvr>
@@ -7699,52 +8122,13 @@
       </p:grpSpPr>
       <p:sp>
         <p:nvSpPr>
-          <p:cNvPr id="260" name="Shape 260"/>
-          <p:cNvSpPr/>
-          <p:nvPr>
-            <p:ph type="title"/>
-          </p:nvPr>
-        </p:nvSpPr>
-        <p:spPr>
-          <a:xfrm>
-            <a:off x="406400" y="1536700"/>
-            <a:ext cx="12192000" cy="1169260"/>
-          </a:xfrm>
-          <a:prstGeom prst="rect">
-            <a:avLst/>
-          </a:prstGeom>
-        </p:spPr>
-        <p:txBody>
-          <a:bodyPr/>
-          <a:lstStyle>
-            <a:lvl1pPr defTabSz="403097">
-              <a:spcBef>
-                <a:spcPts val="1900"/>
-              </a:spcBef>
-              <a:defRPr sz="8280"/>
-            </a:lvl1pPr>
-          </a:lstStyle>
-          <a:p>
-            <a:pPr/>
-            <a:r>
-              <a:t>Choosing a Threshold</a:t>
-            </a:r>
-          </a:p>
-        </p:txBody>
-      </p:sp>
-      <p:sp>
-        <p:nvSpPr>
-          <p:cNvPr id="261" name="Shape 261"/>
-          <p:cNvSpPr/>
-          <p:nvPr>
-            <p:ph type="body" idx="1"/>
-          </p:nvPr>
-        </p:nvSpPr>
-        <p:spPr>
-          <a:xfrm>
-            <a:off x="406400" y="2570901"/>
-            <a:ext cx="12192000" cy="6465998"/>
-          </a:xfrm>
+          <p:cNvPr id="263" name="Shape 263"/>
+          <p:cNvSpPr/>
+          <p:nvPr>
+            <p:ph type="ctrTitle"/>
+          </p:nvPr>
+        </p:nvSpPr>
+        <p:spPr>
           <a:prstGeom prst="rect">
             <a:avLst/>
           </a:prstGeom>
@@ -7753,46 +8137,62 @@
           <a:bodyPr/>
           <a:lstStyle/>
           <a:p>
-            <a:pPr marL="705970" indent="-705970">
-              <a:buClrTx/>
-              <a:buSzPct val="40000"/>
-              <a:buFontTx/>
-              <a:buBlip>
-                <a:blip r:embed="rId2"/>
-              </a:buBlip>
-              <a:defRPr sz="6400"/>
+            <a:pPr defTabSz="455675">
+              <a:defRPr sz="13259"/>
             </a:pPr>
           </a:p>
-          <a:p>
-            <a:pPr marL="705970" indent="-705970">
-              <a:buClrTx/>
-              <a:buSzPct val="40000"/>
-              <a:buFontTx/>
-              <a:buBlip>
-                <a:blip r:embed="rId2"/>
-              </a:buBlip>
-              <a:defRPr sz="6400"/>
-            </a:pPr>
-            <a:r>
-              <a:t>Business decision: Which type of errors are more costly?</a:t>
-            </a:r>
-          </a:p>
-          <a:p>
-            <a:pPr marL="705970" indent="-705970">
-              <a:buClrTx/>
-              <a:buSzPct val="40000"/>
-              <a:buFontTx/>
-              <a:buBlip>
-                <a:blip r:embed="rId2"/>
-              </a:buBlip>
-              <a:defRPr sz="6400"/>
-            </a:pPr>
-            <a:r>
-              <a:t>Equal weight? Closest point on curve to top-left corner</a:t>
-            </a:r>
-          </a:p>
-        </p:txBody>
-      </p:sp>
+        </p:txBody>
+      </p:sp>
+      <p:sp>
+        <p:nvSpPr>
+          <p:cNvPr id="264" name="Shape 264"/>
+          <p:cNvSpPr/>
+          <p:nvPr>
+            <p:ph type="subTitle" sz="quarter" idx="1"/>
+          </p:nvPr>
+        </p:nvSpPr>
+        <p:spPr>
+          <a:prstGeom prst="rect">
+            <a:avLst/>
+          </a:prstGeom>
+        </p:spPr>
+        <p:txBody>
+          <a:bodyPr/>
+          <a:lstStyle/>
+          <a:p>
+            <a:pPr/>
+          </a:p>
+        </p:txBody>
+      </p:sp>
+      <p:pic>
+        <p:nvPicPr>
+          <p:cNvPr id="265" name="pasted-image.png"/>
+          <p:cNvPicPr>
+            <a:picLocks noChangeAspect="1"/>
+          </p:cNvPicPr>
+          <p:nvPr/>
+        </p:nvPicPr>
+        <p:blipFill>
+          <a:blip r:embed="rId2">
+            <a:extLst/>
+          </a:blip>
+          <a:stretch>
+            <a:fillRect/>
+          </a:stretch>
+        </p:blipFill>
+        <p:spPr>
+          <a:xfrm>
+            <a:off x="-2117" y="535890"/>
+            <a:ext cx="13009035" cy="8681820"/>
+          </a:xfrm>
+          <a:prstGeom prst="rect">
+            <a:avLst/>
+          </a:prstGeom>
+          <a:ln w="12700">
+            <a:miter lim="400000"/>
+          </a:ln>
+        </p:spPr>
+      </p:pic>
     </p:spTree>
   </p:cSld>
   <p:clrMapOvr>
@@ -7821,7 +8221,7 @@
       </p:grpSpPr>
       <p:sp>
         <p:nvSpPr>
-          <p:cNvPr id="263" name="Shape 263"/>
+          <p:cNvPr id="267" name="Shape 267"/>
           <p:cNvSpPr/>
           <p:nvPr>
             <p:ph type="title"/>
@@ -7875,13 +8275,17 @@
       </p:grpSpPr>
       <p:sp>
         <p:nvSpPr>
-          <p:cNvPr id="265" name="Shape 265"/>
-          <p:cNvSpPr/>
-          <p:nvPr>
-            <p:ph type="ctrTitle"/>
-          </p:nvPr>
-        </p:nvSpPr>
-        <p:spPr>
+          <p:cNvPr id="269" name="Shape 269"/>
+          <p:cNvSpPr/>
+          <p:nvPr>
+            <p:ph type="title"/>
+          </p:nvPr>
+        </p:nvSpPr>
+        <p:spPr>
+          <a:xfrm>
+            <a:off x="2015066" y="3056466"/>
+            <a:ext cx="12192001" cy="4521201"/>
+          </a:xfrm>
           <a:prstGeom prst="rect">
             <a:avLst/>
           </a:prstGeom>
@@ -7890,62 +8294,19 @@
           <a:bodyPr/>
           <a:lstStyle/>
           <a:p>
-            <a:pPr defTabSz="455675">
-              <a:defRPr sz="13259"/>
-            </a:pPr>
-          </a:p>
-        </p:txBody>
-      </p:sp>
-      <p:sp>
-        <p:nvSpPr>
-          <p:cNvPr id="266" name="Shape 266"/>
-          <p:cNvSpPr/>
-          <p:nvPr>
-            <p:ph type="subTitle" sz="quarter" idx="1"/>
-          </p:nvPr>
-        </p:nvSpPr>
-        <p:spPr>
-          <a:prstGeom prst="rect">
-            <a:avLst/>
-          </a:prstGeom>
-        </p:spPr>
-        <p:txBody>
-          <a:bodyPr/>
-          <a:lstStyle/>
-          <a:p>
             <a:pPr/>
-          </a:p>
-        </p:txBody>
-      </p:sp>
-      <p:pic>
-        <p:nvPicPr>
-          <p:cNvPr id="267" name="pasted-image.png"/>
-          <p:cNvPicPr>
-            <a:picLocks noChangeAspect="1"/>
-          </p:cNvPicPr>
-          <p:nvPr/>
-        </p:nvPicPr>
-        <p:blipFill>
-          <a:blip r:embed="rId2">
-            <a:extLst/>
-          </a:blip>
-          <a:stretch>
-            <a:fillRect/>
-          </a:stretch>
-        </p:blipFill>
-        <p:spPr>
-          <a:xfrm>
-            <a:off x="16933" y="0"/>
-            <a:ext cx="13004801" cy="9753600"/>
-          </a:xfrm>
-          <a:prstGeom prst="rect">
-            <a:avLst/>
-          </a:prstGeom>
-          <a:ln w="12700">
-            <a:miter lim="400000"/>
-          </a:ln>
-        </p:spPr>
-      </p:pic>
+            <a:r>
+              <a:t>Evaluating</a:t>
+            </a:r>
+          </a:p>
+          <a:p>
+            <a:pPr/>
+            <a:r>
+              <a:t>Classifiers</a:t>
+            </a:r>
+          </a:p>
+        </p:txBody>
+      </p:sp>
     </p:spTree>
   </p:cSld>
   <p:clrMapOvr>
@@ -7974,7 +8335,7 @@
       </p:grpSpPr>
       <p:sp>
         <p:nvSpPr>
-          <p:cNvPr id="269" name="Shape 269"/>
+          <p:cNvPr id="271" name="Shape 271"/>
           <p:cNvSpPr/>
           <p:nvPr>
             <p:ph type="title"/>
@@ -7982,8 +8343,8 @@
         </p:nvSpPr>
         <p:spPr>
           <a:xfrm>
-            <a:off x="2802101" y="4038600"/>
-            <a:ext cx="7400598" cy="4521200"/>
+            <a:off x="406400" y="1536700"/>
+            <a:ext cx="12192000" cy="1169261"/>
           </a:xfrm>
           <a:prstGeom prst="rect">
             <a:avLst/>
@@ -7991,11 +8352,86 @@
         </p:spPr>
         <p:txBody>
           <a:bodyPr/>
+          <a:lstStyle>
+            <a:lvl1pPr defTabSz="403097">
+              <a:spcBef>
+                <a:spcPts val="1900"/>
+              </a:spcBef>
+              <a:defRPr sz="8200"/>
+            </a:lvl1pPr>
+          </a:lstStyle>
+          <a:p>
+            <a:pPr/>
+            <a:r>
+              <a:t>Cannot use Regression metrics</a:t>
+            </a:r>
+          </a:p>
+        </p:txBody>
+      </p:sp>
+      <p:sp>
+        <p:nvSpPr>
+          <p:cNvPr id="272" name="Shape 272"/>
+          <p:cNvSpPr/>
+          <p:nvPr>
+            <p:ph type="body" sz="half" idx="1"/>
+          </p:nvPr>
+        </p:nvSpPr>
+        <p:spPr>
+          <a:xfrm>
+            <a:off x="406400" y="4237533"/>
+            <a:ext cx="12192000" cy="3462405"/>
+          </a:xfrm>
+          <a:prstGeom prst="rect">
+            <a:avLst/>
+          </a:prstGeom>
+        </p:spPr>
+        <p:txBody>
+          <a:bodyPr anchor="t"/>
           <a:lstStyle/>
           <a:p>
-            <a:pPr/>
-            <a:r>
-              <a:t>Exercises</a:t>
+            <a:pPr marL="550656" indent="-550656" defTabSz="455674">
+              <a:lnSpc>
+                <a:spcPct val="100000"/>
+              </a:lnSpc>
+              <a:spcBef>
+                <a:spcPts val="2100"/>
+              </a:spcBef>
+              <a:buSzPct val="40000"/>
+              <a:buBlip>
+                <a:blip r:embed="rId2"/>
+              </a:buBlip>
+              <a:defRPr cap="none" spc="0" sz="4900">
+                <a:latin typeface="Avenir Next Medium"/>
+                <a:ea typeface="Avenir Next Medium"/>
+                <a:cs typeface="Avenir Next Medium"/>
+                <a:sym typeface="Avenir Next Medium"/>
+              </a:defRPr>
+            </a:pPr>
+            <a:r>
+              <a:t>Outputs are classes, not numbers</a:t>
+            </a:r>
+          </a:p>
+          <a:p>
+            <a:pPr marL="550656" indent="-550656" defTabSz="455674">
+              <a:lnSpc>
+                <a:spcPct val="100000"/>
+              </a:lnSpc>
+              <a:spcBef>
+                <a:spcPts val="2100"/>
+              </a:spcBef>
+              <a:buSzPct val="40000"/>
+              <a:buBlip>
+                <a:blip r:embed="rId2"/>
+              </a:buBlip>
+              <a:defRPr cap="none" spc="0" sz="4900">
+                <a:latin typeface="Avenir Next Medium"/>
+                <a:ea typeface="Avenir Next Medium"/>
+                <a:cs typeface="Avenir Next Medium"/>
+                <a:sym typeface="Avenir Next Medium"/>
+              </a:defRPr>
+            </a:pPr>
+            <a:r>
+              <a:t>“Amount of error” is a bad fit</a:t>
             </a:r>
           </a:p>
         </p:txBody>
@@ -8028,7 +8464,7 @@
       </p:grpSpPr>
       <p:sp>
         <p:nvSpPr>
-          <p:cNvPr id="271" name="Shape 271"/>
+          <p:cNvPr id="274" name="Shape 274"/>
           <p:cNvSpPr/>
           <p:nvPr>
             <p:ph type="title"/>
@@ -8036,8 +8472,8 @@
         </p:nvSpPr>
         <p:spPr>
           <a:xfrm>
-            <a:off x="2097385" y="3056466"/>
-            <a:ext cx="8810030" cy="4521201"/>
+            <a:off x="406400" y="1536700"/>
+            <a:ext cx="12192000" cy="1169261"/>
           </a:xfrm>
           <a:prstGeom prst="rect">
             <a:avLst/>
@@ -8046,12 +8482,85 @@
         <p:txBody>
           <a:bodyPr/>
           <a:lstStyle>
-            <a:lvl1pPr algn="ctr"/>
+            <a:lvl1pPr defTabSz="403097">
+              <a:spcBef>
+                <a:spcPts val="1900"/>
+              </a:spcBef>
+              <a:defRPr sz="8200"/>
+            </a:lvl1pPr>
           </a:lstStyle>
           <a:p>
             <a:pPr/>
             <a:r>
-              <a:t>Imbalanced classes</a:t>
+              <a:t>Accuracy</a:t>
+            </a:r>
+          </a:p>
+        </p:txBody>
+      </p:sp>
+      <p:sp>
+        <p:nvSpPr>
+          <p:cNvPr id="275" name="Shape 275"/>
+          <p:cNvSpPr/>
+          <p:nvPr>
+            <p:ph type="body" sz="half" idx="1"/>
+          </p:nvPr>
+        </p:nvSpPr>
+        <p:spPr>
+          <a:xfrm>
+            <a:off x="406400" y="4237533"/>
+            <a:ext cx="12192000" cy="3462405"/>
+          </a:xfrm>
+          <a:prstGeom prst="rect">
+            <a:avLst/>
+          </a:prstGeom>
+        </p:spPr>
+        <p:txBody>
+          <a:bodyPr anchor="t"/>
+          <a:lstStyle/>
+          <a:p>
+            <a:pPr marL="550656" indent="-550656" defTabSz="455674">
+              <a:lnSpc>
+                <a:spcPct val="100000"/>
+              </a:lnSpc>
+              <a:spcBef>
+                <a:spcPts val="2100"/>
+              </a:spcBef>
+              <a:buSzPct val="40000"/>
+              <a:buBlip>
+                <a:blip r:embed="rId2"/>
+              </a:buBlip>
+              <a:defRPr cap="none" spc="0" sz="4900">
+                <a:latin typeface="Avenir Next Medium"/>
+                <a:ea typeface="Avenir Next Medium"/>
+                <a:cs typeface="Avenir Next Medium"/>
+                <a:sym typeface="Avenir Next Medium"/>
+              </a:defRPr>
+            </a:pPr>
+            <a:r>
+              <a:t>% of samples correctly classified</a:t>
+            </a:r>
+          </a:p>
+          <a:p>
+            <a:pPr marL="550656" indent="-550656" defTabSz="455674">
+              <a:lnSpc>
+                <a:spcPct val="100000"/>
+              </a:lnSpc>
+              <a:spcBef>
+                <a:spcPts val="2100"/>
+              </a:spcBef>
+              <a:buSzPct val="40000"/>
+              <a:buBlip>
+                <a:blip r:embed="rId2"/>
+              </a:buBlip>
+              <a:defRPr cap="none" spc="0" sz="4900">
+                <a:latin typeface="Avenir Next Medium"/>
+                <a:ea typeface="Avenir Next Medium"/>
+                <a:cs typeface="Avenir Next Medium"/>
+                <a:sym typeface="Avenir Next Medium"/>
+              </a:defRPr>
+            </a:pPr>
+            <a:r>
+              <a:t>Does not tell you WHERE error is</a:t>
             </a:r>
           </a:p>
         </p:txBody>
@@ -8084,7 +8593,7 @@
       </p:grpSpPr>
       <p:sp>
         <p:nvSpPr>
-          <p:cNvPr id="273" name="Shape 273"/>
+          <p:cNvPr id="277" name="Shape 277"/>
           <p:cNvSpPr/>
           <p:nvPr>
             <p:ph type="title"/>
@@ -8112,23 +8621,23 @@
           <a:p>
             <a:pPr/>
             <a:r>
-              <a:t>The problem</a:t>
-            </a:r>
-          </a:p>
-        </p:txBody>
-      </p:sp>
-      <p:sp>
-        <p:nvSpPr>
-          <p:cNvPr id="274" name="Shape 274"/>
-          <p:cNvSpPr/>
-          <p:nvPr>
-            <p:ph type="body" idx="1"/>
-          </p:nvPr>
-        </p:nvSpPr>
-        <p:spPr>
-          <a:xfrm>
-            <a:off x="406400" y="3953767"/>
-            <a:ext cx="12192000" cy="4793723"/>
+              <a:t>Confusion Matrix</a:t>
+            </a:r>
+          </a:p>
+        </p:txBody>
+      </p:sp>
+      <p:sp>
+        <p:nvSpPr>
+          <p:cNvPr id="278" name="Shape 278"/>
+          <p:cNvSpPr/>
+          <p:nvPr>
+            <p:ph type="body" sz="half" idx="1"/>
+          </p:nvPr>
+        </p:nvSpPr>
+        <p:spPr>
+          <a:xfrm>
+            <a:off x="406400" y="4237533"/>
+            <a:ext cx="12192000" cy="3462405"/>
           </a:xfrm>
           <a:prstGeom prst="rect">
             <a:avLst/>
@@ -8138,18 +8647,18 @@
           <a:bodyPr anchor="t"/>
           <a:lstStyle/>
           <a:p>
-            <a:pPr marL="663612" indent="-663612" defTabSz="549148">
+            <a:pPr marL="550656" indent="-550656" defTabSz="455674">
               <a:lnSpc>
                 <a:spcPct val="100000"/>
               </a:lnSpc>
               <a:spcBef>
-                <a:spcPts val="2600"/>
+                <a:spcPts val="2100"/>
               </a:spcBef>
               <a:buSzPct val="40000"/>
               <a:buBlip>
                 <a:blip r:embed="rId2"/>
               </a:buBlip>
-              <a:defRPr cap="none" spc="0" sz="6000">
+              <a:defRPr cap="none" spc="0" sz="4900">
                 <a:latin typeface="Avenir Next Medium"/>
                 <a:ea typeface="Avenir Next Medium"/>
                 <a:cs typeface="Avenir Next Medium"/>
@@ -8157,22 +8666,22 @@
               </a:defRPr>
             </a:pPr>
             <a:r>
-              <a:t>Often have WAY more negative samples than positive</a:t>
-            </a:r>
-          </a:p>
-          <a:p>
-            <a:pPr marL="663612" indent="-663612" defTabSz="549148">
+              <a:t>Grid comparing predicted VS actual</a:t>
+            </a:r>
+          </a:p>
+          <a:p>
+            <a:pPr marL="550656" indent="-550656" defTabSz="455674">
               <a:lnSpc>
                 <a:spcPct val="100000"/>
               </a:lnSpc>
               <a:spcBef>
-                <a:spcPts val="2600"/>
+                <a:spcPts val="2100"/>
               </a:spcBef>
               <a:buSzPct val="40000"/>
               <a:buBlip>
                 <a:blip r:embed="rId2"/>
               </a:buBlip>
-              <a:defRPr cap="none" spc="0" sz="6000">
+              <a:defRPr cap="none" spc="0" sz="4900">
                 <a:latin typeface="Avenir Next Medium"/>
                 <a:ea typeface="Avenir Next Medium"/>
                 <a:cs typeface="Avenir Next Medium"/>
@@ -8180,7 +8689,30 @@
               </a:defRPr>
             </a:pPr>
             <a:r>
-              <a:t>High “accuracy” if you always guess negative!</a:t>
+              <a:t>Shows where your errors lie</a:t>
+            </a:r>
+          </a:p>
+          <a:p>
+            <a:pPr marL="550656" indent="-550656" defTabSz="455674">
+              <a:lnSpc>
+                <a:spcPct val="100000"/>
+              </a:lnSpc>
+              <a:spcBef>
+                <a:spcPts val="2100"/>
+              </a:spcBef>
+              <a:buSzPct val="40000"/>
+              <a:buBlip>
+                <a:blip r:embed="rId2"/>
+              </a:buBlip>
+              <a:defRPr cap="none" spc="0" sz="4900">
+                <a:latin typeface="Avenir Next Medium"/>
+                <a:ea typeface="Avenir Next Medium"/>
+                <a:cs typeface="Avenir Next Medium"/>
+                <a:sym typeface="Avenir Next Medium"/>
+              </a:defRPr>
+            </a:pPr>
+            <a:r>
+              <a:t>Correction classification on diagonal</a:t>
             </a:r>
           </a:p>
         </p:txBody>
@@ -8211,87 +8743,56 @@
           <a:chExt cx="0" cy="0"/>
         </a:xfrm>
       </p:grpSpPr>
+      <p:sp>
+        <p:nvSpPr>
+          <p:cNvPr id="280" name="Shape 280"/>
+          <p:cNvSpPr/>
+          <p:nvPr>
+            <p:ph type="subTitle" sz="quarter" idx="1"/>
+          </p:nvPr>
+        </p:nvSpPr>
+        <p:spPr>
+          <a:prstGeom prst="rect">
+            <a:avLst/>
+          </a:prstGeom>
+        </p:spPr>
+        <p:txBody>
+          <a:bodyPr/>
+          <a:lstStyle/>
+          <a:p>
+            <a:pPr/>
+          </a:p>
+        </p:txBody>
+      </p:sp>
       <p:pic>
         <p:nvPicPr>
-          <p:cNvPr id="276" name="pasted-image.jpeg"/>
+          <p:cNvPr id="281" name="pasted-image.png"/>
           <p:cNvPicPr>
             <a:picLocks noChangeAspect="1"/>
           </p:cNvPicPr>
-          <p:nvPr>
-            <p:ph type="pic" idx="13"/>
-          </p:nvPr>
+          <p:nvPr/>
         </p:nvPicPr>
         <p:blipFill>
           <a:blip r:embed="rId2">
             <a:extLst/>
           </a:blip>
-          <a:srcRect l="55649" t="0" r="12235" b="0"/>
           <a:stretch>
             <a:fillRect/>
           </a:stretch>
         </p:blipFill>
         <p:spPr>
           <a:xfrm>
-            <a:off x="0" y="0"/>
-            <a:ext cx="5486400" cy="9753600"/>
-          </a:xfrm>
-          <a:prstGeom prst="rect">
-            <a:avLst/>
-          </a:prstGeom>
+            <a:off x="0" y="1003607"/>
+            <a:ext cx="14671184" cy="7746386"/>
+          </a:xfrm>
+          <a:prstGeom prst="rect">
+            <a:avLst/>
+          </a:prstGeom>
+          <a:ln w="12700">
+            <a:miter lim="400000"/>
+          </a:ln>
         </p:spPr>
       </p:pic>
-      <p:sp>
-        <p:nvSpPr>
-          <p:cNvPr id="277" name="Shape 277"/>
-          <p:cNvSpPr/>
-          <p:nvPr>
-            <p:ph type="title"/>
-          </p:nvPr>
-        </p:nvSpPr>
-        <p:spPr>
-          <a:prstGeom prst="rect">
-            <a:avLst/>
-          </a:prstGeom>
-        </p:spPr>
-        <p:txBody>
-          <a:bodyPr/>
-          <a:lstStyle>
-            <a:lvl1pPr defTabSz="379729">
-              <a:defRPr sz="11049"/>
-            </a:lvl1pPr>
-          </a:lstStyle>
-          <a:p>
-            <a:pPr/>
-            <a:r>
-              <a:t>Transactions</a:t>
-            </a:r>
-          </a:p>
-        </p:txBody>
-      </p:sp>
-      <p:sp>
-        <p:nvSpPr>
-          <p:cNvPr id="278" name="Shape 278"/>
-          <p:cNvSpPr/>
-          <p:nvPr>
-            <p:ph type="body" sz="quarter" idx="1"/>
-          </p:nvPr>
-        </p:nvSpPr>
-        <p:spPr>
-          <a:prstGeom prst="rect">
-            <a:avLst/>
-          </a:prstGeom>
-        </p:spPr>
-        <p:txBody>
-          <a:bodyPr/>
-          <a:lstStyle/>
-          <a:p>
-            <a:pPr/>
-            <a:r>
-              <a:t>Fraudulent</a:t>
-            </a:r>
-          </a:p>
-        </p:txBody>
-      </p:sp>
     </p:spTree>
   </p:cSld>
   <p:clrMapOvr>
@@ -8329,7 +8830,7 @@
         <p:spPr>
           <a:xfrm>
             <a:off x="406400" y="1536700"/>
-            <a:ext cx="12192000" cy="1169261"/>
+            <a:ext cx="12192000" cy="1169260"/>
           </a:xfrm>
           <a:prstGeom prst="rect">
             <a:avLst/>
@@ -8342,13 +8843,13 @@
               <a:spcBef>
                 <a:spcPts val="1900"/>
               </a:spcBef>
-              <a:defRPr sz="8200"/>
+              <a:defRPr sz="8280"/>
             </a:lvl1pPr>
           </a:lstStyle>
           <a:p>
             <a:pPr/>
             <a:r>
-              <a:t>Logistic Regression</a:t>
+              <a:t>One-hot encoding</a:t>
             </a:r>
           </a:p>
         </p:txBody>
@@ -8358,88 +8859,64 @@
           <p:cNvPr id="197" name="Shape 197"/>
           <p:cNvSpPr/>
           <p:nvPr>
-            <p:ph type="body" sz="half" idx="1"/>
-          </p:nvPr>
-        </p:nvSpPr>
-        <p:spPr>
-          <a:xfrm>
-            <a:off x="406400" y="3610999"/>
-            <a:ext cx="12192000" cy="4152373"/>
-          </a:xfrm>
-          <a:prstGeom prst="rect">
-            <a:avLst/>
-          </a:prstGeom>
-        </p:spPr>
-        <p:txBody>
-          <a:bodyPr anchor="t"/>
+            <p:ph type="body" idx="1"/>
+          </p:nvPr>
+        </p:nvSpPr>
+        <p:spPr>
+          <a:xfrm>
+            <a:off x="224565" y="3362306"/>
+            <a:ext cx="12555671" cy="5610529"/>
+          </a:xfrm>
+          <a:prstGeom prst="rect">
+            <a:avLst/>
+          </a:prstGeom>
+        </p:spPr>
+        <p:txBody>
+          <a:bodyPr/>
           <a:lstStyle/>
           <a:p>
-            <a:pPr marL="550656" indent="-550656" defTabSz="455674">
-              <a:lnSpc>
-                <a:spcPct val="100000"/>
-              </a:lnSpc>
-              <a:spcBef>
-                <a:spcPts val="2100"/>
-              </a:spcBef>
+            <a:pPr marL="649492" indent="-649492" defTabSz="537463">
+              <a:spcBef>
+                <a:spcPts val="2500"/>
+              </a:spcBef>
+              <a:buClrTx/>
               <a:buSzPct val="40000"/>
+              <a:buFontTx/>
               <a:buBlip>
                 <a:blip r:embed="rId2"/>
               </a:buBlip>
-              <a:defRPr cap="none" spc="0" sz="4900">
-                <a:latin typeface="Avenir Next Medium"/>
-                <a:ea typeface="Avenir Next Medium"/>
-                <a:cs typeface="Avenir Next Medium"/>
-                <a:sym typeface="Avenir Next Medium"/>
-              </a:defRPr>
+              <a:defRPr sz="5888"/>
             </a:pPr>
             <a:r>
-              <a:t>Another generalized linear model</a:t>
-            </a:r>
-          </a:p>
-          <a:p>
-            <a:pPr marL="550656" indent="-550656" defTabSz="455674">
-              <a:lnSpc>
-                <a:spcPct val="100000"/>
-              </a:lnSpc>
-              <a:spcBef>
-                <a:spcPts val="2100"/>
-              </a:spcBef>
+              <a:t>Feature engineering: transforming our input</a:t>
+            </a:r>
+          </a:p>
+          <a:p>
+            <a:pPr marL="649492" indent="-649492" defTabSz="537463">
+              <a:spcBef>
+                <a:spcPts val="2500"/>
+              </a:spcBef>
+              <a:buClrTx/>
               <a:buSzPct val="40000"/>
+              <a:buFontTx/>
               <a:buBlip>
                 <a:blip r:embed="rId2"/>
               </a:buBlip>
-              <a:defRPr cap="none" spc="0" sz="4900">
-                <a:latin typeface="Avenir Next Medium"/>
-                <a:ea typeface="Avenir Next Medium"/>
-                <a:cs typeface="Avenir Next Medium"/>
-                <a:sym typeface="Avenir Next Medium"/>
-              </a:defRPr>
+              <a:defRPr sz="5888"/>
             </a:pPr>
             <a:r>
-              <a:t>Used for classification, despite name</a:t>
-            </a:r>
-          </a:p>
-          <a:p>
-            <a:pPr marL="550656" indent="-550656" defTabSz="455674">
-              <a:lnSpc>
-                <a:spcPct val="100000"/>
-              </a:lnSpc>
-              <a:spcBef>
-                <a:spcPts val="2100"/>
-              </a:spcBef>
-              <a:buSzPct val="40000"/>
-              <a:buBlip>
-                <a:blip r:embed="rId2"/>
-              </a:buBlip>
-              <a:defRPr cap="none" spc="0" sz="4900">
-                <a:latin typeface="Avenir Next Medium"/>
-                <a:ea typeface="Avenir Next Medium"/>
-                <a:cs typeface="Avenir Next Medium"/>
-                <a:sym typeface="Avenir Next Medium"/>
-              </a:defRPr>
-            </a:pPr>
-            <a:r>
-              <a:t>Output is a probability</a:t>
+              <a:t>Creates a 1-or-0 column for </a:t>
+            </a:r>
+            <a:r>
+              <a:rPr>
+                <a:solidFill>
+                  <a:schemeClr val="accent3"/>
+                </a:solidFill>
+              </a:rPr>
+              <a:t>each unique value</a:t>
+            </a:r>
+            <a:r>
+              <a:t> in original categorical column</a:t>
             </a:r>
           </a:p>
         </p:txBody>
@@ -8470,9 +8947,44 @@
           <a:chExt cx="0" cy="0"/>
         </a:xfrm>
       </p:grpSpPr>
+      <p:sp>
+        <p:nvSpPr>
+          <p:cNvPr id="283" name="Shape 283"/>
+          <p:cNvSpPr/>
+          <p:nvPr>
+            <p:ph type="title"/>
+          </p:nvPr>
+        </p:nvSpPr>
+        <p:spPr>
+          <a:xfrm>
+            <a:off x="406400" y="1536700"/>
+            <a:ext cx="12192000" cy="1169261"/>
+          </a:xfrm>
+          <a:prstGeom prst="rect">
+            <a:avLst/>
+          </a:prstGeom>
+        </p:spPr>
+        <p:txBody>
+          <a:bodyPr/>
+          <a:lstStyle>
+            <a:lvl1pPr defTabSz="403097">
+              <a:spcBef>
+                <a:spcPts val="1900"/>
+              </a:spcBef>
+              <a:defRPr sz="8200"/>
+            </a:lvl1pPr>
+          </a:lstStyle>
+          <a:p>
+            <a:pPr/>
+            <a:r>
+              <a:t>Confusion Matrix</a:t>
+            </a:r>
+          </a:p>
+        </p:txBody>
+      </p:sp>
       <p:pic>
         <p:nvPicPr>
-          <p:cNvPr id="280" name="pasted-image.png"/>
+          <p:cNvPr id="284" name="pasted-image.png"/>
           <p:cNvPicPr>
             <a:picLocks noChangeAspect="1"/>
           </p:cNvPicPr>
@@ -8488,8 +9000,38 @@
         </p:blipFill>
         <p:spPr>
           <a:xfrm>
-            <a:off x="425450" y="1217083"/>
-            <a:ext cx="12153900" cy="7790962"/>
+            <a:off x="1122891" y="1870934"/>
+            <a:ext cx="4762501" cy="3454401"/>
+          </a:xfrm>
+          <a:prstGeom prst="rect">
+            <a:avLst/>
+          </a:prstGeom>
+          <a:ln w="12700">
+            <a:miter lim="400000"/>
+          </a:ln>
+        </p:spPr>
+      </p:pic>
+      <p:pic>
+        <p:nvPicPr>
+          <p:cNvPr id="285" name="pasted-image.png"/>
+          <p:cNvPicPr>
+            <a:picLocks noChangeAspect="1"/>
+          </p:cNvPicPr>
+          <p:nvPr/>
+        </p:nvPicPr>
+        <p:blipFill>
+          <a:blip r:embed="rId3">
+            <a:extLst/>
+          </a:blip>
+          <a:srcRect l="1243" t="0" r="0" b="0"/>
+          <a:stretch>
+            <a:fillRect/>
+          </a:stretch>
+        </p:blipFill>
+        <p:spPr>
+          <a:xfrm>
+            <a:off x="-91182" y="-153260"/>
+            <a:ext cx="13355285" cy="10547990"/>
           </a:xfrm>
           <a:prstGeom prst="rect">
             <a:avLst/>
@@ -8525,36 +9067,109 @@
           <a:chExt cx="0" cy="0"/>
         </a:xfrm>
       </p:grpSpPr>
-      <p:pic>
-        <p:nvPicPr>
-          <p:cNvPr id="282" name="resampling.png"/>
-          <p:cNvPicPr>
-            <a:picLocks noChangeAspect="1"/>
-          </p:cNvPicPr>
-          <p:nvPr/>
-        </p:nvPicPr>
-        <p:blipFill>
-          <a:blip r:embed="rId2">
-            <a:extLst/>
-          </a:blip>
-          <a:srcRect l="45323" t="0" r="0" b="0"/>
-          <a:stretch>
-            <a:fillRect/>
-          </a:stretch>
-        </p:blipFill>
-        <p:spPr>
-          <a:xfrm>
-            <a:off x="-1" y="1225153"/>
-            <a:ext cx="13004943" cy="7303262"/>
-          </a:xfrm>
-          <a:prstGeom prst="rect">
-            <a:avLst/>
-          </a:prstGeom>
-          <a:ln w="12700">
-            <a:miter lim="400000"/>
-          </a:ln>
-        </p:spPr>
-      </p:pic>
+      <p:sp>
+        <p:nvSpPr>
+          <p:cNvPr id="287" name="Shape 287"/>
+          <p:cNvSpPr/>
+          <p:nvPr>
+            <p:ph type="title"/>
+          </p:nvPr>
+        </p:nvSpPr>
+        <p:spPr>
+          <a:xfrm>
+            <a:off x="406400" y="1536700"/>
+            <a:ext cx="12192000" cy="1169261"/>
+          </a:xfrm>
+          <a:prstGeom prst="rect">
+            <a:avLst/>
+          </a:prstGeom>
+        </p:spPr>
+        <p:txBody>
+          <a:bodyPr/>
+          <a:lstStyle>
+            <a:lvl1pPr defTabSz="403097">
+              <a:spcBef>
+                <a:spcPts val="1900"/>
+              </a:spcBef>
+              <a:defRPr sz="8200"/>
+            </a:lvl1pPr>
+          </a:lstStyle>
+          <a:p>
+            <a:pPr/>
+            <a:r>
+              <a:t>Class prediction Error</a:t>
+            </a:r>
+          </a:p>
+        </p:txBody>
+      </p:sp>
+      <p:sp>
+        <p:nvSpPr>
+          <p:cNvPr id="288" name="Shape 288"/>
+          <p:cNvSpPr/>
+          <p:nvPr>
+            <p:ph type="body" sz="half" idx="1"/>
+          </p:nvPr>
+        </p:nvSpPr>
+        <p:spPr>
+          <a:xfrm>
+            <a:off x="406400" y="4237533"/>
+            <a:ext cx="12192000" cy="3462405"/>
+          </a:xfrm>
+          <a:prstGeom prst="rect">
+            <a:avLst/>
+          </a:prstGeom>
+        </p:spPr>
+        <p:txBody>
+          <a:bodyPr anchor="t"/>
+          <a:lstStyle/>
+          <a:p>
+            <a:pPr marL="550656" indent="-550656" defTabSz="455674">
+              <a:lnSpc>
+                <a:spcPct val="100000"/>
+              </a:lnSpc>
+              <a:spcBef>
+                <a:spcPts val="2100"/>
+              </a:spcBef>
+              <a:buSzPct val="40000"/>
+              <a:buBlip>
+                <a:blip r:embed="rId2"/>
+              </a:buBlip>
+              <a:defRPr cap="none" spc="0" sz="4900">
+                <a:latin typeface="Avenir Next Medium"/>
+                <a:ea typeface="Avenir Next Medium"/>
+                <a:cs typeface="Avenir Next Medium"/>
+                <a:sym typeface="Avenir Next Medium"/>
+              </a:defRPr>
+            </a:pPr>
+            <a:r>
+              <a:t>Derived from the confusion matrix</a:t>
+            </a:r>
+          </a:p>
+          <a:p>
+            <a:pPr marL="550656" indent="-550656" defTabSz="455674">
+              <a:lnSpc>
+                <a:spcPct val="100000"/>
+              </a:lnSpc>
+              <a:spcBef>
+                <a:spcPts val="2100"/>
+              </a:spcBef>
+              <a:buSzPct val="40000"/>
+              <a:buBlip>
+                <a:blip r:embed="rId2"/>
+              </a:buBlip>
+              <a:defRPr cap="none" spc="0" sz="4900">
+                <a:latin typeface="Avenir Next Medium"/>
+                <a:ea typeface="Avenir Next Medium"/>
+                <a:cs typeface="Avenir Next Medium"/>
+                <a:sym typeface="Avenir Next Medium"/>
+              </a:defRPr>
+            </a:pPr>
+            <a:r>
+              <a:t>Sometimes easier to interpret</a:t>
+            </a:r>
+          </a:p>
+        </p:txBody>
+      </p:sp>
     </p:spTree>
   </p:cSld>
   <p:clrMapOvr>
@@ -8583,107 +9198,77 @@
       </p:grpSpPr>
       <p:sp>
         <p:nvSpPr>
-          <p:cNvPr id="284" name="Shape 284"/>
-          <p:cNvSpPr/>
-          <p:nvPr>
-            <p:ph type="title"/>
-          </p:nvPr>
-        </p:nvSpPr>
-        <p:spPr>
-          <a:xfrm>
-            <a:off x="406400" y="1536700"/>
-            <a:ext cx="12192000" cy="1169261"/>
-          </a:xfrm>
+          <p:cNvPr id="290" name="Shape 290"/>
+          <p:cNvSpPr/>
+          <p:nvPr>
+            <p:ph type="ctrTitle"/>
+          </p:nvPr>
+        </p:nvSpPr>
+        <p:spPr>
           <a:prstGeom prst="rect">
             <a:avLst/>
           </a:prstGeom>
         </p:spPr>
         <p:txBody>
           <a:bodyPr/>
-          <a:lstStyle>
-            <a:lvl1pPr defTabSz="403097">
-              <a:spcBef>
-                <a:spcPts val="1900"/>
-              </a:spcBef>
-              <a:defRPr sz="8200"/>
-            </a:lvl1pPr>
-          </a:lstStyle>
+          <a:lstStyle/>
+          <a:p>
+            <a:pPr defTabSz="455675">
+              <a:defRPr sz="13259"/>
+            </a:pPr>
+          </a:p>
+        </p:txBody>
+      </p:sp>
+      <p:sp>
+        <p:nvSpPr>
+          <p:cNvPr id="291" name="Shape 291"/>
+          <p:cNvSpPr/>
+          <p:nvPr>
+            <p:ph type="subTitle" sz="quarter" idx="1"/>
+          </p:nvPr>
+        </p:nvSpPr>
+        <p:spPr>
+          <a:prstGeom prst="rect">
+            <a:avLst/>
+          </a:prstGeom>
+        </p:spPr>
+        <p:txBody>
+          <a:bodyPr/>
+          <a:lstStyle/>
           <a:p>
             <a:pPr/>
-            <a:r>
-              <a:t>Oversampling</a:t>
-            </a:r>
-          </a:p>
-        </p:txBody>
-      </p:sp>
-      <p:sp>
-        <p:nvSpPr>
-          <p:cNvPr id="285" name="Shape 285"/>
-          <p:cNvSpPr/>
-          <p:nvPr>
-            <p:ph type="body" idx="1"/>
-          </p:nvPr>
-        </p:nvSpPr>
-        <p:spPr>
-          <a:xfrm>
-            <a:off x="406400" y="3953767"/>
-            <a:ext cx="12192000" cy="4793723"/>
-          </a:xfrm>
-          <a:prstGeom prst="rect">
-            <a:avLst/>
-          </a:prstGeom>
-        </p:spPr>
-        <p:txBody>
-          <a:bodyPr anchor="t"/>
-          <a:lstStyle/>
-          <a:p>
-            <a:pPr marL="663612" indent="-663612" defTabSz="549148">
-              <a:lnSpc>
-                <a:spcPct val="100000"/>
-              </a:lnSpc>
-              <a:spcBef>
-                <a:spcPts val="2600"/>
-              </a:spcBef>
-              <a:buSzPct val="40000"/>
-              <a:buBlip>
-                <a:blip r:embed="rId2"/>
-              </a:buBlip>
-              <a:defRPr cap="none" spc="0" sz="6000">
-                <a:latin typeface="Avenir Next Medium"/>
-                <a:ea typeface="Avenir Next Medium"/>
-                <a:cs typeface="Avenir Next Medium"/>
-                <a:sym typeface="Avenir Next Medium"/>
-              </a:defRPr>
-            </a:pPr>
-            <a:r>
-              <a:t>Often have WAY more negative samples than positive</a:t>
-            </a:r>
-          </a:p>
-          <a:p>
-            <a:pPr marL="663612" indent="-663612" defTabSz="549148">
-              <a:lnSpc>
-                <a:spcPct val="100000"/>
-              </a:lnSpc>
-              <a:spcBef>
-                <a:spcPts val="2600"/>
-              </a:spcBef>
-              <a:buSzPct val="40000"/>
-              <a:buBlip>
-                <a:blip r:embed="rId2"/>
-              </a:buBlip>
-              <a:defRPr cap="none" spc="0" sz="6000">
-                <a:latin typeface="Avenir Next Medium"/>
-                <a:ea typeface="Avenir Next Medium"/>
-                <a:cs typeface="Avenir Next Medium"/>
-                <a:sym typeface="Avenir Next Medium"/>
-              </a:defRPr>
-            </a:pPr>
-            <a:r>
-              <a:t>High “accuracy” if you always guess negative!</a:t>
-            </a:r>
-          </a:p>
-        </p:txBody>
-      </p:sp>
+          </a:p>
+        </p:txBody>
+      </p:sp>
+      <p:pic>
+        <p:nvPicPr>
+          <p:cNvPr id="292" name="pasted-image.png"/>
+          <p:cNvPicPr>
+            <a:picLocks noChangeAspect="1"/>
+          </p:cNvPicPr>
+          <p:nvPr/>
+        </p:nvPicPr>
+        <p:blipFill>
+          <a:blip r:embed="rId2">
+            <a:extLst/>
+          </a:blip>
+          <a:stretch>
+            <a:fillRect/>
+          </a:stretch>
+        </p:blipFill>
+        <p:spPr>
+          <a:xfrm>
+            <a:off x="152400" y="694266"/>
+            <a:ext cx="12527941" cy="8612961"/>
+          </a:xfrm>
+          <a:prstGeom prst="rect">
+            <a:avLst/>
+          </a:prstGeom>
+          <a:ln w="12700">
+            <a:miter lim="400000"/>
+          </a:ln>
+        </p:spPr>
+      </p:pic>
     </p:spTree>
   </p:cSld>
   <p:clrMapOvr>
@@ -8710,36 +9295,102 @@
           <a:chExt cx="0" cy="0"/>
         </a:xfrm>
       </p:grpSpPr>
-      <p:pic>
-        <p:nvPicPr>
-          <p:cNvPr id="287" name="resampling.png"/>
-          <p:cNvPicPr>
-            <a:picLocks noChangeAspect="1"/>
-          </p:cNvPicPr>
-          <p:nvPr/>
-        </p:nvPicPr>
-        <p:blipFill>
-          <a:blip r:embed="rId2">
-            <a:extLst/>
-          </a:blip>
-          <a:srcRect l="0" t="0" r="48145" b="0"/>
-          <a:stretch>
-            <a:fillRect/>
-          </a:stretch>
-        </p:blipFill>
-        <p:spPr>
-          <a:xfrm>
-            <a:off x="-13451" y="1018626"/>
-            <a:ext cx="13031665" cy="7716472"/>
-          </a:xfrm>
-          <a:prstGeom prst="rect">
-            <a:avLst/>
-          </a:prstGeom>
-          <a:ln w="12700">
-            <a:miter lim="400000"/>
-          </a:ln>
-        </p:spPr>
-      </p:pic>
+      <p:sp>
+        <p:nvSpPr>
+          <p:cNvPr id="294" name="Shape 294"/>
+          <p:cNvSpPr/>
+          <p:nvPr>
+            <p:ph type="title"/>
+          </p:nvPr>
+        </p:nvSpPr>
+        <p:spPr>
+          <a:xfrm>
+            <a:off x="406400" y="1536700"/>
+            <a:ext cx="12192000" cy="1169260"/>
+          </a:xfrm>
+          <a:prstGeom prst="rect">
+            <a:avLst/>
+          </a:prstGeom>
+        </p:spPr>
+        <p:txBody>
+          <a:bodyPr/>
+          <a:lstStyle>
+            <a:lvl1pPr defTabSz="403097">
+              <a:spcBef>
+                <a:spcPts val="1900"/>
+              </a:spcBef>
+              <a:defRPr sz="8280"/>
+            </a:lvl1pPr>
+          </a:lstStyle>
+          <a:p>
+            <a:pPr/>
+            <a:r>
+              <a:t>Choosing a Threshold</a:t>
+            </a:r>
+          </a:p>
+        </p:txBody>
+      </p:sp>
+      <p:sp>
+        <p:nvSpPr>
+          <p:cNvPr id="295" name="Shape 295"/>
+          <p:cNvSpPr/>
+          <p:nvPr>
+            <p:ph type="body" idx="1"/>
+          </p:nvPr>
+        </p:nvSpPr>
+        <p:spPr>
+          <a:xfrm>
+            <a:off x="406400" y="2570901"/>
+            <a:ext cx="12192000" cy="6465998"/>
+          </a:xfrm>
+          <a:prstGeom prst="rect">
+            <a:avLst/>
+          </a:prstGeom>
+        </p:spPr>
+        <p:txBody>
+          <a:bodyPr/>
+          <a:lstStyle/>
+          <a:p>
+            <a:pPr marL="705970" indent="-705970">
+              <a:buClrTx/>
+              <a:buSzPct val="40000"/>
+              <a:buFontTx/>
+              <a:buBlip>
+                <a:blip r:embed="rId2"/>
+              </a:buBlip>
+              <a:defRPr sz="6400"/>
+            </a:pPr>
+          </a:p>
+          <a:p>
+            <a:pPr marL="705970" indent="-705970">
+              <a:buClrTx/>
+              <a:buSzPct val="40000"/>
+              <a:buFontTx/>
+              <a:buBlip>
+                <a:blip r:embed="rId2"/>
+              </a:buBlip>
+              <a:defRPr sz="6400"/>
+            </a:pPr>
+            <a:r>
+              <a:t>Business decision: Which type of errors are more costly?</a:t>
+            </a:r>
+          </a:p>
+          <a:p>
+            <a:pPr marL="705970" indent="-705970">
+              <a:buClrTx/>
+              <a:buSzPct val="40000"/>
+              <a:buFontTx/>
+              <a:buBlip>
+                <a:blip r:embed="rId2"/>
+              </a:buBlip>
+              <a:defRPr sz="6400"/>
+            </a:pPr>
+            <a:r>
+              <a:t>Equal weight? Closest point on curve to top-left corner</a:t>
+            </a:r>
+          </a:p>
+        </p:txBody>
+      </p:sp>
     </p:spTree>
   </p:cSld>
   <p:clrMapOvr>
@@ -8768,7 +9419,7 @@
       </p:grpSpPr>
       <p:sp>
         <p:nvSpPr>
-          <p:cNvPr id="289" name="Shape 289"/>
+          <p:cNvPr id="297" name="Shape 297"/>
           <p:cNvSpPr/>
           <p:nvPr>
             <p:ph type="title"/>
@@ -8777,7 +9428,7 @@
         <p:spPr>
           <a:xfrm>
             <a:off x="406400" y="1536700"/>
-            <a:ext cx="12192000" cy="1169261"/>
+            <a:ext cx="12192000" cy="1169260"/>
           </a:xfrm>
           <a:prstGeom prst="rect">
             <a:avLst/>
@@ -8790,20 +9441,20 @@
               <a:spcBef>
                 <a:spcPts val="1900"/>
               </a:spcBef>
-              <a:defRPr sz="8200"/>
+              <a:defRPr sz="8280"/>
             </a:lvl1pPr>
           </a:lstStyle>
           <a:p>
             <a:pPr/>
             <a:r>
-              <a:t>Undersampling</a:t>
-            </a:r>
-          </a:p>
-        </p:txBody>
-      </p:sp>
-      <p:sp>
-        <p:nvSpPr>
-          <p:cNvPr id="290" name="Shape 290"/>
+              <a:t>ROC Curve</a:t>
+            </a:r>
+          </a:p>
+        </p:txBody>
+      </p:sp>
+      <p:sp>
+        <p:nvSpPr>
+          <p:cNvPr id="298" name="Shape 298"/>
           <p:cNvSpPr/>
           <p:nvPr>
             <p:ph type="body" idx="1"/>
@@ -8811,60 +9462,53 @@
         </p:nvSpPr>
         <p:spPr>
           <a:xfrm>
-            <a:off x="406400" y="3953767"/>
-            <a:ext cx="12192000" cy="4793723"/>
-          </a:xfrm>
-          <a:prstGeom prst="rect">
-            <a:avLst/>
-          </a:prstGeom>
-        </p:spPr>
-        <p:txBody>
-          <a:bodyPr anchor="t"/>
+            <a:off x="406400" y="1927435"/>
+            <a:ext cx="12192000" cy="6465997"/>
+          </a:xfrm>
+          <a:prstGeom prst="rect">
+            <a:avLst/>
+          </a:prstGeom>
+        </p:spPr>
+        <p:txBody>
+          <a:bodyPr/>
           <a:lstStyle/>
           <a:p>
-            <a:pPr marL="663612" indent="-663612" defTabSz="549148">
-              <a:lnSpc>
-                <a:spcPct val="100000"/>
-              </a:lnSpc>
-              <a:spcBef>
-                <a:spcPts val="2600"/>
-              </a:spcBef>
+            <a:pPr marL="705970" indent="-705970">
+              <a:buClrTx/>
               <a:buSzPct val="40000"/>
+              <a:buFontTx/>
               <a:buBlip>
                 <a:blip r:embed="rId2"/>
               </a:buBlip>
-              <a:defRPr cap="none" spc="0" sz="6000">
-                <a:latin typeface="Avenir Next Medium"/>
-                <a:ea typeface="Avenir Next Medium"/>
-                <a:cs typeface="Avenir Next Medium"/>
-                <a:sym typeface="Avenir Next Medium"/>
-              </a:defRPr>
+              <a:defRPr sz="6400"/>
             </a:pPr>
-            <a:r>
-              <a:t>Avoid — loses data!</a:t>
-            </a:r>
-          </a:p>
-          <a:p>
-            <a:pPr marL="663612" indent="-663612" defTabSz="549148">
-              <a:lnSpc>
-                <a:spcPct val="100000"/>
-              </a:lnSpc>
-              <a:spcBef>
-                <a:spcPts val="2600"/>
-              </a:spcBef>
+          </a:p>
+          <a:p>
+            <a:pPr marL="705970" indent="-705970">
+              <a:buClrTx/>
               <a:buSzPct val="40000"/>
+              <a:buFontTx/>
               <a:buBlip>
                 <a:blip r:embed="rId2"/>
               </a:buBlip>
-              <a:defRPr cap="none" spc="0" sz="6000">
-                <a:latin typeface="Avenir Next Medium"/>
-                <a:ea typeface="Avenir Next Medium"/>
-                <a:cs typeface="Avenir Next Medium"/>
-                <a:sym typeface="Avenir Next Medium"/>
-              </a:defRPr>
+              <a:defRPr sz="6400"/>
             </a:pPr>
             <a:r>
-              <a:t>Used when size is expensive, eg. Big Data or data that has to be cleaned manually</a:t>
+              <a:t>Short for “Receiver operating characteristic” </a:t>
+            </a:r>
+          </a:p>
+          <a:p>
+            <a:pPr marL="705970" indent="-705970">
+              <a:buClrTx/>
+              <a:buSzPct val="40000"/>
+              <a:buFontTx/>
+              <a:buBlip>
+                <a:blip r:embed="rId2"/>
+              </a:buBlip>
+              <a:defRPr sz="6400"/>
+            </a:pPr>
+            <a:r>
+              <a:t>Shows effect of changing probability threshold </a:t>
             </a:r>
           </a:p>
         </p:txBody>
@@ -8895,109 +9539,35 @@
           <a:chExt cx="0" cy="0"/>
         </a:xfrm>
       </p:grpSpPr>
-      <p:sp>
-        <p:nvSpPr>
-          <p:cNvPr id="292" name="Shape 292"/>
-          <p:cNvSpPr/>
-          <p:nvPr>
-            <p:ph type="title"/>
-          </p:nvPr>
-        </p:nvSpPr>
-        <p:spPr>
-          <a:xfrm>
-            <a:off x="406400" y="1536700"/>
-            <a:ext cx="12192000" cy="1169261"/>
-          </a:xfrm>
-          <a:prstGeom prst="rect">
-            <a:avLst/>
-          </a:prstGeom>
-        </p:spPr>
-        <p:txBody>
-          <a:bodyPr/>
-          <a:lstStyle>
-            <a:lvl1pPr defTabSz="403097">
-              <a:spcBef>
-                <a:spcPts val="1900"/>
-              </a:spcBef>
-              <a:defRPr sz="8200"/>
-            </a:lvl1pPr>
-          </a:lstStyle>
-          <a:p>
-            <a:pPr/>
-            <a:r>
-              <a:t>Imbalance-learn</a:t>
-            </a:r>
-          </a:p>
-        </p:txBody>
-      </p:sp>
-      <p:sp>
-        <p:nvSpPr>
-          <p:cNvPr id="293" name="Shape 293"/>
-          <p:cNvSpPr/>
-          <p:nvPr>
-            <p:ph type="body" idx="1"/>
-          </p:nvPr>
-        </p:nvSpPr>
-        <p:spPr>
-          <a:xfrm>
-            <a:off x="406400" y="3953767"/>
-            <a:ext cx="12192000" cy="4793723"/>
-          </a:xfrm>
-          <a:prstGeom prst="rect">
-            <a:avLst/>
-          </a:prstGeom>
-        </p:spPr>
-        <p:txBody>
-          <a:bodyPr anchor="t"/>
-          <a:lstStyle/>
-          <a:p>
-            <a:pPr marL="663612" indent="-663612" defTabSz="549148">
-              <a:lnSpc>
-                <a:spcPct val="100000"/>
-              </a:lnSpc>
-              <a:spcBef>
-                <a:spcPts val="2600"/>
-              </a:spcBef>
-              <a:buSzPct val="40000"/>
-              <a:buBlip>
-                <a:blip r:embed="rId2"/>
-              </a:buBlip>
-              <a:defRPr cap="none" spc="0" sz="6000">
-                <a:latin typeface="Avenir Next Medium"/>
-                <a:ea typeface="Avenir Next Medium"/>
-                <a:cs typeface="Avenir Next Medium"/>
-                <a:sym typeface="Avenir Next Medium"/>
-              </a:defRPr>
-            </a:pPr>
-            <a:r>
-              <a:t>Fix imbalance in Pipeline</a:t>
-            </a:r>
-          </a:p>
-          <a:p>
-            <a:pPr marL="663612" indent="-663612" defTabSz="549148">
-              <a:lnSpc>
-                <a:spcPct val="100000"/>
-              </a:lnSpc>
-              <a:spcBef>
-                <a:spcPts val="2600"/>
-              </a:spcBef>
-              <a:buSzPct val="40000"/>
-              <a:buBlip>
-                <a:blip r:embed="rId2"/>
-              </a:buBlip>
-              <a:defRPr cap="none" spc="0" sz="6000">
-                <a:latin typeface="Avenir Next Medium"/>
-                <a:ea typeface="Avenir Next Medium"/>
-                <a:cs typeface="Avenir Next Medium"/>
-                <a:sym typeface="Avenir Next Medium"/>
-              </a:defRPr>
-            </a:pPr>
-            <a:r>
-              <a:t>Need to import make_pipeline() from imbalance-learn instead</a:t>
-            </a:r>
-          </a:p>
-        </p:txBody>
-      </p:sp>
+      <p:pic>
+        <p:nvPicPr>
+          <p:cNvPr id="300" name="pasted-image.png"/>
+          <p:cNvPicPr>
+            <a:picLocks noChangeAspect="1"/>
+          </p:cNvPicPr>
+          <p:nvPr/>
+        </p:nvPicPr>
+        <p:blipFill>
+          <a:blip r:embed="rId2">
+            <a:extLst/>
+          </a:blip>
+          <a:stretch>
+            <a:fillRect/>
+          </a:stretch>
+        </p:blipFill>
+        <p:spPr>
+          <a:xfrm>
+            <a:off x="357214" y="-44847"/>
+            <a:ext cx="12290372" cy="9843294"/>
+          </a:xfrm>
+          <a:prstGeom prst="rect">
+            <a:avLst/>
+          </a:prstGeom>
+          <a:ln w="12700">
+            <a:miter lim="400000"/>
+          </a:ln>
+        </p:spPr>
+      </p:pic>
     </p:spTree>
   </p:cSld>
   <p:clrMapOvr>
@@ -9026,7 +9596,7 @@
       </p:grpSpPr>
       <p:sp>
         <p:nvSpPr>
-          <p:cNvPr id="295" name="Shape 295"/>
+          <p:cNvPr id="302" name="Shape 302"/>
           <p:cNvSpPr/>
           <p:nvPr>
             <p:ph type="title"/>
@@ -9035,7 +9605,7 @@
         <p:spPr>
           <a:xfrm>
             <a:off x="406400" y="1536700"/>
-            <a:ext cx="12192000" cy="1169261"/>
+            <a:ext cx="12192000" cy="1169260"/>
           </a:xfrm>
           <a:prstGeom prst="rect">
             <a:avLst/>
@@ -9048,20 +9618,20 @@
               <a:spcBef>
                 <a:spcPts val="1900"/>
               </a:spcBef>
-              <a:defRPr sz="8200"/>
+              <a:defRPr sz="8280"/>
             </a:lvl1pPr>
           </a:lstStyle>
           <a:p>
             <a:pPr/>
             <a:r>
-              <a:t>Random Oversampler</a:t>
-            </a:r>
-          </a:p>
-        </p:txBody>
-      </p:sp>
-      <p:sp>
-        <p:nvSpPr>
-          <p:cNvPr id="296" name="Shape 296"/>
+              <a:t>Area Under the curve</a:t>
+            </a:r>
+          </a:p>
+        </p:txBody>
+      </p:sp>
+      <p:sp>
+        <p:nvSpPr>
+          <p:cNvPr id="303" name="Shape 303"/>
           <p:cNvSpPr/>
           <p:nvPr>
             <p:ph type="body" idx="1"/>
@@ -9069,60 +9639,53 @@
         </p:nvSpPr>
         <p:spPr>
           <a:xfrm>
-            <a:off x="406400" y="3953767"/>
-            <a:ext cx="12192000" cy="4793723"/>
-          </a:xfrm>
-          <a:prstGeom prst="rect">
-            <a:avLst/>
-          </a:prstGeom>
-        </p:spPr>
-        <p:txBody>
-          <a:bodyPr anchor="t"/>
+            <a:off x="406400" y="2570901"/>
+            <a:ext cx="12192000" cy="6465998"/>
+          </a:xfrm>
+          <a:prstGeom prst="rect">
+            <a:avLst/>
+          </a:prstGeom>
+        </p:spPr>
+        <p:txBody>
+          <a:bodyPr/>
           <a:lstStyle/>
           <a:p>
-            <a:pPr marL="663612" indent="-663612" defTabSz="549148">
-              <a:lnSpc>
-                <a:spcPct val="100000"/>
-              </a:lnSpc>
-              <a:spcBef>
-                <a:spcPts val="2600"/>
-              </a:spcBef>
+            <a:pPr marL="705970" indent="-705970">
+              <a:buClrTx/>
               <a:buSzPct val="40000"/>
+              <a:buFontTx/>
               <a:buBlip>
                 <a:blip r:embed="rId2"/>
               </a:buBlip>
-              <a:defRPr cap="none" spc="0" sz="6000">
-                <a:latin typeface="Avenir Next Medium"/>
-                <a:ea typeface="Avenir Next Medium"/>
-                <a:cs typeface="Avenir Next Medium"/>
-                <a:sym typeface="Avenir Next Medium"/>
-              </a:defRPr>
+              <a:defRPr sz="6400"/>
             </a:pPr>
-            <a:r>
-              <a:t>Adds random duplicates</a:t>
-            </a:r>
-          </a:p>
-          <a:p>
-            <a:pPr marL="663612" indent="-663612" defTabSz="549148">
-              <a:lnSpc>
-                <a:spcPct val="100000"/>
-              </a:lnSpc>
-              <a:spcBef>
-                <a:spcPts val="2600"/>
-              </a:spcBef>
+          </a:p>
+          <a:p>
+            <a:pPr marL="705970" indent="-705970">
+              <a:buClrTx/>
               <a:buSzPct val="40000"/>
+              <a:buFontTx/>
               <a:buBlip>
                 <a:blip r:embed="rId2"/>
               </a:buBlip>
-              <a:defRPr cap="none" spc="0" sz="6000">
-                <a:latin typeface="Avenir Next Medium"/>
-                <a:ea typeface="Avenir Next Medium"/>
-                <a:cs typeface="Avenir Next Medium"/>
-                <a:sym typeface="Avenir Next Medium"/>
-              </a:defRPr>
+              <a:defRPr sz="6400"/>
             </a:pPr>
             <a:r>
-              <a:t>from imblearn.over_sampling import RandomOverSampler</a:t>
+              <a:t>Total AUC is a measure of classifier power</a:t>
+            </a:r>
+          </a:p>
+          <a:p>
+            <a:pPr marL="705970" indent="-705970">
+              <a:buClrTx/>
+              <a:buSzPct val="40000"/>
+              <a:buFontTx/>
+              <a:buBlip>
+                <a:blip r:embed="rId2"/>
+              </a:buBlip>
+              <a:defRPr sz="6400"/>
+            </a:pPr>
+            <a:r>
+              <a:t>1.0 is perfect, 0.5 is as bad as random chance</a:t>
             </a:r>
           </a:p>
         </p:txBody>
@@ -9155,7 +9718,7 @@
       </p:grpSpPr>
       <p:sp>
         <p:nvSpPr>
-          <p:cNvPr id="298" name="Shape 298"/>
+          <p:cNvPr id="305" name="Shape 305"/>
           <p:cNvSpPr/>
           <p:nvPr>
             <p:ph type="title"/>
@@ -9177,6 +9740,191 @@
             <a:pPr/>
             <a:r>
               <a:t>Exercises</a:t>
+            </a:r>
+          </a:p>
+        </p:txBody>
+      </p:sp>
+    </p:spTree>
+  </p:cSld>
+  <p:clrMapOvr>
+    <a:masterClrMapping/>
+  </p:clrMapOvr>
+  <p:transition xmlns:p14="http://schemas.microsoft.com/office/powerpoint/2010/main" spd="med" advClick="1"/>
+</p:sld>
+</file>
+
+<file path=ppt/slides/slide38.xml><?xml version="1.0" encoding="utf-8"?>
+<p:sld xmlns:a="http://schemas.openxmlformats.org/drawingml/2006/main" xmlns:r="http://schemas.openxmlformats.org/officeDocument/2006/relationships" xmlns:p="http://schemas.openxmlformats.org/presentationml/2006/main" showMasterSp="1" showMasterPhAnim="1">
+  <p:cSld>
+    <p:spTree>
+      <p:nvGrpSpPr>
+        <p:cNvPr id="1" name=""/>
+        <p:cNvGrpSpPr/>
+        <p:nvPr/>
+      </p:nvGrpSpPr>
+      <p:grpSpPr>
+        <a:xfrm>
+          <a:off x="0" y="0"/>
+          <a:ext cx="0" cy="0"/>
+          <a:chOff x="0" y="0"/>
+          <a:chExt cx="0" cy="0"/>
+        </a:xfrm>
+      </p:grpSpPr>
+      <p:sp>
+        <p:nvSpPr>
+          <p:cNvPr id="307" name="Shape 307"/>
+          <p:cNvSpPr/>
+          <p:nvPr>
+            <p:ph type="title"/>
+          </p:nvPr>
+        </p:nvSpPr>
+        <p:spPr>
+          <a:xfrm>
+            <a:off x="2097385" y="3056466"/>
+            <a:ext cx="8810030" cy="4521201"/>
+          </a:xfrm>
+          <a:prstGeom prst="rect">
+            <a:avLst/>
+          </a:prstGeom>
+        </p:spPr>
+        <p:txBody>
+          <a:bodyPr/>
+          <a:lstStyle>
+            <a:lvl1pPr algn="ctr"/>
+          </a:lstStyle>
+          <a:p>
+            <a:pPr/>
+            <a:r>
+              <a:t>Imbalanced classes</a:t>
+            </a:r>
+          </a:p>
+        </p:txBody>
+      </p:sp>
+    </p:spTree>
+  </p:cSld>
+  <p:clrMapOvr>
+    <a:masterClrMapping/>
+  </p:clrMapOvr>
+  <p:transition xmlns:p14="http://schemas.microsoft.com/office/powerpoint/2010/main" spd="med" advClick="1"/>
+</p:sld>
+</file>
+
+<file path=ppt/slides/slide39.xml><?xml version="1.0" encoding="utf-8"?>
+<p:sld xmlns:a="http://schemas.openxmlformats.org/drawingml/2006/main" xmlns:r="http://schemas.openxmlformats.org/officeDocument/2006/relationships" xmlns:p="http://schemas.openxmlformats.org/presentationml/2006/main" showMasterSp="1" showMasterPhAnim="1">
+  <p:cSld>
+    <p:spTree>
+      <p:nvGrpSpPr>
+        <p:cNvPr id="1" name=""/>
+        <p:cNvGrpSpPr/>
+        <p:nvPr/>
+      </p:nvGrpSpPr>
+      <p:grpSpPr>
+        <a:xfrm>
+          <a:off x="0" y="0"/>
+          <a:ext cx="0" cy="0"/>
+          <a:chOff x="0" y="0"/>
+          <a:chExt cx="0" cy="0"/>
+        </a:xfrm>
+      </p:grpSpPr>
+      <p:sp>
+        <p:nvSpPr>
+          <p:cNvPr id="309" name="Shape 309"/>
+          <p:cNvSpPr/>
+          <p:nvPr>
+            <p:ph type="title"/>
+          </p:nvPr>
+        </p:nvSpPr>
+        <p:spPr>
+          <a:xfrm>
+            <a:off x="406400" y="1536700"/>
+            <a:ext cx="12192000" cy="1169261"/>
+          </a:xfrm>
+          <a:prstGeom prst="rect">
+            <a:avLst/>
+          </a:prstGeom>
+        </p:spPr>
+        <p:txBody>
+          <a:bodyPr/>
+          <a:lstStyle>
+            <a:lvl1pPr defTabSz="403097">
+              <a:spcBef>
+                <a:spcPts val="1900"/>
+              </a:spcBef>
+              <a:defRPr sz="8200"/>
+            </a:lvl1pPr>
+          </a:lstStyle>
+          <a:p>
+            <a:pPr/>
+            <a:r>
+              <a:t>The problem</a:t>
+            </a:r>
+          </a:p>
+        </p:txBody>
+      </p:sp>
+      <p:sp>
+        <p:nvSpPr>
+          <p:cNvPr id="310" name="Shape 310"/>
+          <p:cNvSpPr/>
+          <p:nvPr>
+            <p:ph type="body" idx="1"/>
+          </p:nvPr>
+        </p:nvSpPr>
+        <p:spPr>
+          <a:xfrm>
+            <a:off x="406400" y="3953767"/>
+            <a:ext cx="12192000" cy="4793723"/>
+          </a:xfrm>
+          <a:prstGeom prst="rect">
+            <a:avLst/>
+          </a:prstGeom>
+        </p:spPr>
+        <p:txBody>
+          <a:bodyPr anchor="t"/>
+          <a:lstStyle/>
+          <a:p>
+            <a:pPr marL="663612" indent="-663612" defTabSz="549148">
+              <a:lnSpc>
+                <a:spcPct val="100000"/>
+              </a:lnSpc>
+              <a:spcBef>
+                <a:spcPts val="2600"/>
+              </a:spcBef>
+              <a:buSzPct val="40000"/>
+              <a:buBlip>
+                <a:blip r:embed="rId2"/>
+              </a:buBlip>
+              <a:defRPr cap="none" spc="0" sz="6000">
+                <a:latin typeface="Avenir Next Medium"/>
+                <a:ea typeface="Avenir Next Medium"/>
+                <a:cs typeface="Avenir Next Medium"/>
+                <a:sym typeface="Avenir Next Medium"/>
+              </a:defRPr>
+            </a:pPr>
+            <a:r>
+              <a:t>Often have WAY more negative samples than positive</a:t>
+            </a:r>
+          </a:p>
+          <a:p>
+            <a:pPr marL="663612" indent="-663612" defTabSz="549148">
+              <a:lnSpc>
+                <a:spcPct val="100000"/>
+              </a:lnSpc>
+              <a:spcBef>
+                <a:spcPts val="2600"/>
+              </a:spcBef>
+              <a:buSzPct val="40000"/>
+              <a:buBlip>
+                <a:blip r:embed="rId2"/>
+              </a:buBlip>
+              <a:defRPr cap="none" spc="0" sz="6000">
+                <a:latin typeface="Avenir Next Medium"/>
+                <a:ea typeface="Avenir Next Medium"/>
+                <a:cs typeface="Avenir Next Medium"/>
+                <a:sym typeface="Avenir Next Medium"/>
+              </a:defRPr>
+            </a:pPr>
+            <a:r>
+              <a:t>High “accuracy” if you always guess negative!</a:t>
             </a:r>
           </a:p>
         </p:txBody>
@@ -9218,7 +9966,7 @@
         <p:spPr>
           <a:xfrm>
             <a:off x="406400" y="1536700"/>
-            <a:ext cx="12192000" cy="1169261"/>
+            <a:ext cx="12192000" cy="1169260"/>
           </a:xfrm>
           <a:prstGeom prst="rect">
             <a:avLst/>
@@ -9231,29 +9979,302 @@
               <a:spcBef>
                 <a:spcPts val="1900"/>
               </a:spcBef>
+              <a:defRPr sz="8280"/>
+            </a:lvl1pPr>
+          </a:lstStyle>
+          <a:p>
+            <a:pPr/>
+            <a:r>
+              <a:t>Polynomial Regression</a:t>
+            </a:r>
+          </a:p>
+        </p:txBody>
+      </p:sp>
+      <p:sp>
+        <p:nvSpPr>
+          <p:cNvPr id="200" name="Shape 200"/>
+          <p:cNvSpPr/>
+          <p:nvPr>
+            <p:ph type="body" idx="1"/>
+          </p:nvPr>
+        </p:nvSpPr>
+        <p:spPr>
+          <a:xfrm>
+            <a:off x="406400" y="3045035"/>
+            <a:ext cx="12192001" cy="6465997"/>
+          </a:xfrm>
+          <a:prstGeom prst="rect">
+            <a:avLst/>
+          </a:prstGeom>
+        </p:spPr>
+        <p:txBody>
+          <a:bodyPr/>
+          <a:lstStyle/>
+          <a:p>
+            <a:pPr marL="705970" indent="-705970">
+              <a:buClrTx/>
+              <a:buSzPct val="40000"/>
+              <a:buFontTx/>
+              <a:buBlip>
+                <a:blip r:embed="rId2"/>
+              </a:buBlip>
+              <a:defRPr sz="6400"/>
+            </a:pPr>
+            <a:r>
+              <a:t>Feature engineering: transforming our input</a:t>
+            </a:r>
+          </a:p>
+          <a:p>
+            <a:pPr marL="705970" indent="-705970">
+              <a:buClrTx/>
+              <a:buSzPct val="40000"/>
+              <a:buFontTx/>
+              <a:buBlip>
+                <a:blip r:embed="rId2"/>
+              </a:buBlip>
+              <a:defRPr sz="6400"/>
+            </a:pPr>
+            <a:r>
+              <a:t>New column is the square of the original column (or cube, etc)</a:t>
+            </a:r>
+          </a:p>
+        </p:txBody>
+      </p:sp>
+    </p:spTree>
+  </p:cSld>
+  <p:clrMapOvr>
+    <a:masterClrMapping/>
+  </p:clrMapOvr>
+  <p:transition xmlns:p14="http://schemas.microsoft.com/office/powerpoint/2010/main" spd="med" advClick="1"/>
+</p:sld>
+</file>
+
+<file path=ppt/slides/slide40.xml><?xml version="1.0" encoding="utf-8"?>
+<p:sld xmlns:a="http://schemas.openxmlformats.org/drawingml/2006/main" xmlns:r="http://schemas.openxmlformats.org/officeDocument/2006/relationships" xmlns:p="http://schemas.openxmlformats.org/presentationml/2006/main" showMasterSp="1" showMasterPhAnim="1">
+  <p:cSld>
+    <p:spTree>
+      <p:nvGrpSpPr>
+        <p:cNvPr id="1" name=""/>
+        <p:cNvGrpSpPr/>
+        <p:nvPr/>
+      </p:nvGrpSpPr>
+      <p:grpSpPr>
+        <a:xfrm>
+          <a:off x="0" y="0"/>
+          <a:ext cx="0" cy="0"/>
+          <a:chOff x="0" y="0"/>
+          <a:chExt cx="0" cy="0"/>
+        </a:xfrm>
+      </p:grpSpPr>
+      <p:pic>
+        <p:nvPicPr>
+          <p:cNvPr id="312" name="pasted-image.jpeg"/>
+          <p:cNvPicPr>
+            <a:picLocks noChangeAspect="1"/>
+          </p:cNvPicPr>
+          <p:nvPr>
+            <p:ph type="pic" idx="13"/>
+          </p:nvPr>
+        </p:nvPicPr>
+        <p:blipFill>
+          <a:blip r:embed="rId2">
+            <a:extLst/>
+          </a:blip>
+          <a:srcRect l="55649" t="0" r="12235" b="0"/>
+          <a:stretch>
+            <a:fillRect/>
+          </a:stretch>
+        </p:blipFill>
+        <p:spPr>
+          <a:xfrm>
+            <a:off x="0" y="0"/>
+            <a:ext cx="5486400" cy="9753600"/>
+          </a:xfrm>
+          <a:prstGeom prst="rect">
+            <a:avLst/>
+          </a:prstGeom>
+        </p:spPr>
+      </p:pic>
+      <p:sp>
+        <p:nvSpPr>
+          <p:cNvPr id="313" name="Shape 313"/>
+          <p:cNvSpPr/>
+          <p:nvPr>
+            <p:ph type="title"/>
+          </p:nvPr>
+        </p:nvSpPr>
+        <p:spPr>
+          <a:prstGeom prst="rect">
+            <a:avLst/>
+          </a:prstGeom>
+        </p:spPr>
+        <p:txBody>
+          <a:bodyPr/>
+          <a:lstStyle>
+            <a:lvl1pPr defTabSz="379729">
+              <a:defRPr sz="11049"/>
+            </a:lvl1pPr>
+          </a:lstStyle>
+          <a:p>
+            <a:pPr/>
+            <a:r>
+              <a:t>Transactions</a:t>
+            </a:r>
+          </a:p>
+        </p:txBody>
+      </p:sp>
+      <p:sp>
+        <p:nvSpPr>
+          <p:cNvPr id="314" name="Shape 314"/>
+          <p:cNvSpPr/>
+          <p:nvPr>
+            <p:ph type="body" sz="quarter" idx="1"/>
+          </p:nvPr>
+        </p:nvSpPr>
+        <p:spPr>
+          <a:prstGeom prst="rect">
+            <a:avLst/>
+          </a:prstGeom>
+        </p:spPr>
+        <p:txBody>
+          <a:bodyPr/>
+          <a:lstStyle/>
+          <a:p>
+            <a:pPr/>
+            <a:r>
+              <a:t>Fraudulent</a:t>
+            </a:r>
+          </a:p>
+        </p:txBody>
+      </p:sp>
+    </p:spTree>
+  </p:cSld>
+  <p:clrMapOvr>
+    <a:masterClrMapping/>
+  </p:clrMapOvr>
+  <p:transition xmlns:p14="http://schemas.microsoft.com/office/powerpoint/2010/main" spd="med" advClick="1"/>
+</p:sld>
+</file>
+
+<file path=ppt/slides/slide41.xml><?xml version="1.0" encoding="utf-8"?>
+<p:sld xmlns:a="http://schemas.openxmlformats.org/drawingml/2006/main" xmlns:r="http://schemas.openxmlformats.org/officeDocument/2006/relationships" xmlns:p="http://schemas.openxmlformats.org/presentationml/2006/main" showMasterSp="1" showMasterPhAnim="1">
+  <p:cSld>
+    <p:spTree>
+      <p:nvGrpSpPr>
+        <p:cNvPr id="1" name=""/>
+        <p:cNvGrpSpPr/>
+        <p:nvPr/>
+      </p:nvGrpSpPr>
+      <p:grpSpPr>
+        <a:xfrm>
+          <a:off x="0" y="0"/>
+          <a:ext cx="0" cy="0"/>
+          <a:chOff x="0" y="0"/>
+          <a:chExt cx="0" cy="0"/>
+        </a:xfrm>
+      </p:grpSpPr>
+      <p:pic>
+        <p:nvPicPr>
+          <p:cNvPr id="316" name="pasted-image.png"/>
+          <p:cNvPicPr>
+            <a:picLocks noChangeAspect="1"/>
+          </p:cNvPicPr>
+          <p:nvPr/>
+        </p:nvPicPr>
+        <p:blipFill>
+          <a:blip r:embed="rId2">
+            <a:extLst/>
+          </a:blip>
+          <a:stretch>
+            <a:fillRect/>
+          </a:stretch>
+        </p:blipFill>
+        <p:spPr>
+          <a:xfrm>
+            <a:off x="425450" y="1217083"/>
+            <a:ext cx="12153900" cy="7790963"/>
+          </a:xfrm>
+          <a:prstGeom prst="rect">
+            <a:avLst/>
+          </a:prstGeom>
+          <a:ln w="12700">
+            <a:miter lim="400000"/>
+          </a:ln>
+        </p:spPr>
+      </p:pic>
+    </p:spTree>
+  </p:cSld>
+  <p:clrMapOvr>
+    <a:masterClrMapping/>
+  </p:clrMapOvr>
+  <p:transition xmlns:p14="http://schemas.microsoft.com/office/powerpoint/2010/main" spd="med" advClick="1"/>
+</p:sld>
+</file>
+
+<file path=ppt/slides/slide42.xml><?xml version="1.0" encoding="utf-8"?>
+<p:sld xmlns:a="http://schemas.openxmlformats.org/drawingml/2006/main" xmlns:r="http://schemas.openxmlformats.org/officeDocument/2006/relationships" xmlns:p="http://schemas.openxmlformats.org/presentationml/2006/main" showMasterSp="1" showMasterPhAnim="1">
+  <p:cSld>
+    <p:spTree>
+      <p:nvGrpSpPr>
+        <p:cNvPr id="1" name=""/>
+        <p:cNvGrpSpPr/>
+        <p:nvPr/>
+      </p:nvGrpSpPr>
+      <p:grpSpPr>
+        <a:xfrm>
+          <a:off x="0" y="0"/>
+          <a:ext cx="0" cy="0"/>
+          <a:chOff x="0" y="0"/>
+          <a:chExt cx="0" cy="0"/>
+        </a:xfrm>
+      </p:grpSpPr>
+      <p:sp>
+        <p:nvSpPr>
+          <p:cNvPr id="318" name="Shape 318"/>
+          <p:cNvSpPr/>
+          <p:nvPr>
+            <p:ph type="title"/>
+          </p:nvPr>
+        </p:nvSpPr>
+        <p:spPr>
+          <a:xfrm>
+            <a:off x="406400" y="1536700"/>
+            <a:ext cx="12192000" cy="1169261"/>
+          </a:xfrm>
+          <a:prstGeom prst="rect">
+            <a:avLst/>
+          </a:prstGeom>
+        </p:spPr>
+        <p:txBody>
+          <a:bodyPr/>
+          <a:lstStyle>
+            <a:lvl1pPr defTabSz="403097">
+              <a:spcBef>
+                <a:spcPts val="1900"/>
+              </a:spcBef>
               <a:defRPr sz="8200"/>
             </a:lvl1pPr>
           </a:lstStyle>
           <a:p>
             <a:pPr/>
             <a:r>
-              <a:t>Problems with Probability</a:t>
-            </a:r>
-          </a:p>
-        </p:txBody>
-      </p:sp>
-      <p:sp>
-        <p:nvSpPr>
-          <p:cNvPr id="200" name="Shape 200"/>
-          <p:cNvSpPr/>
-          <p:nvPr>
-            <p:ph type="body" sz="half" idx="1"/>
-          </p:nvPr>
-        </p:nvSpPr>
-        <p:spPr>
-          <a:xfrm>
-            <a:off x="406400" y="4538100"/>
-            <a:ext cx="12192000" cy="2531601"/>
+              <a:t>Sensitivity</a:t>
+            </a:r>
+          </a:p>
+        </p:txBody>
+      </p:sp>
+      <p:sp>
+        <p:nvSpPr>
+          <p:cNvPr id="319" name="Shape 319"/>
+          <p:cNvSpPr/>
+          <p:nvPr>
+            <p:ph type="body" idx="1"/>
+          </p:nvPr>
+        </p:nvSpPr>
+        <p:spPr>
+          <a:xfrm>
+            <a:off x="406400" y="3953767"/>
+            <a:ext cx="12192000" cy="4793723"/>
           </a:xfrm>
           <a:prstGeom prst="rect">
             <a:avLst/>
@@ -9263,18 +10284,18 @@
           <a:bodyPr anchor="t"/>
           <a:lstStyle/>
           <a:p>
-            <a:pPr marL="550656" indent="-550656" defTabSz="455674">
+            <a:pPr marL="663612" indent="-663612" defTabSz="549148">
               <a:lnSpc>
                 <a:spcPct val="100000"/>
               </a:lnSpc>
               <a:spcBef>
-                <a:spcPts val="2100"/>
+                <a:spcPts val="2600"/>
               </a:spcBef>
               <a:buSzPct val="40000"/>
               <a:buBlip>
                 <a:blip r:embed="rId2"/>
               </a:buBlip>
-              <a:defRPr cap="none" spc="0" sz="4900">
+              <a:defRPr cap="none" spc="0" sz="6000">
                 <a:latin typeface="Avenir Next Medium"/>
                 <a:ea typeface="Avenir Next Medium"/>
                 <a:cs typeface="Avenir Next Medium"/>
@@ -9282,22 +10303,22 @@
               </a:defRPr>
             </a:pPr>
             <a:r>
-              <a:t>Only valid between 0 and 1</a:t>
-            </a:r>
-          </a:p>
-          <a:p>
-            <a:pPr marL="550656" indent="-550656" defTabSz="455674">
+              <a:t>TP / TP + FN</a:t>
+            </a:r>
+          </a:p>
+          <a:p>
+            <a:pPr marL="663612" indent="-663612" defTabSz="549148">
               <a:lnSpc>
                 <a:spcPct val="100000"/>
               </a:lnSpc>
               <a:spcBef>
-                <a:spcPts val="2100"/>
+                <a:spcPts val="2600"/>
               </a:spcBef>
               <a:buSzPct val="40000"/>
               <a:buBlip>
                 <a:blip r:embed="rId2"/>
               </a:buBlip>
-              <a:defRPr cap="none" spc="0" sz="4900">
+              <a:defRPr cap="none" spc="0" sz="6000">
                 <a:latin typeface="Avenir Next Medium"/>
                 <a:ea typeface="Avenir Next Medium"/>
                 <a:cs typeface="Avenir Next Medium"/>
@@ -9305,7 +10326,689 @@
               </a:defRPr>
             </a:pPr>
             <a:r>
-              <a:t>Linear models extend forever</a:t>
+              <a:t>Focuses only on performance on TRUE samples</a:t>
+            </a:r>
+          </a:p>
+        </p:txBody>
+      </p:sp>
+    </p:spTree>
+  </p:cSld>
+  <p:clrMapOvr>
+    <a:masterClrMapping/>
+  </p:clrMapOvr>
+  <p:transition xmlns:p14="http://schemas.microsoft.com/office/powerpoint/2010/main" spd="med" advClick="1"/>
+</p:sld>
+</file>
+
+<file path=ppt/slides/slide43.xml><?xml version="1.0" encoding="utf-8"?>
+<p:sld xmlns:a="http://schemas.openxmlformats.org/drawingml/2006/main" xmlns:r="http://schemas.openxmlformats.org/officeDocument/2006/relationships" xmlns:p="http://schemas.openxmlformats.org/presentationml/2006/main" showMasterSp="1" showMasterPhAnim="1">
+  <p:cSld>
+    <p:spTree>
+      <p:nvGrpSpPr>
+        <p:cNvPr id="1" name=""/>
+        <p:cNvGrpSpPr/>
+        <p:nvPr/>
+      </p:nvGrpSpPr>
+      <p:grpSpPr>
+        <a:xfrm>
+          <a:off x="0" y="0"/>
+          <a:ext cx="0" cy="0"/>
+          <a:chOff x="0" y="0"/>
+          <a:chExt cx="0" cy="0"/>
+        </a:xfrm>
+      </p:grpSpPr>
+      <p:pic>
+        <p:nvPicPr>
+          <p:cNvPr id="321" name="resampling.png"/>
+          <p:cNvPicPr>
+            <a:picLocks noChangeAspect="1"/>
+          </p:cNvPicPr>
+          <p:nvPr/>
+        </p:nvPicPr>
+        <p:blipFill>
+          <a:blip r:embed="rId2">
+            <a:extLst/>
+          </a:blip>
+          <a:srcRect l="45323" t="0" r="0" b="0"/>
+          <a:stretch>
+            <a:fillRect/>
+          </a:stretch>
+        </p:blipFill>
+        <p:spPr>
+          <a:xfrm>
+            <a:off x="0" y="1225153"/>
+            <a:ext cx="13004942" cy="7303262"/>
+          </a:xfrm>
+          <a:prstGeom prst="rect">
+            <a:avLst/>
+          </a:prstGeom>
+          <a:ln w="12700">
+            <a:miter lim="400000"/>
+          </a:ln>
+        </p:spPr>
+      </p:pic>
+    </p:spTree>
+  </p:cSld>
+  <p:clrMapOvr>
+    <a:masterClrMapping/>
+  </p:clrMapOvr>
+  <p:transition xmlns:p14="http://schemas.microsoft.com/office/powerpoint/2010/main" spd="med" advClick="1"/>
+</p:sld>
+</file>
+
+<file path=ppt/slides/slide44.xml><?xml version="1.0" encoding="utf-8"?>
+<p:sld xmlns:a="http://schemas.openxmlformats.org/drawingml/2006/main" xmlns:r="http://schemas.openxmlformats.org/officeDocument/2006/relationships" xmlns:p="http://schemas.openxmlformats.org/presentationml/2006/main" showMasterSp="1" showMasterPhAnim="1">
+  <p:cSld>
+    <p:spTree>
+      <p:nvGrpSpPr>
+        <p:cNvPr id="1" name=""/>
+        <p:cNvGrpSpPr/>
+        <p:nvPr/>
+      </p:nvGrpSpPr>
+      <p:grpSpPr>
+        <a:xfrm>
+          <a:off x="0" y="0"/>
+          <a:ext cx="0" cy="0"/>
+          <a:chOff x="0" y="0"/>
+          <a:chExt cx="0" cy="0"/>
+        </a:xfrm>
+      </p:grpSpPr>
+      <p:sp>
+        <p:nvSpPr>
+          <p:cNvPr id="323" name="Shape 323"/>
+          <p:cNvSpPr/>
+          <p:nvPr>
+            <p:ph type="title"/>
+          </p:nvPr>
+        </p:nvSpPr>
+        <p:spPr>
+          <a:xfrm>
+            <a:off x="406400" y="1536700"/>
+            <a:ext cx="12192000" cy="1169261"/>
+          </a:xfrm>
+          <a:prstGeom prst="rect">
+            <a:avLst/>
+          </a:prstGeom>
+        </p:spPr>
+        <p:txBody>
+          <a:bodyPr/>
+          <a:lstStyle>
+            <a:lvl1pPr defTabSz="403097">
+              <a:spcBef>
+                <a:spcPts val="1900"/>
+              </a:spcBef>
+              <a:defRPr sz="8200"/>
+            </a:lvl1pPr>
+          </a:lstStyle>
+          <a:p>
+            <a:pPr/>
+            <a:r>
+              <a:t>Oversampling</a:t>
+            </a:r>
+          </a:p>
+        </p:txBody>
+      </p:sp>
+      <p:sp>
+        <p:nvSpPr>
+          <p:cNvPr id="324" name="Shape 324"/>
+          <p:cNvSpPr/>
+          <p:nvPr>
+            <p:ph type="body" idx="1"/>
+          </p:nvPr>
+        </p:nvSpPr>
+        <p:spPr>
+          <a:xfrm>
+            <a:off x="406400" y="3953767"/>
+            <a:ext cx="12192000" cy="4793723"/>
+          </a:xfrm>
+          <a:prstGeom prst="rect">
+            <a:avLst/>
+          </a:prstGeom>
+        </p:spPr>
+        <p:txBody>
+          <a:bodyPr anchor="t"/>
+          <a:lstStyle/>
+          <a:p>
+            <a:pPr marL="663612" indent="-663612" defTabSz="549148">
+              <a:lnSpc>
+                <a:spcPct val="100000"/>
+              </a:lnSpc>
+              <a:spcBef>
+                <a:spcPts val="2600"/>
+              </a:spcBef>
+              <a:buSzPct val="40000"/>
+              <a:buBlip>
+                <a:blip r:embed="rId2"/>
+              </a:buBlip>
+              <a:defRPr cap="none" spc="0" sz="6000">
+                <a:latin typeface="Avenir Next Medium"/>
+                <a:ea typeface="Avenir Next Medium"/>
+                <a:cs typeface="Avenir Next Medium"/>
+                <a:sym typeface="Avenir Next Medium"/>
+              </a:defRPr>
+            </a:pPr>
+            <a:r>
+              <a:t>Often have WAY more negative samples than positive</a:t>
+            </a:r>
+          </a:p>
+          <a:p>
+            <a:pPr marL="663612" indent="-663612" defTabSz="549148">
+              <a:lnSpc>
+                <a:spcPct val="100000"/>
+              </a:lnSpc>
+              <a:spcBef>
+                <a:spcPts val="2600"/>
+              </a:spcBef>
+              <a:buSzPct val="40000"/>
+              <a:buBlip>
+                <a:blip r:embed="rId2"/>
+              </a:buBlip>
+              <a:defRPr cap="none" spc="0" sz="6000">
+                <a:latin typeface="Avenir Next Medium"/>
+                <a:ea typeface="Avenir Next Medium"/>
+                <a:cs typeface="Avenir Next Medium"/>
+                <a:sym typeface="Avenir Next Medium"/>
+              </a:defRPr>
+            </a:pPr>
+            <a:r>
+              <a:t>High “accuracy” if you always guess negative!</a:t>
+            </a:r>
+          </a:p>
+        </p:txBody>
+      </p:sp>
+    </p:spTree>
+  </p:cSld>
+  <p:clrMapOvr>
+    <a:masterClrMapping/>
+  </p:clrMapOvr>
+  <p:transition xmlns:p14="http://schemas.microsoft.com/office/powerpoint/2010/main" spd="med" advClick="1"/>
+</p:sld>
+</file>
+
+<file path=ppt/slides/slide45.xml><?xml version="1.0" encoding="utf-8"?>
+<p:sld xmlns:a="http://schemas.openxmlformats.org/drawingml/2006/main" xmlns:r="http://schemas.openxmlformats.org/officeDocument/2006/relationships" xmlns:p="http://schemas.openxmlformats.org/presentationml/2006/main" showMasterSp="1" showMasterPhAnim="1">
+  <p:cSld>
+    <p:spTree>
+      <p:nvGrpSpPr>
+        <p:cNvPr id="1" name=""/>
+        <p:cNvGrpSpPr/>
+        <p:nvPr/>
+      </p:nvGrpSpPr>
+      <p:grpSpPr>
+        <a:xfrm>
+          <a:off x="0" y="0"/>
+          <a:ext cx="0" cy="0"/>
+          <a:chOff x="0" y="0"/>
+          <a:chExt cx="0" cy="0"/>
+        </a:xfrm>
+      </p:grpSpPr>
+      <p:pic>
+        <p:nvPicPr>
+          <p:cNvPr id="326" name="resampling.png"/>
+          <p:cNvPicPr>
+            <a:picLocks noChangeAspect="1"/>
+          </p:cNvPicPr>
+          <p:nvPr/>
+        </p:nvPicPr>
+        <p:blipFill>
+          <a:blip r:embed="rId2">
+            <a:extLst/>
+          </a:blip>
+          <a:srcRect l="0" t="0" r="48145" b="0"/>
+          <a:stretch>
+            <a:fillRect/>
+          </a:stretch>
+        </p:blipFill>
+        <p:spPr>
+          <a:xfrm>
+            <a:off x="-13451" y="1018626"/>
+            <a:ext cx="13031665" cy="7716472"/>
+          </a:xfrm>
+          <a:prstGeom prst="rect">
+            <a:avLst/>
+          </a:prstGeom>
+          <a:ln w="12700">
+            <a:miter lim="400000"/>
+          </a:ln>
+        </p:spPr>
+      </p:pic>
+    </p:spTree>
+  </p:cSld>
+  <p:clrMapOvr>
+    <a:masterClrMapping/>
+  </p:clrMapOvr>
+  <p:transition xmlns:p14="http://schemas.microsoft.com/office/powerpoint/2010/main" spd="med" advClick="1"/>
+</p:sld>
+</file>
+
+<file path=ppt/slides/slide46.xml><?xml version="1.0" encoding="utf-8"?>
+<p:sld xmlns:a="http://schemas.openxmlformats.org/drawingml/2006/main" xmlns:r="http://schemas.openxmlformats.org/officeDocument/2006/relationships" xmlns:p="http://schemas.openxmlformats.org/presentationml/2006/main" showMasterSp="1" showMasterPhAnim="1">
+  <p:cSld>
+    <p:spTree>
+      <p:nvGrpSpPr>
+        <p:cNvPr id="1" name=""/>
+        <p:cNvGrpSpPr/>
+        <p:nvPr/>
+      </p:nvGrpSpPr>
+      <p:grpSpPr>
+        <a:xfrm>
+          <a:off x="0" y="0"/>
+          <a:ext cx="0" cy="0"/>
+          <a:chOff x="0" y="0"/>
+          <a:chExt cx="0" cy="0"/>
+        </a:xfrm>
+      </p:grpSpPr>
+      <p:sp>
+        <p:nvSpPr>
+          <p:cNvPr id="328" name="Shape 328"/>
+          <p:cNvSpPr/>
+          <p:nvPr>
+            <p:ph type="title"/>
+          </p:nvPr>
+        </p:nvSpPr>
+        <p:spPr>
+          <a:xfrm>
+            <a:off x="406400" y="1536700"/>
+            <a:ext cx="12192000" cy="1169261"/>
+          </a:xfrm>
+          <a:prstGeom prst="rect">
+            <a:avLst/>
+          </a:prstGeom>
+        </p:spPr>
+        <p:txBody>
+          <a:bodyPr/>
+          <a:lstStyle>
+            <a:lvl1pPr defTabSz="403097">
+              <a:spcBef>
+                <a:spcPts val="1900"/>
+              </a:spcBef>
+              <a:defRPr sz="8200"/>
+            </a:lvl1pPr>
+          </a:lstStyle>
+          <a:p>
+            <a:pPr/>
+            <a:r>
+              <a:t>Undersampling</a:t>
+            </a:r>
+          </a:p>
+        </p:txBody>
+      </p:sp>
+      <p:sp>
+        <p:nvSpPr>
+          <p:cNvPr id="329" name="Shape 329"/>
+          <p:cNvSpPr/>
+          <p:nvPr>
+            <p:ph type="body" idx="1"/>
+          </p:nvPr>
+        </p:nvSpPr>
+        <p:spPr>
+          <a:xfrm>
+            <a:off x="406400" y="3953767"/>
+            <a:ext cx="12192000" cy="4793723"/>
+          </a:xfrm>
+          <a:prstGeom prst="rect">
+            <a:avLst/>
+          </a:prstGeom>
+        </p:spPr>
+        <p:txBody>
+          <a:bodyPr anchor="t"/>
+          <a:lstStyle/>
+          <a:p>
+            <a:pPr marL="663612" indent="-663612" defTabSz="549148">
+              <a:lnSpc>
+                <a:spcPct val="100000"/>
+              </a:lnSpc>
+              <a:spcBef>
+                <a:spcPts val="2600"/>
+              </a:spcBef>
+              <a:buSzPct val="40000"/>
+              <a:buBlip>
+                <a:blip r:embed="rId2"/>
+              </a:buBlip>
+              <a:defRPr cap="none" spc="0" sz="6000">
+                <a:latin typeface="Avenir Next Medium"/>
+                <a:ea typeface="Avenir Next Medium"/>
+                <a:cs typeface="Avenir Next Medium"/>
+                <a:sym typeface="Avenir Next Medium"/>
+              </a:defRPr>
+            </a:pPr>
+            <a:r>
+              <a:t>Avoid — loses data!</a:t>
+            </a:r>
+          </a:p>
+          <a:p>
+            <a:pPr marL="663612" indent="-663612" defTabSz="549148">
+              <a:lnSpc>
+                <a:spcPct val="100000"/>
+              </a:lnSpc>
+              <a:spcBef>
+                <a:spcPts val="2600"/>
+              </a:spcBef>
+              <a:buSzPct val="40000"/>
+              <a:buBlip>
+                <a:blip r:embed="rId2"/>
+              </a:buBlip>
+              <a:defRPr cap="none" spc="0" sz="6000">
+                <a:latin typeface="Avenir Next Medium"/>
+                <a:ea typeface="Avenir Next Medium"/>
+                <a:cs typeface="Avenir Next Medium"/>
+                <a:sym typeface="Avenir Next Medium"/>
+              </a:defRPr>
+            </a:pPr>
+            <a:r>
+              <a:t>Used when size is expensive, eg. Big Data or data that has to be cleaned manually</a:t>
+            </a:r>
+          </a:p>
+        </p:txBody>
+      </p:sp>
+    </p:spTree>
+  </p:cSld>
+  <p:clrMapOvr>
+    <a:masterClrMapping/>
+  </p:clrMapOvr>
+  <p:transition xmlns:p14="http://schemas.microsoft.com/office/powerpoint/2010/main" spd="med" advClick="1"/>
+</p:sld>
+</file>
+
+<file path=ppt/slides/slide47.xml><?xml version="1.0" encoding="utf-8"?>
+<p:sld xmlns:a="http://schemas.openxmlformats.org/drawingml/2006/main" xmlns:r="http://schemas.openxmlformats.org/officeDocument/2006/relationships" xmlns:p="http://schemas.openxmlformats.org/presentationml/2006/main" showMasterSp="1" showMasterPhAnim="1">
+  <p:cSld>
+    <p:spTree>
+      <p:nvGrpSpPr>
+        <p:cNvPr id="1" name=""/>
+        <p:cNvGrpSpPr/>
+        <p:nvPr/>
+      </p:nvGrpSpPr>
+      <p:grpSpPr>
+        <a:xfrm>
+          <a:off x="0" y="0"/>
+          <a:ext cx="0" cy="0"/>
+          <a:chOff x="0" y="0"/>
+          <a:chExt cx="0" cy="0"/>
+        </a:xfrm>
+      </p:grpSpPr>
+      <p:sp>
+        <p:nvSpPr>
+          <p:cNvPr id="331" name="Shape 331"/>
+          <p:cNvSpPr/>
+          <p:nvPr>
+            <p:ph type="title"/>
+          </p:nvPr>
+        </p:nvSpPr>
+        <p:spPr>
+          <a:xfrm>
+            <a:off x="406400" y="1536700"/>
+            <a:ext cx="12192000" cy="1169261"/>
+          </a:xfrm>
+          <a:prstGeom prst="rect">
+            <a:avLst/>
+          </a:prstGeom>
+        </p:spPr>
+        <p:txBody>
+          <a:bodyPr/>
+          <a:lstStyle>
+            <a:lvl1pPr defTabSz="403097">
+              <a:spcBef>
+                <a:spcPts val="1900"/>
+              </a:spcBef>
+              <a:defRPr sz="8200"/>
+            </a:lvl1pPr>
+          </a:lstStyle>
+          <a:p>
+            <a:pPr/>
+            <a:r>
+              <a:t>Imbalance-learn</a:t>
+            </a:r>
+          </a:p>
+        </p:txBody>
+      </p:sp>
+      <p:sp>
+        <p:nvSpPr>
+          <p:cNvPr id="332" name="Shape 332"/>
+          <p:cNvSpPr/>
+          <p:nvPr>
+            <p:ph type="body" idx="1"/>
+          </p:nvPr>
+        </p:nvSpPr>
+        <p:spPr>
+          <a:xfrm>
+            <a:off x="406400" y="3953767"/>
+            <a:ext cx="12192000" cy="4793723"/>
+          </a:xfrm>
+          <a:prstGeom prst="rect">
+            <a:avLst/>
+          </a:prstGeom>
+        </p:spPr>
+        <p:txBody>
+          <a:bodyPr anchor="t"/>
+          <a:lstStyle/>
+          <a:p>
+            <a:pPr marL="663612" indent="-663612" defTabSz="549148">
+              <a:lnSpc>
+                <a:spcPct val="100000"/>
+              </a:lnSpc>
+              <a:spcBef>
+                <a:spcPts val="2600"/>
+              </a:spcBef>
+              <a:buSzPct val="40000"/>
+              <a:buBlip>
+                <a:blip r:embed="rId2"/>
+              </a:buBlip>
+              <a:defRPr cap="none" spc="0" sz="6000">
+                <a:latin typeface="Avenir Next Medium"/>
+                <a:ea typeface="Avenir Next Medium"/>
+                <a:cs typeface="Avenir Next Medium"/>
+                <a:sym typeface="Avenir Next Medium"/>
+              </a:defRPr>
+            </a:pPr>
+            <a:r>
+              <a:t>Fix imbalance in Pipeline</a:t>
+            </a:r>
+          </a:p>
+          <a:p>
+            <a:pPr marL="663612" indent="-663612" defTabSz="549148">
+              <a:lnSpc>
+                <a:spcPct val="100000"/>
+              </a:lnSpc>
+              <a:spcBef>
+                <a:spcPts val="2600"/>
+              </a:spcBef>
+              <a:buSzPct val="40000"/>
+              <a:buBlip>
+                <a:blip r:embed="rId2"/>
+              </a:buBlip>
+              <a:defRPr cap="none" spc="0" sz="6000">
+                <a:latin typeface="Avenir Next Medium"/>
+                <a:ea typeface="Avenir Next Medium"/>
+                <a:cs typeface="Avenir Next Medium"/>
+                <a:sym typeface="Avenir Next Medium"/>
+              </a:defRPr>
+            </a:pPr>
+            <a:r>
+              <a:t>Need to import make_pipeline() from imbalance-learn instead</a:t>
+            </a:r>
+          </a:p>
+        </p:txBody>
+      </p:sp>
+    </p:spTree>
+  </p:cSld>
+  <p:clrMapOvr>
+    <a:masterClrMapping/>
+  </p:clrMapOvr>
+  <p:transition xmlns:p14="http://schemas.microsoft.com/office/powerpoint/2010/main" spd="med" advClick="1"/>
+</p:sld>
+</file>
+
+<file path=ppt/slides/slide48.xml><?xml version="1.0" encoding="utf-8"?>
+<p:sld xmlns:a="http://schemas.openxmlformats.org/drawingml/2006/main" xmlns:r="http://schemas.openxmlformats.org/officeDocument/2006/relationships" xmlns:p="http://schemas.openxmlformats.org/presentationml/2006/main" showMasterSp="1" showMasterPhAnim="1">
+  <p:cSld>
+    <p:spTree>
+      <p:nvGrpSpPr>
+        <p:cNvPr id="1" name=""/>
+        <p:cNvGrpSpPr/>
+        <p:nvPr/>
+      </p:nvGrpSpPr>
+      <p:grpSpPr>
+        <a:xfrm>
+          <a:off x="0" y="0"/>
+          <a:ext cx="0" cy="0"/>
+          <a:chOff x="0" y="0"/>
+          <a:chExt cx="0" cy="0"/>
+        </a:xfrm>
+      </p:grpSpPr>
+      <p:sp>
+        <p:nvSpPr>
+          <p:cNvPr id="334" name="Shape 334"/>
+          <p:cNvSpPr/>
+          <p:nvPr>
+            <p:ph type="title"/>
+          </p:nvPr>
+        </p:nvSpPr>
+        <p:spPr>
+          <a:xfrm>
+            <a:off x="406400" y="1536700"/>
+            <a:ext cx="12192000" cy="1169261"/>
+          </a:xfrm>
+          <a:prstGeom prst="rect">
+            <a:avLst/>
+          </a:prstGeom>
+        </p:spPr>
+        <p:txBody>
+          <a:bodyPr/>
+          <a:lstStyle>
+            <a:lvl1pPr defTabSz="403097">
+              <a:spcBef>
+                <a:spcPts val="1900"/>
+              </a:spcBef>
+              <a:defRPr sz="8200"/>
+            </a:lvl1pPr>
+          </a:lstStyle>
+          <a:p>
+            <a:pPr/>
+            <a:r>
+              <a:t>Random Oversampler</a:t>
+            </a:r>
+          </a:p>
+        </p:txBody>
+      </p:sp>
+      <p:sp>
+        <p:nvSpPr>
+          <p:cNvPr id="335" name="Shape 335"/>
+          <p:cNvSpPr/>
+          <p:nvPr>
+            <p:ph type="body" idx="1"/>
+          </p:nvPr>
+        </p:nvSpPr>
+        <p:spPr>
+          <a:xfrm>
+            <a:off x="406400" y="3953767"/>
+            <a:ext cx="12192000" cy="4793723"/>
+          </a:xfrm>
+          <a:prstGeom prst="rect">
+            <a:avLst/>
+          </a:prstGeom>
+        </p:spPr>
+        <p:txBody>
+          <a:bodyPr anchor="t"/>
+          <a:lstStyle/>
+          <a:p>
+            <a:pPr marL="663612" indent="-663612" defTabSz="549148">
+              <a:lnSpc>
+                <a:spcPct val="100000"/>
+              </a:lnSpc>
+              <a:spcBef>
+                <a:spcPts val="2600"/>
+              </a:spcBef>
+              <a:buSzPct val="40000"/>
+              <a:buBlip>
+                <a:blip r:embed="rId2"/>
+              </a:buBlip>
+              <a:defRPr cap="none" spc="0" sz="6000">
+                <a:latin typeface="Avenir Next Medium"/>
+                <a:ea typeface="Avenir Next Medium"/>
+                <a:cs typeface="Avenir Next Medium"/>
+                <a:sym typeface="Avenir Next Medium"/>
+              </a:defRPr>
+            </a:pPr>
+            <a:r>
+              <a:t>Adds random duplicates</a:t>
+            </a:r>
+          </a:p>
+          <a:p>
+            <a:pPr marL="663612" indent="-663612" defTabSz="549148">
+              <a:lnSpc>
+                <a:spcPct val="100000"/>
+              </a:lnSpc>
+              <a:spcBef>
+                <a:spcPts val="2600"/>
+              </a:spcBef>
+              <a:buSzPct val="40000"/>
+              <a:buBlip>
+                <a:blip r:embed="rId2"/>
+              </a:buBlip>
+              <a:defRPr cap="none" spc="0" sz="6000">
+                <a:latin typeface="Avenir Next Medium"/>
+                <a:ea typeface="Avenir Next Medium"/>
+                <a:cs typeface="Avenir Next Medium"/>
+                <a:sym typeface="Avenir Next Medium"/>
+              </a:defRPr>
+            </a:pPr>
+            <a:r>
+              <a:t>from imblearn.over_sampling import RandomOverSampler</a:t>
+            </a:r>
+          </a:p>
+        </p:txBody>
+      </p:sp>
+    </p:spTree>
+  </p:cSld>
+  <p:clrMapOvr>
+    <a:masterClrMapping/>
+  </p:clrMapOvr>
+  <p:transition xmlns:p14="http://schemas.microsoft.com/office/powerpoint/2010/main" spd="med" advClick="1"/>
+</p:sld>
+</file>
+
+<file path=ppt/slides/slide49.xml><?xml version="1.0" encoding="utf-8"?>
+<p:sld xmlns:a="http://schemas.openxmlformats.org/drawingml/2006/main" xmlns:r="http://schemas.openxmlformats.org/officeDocument/2006/relationships" xmlns:p="http://schemas.openxmlformats.org/presentationml/2006/main" showMasterSp="1" showMasterPhAnim="1">
+  <p:cSld>
+    <p:spTree>
+      <p:nvGrpSpPr>
+        <p:cNvPr id="1" name=""/>
+        <p:cNvGrpSpPr/>
+        <p:nvPr/>
+      </p:nvGrpSpPr>
+      <p:grpSpPr>
+        <a:xfrm>
+          <a:off x="0" y="0"/>
+          <a:ext cx="0" cy="0"/>
+          <a:chOff x="0" y="0"/>
+          <a:chExt cx="0" cy="0"/>
+        </a:xfrm>
+      </p:grpSpPr>
+      <p:sp>
+        <p:nvSpPr>
+          <p:cNvPr id="337" name="Shape 337"/>
+          <p:cNvSpPr/>
+          <p:nvPr>
+            <p:ph type="title"/>
+          </p:nvPr>
+        </p:nvSpPr>
+        <p:spPr>
+          <a:xfrm>
+            <a:off x="2802101" y="4038600"/>
+            <a:ext cx="7400598" cy="4521200"/>
+          </a:xfrm>
+          <a:prstGeom prst="rect">
+            <a:avLst/>
+          </a:prstGeom>
+        </p:spPr>
+        <p:txBody>
+          <a:bodyPr/>
+          <a:lstStyle/>
+          <a:p>
+            <a:pPr/>
+            <a:r>
+              <a:t>Exercises</a:t>
             </a:r>
           </a:p>
         </p:txBody>
@@ -9341,43 +11044,32 @@
           <p:cNvPr id="202" name="Shape 202"/>
           <p:cNvSpPr/>
           <p:nvPr>
-            <p:ph type="title" idx="4294967295"/>
-          </p:nvPr>
-        </p:nvSpPr>
-        <p:spPr>
-          <a:xfrm>
-            <a:off x="524933" y="1062566"/>
-            <a:ext cx="12192001" cy="1169261"/>
-          </a:xfrm>
-          <a:prstGeom prst="rect">
-            <a:avLst/>
-          </a:prstGeom>
-        </p:spPr>
-        <p:txBody>
-          <a:bodyPr lIns="50800" tIns="50800" rIns="50800" bIns="50800" anchor="t"/>
+            <p:ph type="title"/>
+          </p:nvPr>
+        </p:nvSpPr>
+        <p:spPr>
+          <a:xfrm>
+            <a:off x="406400" y="1536700"/>
+            <a:ext cx="12192000" cy="1169261"/>
+          </a:xfrm>
+          <a:prstGeom prst="rect">
+            <a:avLst/>
+          </a:prstGeom>
+        </p:spPr>
+        <p:txBody>
+          <a:bodyPr/>
           <a:lstStyle>
-            <a:lvl1pPr algn="l" defTabSz="403097">
-              <a:lnSpc>
-                <a:spcPct val="80000"/>
-              </a:lnSpc>
+            <a:lvl1pPr defTabSz="403097">
               <a:spcBef>
                 <a:spcPts val="1900"/>
               </a:spcBef>
-              <a:defRPr cap="all" sz="8200">
-                <a:solidFill>
-                  <a:schemeClr val="accent1"/>
-                </a:solidFill>
-                <a:latin typeface="DIN Condensed"/>
-                <a:ea typeface="DIN Condensed"/>
-                <a:cs typeface="DIN Condensed"/>
-                <a:sym typeface="DIN Condensed"/>
-              </a:defRPr>
+              <a:defRPr sz="8200"/>
             </a:lvl1pPr>
           </a:lstStyle>
           <a:p>
             <a:pPr/>
             <a:r>
-              <a:t>Odds</a:t>
+              <a:t>regularization</a:t>
             </a:r>
           </a:p>
         </p:txBody>
@@ -9387,35 +11079,34 @@
           <p:cNvPr id="203" name="Shape 203"/>
           <p:cNvSpPr/>
           <p:nvPr>
-            <p:ph type="body" idx="4294967295"/>
-          </p:nvPr>
-        </p:nvSpPr>
-        <p:spPr>
-          <a:xfrm>
-            <a:off x="524933" y="2880584"/>
-            <a:ext cx="12192001" cy="6059357"/>
-          </a:xfrm>
-          <a:prstGeom prst="rect">
-            <a:avLst/>
-          </a:prstGeom>
-        </p:spPr>
-        <p:txBody>
-          <a:bodyPr lIns="50800" tIns="50800" rIns="50800" bIns="50800"/>
+            <p:ph type="body" idx="1"/>
+          </p:nvPr>
+        </p:nvSpPr>
+        <p:spPr>
+          <a:xfrm>
+            <a:off x="406400" y="3953767"/>
+            <a:ext cx="12192000" cy="5147736"/>
+          </a:xfrm>
+          <a:prstGeom prst="rect">
+            <a:avLst/>
+          </a:prstGeom>
+        </p:spPr>
+        <p:txBody>
+          <a:bodyPr anchor="t"/>
           <a:lstStyle/>
           <a:p>
-            <a:pPr marL="550656" indent="-550656" defTabSz="455674">
-              <a:spcBef>
-                <a:spcPts val="2100"/>
+            <a:pPr marL="663612" indent="-663612" defTabSz="549148">
+              <a:lnSpc>
+                <a:spcPct val="100000"/>
+              </a:lnSpc>
+              <a:spcBef>
+                <a:spcPts val="2600"/>
               </a:spcBef>
               <a:buSzPct val="40000"/>
-              <a:buFontTx/>
               <a:buBlip>
                 <a:blip r:embed="rId2"/>
               </a:buBlip>
-              <a:defRPr sz="4900">
-                <a:solidFill>
-                  <a:srgbClr val="838787"/>
-                </a:solidFill>
+              <a:defRPr cap="none" spc="0" sz="6000">
                 <a:latin typeface="Avenir Next Medium"/>
                 <a:ea typeface="Avenir Next Medium"/>
                 <a:cs typeface="Avenir Next Medium"/>
@@ -9423,23 +11114,22 @@
               </a:defRPr>
             </a:pPr>
             <a:r>
-              <a:t>Ratio of two probabilities</a:t>
-            </a:r>
-          </a:p>
-          <a:p>
-            <a:pPr marL="550656" indent="-550656" defTabSz="455674">
-              <a:spcBef>
-                <a:spcPts val="2100"/>
+              <a:t>Changes what “best-fit” means </a:t>
+            </a:r>
+          </a:p>
+          <a:p>
+            <a:pPr marL="663612" indent="-663612" defTabSz="549148">
+              <a:lnSpc>
+                <a:spcPct val="100000"/>
+              </a:lnSpc>
+              <a:spcBef>
+                <a:spcPts val="2600"/>
               </a:spcBef>
               <a:buSzPct val="40000"/>
-              <a:buFontTx/>
               <a:buBlip>
                 <a:blip r:embed="rId2"/>
               </a:buBlip>
-              <a:defRPr sz="4900">
-                <a:solidFill>
-                  <a:srgbClr val="838787"/>
-                </a:solidFill>
+              <a:defRPr cap="none" spc="0" sz="6000">
                 <a:latin typeface="Avenir Next Medium"/>
                 <a:ea typeface="Avenir Next Medium"/>
                 <a:cs typeface="Avenir Next Medium"/>
@@ -9447,55 +11137,7 @@
               </a:defRPr>
             </a:pPr>
             <a:r>
-              <a:t>e.g. P(Win) = 0.2, P(Lose) =0.8</a:t>
-            </a:r>
-          </a:p>
-          <a:p>
-            <a:pPr marL="550656" indent="-550656" defTabSz="455674">
-              <a:spcBef>
-                <a:spcPts val="2100"/>
-              </a:spcBef>
-              <a:buSzPct val="40000"/>
-              <a:buFontTx/>
-              <a:buBlip>
-                <a:blip r:embed="rId2"/>
-              </a:buBlip>
-              <a:defRPr sz="4900">
-                <a:solidFill>
-                  <a:srgbClr val="838787"/>
-                </a:solidFill>
-                <a:latin typeface="Avenir Next Medium"/>
-                <a:ea typeface="Avenir Next Medium"/>
-                <a:cs typeface="Avenir Next Medium"/>
-                <a:sym typeface="Avenir Next Medium"/>
-              </a:defRPr>
-            </a:pPr>
-            <a:r>
-              <a:t>Odds of winning = 0.2/0.8 = 0.25 </a:t>
-            </a:r>
-          </a:p>
-          <a:p>
-            <a:pPr marL="550656" indent="-550656" defTabSz="455674">
-              <a:spcBef>
-                <a:spcPts val="2100"/>
-              </a:spcBef>
-              <a:buSzPct val="40000"/>
-              <a:buFontTx/>
-              <a:buBlip>
-                <a:blip r:embed="rId2"/>
-              </a:buBlip>
-              <a:defRPr sz="4900">
-                <a:solidFill>
-                  <a:srgbClr val="838787"/>
-                </a:solidFill>
-                <a:latin typeface="Avenir Next Medium"/>
-                <a:ea typeface="Avenir Next Medium"/>
-                <a:cs typeface="Avenir Next Medium"/>
-                <a:sym typeface="Avenir Next Medium"/>
-              </a:defRPr>
-            </a:pPr>
-            <a:r>
-              <a:t>Odds of losing = 0.8/0.2 = 4</a:t>
+              <a:t>Adds penalty for using too many features</a:t>
             </a:r>
           </a:p>
         </p:txBody>
@@ -9531,13 +11173,13 @@
           <p:cNvPr id="205" name="Shape 205"/>
           <p:cNvSpPr/>
           <p:nvPr>
-            <p:ph type="ctrTitle"/>
-          </p:nvPr>
-        </p:nvSpPr>
-        <p:spPr>
-          <a:xfrm>
-            <a:off x="406400" y="1536700"/>
-            <a:ext cx="12192000" cy="1169261"/>
+            <p:ph type="title"/>
+          </p:nvPr>
+        </p:nvSpPr>
+        <p:spPr>
+          <a:xfrm>
+            <a:off x="2253592" y="2939153"/>
+            <a:ext cx="9818416" cy="4654227"/>
           </a:xfrm>
           <a:prstGeom prst="rect">
             <a:avLst/>
@@ -9545,101 +11187,15 @@
         </p:spPr>
         <p:txBody>
           <a:bodyPr/>
-          <a:lstStyle>
-            <a:lvl1pPr defTabSz="403097">
-              <a:spcBef>
-                <a:spcPts val="1900"/>
-              </a:spcBef>
-              <a:defRPr sz="8200"/>
-            </a:lvl1pPr>
-          </a:lstStyle>
+          <a:lstStyle/>
           <a:p>
             <a:pPr/>
             <a:r>
-              <a:t>Odds</a:t>
-            </a:r>
-          </a:p>
-        </p:txBody>
-      </p:sp>
-      <p:sp>
-        <p:nvSpPr>
-          <p:cNvPr id="206" name="Shape 206"/>
-          <p:cNvSpPr/>
-          <p:nvPr>
-            <p:ph type="subTitle" sz="quarter" idx="1"/>
-          </p:nvPr>
-        </p:nvSpPr>
-        <p:spPr>
-          <a:xfrm>
-            <a:off x="0" y="3557918"/>
-            <a:ext cx="12192000" cy="1304860"/>
-          </a:xfrm>
-          <a:prstGeom prst="rect">
-            <a:avLst/>
-          </a:prstGeom>
-        </p:spPr>
-        <p:txBody>
-          <a:bodyPr anchor="t"/>
-          <a:lstStyle>
-            <a:lvl1pPr marL="550656" indent="-550656" defTabSz="455674">
-              <a:lnSpc>
-                <a:spcPct val="100000"/>
-              </a:lnSpc>
-              <a:spcBef>
-                <a:spcPts val="2100"/>
-              </a:spcBef>
-              <a:buSzPct val="40000"/>
-              <a:buBlip>
-                <a:blip r:embed="rId2"/>
-              </a:buBlip>
-              <a:defRPr cap="none" sz="4900">
-                <a:solidFill>
-                  <a:srgbClr val="838787"/>
-                </a:solidFill>
-                <a:latin typeface="Avenir Next Medium"/>
-                <a:ea typeface="Avenir Next Medium"/>
-                <a:cs typeface="Avenir Next Medium"/>
-                <a:sym typeface="Avenir Next Medium"/>
-              </a:defRPr>
-            </a:lvl1pPr>
-          </a:lstStyle>
-          <a:p>
-            <a:pPr/>
-            <a:r>
-              <a:t>Only valid between 0 and 1</a:t>
-            </a:r>
-          </a:p>
-        </p:txBody>
-      </p:sp>
-      <p:pic>
-        <p:nvPicPr>
-          <p:cNvPr id="207" name="Screen Shot 2019-09-17 at 12.14.43 AM.png"/>
-          <p:cNvPicPr>
-            <a:picLocks noChangeAspect="1"/>
-          </p:cNvPicPr>
-          <p:nvPr/>
-        </p:nvPicPr>
-        <p:blipFill>
-          <a:blip r:embed="rId3">
-            <a:extLst/>
-          </a:blip>
-          <a:stretch>
-            <a:fillRect/>
-          </a:stretch>
-        </p:blipFill>
-        <p:spPr>
-          <a:xfrm>
-            <a:off x="-1" y="2935591"/>
-            <a:ext cx="13004801" cy="5313681"/>
-          </a:xfrm>
-          <a:prstGeom prst="rect">
-            <a:avLst/>
-          </a:prstGeom>
-          <a:ln w="12700">
-            <a:miter lim="400000"/>
-          </a:ln>
-        </p:spPr>
-      </p:pic>
+              <a:t>Logistic Regression</a:t>
+            </a:r>
+          </a:p>
+        </p:txBody>
+      </p:sp>
     </p:spTree>
   </p:cSld>
   <p:clrMapOvr>
@@ -9668,10 +11224,10 @@
       </p:grpSpPr>
       <p:sp>
         <p:nvSpPr>
-          <p:cNvPr id="209" name="Shape 209"/>
-          <p:cNvSpPr/>
-          <p:nvPr>
-            <p:ph type="ctrTitle"/>
+          <p:cNvPr id="207" name="Shape 207"/>
+          <p:cNvSpPr/>
+          <p:nvPr>
+            <p:ph type="title"/>
           </p:nvPr>
         </p:nvSpPr>
         <p:spPr>
@@ -9696,23 +11252,23 @@
           <a:p>
             <a:pPr/>
             <a:r>
-              <a:t>Odds</a:t>
-            </a:r>
-          </a:p>
-        </p:txBody>
-      </p:sp>
-      <p:sp>
-        <p:nvSpPr>
-          <p:cNvPr id="210" name="Shape 210"/>
-          <p:cNvSpPr/>
-          <p:nvPr>
-            <p:ph type="subTitle" sz="quarter" idx="1"/>
-          </p:nvPr>
-        </p:nvSpPr>
-        <p:spPr>
-          <a:xfrm>
-            <a:off x="0" y="3557917"/>
-            <a:ext cx="12192000" cy="1304861"/>
+              <a:t>Logistic Regression</a:t>
+            </a:r>
+          </a:p>
+        </p:txBody>
+      </p:sp>
+      <p:sp>
+        <p:nvSpPr>
+          <p:cNvPr id="208" name="Shape 208"/>
+          <p:cNvSpPr/>
+          <p:nvPr>
+            <p:ph type="body" sz="half" idx="1"/>
+          </p:nvPr>
+        </p:nvSpPr>
+        <p:spPr>
+          <a:xfrm>
+            <a:off x="406400" y="4186733"/>
+            <a:ext cx="12192000" cy="4152372"/>
           </a:xfrm>
           <a:prstGeom prst="rect">
             <a:avLst/>
@@ -9720,8 +11276,9 @@
         </p:spPr>
         <p:txBody>
           <a:bodyPr anchor="t"/>
-          <a:lstStyle>
-            <a:lvl1pPr marL="550656" indent="-550656" defTabSz="455674">
+          <a:lstStyle/>
+          <a:p>
+            <a:pPr marL="550656" indent="-550656" defTabSz="455674">
               <a:lnSpc>
                 <a:spcPct val="100000"/>
               </a:lnSpc>
@@ -9732,54 +11289,53 @@
               <a:buBlip>
                 <a:blip r:embed="rId2"/>
               </a:buBlip>
-              <a:defRPr cap="none" sz="4900">
-                <a:solidFill>
-                  <a:srgbClr val="838787"/>
-                </a:solidFill>
+              <a:defRPr cap="none" spc="0" sz="4900">
                 <a:latin typeface="Avenir Next Medium"/>
                 <a:ea typeface="Avenir Next Medium"/>
                 <a:cs typeface="Avenir Next Medium"/>
                 <a:sym typeface="Avenir Next Medium"/>
               </a:defRPr>
-            </a:lvl1pPr>
-          </a:lstStyle>
-          <a:p>
-            <a:pPr/>
-            <a:r>
-              <a:t>Only valid between 0 and 1</a:t>
-            </a:r>
-          </a:p>
-        </p:txBody>
-      </p:sp>
-      <p:pic>
-        <p:nvPicPr>
-          <p:cNvPr id="211" name="Screen Shot 2019-09-17 at 12.15.05 AM.png"/>
-          <p:cNvPicPr>
-            <a:picLocks noChangeAspect="1"/>
-          </p:cNvPicPr>
-          <p:nvPr/>
-        </p:nvPicPr>
-        <p:blipFill>
-          <a:blip r:embed="rId3">
-            <a:extLst/>
-          </a:blip>
-          <a:stretch>
-            <a:fillRect/>
-          </a:stretch>
-        </p:blipFill>
-        <p:spPr>
-          <a:xfrm>
-            <a:off x="-1" y="3133711"/>
-            <a:ext cx="13004801" cy="4968241"/>
-          </a:xfrm>
-          <a:prstGeom prst="rect">
-            <a:avLst/>
-          </a:prstGeom>
-          <a:ln w="12700">
-            <a:miter lim="400000"/>
-          </a:ln>
-        </p:spPr>
-      </p:pic>
+            </a:pPr>
+            <a:r>
+              <a:rPr>
+                <a:solidFill>
+                  <a:schemeClr val="accent3"/>
+                </a:solidFill>
+              </a:rPr>
+              <a:t>Modify output</a:t>
+            </a:r>
+            <a:r>
+              <a:t> of l</a:t>
+            </a:r>
+            <a:r>
+              <a:t>inear model to be a probability</a:t>
+            </a:r>
+          </a:p>
+          <a:p>
+            <a:pPr marL="550656" indent="-550656" defTabSz="455674">
+              <a:lnSpc>
+                <a:spcPct val="100000"/>
+              </a:lnSpc>
+              <a:spcBef>
+                <a:spcPts val="2100"/>
+              </a:spcBef>
+              <a:buSzPct val="40000"/>
+              <a:buBlip>
+                <a:blip r:embed="rId2"/>
+              </a:buBlip>
+              <a:defRPr cap="none" spc="0" sz="4900">
+                <a:latin typeface="Avenir Next Medium"/>
+                <a:ea typeface="Avenir Next Medium"/>
+                <a:cs typeface="Avenir Next Medium"/>
+                <a:sym typeface="Avenir Next Medium"/>
+              </a:defRPr>
+            </a:pPr>
+            <a:r>
+              <a:t>Used for classification, despite name</a:t>
+            </a:r>
+          </a:p>
+        </p:txBody>
+      </p:sp>
     </p:spTree>
   </p:cSld>
   <p:clrMapOvr>
@@ -9808,61 +11364,10 @@
       </p:grpSpPr>
       <p:sp>
         <p:nvSpPr>
-          <p:cNvPr id="213" name="Shape 213"/>
-          <p:cNvSpPr/>
-          <p:nvPr>
-            <p:ph type="subTitle" sz="quarter" idx="1"/>
-          </p:nvPr>
-        </p:nvSpPr>
-        <p:spPr>
-          <a:prstGeom prst="rect">
-            <a:avLst/>
-          </a:prstGeom>
-        </p:spPr>
-        <p:txBody>
-          <a:bodyPr/>
-          <a:lstStyle/>
-          <a:p>
-            <a:pPr/>
-          </a:p>
-        </p:txBody>
-      </p:sp>
-      <p:pic>
-        <p:nvPicPr>
-          <p:cNvPr id="214" name="pasted-image.png"/>
-          <p:cNvPicPr>
-            <a:picLocks noChangeAspect="1"/>
-          </p:cNvPicPr>
-          <p:nvPr/>
-        </p:nvPicPr>
-        <p:blipFill>
-          <a:blip r:embed="rId2">
-            <a:extLst/>
-          </a:blip>
-          <a:srcRect l="2575" t="0" r="2575" b="0"/>
-          <a:stretch>
-            <a:fillRect/>
-          </a:stretch>
-        </p:blipFill>
-        <p:spPr>
-          <a:xfrm>
-            <a:off x="-7938" y="3089764"/>
-            <a:ext cx="13020619" cy="4257714"/>
-          </a:xfrm>
-          <a:prstGeom prst="rect">
-            <a:avLst/>
-          </a:prstGeom>
-          <a:ln w="12700">
-            <a:miter lim="400000"/>
-          </a:ln>
-        </p:spPr>
-      </p:pic>
-      <p:sp>
-        <p:nvSpPr>
-          <p:cNvPr id="215" name="Shape 215"/>
-          <p:cNvSpPr/>
-          <p:nvPr>
-            <p:ph type="ctrTitle"/>
+          <p:cNvPr id="210" name="Shape 210"/>
+          <p:cNvSpPr/>
+          <p:nvPr>
+            <p:ph type="title"/>
           </p:nvPr>
         </p:nvSpPr>
         <p:spPr>
@@ -9887,7 +11392,75 @@
           <a:p>
             <a:pPr/>
             <a:r>
-              <a:t>Log-Odds</a:t>
+              <a:t>Problems with Probability</a:t>
+            </a:r>
+          </a:p>
+        </p:txBody>
+      </p:sp>
+      <p:sp>
+        <p:nvSpPr>
+          <p:cNvPr id="211" name="Shape 211"/>
+          <p:cNvSpPr/>
+          <p:nvPr>
+            <p:ph type="body" sz="half" idx="1"/>
+          </p:nvPr>
+        </p:nvSpPr>
+        <p:spPr>
+          <a:xfrm>
+            <a:off x="406400" y="4538100"/>
+            <a:ext cx="12192000" cy="2531601"/>
+          </a:xfrm>
+          <a:prstGeom prst="rect">
+            <a:avLst/>
+          </a:prstGeom>
+        </p:spPr>
+        <p:txBody>
+          <a:bodyPr anchor="t"/>
+          <a:lstStyle/>
+          <a:p>
+            <a:pPr marL="550656" indent="-550656" defTabSz="455674">
+              <a:lnSpc>
+                <a:spcPct val="100000"/>
+              </a:lnSpc>
+              <a:spcBef>
+                <a:spcPts val="2100"/>
+              </a:spcBef>
+              <a:buSzPct val="40000"/>
+              <a:buBlip>
+                <a:blip r:embed="rId2"/>
+              </a:buBlip>
+              <a:defRPr cap="none" spc="0" sz="4900">
+                <a:latin typeface="Avenir Next Medium"/>
+                <a:ea typeface="Avenir Next Medium"/>
+                <a:cs typeface="Avenir Next Medium"/>
+                <a:sym typeface="Avenir Next Medium"/>
+              </a:defRPr>
+            </a:pPr>
+            <a:r>
+              <a:t>Positive values only</a:t>
+            </a:r>
+          </a:p>
+          <a:p>
+            <a:pPr marL="550656" indent="-550656" defTabSz="455674">
+              <a:lnSpc>
+                <a:spcPct val="100000"/>
+              </a:lnSpc>
+              <a:spcBef>
+                <a:spcPts val="2100"/>
+              </a:spcBef>
+              <a:buSzPct val="40000"/>
+              <a:buBlip>
+                <a:blip r:embed="rId2"/>
+              </a:buBlip>
+              <a:defRPr cap="none" spc="0" sz="4900">
+                <a:latin typeface="Avenir Next Medium"/>
+                <a:ea typeface="Avenir Next Medium"/>
+                <a:cs typeface="Avenir Next Medium"/>
+                <a:sym typeface="Avenir Next Medium"/>
+              </a:defRPr>
+            </a:pPr>
+            <a:r>
+              <a:t>Must fit between 0 and 1</a:t>
             </a:r>
           </a:p>
         </p:txBody>
@@ -9920,54 +11493,107 @@
       </p:grpSpPr>
       <p:sp>
         <p:nvSpPr>
-          <p:cNvPr id="217" name="Shape 217"/>
-          <p:cNvSpPr/>
-          <p:nvPr>
-            <p:ph type="subTitle" sz="quarter" idx="1"/>
-          </p:nvPr>
-        </p:nvSpPr>
-        <p:spPr>
+          <p:cNvPr id="213" name="Shape 213"/>
+          <p:cNvSpPr/>
+          <p:nvPr>
+            <p:ph type="title"/>
+          </p:nvPr>
+        </p:nvSpPr>
+        <p:spPr>
+          <a:xfrm>
+            <a:off x="406400" y="1536700"/>
+            <a:ext cx="12192000" cy="1169261"/>
+          </a:xfrm>
           <a:prstGeom prst="rect">
             <a:avLst/>
           </a:prstGeom>
         </p:spPr>
         <p:txBody>
           <a:bodyPr/>
+          <a:lstStyle>
+            <a:lvl1pPr defTabSz="391004">
+              <a:spcBef>
+                <a:spcPts val="1800"/>
+              </a:spcBef>
+              <a:defRPr sz="7954"/>
+            </a:lvl1pPr>
+          </a:lstStyle>
+          <a:p>
+            <a:pPr/>
+            <a:r>
+              <a:t>Solution: Output something easier</a:t>
+            </a:r>
+          </a:p>
+        </p:txBody>
+      </p:sp>
+      <p:sp>
+        <p:nvSpPr>
+          <p:cNvPr id="214" name="Shape 214"/>
+          <p:cNvSpPr/>
+          <p:nvPr>
+            <p:ph type="body" sz="half" idx="1"/>
+          </p:nvPr>
+        </p:nvSpPr>
+        <p:spPr>
+          <a:xfrm>
+            <a:off x="406400" y="4538100"/>
+            <a:ext cx="12192000" cy="2531601"/>
+          </a:xfrm>
+          <a:prstGeom prst="rect">
+            <a:avLst/>
+          </a:prstGeom>
+        </p:spPr>
+        <p:txBody>
+          <a:bodyPr anchor="t"/>
           <a:lstStyle/>
           <a:p>
-            <a:pPr/>
-          </a:p>
-        </p:txBody>
-      </p:sp>
-      <p:pic>
-        <p:nvPicPr>
-          <p:cNvPr id="218" name="pasted-image.png"/>
-          <p:cNvPicPr>
-            <a:picLocks noChangeAspect="1"/>
-          </p:cNvPicPr>
-          <p:nvPr/>
-        </p:nvPicPr>
-        <p:blipFill>
-          <a:blip r:embed="rId2">
-            <a:extLst/>
-          </a:blip>
-          <a:stretch>
-            <a:fillRect/>
-          </a:stretch>
-        </p:blipFill>
-        <p:spPr>
-          <a:xfrm>
-            <a:off x="-24607" y="1507066"/>
-            <a:ext cx="13054153" cy="6039513"/>
-          </a:xfrm>
-          <a:prstGeom prst="rect">
-            <a:avLst/>
-          </a:prstGeom>
-          <a:ln w="12700">
-            <a:miter lim="400000"/>
-          </a:ln>
-        </p:spPr>
-      </p:pic>
+            <a:pPr marL="550656" indent="-550656" defTabSz="455674">
+              <a:lnSpc>
+                <a:spcPct val="100000"/>
+              </a:lnSpc>
+              <a:spcBef>
+                <a:spcPts val="2100"/>
+              </a:spcBef>
+              <a:buSzPct val="40000"/>
+              <a:buBlip>
+                <a:blip r:embed="rId2"/>
+              </a:buBlip>
+              <a:defRPr cap="none" spc="0" sz="4900">
+                <a:latin typeface="Avenir Next Medium"/>
+                <a:ea typeface="Avenir Next Medium"/>
+                <a:cs typeface="Avenir Next Medium"/>
+                <a:sym typeface="Avenir Next Medium"/>
+              </a:defRPr>
+            </a:pPr>
+            <a:r>
+              <a:t>Output something more line-friendly</a:t>
+            </a:r>
+          </a:p>
+          <a:p>
+            <a:pPr marL="550656" indent="-550656" defTabSz="455674">
+              <a:lnSpc>
+                <a:spcPct val="100000"/>
+              </a:lnSpc>
+              <a:spcBef>
+                <a:spcPts val="2100"/>
+              </a:spcBef>
+              <a:buSzPct val="40000"/>
+              <a:buBlip>
+                <a:blip r:embed="rId2"/>
+              </a:buBlip>
+              <a:defRPr cap="none" spc="0" sz="4900">
+                <a:latin typeface="Avenir Next Medium"/>
+                <a:ea typeface="Avenir Next Medium"/>
+                <a:cs typeface="Avenir Next Medium"/>
+                <a:sym typeface="Avenir Next Medium"/>
+              </a:defRPr>
+            </a:pPr>
+            <a:r>
+              <a:t>Translate back to probability later</a:t>
+            </a:r>
+          </a:p>
+        </p:txBody>
+      </p:sp>
     </p:spTree>
   </p:cSld>
   <p:clrMapOvr>

--- a/Session3/Session3_Slides.pptx
+++ b/Session3/Session3_Slides.pptx
@@ -44,19 +44,6 @@
     <p:sldId id="289" r:id="rId41"/>
     <p:sldId id="290" r:id="rId42"/>
     <p:sldId id="291" r:id="rId43"/>
-    <p:sldId id="292" r:id="rId44"/>
-    <p:sldId id="293" r:id="rId45"/>
-    <p:sldId id="294" r:id="rId46"/>
-    <p:sldId id="295" r:id="rId47"/>
-    <p:sldId id="296" r:id="rId48"/>
-    <p:sldId id="297" r:id="rId49"/>
-    <p:sldId id="298" r:id="rId50"/>
-    <p:sldId id="299" r:id="rId51"/>
-    <p:sldId id="300" r:id="rId52"/>
-    <p:sldId id="301" r:id="rId53"/>
-    <p:sldId id="302" r:id="rId54"/>
-    <p:sldId id="303" r:id="rId55"/>
-    <p:sldId id="304" r:id="rId56"/>
   </p:sldIdLst>
   <p:sldSz cx="13004800" cy="9753600"/>
   <p:notesSz cx="6858000" cy="9144000"/>
@@ -6367,42 +6354,46 @@
           <p:cNvPr id="216" name="Shape 216"/>
           <p:cNvSpPr/>
           <p:nvPr>
-            <p:ph type="subTitle" sz="quarter" idx="1"/>
+            <p:ph type="title"/>
           </p:nvPr>
         </p:nvSpPr>
         <p:spPr>
+          <a:xfrm>
+            <a:off x="406400" y="1536700"/>
+            <a:ext cx="12192000" cy="1169260"/>
+          </a:xfrm>
           <a:prstGeom prst="rect">
             <a:avLst/>
           </a:prstGeom>
         </p:spPr>
         <p:txBody>
           <a:bodyPr/>
-          <a:lstStyle/>
+          <a:lstStyle>
+            <a:lvl1pPr defTabSz="403097">
+              <a:spcBef>
+                <a:spcPts val="1900"/>
+              </a:spcBef>
+              <a:defRPr sz="8280"/>
+            </a:lvl1pPr>
+          </a:lstStyle>
           <a:p>
             <a:pPr/>
-          </a:p>
-        </p:txBody>
-      </p:sp>
-      <p:pic>
-        <p:nvPicPr>
-          <p:cNvPr id="217" name="pasted-image.png"/>
-          <p:cNvPicPr>
-            <a:picLocks noChangeAspect="1"/>
-          </p:cNvPicPr>
+            <a:r>
+              <a:t>Evaluating a Model</a:t>
+            </a:r>
+          </a:p>
+        </p:txBody>
+      </p:sp>
+      <p:sp>
+        <p:nvSpPr>
+          <p:cNvPr id="217" name="Shape 217"/>
+          <p:cNvSpPr/>
           <p:nvPr/>
-        </p:nvPicPr>
-        <p:blipFill>
-          <a:blip r:embed="rId2">
-            <a:extLst/>
-          </a:blip>
-          <a:stretch>
-            <a:fillRect/>
-          </a:stretch>
-        </p:blipFill>
+        </p:nvSpPr>
         <p:spPr>
           <a:xfrm>
-            <a:off x="309033" y="884766"/>
-            <a:ext cx="12386734" cy="7452600"/>
+            <a:off x="526400" y="5397500"/>
+            <a:ext cx="13599923" cy="812801"/>
           </a:xfrm>
           <a:prstGeom prst="rect">
             <a:avLst/>
@@ -6410,8 +6401,37 @@
           <a:ln w="12700">
             <a:miter lim="400000"/>
           </a:ln>
-        </p:spPr>
-      </p:pic>
+          <a:extLst>
+            <a:ext uri="{C572A759-6A51-4108-AA02-DFA0A04FC94B}">
+              <ma14:wrappingTextBoxFlag xmlns:ma14="http://schemas.microsoft.com/office/mac/drawingml/2011/main" val="1"/>
+            </a:ext>
+          </a:extLst>
+        </p:spPr>
+        <p:txBody>
+          <a:bodyPr lIns="50800" tIns="50800" rIns="50800" bIns="50800" anchor="ctr">
+            <a:spAutoFit/>
+          </a:bodyPr>
+          <a:lstStyle>
+            <a:lvl1pPr>
+              <a:defRPr sz="4700">
+                <a:solidFill>
+                  <a:srgbClr val="838787"/>
+                </a:solidFill>
+                <a:latin typeface="Anonymous Pro for Powerline"/>
+                <a:ea typeface="Anonymous Pro for Powerline"/>
+                <a:cs typeface="Anonymous Pro for Powerline"/>
+                <a:sym typeface="Anonymous Pro for Powerline"/>
+              </a:defRPr>
+            </a:lvl1pPr>
+          </a:lstStyle>
+          <a:p>
+            <a:pPr/>
+            <a:r>
+              <a:t>model.score(X_test, y_test)</a:t>
+            </a:r>
+          </a:p>
+        </p:txBody>
+      </p:sp>
     </p:spTree>
   </p:cSld>
   <p:clrMapOvr>
@@ -6443,43 +6463,32 @@
           <p:cNvPr id="219" name="Shape 219"/>
           <p:cNvSpPr/>
           <p:nvPr>
-            <p:ph type="title" idx="4294967295"/>
+            <p:ph type="title"/>
           </p:nvPr>
         </p:nvSpPr>
         <p:spPr>
           <a:xfrm>
-            <a:off x="524933" y="1062566"/>
-            <a:ext cx="12192001" cy="1169261"/>
-          </a:xfrm>
-          <a:prstGeom prst="rect">
-            <a:avLst/>
-          </a:prstGeom>
-        </p:spPr>
-        <p:txBody>
-          <a:bodyPr lIns="50800" tIns="50800" rIns="50800" bIns="50800" anchor="t"/>
+            <a:off x="406400" y="1536700"/>
+            <a:ext cx="12192000" cy="1169260"/>
+          </a:xfrm>
+          <a:prstGeom prst="rect">
+            <a:avLst/>
+          </a:prstGeom>
+        </p:spPr>
+        <p:txBody>
+          <a:bodyPr/>
           <a:lstStyle>
-            <a:lvl1pPr algn="l" defTabSz="403097">
-              <a:lnSpc>
-                <a:spcPct val="80000"/>
-              </a:lnSpc>
+            <a:lvl1pPr defTabSz="403097">
               <a:spcBef>
                 <a:spcPts val="1900"/>
               </a:spcBef>
-              <a:defRPr cap="all" sz="8200">
-                <a:solidFill>
-                  <a:schemeClr val="accent1"/>
-                </a:solidFill>
-                <a:latin typeface="DIN Condensed"/>
-                <a:ea typeface="DIN Condensed"/>
-                <a:cs typeface="DIN Condensed"/>
-                <a:sym typeface="DIN Condensed"/>
-              </a:defRPr>
+              <a:defRPr sz="8280"/>
             </a:lvl1pPr>
           </a:lstStyle>
           <a:p>
             <a:pPr/>
             <a:r>
-              <a:t>Fix #1: Odds</a:t>
+              <a:t>R2 Score</a:t>
             </a:r>
           </a:p>
         </p:txBody>
@@ -6489,136 +6498,67 @@
           <p:cNvPr id="220" name="Shape 220"/>
           <p:cNvSpPr/>
           <p:nvPr>
-            <p:ph type="body" idx="4294967295"/>
+            <p:ph type="body" idx="1"/>
           </p:nvPr>
         </p:nvSpPr>
         <p:spPr>
           <a:xfrm>
-            <a:off x="524933" y="2880584"/>
-            <a:ext cx="12192001" cy="6059357"/>
-          </a:xfrm>
-          <a:prstGeom prst="rect">
-            <a:avLst/>
-          </a:prstGeom>
-        </p:spPr>
-        <p:txBody>
-          <a:bodyPr lIns="50800" tIns="50800" rIns="50800" bIns="50800"/>
+            <a:off x="406400" y="2570901"/>
+            <a:ext cx="12192000" cy="6465998"/>
+          </a:xfrm>
+          <a:prstGeom prst="rect">
+            <a:avLst/>
+          </a:prstGeom>
+        </p:spPr>
+        <p:txBody>
+          <a:bodyPr/>
           <a:lstStyle/>
           <a:p>
-            <a:pPr marL="550656" indent="-550656" defTabSz="455674">
+            <a:pPr marL="607134" indent="-607134" defTabSz="502412">
               <a:spcBef>
-                <a:spcPts val="2100"/>
+                <a:spcPts val="2400"/>
               </a:spcBef>
+              <a:buClrTx/>
               <a:buSzPct val="40000"/>
               <a:buFontTx/>
               <a:buBlip>
                 <a:blip r:embed="rId2"/>
               </a:buBlip>
-              <a:defRPr sz="4900">
-                <a:solidFill>
-                  <a:srgbClr val="838787"/>
-                </a:solidFill>
-                <a:latin typeface="Avenir Next Medium"/>
-                <a:ea typeface="Avenir Next Medium"/>
-                <a:cs typeface="Avenir Next Medium"/>
-                <a:sym typeface="Avenir Next Medium"/>
-              </a:defRPr>
+              <a:defRPr sz="5504"/>
             </a:pPr>
-            <a:r>
-              <a:t>Ratio of two probabilities</a:t>
-            </a:r>
-          </a:p>
-          <a:p>
-            <a:pPr marL="550656" indent="-550656" defTabSz="455674">
+          </a:p>
+          <a:p>
+            <a:pPr marL="607134" indent="-607134" defTabSz="502412">
               <a:spcBef>
-                <a:spcPts val="2100"/>
+                <a:spcPts val="2400"/>
               </a:spcBef>
+              <a:buClrTx/>
               <a:buSzPct val="40000"/>
               <a:buFontTx/>
               <a:buBlip>
                 <a:blip r:embed="rId2"/>
               </a:buBlip>
-              <a:defRPr sz="4900">
-                <a:solidFill>
-                  <a:srgbClr val="838787"/>
-                </a:solidFill>
-                <a:latin typeface="Avenir Next Medium"/>
-                <a:ea typeface="Avenir Next Medium"/>
-                <a:cs typeface="Avenir Next Medium"/>
-                <a:sym typeface="Avenir Next Medium"/>
-              </a:defRPr>
+              <a:defRPr sz="5504"/>
             </a:pPr>
             <a:r>
-              <a:t>e.g. P(Win) = 0.8, P(Lose) =0.2</a:t>
-            </a:r>
-          </a:p>
-          <a:p>
-            <a:pPr marL="550656" indent="-550656" defTabSz="455674">
+              <a:t>How much error does your model have vs “just guess the mean”? </a:t>
+            </a:r>
+          </a:p>
+          <a:p>
+            <a:pPr marL="607134" indent="-607134" defTabSz="502412">
               <a:spcBef>
-                <a:spcPts val="2100"/>
+                <a:spcPts val="2400"/>
               </a:spcBef>
+              <a:buClrTx/>
               <a:buSzPct val="40000"/>
               <a:buFontTx/>
               <a:buBlip>
                 <a:blip r:embed="rId2"/>
               </a:buBlip>
-              <a:defRPr sz="4900">
-                <a:solidFill>
-                  <a:srgbClr val="838787"/>
-                </a:solidFill>
-                <a:latin typeface="Avenir Next Medium"/>
-                <a:ea typeface="Avenir Next Medium"/>
-                <a:cs typeface="Avenir Next Medium"/>
-                <a:sym typeface="Avenir Next Medium"/>
-              </a:defRPr>
+              <a:defRPr sz="5504"/>
             </a:pPr>
-          </a:p>
-          <a:p>
-            <a:pPr marL="550656" indent="-550656" defTabSz="455674">
-              <a:spcBef>
-                <a:spcPts val="2100"/>
-              </a:spcBef>
-              <a:buSzPct val="40000"/>
-              <a:buFontTx/>
-              <a:buBlip>
-                <a:blip r:embed="rId2"/>
-              </a:buBlip>
-              <a:defRPr sz="4900">
-                <a:solidFill>
-                  <a:srgbClr val="838787"/>
-                </a:solidFill>
-                <a:latin typeface="Avenir Next Medium"/>
-                <a:ea typeface="Avenir Next Medium"/>
-                <a:cs typeface="Avenir Next Medium"/>
-                <a:sym typeface="Avenir Next Medium"/>
-              </a:defRPr>
-            </a:pPr>
-            <a:r>
-              <a:t>Odds of winning = 0.8/0.2 = 4 </a:t>
-            </a:r>
-          </a:p>
-          <a:p>
-            <a:pPr marL="550656" indent="-550656" defTabSz="455674">
-              <a:spcBef>
-                <a:spcPts val="2100"/>
-              </a:spcBef>
-              <a:buSzPct val="40000"/>
-              <a:buFontTx/>
-              <a:buBlip>
-                <a:blip r:embed="rId2"/>
-              </a:buBlip>
-              <a:defRPr sz="4900">
-                <a:solidFill>
-                  <a:srgbClr val="838787"/>
-                </a:solidFill>
-                <a:latin typeface="Avenir Next Medium"/>
-                <a:ea typeface="Avenir Next Medium"/>
-                <a:cs typeface="Avenir Next Medium"/>
-                <a:sym typeface="Avenir Next Medium"/>
-              </a:defRPr>
-            </a:pPr>
-            <a:r>
-              <a:t>Odds of losing = 0.2/0.8 = 0.25</a:t>
+            <a:r>
+              <a:t>1.0 is a perfect model, 0.0 is exactly as bad as “just guess the mean”</a:t>
             </a:r>
           </a:p>
         </p:txBody>
@@ -6654,96 +6594,82 @@
           <p:cNvPr id="222" name="Shape 222"/>
           <p:cNvSpPr/>
           <p:nvPr>
-            <p:ph type="ctrTitle"/>
+            <p:ph type="body" idx="13"/>
           </p:nvPr>
         </p:nvSpPr>
         <p:spPr>
-          <a:xfrm>
-            <a:off x="406400" y="1536700"/>
-            <a:ext cx="12192000" cy="1169261"/>
-          </a:xfrm>
           <a:prstGeom prst="rect">
             <a:avLst/>
           </a:prstGeom>
         </p:spPr>
         <p:txBody>
           <a:bodyPr/>
-          <a:lstStyle>
-            <a:lvl1pPr defTabSz="403097">
+          <a:lstStyle/>
+          <a:p>
+            <a:pPr/>
+            <a:r>
+              <a:t>Text</a:t>
+            </a:r>
+          </a:p>
+        </p:txBody>
+      </p:sp>
+      <p:sp>
+        <p:nvSpPr>
+          <p:cNvPr id="223" name="Shape 223"/>
+          <p:cNvSpPr/>
+          <p:nvPr>
+            <p:ph type="title"/>
+          </p:nvPr>
+        </p:nvSpPr>
+        <p:spPr>
+          <a:prstGeom prst="rect">
+            <a:avLst/>
+          </a:prstGeom>
+        </p:spPr>
+        <p:txBody>
+          <a:bodyPr/>
+          <a:lstStyle/>
+          <a:p>
+            <a:pPr defTabSz="467359">
               <a:spcBef>
-                <a:spcPts val="1900"/>
+                <a:spcPts val="2200"/>
               </a:spcBef>
-              <a:defRPr sz="8200"/>
-            </a:lvl1pPr>
-          </a:lstStyle>
+              <a:defRPr sz="4800"/>
+            </a:pPr>
+          </a:p>
+        </p:txBody>
+      </p:sp>
+      <p:sp>
+        <p:nvSpPr>
+          <p:cNvPr id="224" name="Shape 224"/>
+          <p:cNvSpPr/>
+          <p:nvPr>
+            <p:ph type="body" idx="1"/>
+          </p:nvPr>
+        </p:nvSpPr>
+        <p:spPr>
+          <a:prstGeom prst="rect">
+            <a:avLst/>
+          </a:prstGeom>
+        </p:spPr>
+        <p:txBody>
+          <a:bodyPr/>
+          <a:lstStyle/>
           <a:p>
             <a:pPr/>
-            <a:r>
-              <a:t>Odds</a:t>
-            </a:r>
-          </a:p>
-        </p:txBody>
-      </p:sp>
-      <p:sp>
-        <p:nvSpPr>
-          <p:cNvPr id="223" name="Shape 223"/>
-          <p:cNvSpPr/>
-          <p:nvPr>
-            <p:ph type="subTitle" sz="quarter" idx="1"/>
-          </p:nvPr>
-        </p:nvSpPr>
-        <p:spPr>
-          <a:xfrm>
-            <a:off x="0" y="3557918"/>
-            <a:ext cx="12192000" cy="1304860"/>
-          </a:xfrm>
-          <a:prstGeom prst="rect">
-            <a:avLst/>
-          </a:prstGeom>
-        </p:spPr>
-        <p:txBody>
-          <a:bodyPr anchor="t"/>
-          <a:lstStyle>
-            <a:lvl1pPr marL="550656" indent="-550656" defTabSz="455674">
-              <a:lnSpc>
-                <a:spcPct val="100000"/>
-              </a:lnSpc>
-              <a:spcBef>
-                <a:spcPts val="2100"/>
-              </a:spcBef>
-              <a:buSzPct val="40000"/>
-              <a:buBlip>
-                <a:blip r:embed="rId2"/>
-              </a:buBlip>
-              <a:defRPr cap="none" sz="4900">
-                <a:solidFill>
-                  <a:srgbClr val="838787"/>
-                </a:solidFill>
-                <a:latin typeface="Avenir Next Medium"/>
-                <a:ea typeface="Avenir Next Medium"/>
-                <a:cs typeface="Avenir Next Medium"/>
-                <a:sym typeface="Avenir Next Medium"/>
-              </a:defRPr>
-            </a:lvl1pPr>
-          </a:lstStyle>
-          <a:p>
-            <a:pPr/>
-            <a:r>
-              <a:t>Only valid between 0 and 1</a:t>
-            </a:r>
           </a:p>
         </p:txBody>
       </p:sp>
       <p:pic>
         <p:nvPicPr>
-          <p:cNvPr id="224" name="Screen Shot 2019-09-17 at 12.14.43 AM.png"/>
+          <p:cNvPr id="225" name="pasted-image.png"/>
           <p:cNvPicPr>
             <a:picLocks noChangeAspect="1"/>
           </p:cNvPicPr>
           <p:nvPr/>
         </p:nvPicPr>
         <p:blipFill>
-          <a:blip r:embed="rId3">
+          <a:blip r:embed="rId2">
             <a:extLst/>
           </a:blip>
           <a:stretch>
@@ -6752,8 +6678,8 @@
         </p:blipFill>
         <p:spPr>
           <a:xfrm>
-            <a:off x="-1" y="2935591"/>
-            <a:ext cx="13004801" cy="5313681"/>
+            <a:off x="165100" y="50800"/>
+            <a:ext cx="12674600" cy="9652000"/>
           </a:xfrm>
           <a:prstGeom prst="rect">
             <a:avLst/>
@@ -6791,16 +6717,16 @@
       </p:grpSpPr>
       <p:sp>
         <p:nvSpPr>
-          <p:cNvPr id="226" name="Shape 226"/>
+          <p:cNvPr id="227" name="Shape 227"/>
           <p:cNvSpPr/>
           <p:nvPr>
-            <p:ph type="ctrTitle"/>
+            <p:ph type="title"/>
           </p:nvPr>
         </p:nvSpPr>
         <p:spPr>
           <a:xfrm>
             <a:off x="406400" y="1536700"/>
-            <a:ext cx="12192000" cy="1169261"/>
+            <a:ext cx="12192000" cy="1169260"/>
           </a:xfrm>
           <a:prstGeom prst="rect">
             <a:avLst/>
@@ -6813,87 +6739,27 @@
               <a:spcBef>
                 <a:spcPts val="1900"/>
               </a:spcBef>
-              <a:defRPr sz="8200"/>
+              <a:defRPr sz="8280"/>
             </a:lvl1pPr>
           </a:lstStyle>
           <a:p>
             <a:pPr/>
             <a:r>
-              <a:t>Odds</a:t>
-            </a:r>
-          </a:p>
-        </p:txBody>
-      </p:sp>
-      <p:sp>
-        <p:nvSpPr>
-          <p:cNvPr id="227" name="Shape 227"/>
-          <p:cNvSpPr/>
-          <p:nvPr>
-            <p:ph type="subTitle" sz="quarter" idx="1"/>
-          </p:nvPr>
+              <a:t>Mean absolute error</a:t>
+            </a:r>
+          </a:p>
+        </p:txBody>
+      </p:sp>
+      <p:sp>
+        <p:nvSpPr>
+          <p:cNvPr id="228" name="Shape 228"/>
+          <p:cNvSpPr/>
+          <p:nvPr/>
         </p:nvSpPr>
         <p:spPr>
           <a:xfrm>
-            <a:off x="0" y="3557918"/>
-            <a:ext cx="12192000" cy="1304860"/>
-          </a:xfrm>
-          <a:prstGeom prst="rect">
-            <a:avLst/>
-          </a:prstGeom>
-        </p:spPr>
-        <p:txBody>
-          <a:bodyPr anchor="t"/>
-          <a:lstStyle>
-            <a:lvl1pPr marL="550656" indent="-550656" defTabSz="455674">
-              <a:lnSpc>
-                <a:spcPct val="100000"/>
-              </a:lnSpc>
-              <a:spcBef>
-                <a:spcPts val="2100"/>
-              </a:spcBef>
-              <a:buSzPct val="40000"/>
-              <a:buBlip>
-                <a:blip r:embed="rId2"/>
-              </a:buBlip>
-              <a:defRPr cap="none" sz="4900">
-                <a:solidFill>
-                  <a:srgbClr val="838787"/>
-                </a:solidFill>
-                <a:latin typeface="Avenir Next Medium"/>
-                <a:ea typeface="Avenir Next Medium"/>
-                <a:cs typeface="Avenir Next Medium"/>
-                <a:sym typeface="Avenir Next Medium"/>
-              </a:defRPr>
-            </a:lvl1pPr>
-          </a:lstStyle>
-          <a:p>
-            <a:pPr/>
-            <a:r>
-              <a:t>Only valid between 0 and 1</a:t>
-            </a:r>
-          </a:p>
-        </p:txBody>
-      </p:sp>
-      <p:pic>
-        <p:nvPicPr>
-          <p:cNvPr id="228" name="Screen Shot 2019-09-17 at 12.15.05 AM.png"/>
-          <p:cNvPicPr>
-            <a:picLocks noChangeAspect="1"/>
-          </p:cNvPicPr>
-          <p:nvPr/>
-        </p:nvPicPr>
-        <p:blipFill>
-          <a:blip r:embed="rId3">
-            <a:extLst/>
-          </a:blip>
-          <a:stretch>
-            <a:fillRect/>
-          </a:stretch>
-        </p:blipFill>
-        <p:spPr>
-          <a:xfrm>
-            <a:off x="-1" y="3133711"/>
-            <a:ext cx="13004801" cy="4968241"/>
+            <a:off x="265493" y="3949699"/>
+            <a:ext cx="12473814" cy="3708401"/>
           </a:xfrm>
           <a:prstGeom prst="rect">
             <a:avLst/>
@@ -6901,8 +6767,91 @@
           <a:ln w="12700">
             <a:miter lim="400000"/>
           </a:ln>
-        </p:spPr>
-      </p:pic>
+          <a:extLst>
+            <a:ext uri="{C572A759-6A51-4108-AA02-DFA0A04FC94B}">
+              <ma14:wrappingTextBoxFlag xmlns:ma14="http://schemas.microsoft.com/office/mac/drawingml/2011/main" val="1"/>
+            </a:ext>
+          </a:extLst>
+        </p:spPr>
+        <p:txBody>
+          <a:bodyPr lIns="50800" tIns="50800" rIns="50800" bIns="50800" anchor="ctr">
+            <a:spAutoFit/>
+          </a:bodyPr>
+          <a:lstStyle/>
+          <a:p>
+            <a:pPr>
+              <a:defRPr sz="4400">
+                <a:solidFill>
+                  <a:srgbClr val="838787"/>
+                </a:solidFill>
+                <a:latin typeface="Anonymous Pro for Powerline"/>
+                <a:ea typeface="Anonymous Pro for Powerline"/>
+                <a:cs typeface="Anonymous Pro for Powerline"/>
+                <a:sym typeface="Anonymous Pro for Powerline"/>
+              </a:defRPr>
+            </a:pPr>
+            <a:r>
+              <a:t>from sklearn.metrics \</a:t>
+            </a:r>
+          </a:p>
+          <a:p>
+            <a:pPr>
+              <a:defRPr sz="4400">
+                <a:solidFill>
+                  <a:srgbClr val="838787"/>
+                </a:solidFill>
+                <a:latin typeface="Anonymous Pro for Powerline"/>
+                <a:ea typeface="Anonymous Pro for Powerline"/>
+                <a:cs typeface="Anonymous Pro for Powerline"/>
+                <a:sym typeface="Anonymous Pro for Powerline"/>
+              </a:defRPr>
+            </a:pPr>
+            <a:r>
+              <a:t>import mean_absolute_error</a:t>
+            </a:r>
+          </a:p>
+          <a:p>
+            <a:pPr>
+              <a:defRPr sz="4400">
+                <a:solidFill>
+                  <a:srgbClr val="838787"/>
+                </a:solidFill>
+                <a:latin typeface="Anonymous Pro for Powerline"/>
+                <a:ea typeface="Anonymous Pro for Powerline"/>
+                <a:cs typeface="Anonymous Pro for Powerline"/>
+                <a:sym typeface="Anonymous Pro for Powerline"/>
+              </a:defRPr>
+            </a:pPr>
+            <a:r>
+              <a:t> </a:t>
+            </a:r>
+          </a:p>
+          <a:p>
+            <a:pPr>
+              <a:defRPr sz="4400">
+                <a:solidFill>
+                  <a:srgbClr val="838787"/>
+                </a:solidFill>
+                <a:latin typeface="Anonymous Pro for Powerline"/>
+                <a:ea typeface="Anonymous Pro for Powerline"/>
+                <a:cs typeface="Anonymous Pro for Powerline"/>
+                <a:sym typeface="Anonymous Pro for Powerline"/>
+              </a:defRPr>
+            </a:pPr>
+            <a:r>
+              <a:rPr>
+                <a:solidFill>
+                  <a:schemeClr val="accent3"/>
+                </a:solidFill>
+              </a:rPr>
+              <a:t>mean_absolute_error</a:t>
+            </a:r>
+            <a:r>
+              <a:t>(y_predicted, y_test)</a:t>
+            </a:r>
+          </a:p>
+        </p:txBody>
+      </p:sp>
     </p:spTree>
   </p:cSld>
   <p:clrMapOvr>
@@ -6934,133 +6883,29 @@
           <p:cNvPr id="230" name="Shape 230"/>
           <p:cNvSpPr/>
           <p:nvPr>
-            <p:ph type="title" idx="4294967295"/>
+            <p:ph type="title"/>
           </p:nvPr>
         </p:nvSpPr>
         <p:spPr>
           <a:xfrm>
-            <a:off x="524933" y="1062566"/>
-            <a:ext cx="12192001" cy="1169261"/>
-          </a:xfrm>
-          <a:prstGeom prst="rect">
-            <a:avLst/>
-          </a:prstGeom>
-        </p:spPr>
-        <p:txBody>
-          <a:bodyPr lIns="50800" tIns="50800" rIns="50800" bIns="50800" anchor="t"/>
-          <a:lstStyle>
-            <a:lvl1pPr algn="l" defTabSz="403097">
-              <a:lnSpc>
-                <a:spcPct val="80000"/>
-              </a:lnSpc>
-              <a:spcBef>
-                <a:spcPts val="1900"/>
-              </a:spcBef>
-              <a:defRPr cap="all" sz="8200">
-                <a:solidFill>
-                  <a:schemeClr val="accent1"/>
-                </a:solidFill>
-                <a:latin typeface="DIN Condensed"/>
-                <a:ea typeface="DIN Condensed"/>
-                <a:cs typeface="DIN Condensed"/>
-                <a:sym typeface="DIN Condensed"/>
-              </a:defRPr>
-            </a:lvl1pPr>
-          </a:lstStyle>
+            <a:off x="2802101" y="4038600"/>
+            <a:ext cx="7400598" cy="4521200"/>
+          </a:xfrm>
+          <a:prstGeom prst="rect">
+            <a:avLst/>
+          </a:prstGeom>
+        </p:spPr>
+        <p:txBody>
+          <a:bodyPr/>
+          <a:lstStyle/>
           <a:p>
             <a:pPr/>
             <a:r>
-              <a:t>Fix #2: Log()</a:t>
-            </a:r>
-          </a:p>
-        </p:txBody>
-      </p:sp>
-      <p:sp>
-        <p:nvSpPr>
-          <p:cNvPr id="231" name="Shape 231"/>
-          <p:cNvSpPr/>
-          <p:nvPr>
-            <p:ph type="body" idx="4294967295"/>
-          </p:nvPr>
-        </p:nvSpPr>
-        <p:spPr>
-          <a:xfrm>
-            <a:off x="524933" y="2389518"/>
-            <a:ext cx="12192001" cy="6059357"/>
-          </a:xfrm>
-          <a:prstGeom prst="rect">
-            <a:avLst/>
-          </a:prstGeom>
-        </p:spPr>
-        <p:txBody>
-          <a:bodyPr lIns="50800" tIns="50800" rIns="50800" bIns="50800"/>
-          <a:lstStyle/>
-          <a:p>
-            <a:pPr marL="550656" indent="-550656" defTabSz="455674">
-              <a:spcBef>
-                <a:spcPts val="2100"/>
-              </a:spcBef>
-              <a:buSzPct val="40000"/>
-              <a:buFontTx/>
-              <a:buBlip>
-                <a:blip r:embed="rId2"/>
-              </a:buBlip>
-              <a:defRPr sz="4900">
-                <a:solidFill>
-                  <a:srgbClr val="838787"/>
-                </a:solidFill>
-                <a:latin typeface="Avenir Next Medium"/>
-                <a:ea typeface="Avenir Next Medium"/>
-                <a:cs typeface="Avenir Next Medium"/>
-                <a:sym typeface="Avenir Next Medium"/>
-              </a:defRPr>
-            </a:pPr>
-            <a:r>
-              <a:t>Evens out </a:t>
-            </a:r>
-            <a:r>
-              <a:rPr>
-                <a:solidFill>
-                  <a:schemeClr val="accent3"/>
-                </a:solidFill>
-              </a:rPr>
-              <a:t>scale</a:t>
-            </a:r>
-            <a:r>
-              <a:t> between 0-1 and rest</a:t>
-            </a:r>
-          </a:p>
-        </p:txBody>
-      </p:sp>
-      <p:pic>
-        <p:nvPicPr>
-          <p:cNvPr id="232" name="pasted-image.gif"/>
-          <p:cNvPicPr>
-            <a:picLocks noChangeAspect="1"/>
-          </p:cNvPicPr>
-          <p:nvPr/>
-        </p:nvPicPr>
-        <p:blipFill>
-          <a:blip r:embed="rId3">
-            <a:extLst/>
-          </a:blip>
-          <a:stretch>
-            <a:fillRect/>
-          </a:stretch>
-        </p:blipFill>
-        <p:spPr>
-          <a:xfrm>
-            <a:off x="1083733" y="3415863"/>
-            <a:ext cx="7996702" cy="6059357"/>
-          </a:xfrm>
-          <a:prstGeom prst="rect">
-            <a:avLst/>
-          </a:prstGeom>
-          <a:ln w="12700">
-            <a:miter lim="400000"/>
-          </a:ln>
-        </p:spPr>
-      </p:pic>
+              <a:t>Exercises</a:t>
+            </a:r>
+          </a:p>
+        </p:txBody>
+      </p:sp>
     </p:spTree>
   </p:cSld>
   <p:clrMapOvr>
@@ -7089,13 +6934,17 @@
       </p:grpSpPr>
       <p:sp>
         <p:nvSpPr>
-          <p:cNvPr id="234" name="Shape 234"/>
+          <p:cNvPr id="232" name="Shape 232"/>
           <p:cNvSpPr/>
           <p:nvPr>
-            <p:ph type="subTitle" sz="quarter" idx="1"/>
+            <p:ph type="title"/>
           </p:nvPr>
         </p:nvSpPr>
         <p:spPr>
+          <a:xfrm>
+            <a:off x="795866" y="3886200"/>
+            <a:ext cx="12192001" cy="4521200"/>
+          </a:xfrm>
           <a:prstGeom prst="rect">
             <a:avLst/>
           </a:prstGeom>
@@ -7105,70 +6954,8 @@
           <a:lstStyle/>
           <a:p>
             <a:pPr/>
-          </a:p>
-        </p:txBody>
-      </p:sp>
-      <p:pic>
-        <p:nvPicPr>
-          <p:cNvPr id="235" name="pasted-image.png"/>
-          <p:cNvPicPr>
-            <a:picLocks noChangeAspect="1"/>
-          </p:cNvPicPr>
-          <p:nvPr/>
-        </p:nvPicPr>
-        <p:blipFill>
-          <a:blip r:embed="rId2">
-            <a:extLst/>
-          </a:blip>
-          <a:srcRect l="2575" t="0" r="2575" b="0"/>
-          <a:stretch>
-            <a:fillRect/>
-          </a:stretch>
-        </p:blipFill>
-        <p:spPr>
-          <a:xfrm>
-            <a:off x="-7938" y="3089764"/>
-            <a:ext cx="13020619" cy="4257714"/>
-          </a:xfrm>
-          <a:prstGeom prst="rect">
-            <a:avLst/>
-          </a:prstGeom>
-          <a:ln w="12700">
-            <a:miter lim="400000"/>
-          </a:ln>
-        </p:spPr>
-      </p:pic>
-      <p:sp>
-        <p:nvSpPr>
-          <p:cNvPr id="236" name="Shape 236"/>
-          <p:cNvSpPr/>
-          <p:nvPr>
-            <p:ph type="ctrTitle"/>
-          </p:nvPr>
-        </p:nvSpPr>
-        <p:spPr>
-          <a:xfrm>
-            <a:off x="406400" y="1536700"/>
-            <a:ext cx="12192000" cy="1169261"/>
-          </a:xfrm>
-          <a:prstGeom prst="rect">
-            <a:avLst/>
-          </a:prstGeom>
-        </p:spPr>
-        <p:txBody>
-          <a:bodyPr/>
-          <a:lstStyle>
-            <a:lvl1pPr defTabSz="403097">
-              <a:spcBef>
-                <a:spcPts val="1900"/>
-              </a:spcBef>
-              <a:defRPr sz="8200"/>
-            </a:lvl1pPr>
-          </a:lstStyle>
-          <a:p>
-            <a:pPr/>
-            <a:r>
-              <a:t>Log-Odds</a:t>
+            <a:r>
+              <a:t>Regularization</a:t>
             </a:r>
           </a:p>
         </p:txBody>
@@ -7201,91 +6988,72 @@
       </p:grpSpPr>
       <p:sp>
         <p:nvSpPr>
-          <p:cNvPr id="238" name="Shape 238"/>
+          <p:cNvPr id="234" name="Shape 234"/>
           <p:cNvSpPr/>
           <p:nvPr>
-            <p:ph type="title" idx="4294967295"/>
+            <p:ph type="title"/>
           </p:nvPr>
         </p:nvSpPr>
         <p:spPr>
           <a:xfrm>
-            <a:off x="524933" y="1062566"/>
-            <a:ext cx="12192001" cy="1169261"/>
-          </a:xfrm>
-          <a:prstGeom prst="rect">
-            <a:avLst/>
-          </a:prstGeom>
-        </p:spPr>
-        <p:txBody>
-          <a:bodyPr lIns="50800" tIns="50800" rIns="50800" bIns="50800" anchor="t"/>
+            <a:off x="406400" y="1536700"/>
+            <a:ext cx="12192000" cy="1169261"/>
+          </a:xfrm>
+          <a:prstGeom prst="rect">
+            <a:avLst/>
+          </a:prstGeom>
+        </p:spPr>
+        <p:txBody>
+          <a:bodyPr/>
           <a:lstStyle>
-            <a:lvl1pPr algn="l" defTabSz="403097">
-              <a:lnSpc>
-                <a:spcPct val="80000"/>
-              </a:lnSpc>
+            <a:lvl1pPr defTabSz="403097">
               <a:spcBef>
                 <a:spcPts val="1900"/>
               </a:spcBef>
-              <a:defRPr cap="all" sz="8200">
-                <a:solidFill>
-                  <a:schemeClr val="accent1"/>
-                </a:solidFill>
-                <a:latin typeface="DIN Condensed"/>
-                <a:ea typeface="DIN Condensed"/>
-                <a:cs typeface="DIN Condensed"/>
-                <a:sym typeface="DIN Condensed"/>
-              </a:defRPr>
+              <a:defRPr sz="8200"/>
             </a:lvl1pPr>
           </a:lstStyle>
           <a:p>
             <a:pPr/>
             <a:r>
-              <a:t>Fix #2: Log()</a:t>
-            </a:r>
-          </a:p>
-        </p:txBody>
-      </p:sp>
-      <p:sp>
-        <p:nvSpPr>
-          <p:cNvPr id="239" name="Shape 239"/>
-          <p:cNvSpPr/>
-          <p:nvPr/>
+              <a:t>regularization</a:t>
+            </a:r>
+          </a:p>
+        </p:txBody>
+      </p:sp>
+      <p:sp>
+        <p:nvSpPr>
+          <p:cNvPr id="235" name="Shape 235"/>
+          <p:cNvSpPr/>
+          <p:nvPr>
+            <p:ph type="body" sz="half" idx="1"/>
+          </p:nvPr>
         </p:nvSpPr>
         <p:spPr>
           <a:xfrm>
-            <a:off x="657871" y="3841750"/>
-            <a:ext cx="7506524" cy="2070101"/>
-          </a:xfrm>
-          <a:prstGeom prst="rect">
-            <a:avLst/>
-          </a:prstGeom>
-          <a:ln w="12700">
-            <a:miter lim="400000"/>
-          </a:ln>
-          <a:extLst>
-            <a:ext uri="{C572A759-6A51-4108-AA02-DFA0A04FC94B}">
-              <ma14:wrappingTextBoxFlag xmlns:ma14="http://schemas.microsoft.com/office/mac/drawingml/2011/main" val="1"/>
-            </a:ext>
-          </a:extLst>
-        </p:spPr>
-        <p:txBody>
-          <a:bodyPr wrap="none" lIns="50800" tIns="50800" rIns="50800" bIns="50800" anchor="ctr">
-            <a:spAutoFit/>
-          </a:bodyPr>
+            <a:off x="406400" y="3953767"/>
+            <a:ext cx="12192000" cy="2531602"/>
+          </a:xfrm>
+          <a:prstGeom prst="rect">
+            <a:avLst/>
+          </a:prstGeom>
+        </p:spPr>
+        <p:txBody>
+          <a:bodyPr anchor="t"/>
           <a:lstStyle/>
           <a:p>
-            <a:pPr marL="550656" indent="-550656" defTabSz="455674">
+            <a:pPr marL="656975" indent="-656975" defTabSz="543656">
+              <a:lnSpc>
+                <a:spcPct val="100000"/>
+              </a:lnSpc>
               <a:spcBef>
-                <a:spcPts val="2100"/>
+                <a:spcPts val="2500"/>
               </a:spcBef>
               <a:buSzPct val="40000"/>
               <a:buBlip>
                 <a:blip r:embed="rId2"/>
               </a:buBlip>
-              <a:defRPr sz="4900">
-                <a:solidFill>
-                  <a:srgbClr val="838787"/>
-                </a:solidFill>
+              <a:defRPr cap="none" spc="0" sz="5940">
                 <a:latin typeface="Avenir Next Medium"/>
                 <a:ea typeface="Avenir Next Medium"/>
                 <a:cs typeface="Avenir Next Medium"/>
@@ -7293,22 +7061,22 @@
               </a:defRPr>
             </a:pPr>
             <a:r>
-              <a:t>Win = log(4) = 1.39 </a:t>
-            </a:r>
-          </a:p>
-          <a:p>
-            <a:pPr marL="550656" indent="-550656" defTabSz="455674">
+              <a:t>Fix what “best-fit” means </a:t>
+            </a:r>
+          </a:p>
+          <a:p>
+            <a:pPr marL="656975" indent="-656975" defTabSz="543656">
+              <a:lnSpc>
+                <a:spcPct val="200000"/>
+              </a:lnSpc>
               <a:spcBef>
-                <a:spcPts val="2100"/>
+                <a:spcPts val="2500"/>
               </a:spcBef>
               <a:buSzPct val="40000"/>
               <a:buBlip>
                 <a:blip r:embed="rId2"/>
               </a:buBlip>
-              <a:defRPr sz="4900">
-                <a:solidFill>
-                  <a:srgbClr val="838787"/>
-                </a:solidFill>
+              <a:defRPr cap="none" spc="0" sz="5940">
                 <a:latin typeface="Avenir Next Medium"/>
                 <a:ea typeface="Avenir Next Medium"/>
                 <a:cs typeface="Avenir Next Medium"/>
@@ -7316,7 +7084,7 @@
               </a:defRPr>
             </a:pPr>
             <a:r>
-              <a:t>Lose = log(0.25) = -1.39</a:t>
+              <a:t>Add penalty for complex models</a:t>
             </a:r>
           </a:p>
         </p:txBody>
@@ -7333,13 +7101,6 @@
 <file path=ppt/slides/slide17.xml><?xml version="1.0" encoding="utf-8"?>
 <p:sld xmlns:a="http://schemas.openxmlformats.org/drawingml/2006/main" xmlns:r="http://schemas.openxmlformats.org/officeDocument/2006/relationships" xmlns:p="http://schemas.openxmlformats.org/presentationml/2006/main" showMasterSp="1" showMasterPhAnim="1">
   <p:cSld>
-    <p:bg>
-      <p:bgPr>
-        <a:solidFill>
-          <a:srgbClr val="D2DADD"/>
-        </a:solidFill>
-      </p:bgPr>
-    </p:bg>
     <p:spTree>
       <p:nvGrpSpPr>
         <p:cNvPr id="1" name=""/>
@@ -7354,35 +7115,111 @@
           <a:chExt cx="0" cy="0"/>
         </a:xfrm>
       </p:grpSpPr>
-      <p:pic>
-        <p:nvPicPr>
-          <p:cNvPr id="241" name="pasted-image.png"/>
-          <p:cNvPicPr>
-            <a:picLocks noChangeAspect="1"/>
-          </p:cNvPicPr>
-          <p:nvPr/>
-        </p:nvPicPr>
-        <p:blipFill>
-          <a:blip r:embed="rId2">
-            <a:extLst/>
-          </a:blip>
-          <a:stretch>
-            <a:fillRect/>
-          </a:stretch>
-        </p:blipFill>
+      <p:sp>
+        <p:nvSpPr>
+          <p:cNvPr id="237" name="Shape 237"/>
+          <p:cNvSpPr/>
+          <p:nvPr>
+            <p:ph type="title"/>
+          </p:nvPr>
+        </p:nvSpPr>
         <p:spPr>
           <a:xfrm>
-            <a:off x="-82352" y="1700675"/>
-            <a:ext cx="13169422" cy="6041473"/>
-          </a:xfrm>
-          <a:prstGeom prst="rect">
-            <a:avLst/>
-          </a:prstGeom>
-          <a:ln w="12700">
-            <a:miter lim="400000"/>
-          </a:ln>
-        </p:spPr>
-      </p:pic>
+            <a:off x="406400" y="1536700"/>
+            <a:ext cx="12192000" cy="1169260"/>
+          </a:xfrm>
+          <a:prstGeom prst="rect">
+            <a:avLst/>
+          </a:prstGeom>
+        </p:spPr>
+        <p:txBody>
+          <a:bodyPr/>
+          <a:lstStyle>
+            <a:lvl1pPr defTabSz="403097">
+              <a:spcBef>
+                <a:spcPts val="1900"/>
+              </a:spcBef>
+              <a:defRPr sz="8280"/>
+            </a:lvl1pPr>
+          </a:lstStyle>
+          <a:p>
+            <a:pPr/>
+            <a:r>
+              <a:t>Ridge Regression (L2)</a:t>
+            </a:r>
+          </a:p>
+        </p:txBody>
+      </p:sp>
+      <p:sp>
+        <p:nvSpPr>
+          <p:cNvPr id="238" name="Shape 238"/>
+          <p:cNvSpPr/>
+          <p:nvPr>
+            <p:ph type="body" idx="1"/>
+          </p:nvPr>
+        </p:nvSpPr>
+        <p:spPr>
+          <a:xfrm>
+            <a:off x="406400" y="2558069"/>
+            <a:ext cx="12192000" cy="5784563"/>
+          </a:xfrm>
+          <a:prstGeom prst="rect">
+            <a:avLst/>
+          </a:prstGeom>
+        </p:spPr>
+        <p:txBody>
+          <a:bodyPr/>
+          <a:lstStyle/>
+          <a:p>
+            <a:pPr marL="684791" indent="-684791" defTabSz="566674">
+              <a:spcBef>
+                <a:spcPts val="2700"/>
+              </a:spcBef>
+              <a:buClrTx/>
+              <a:buSzPct val="40000"/>
+              <a:buFontTx/>
+              <a:buBlip>
+                <a:blip r:embed="rId2"/>
+              </a:buBlip>
+              <a:defRPr sz="6208"/>
+            </a:pPr>
+          </a:p>
+          <a:p>
+            <a:pPr marL="684791" indent="-684791" defTabSz="566674">
+              <a:spcBef>
+                <a:spcPts val="2700"/>
+              </a:spcBef>
+              <a:buClrTx/>
+              <a:buSzPct val="40000"/>
+              <a:buFontTx/>
+              <a:buBlip>
+                <a:blip r:embed="rId2"/>
+              </a:buBlip>
+              <a:defRPr sz="6208"/>
+            </a:pPr>
+            <a:r>
+              <a:t>sum(model.coef_**2)</a:t>
+            </a:r>
+          </a:p>
+          <a:p>
+            <a:pPr marL="684791" indent="-684791" defTabSz="566674">
+              <a:spcBef>
+                <a:spcPts val="2700"/>
+              </a:spcBef>
+              <a:buClrTx/>
+              <a:buSzPct val="40000"/>
+              <a:buFontTx/>
+              <a:buBlip>
+                <a:blip r:embed="rId2"/>
+              </a:buBlip>
+              <a:defRPr sz="6208"/>
+            </a:pPr>
+            <a:r>
+              <a:t>Low-signal features will have smaller and smaller coefficients</a:t>
+            </a:r>
+          </a:p>
+        </p:txBody>
+      </p:sp>
     </p:spTree>
   </p:cSld>
   <p:clrMapOvr>
@@ -7411,7 +7248,7 @@
       </p:grpSpPr>
       <p:sp>
         <p:nvSpPr>
-          <p:cNvPr id="243" name="Shape 243"/>
+          <p:cNvPr id="240" name="Shape 240"/>
           <p:cNvSpPr/>
           <p:nvPr>
             <p:ph type="title"/>
@@ -7420,7 +7257,7 @@
         <p:spPr>
           <a:xfrm>
             <a:off x="406400" y="1536700"/>
-            <a:ext cx="12192000" cy="1169261"/>
+            <a:ext cx="12192000" cy="1169260"/>
           </a:xfrm>
           <a:prstGeom prst="rect">
             <a:avLst/>
@@ -7433,102 +7270,78 @@
               <a:spcBef>
                 <a:spcPts val="1900"/>
               </a:spcBef>
-              <a:defRPr sz="8200"/>
+              <a:defRPr sz="8280"/>
             </a:lvl1pPr>
           </a:lstStyle>
           <a:p>
             <a:pPr/>
             <a:r>
-              <a:t>Sigmoid function</a:t>
-            </a:r>
-          </a:p>
-        </p:txBody>
-      </p:sp>
-      <p:sp>
-        <p:nvSpPr>
-          <p:cNvPr id="244" name="Shape 244"/>
+              <a:t>Lasso Regression (L1)</a:t>
+            </a:r>
+          </a:p>
+        </p:txBody>
+      </p:sp>
+      <p:sp>
+        <p:nvSpPr>
+          <p:cNvPr id="241" name="Shape 241"/>
           <p:cNvSpPr/>
           <p:nvPr>
-            <p:ph type="body" sz="quarter" idx="1"/>
+            <p:ph type="body" idx="1"/>
           </p:nvPr>
         </p:nvSpPr>
         <p:spPr>
           <a:xfrm>
-            <a:off x="406400" y="3236537"/>
-            <a:ext cx="12192001" cy="1169261"/>
-          </a:xfrm>
-          <a:prstGeom prst="rect">
-            <a:avLst/>
-          </a:prstGeom>
-        </p:spPr>
-        <p:txBody>
-          <a:bodyPr anchor="t"/>
+            <a:off x="406400" y="2558069"/>
+            <a:ext cx="12192000" cy="5784563"/>
+          </a:xfrm>
+          <a:prstGeom prst="rect">
+            <a:avLst/>
+          </a:prstGeom>
+        </p:spPr>
+        <p:txBody>
+          <a:bodyPr/>
           <a:lstStyle/>
           <a:p>
-            <a:pPr marL="550656" indent="-550656" defTabSz="455674">
-              <a:lnSpc>
-                <a:spcPct val="100000"/>
-              </a:lnSpc>
-              <a:spcBef>
-                <a:spcPts val="2100"/>
-              </a:spcBef>
+            <a:pPr marL="705970" indent="-705970">
+              <a:buClrTx/>
               <a:buSzPct val="40000"/>
+              <a:buFontTx/>
               <a:buBlip>
                 <a:blip r:embed="rId2"/>
               </a:buBlip>
-              <a:defRPr cap="none" spc="0" sz="4900">
-                <a:latin typeface="Avenir Next Medium"/>
-                <a:ea typeface="Avenir Next Medium"/>
-                <a:cs typeface="Avenir Next Medium"/>
-                <a:sym typeface="Avenir Next Medium"/>
-              </a:defRPr>
+              <a:defRPr sz="6400"/>
             </a:pPr>
-            <a:r>
-              <a:rPr>
-                <a:solidFill>
-                  <a:schemeClr val="accent3"/>
-                </a:solidFill>
-              </a:rPr>
-              <a:t>Translates</a:t>
-            </a:r>
-            <a:r>
-              <a:t> log-odds back to </a:t>
-            </a:r>
-            <a:r>
-              <a:t>probability</a:t>
-            </a:r>
-          </a:p>
-        </p:txBody>
-      </p:sp>
-      <p:pic>
-        <p:nvPicPr>
-          <p:cNvPr id="245" name="pasted-image.png"/>
-          <p:cNvPicPr>
-            <a:picLocks noChangeAspect="1"/>
-          </p:cNvPicPr>
-          <p:nvPr/>
-        </p:nvPicPr>
-        <p:blipFill>
-          <a:blip r:embed="rId3">
-            <a:extLst/>
-          </a:blip>
-          <a:stretch>
-            <a:fillRect/>
-          </a:stretch>
-        </p:blipFill>
-        <p:spPr>
-          <a:xfrm>
-            <a:off x="506941" y="4369990"/>
-            <a:ext cx="10795001" cy="5067301"/>
-          </a:xfrm>
-          <a:prstGeom prst="rect">
-            <a:avLst/>
-          </a:prstGeom>
-          <a:ln w="12700">
-            <a:miter lim="400000"/>
-          </a:ln>
-        </p:spPr>
-      </p:pic>
+          </a:p>
+          <a:p>
+            <a:pPr marL="705970" indent="-705970">
+              <a:buClrTx/>
+              <a:buSzPct val="40000"/>
+              <a:buFontTx/>
+              <a:buBlip>
+                <a:blip r:embed="rId2"/>
+              </a:buBlip>
+              <a:defRPr sz="6400"/>
+            </a:pPr>
+            <a:r>
+              <a:t>sum(abs(model.coef_))</a:t>
+            </a:r>
+          </a:p>
+          <a:p>
+            <a:pPr marL="705970" indent="-705970">
+              <a:buClrTx/>
+              <a:buSzPct val="40000"/>
+              <a:buFontTx/>
+              <a:buBlip>
+                <a:blip r:embed="rId2"/>
+              </a:buBlip>
+              <a:defRPr sz="6400"/>
+            </a:pPr>
+            <a:r>
+              <a:t>Low-signal features will end up with coefficients of 0</a:t>
+            </a:r>
+          </a:p>
+        </p:txBody>
+      </p:sp>
     </p:spTree>
   </p:cSld>
   <p:clrMapOvr>
@@ -7557,77 +7370,110 @@
       </p:grpSpPr>
       <p:sp>
         <p:nvSpPr>
-          <p:cNvPr id="247" name="Shape 247"/>
+          <p:cNvPr id="243" name="Shape 243"/>
           <p:cNvSpPr/>
           <p:nvPr>
-            <p:ph type="ctrTitle"/>
+            <p:ph type="title"/>
           </p:nvPr>
         </p:nvSpPr>
         <p:spPr>
+          <a:xfrm>
+            <a:off x="406400" y="1536700"/>
+            <a:ext cx="12192000" cy="1169261"/>
+          </a:xfrm>
           <a:prstGeom prst="rect">
             <a:avLst/>
           </a:prstGeom>
         </p:spPr>
         <p:txBody>
           <a:bodyPr/>
+          <a:lstStyle>
+            <a:lvl1pPr defTabSz="403097">
+              <a:spcBef>
+                <a:spcPts val="1900"/>
+              </a:spcBef>
+              <a:defRPr sz="8200"/>
+            </a:lvl1pPr>
+          </a:lstStyle>
+          <a:p>
+            <a:pPr/>
+            <a:r>
+              <a:t>Alpha parameter</a:t>
+            </a:r>
+          </a:p>
+        </p:txBody>
+      </p:sp>
+      <p:sp>
+        <p:nvSpPr>
+          <p:cNvPr id="244" name="Shape 244"/>
+          <p:cNvSpPr/>
+          <p:nvPr>
+            <p:ph type="body" idx="1"/>
+          </p:nvPr>
+        </p:nvSpPr>
+        <p:spPr>
+          <a:xfrm>
+            <a:off x="406400" y="3953767"/>
+            <a:ext cx="12192000" cy="4437065"/>
+          </a:xfrm>
+          <a:prstGeom prst="rect">
+            <a:avLst/>
+          </a:prstGeom>
+        </p:spPr>
+        <p:txBody>
+          <a:bodyPr anchor="t"/>
           <a:lstStyle/>
           <a:p>
-            <a:pPr defTabSz="455675">
-              <a:defRPr sz="13259"/>
+            <a:pPr marL="637067" indent="-637067" defTabSz="527182">
+              <a:lnSpc>
+                <a:spcPct val="100000"/>
+              </a:lnSpc>
+              <a:spcBef>
+                <a:spcPts val="2400"/>
+              </a:spcBef>
+              <a:buSzPct val="40000"/>
+              <a:buBlip>
+                <a:blip r:embed="rId2"/>
+              </a:buBlip>
+              <a:defRPr cap="none" spc="0" sz="5760">
+                <a:latin typeface="Avenir Next Medium"/>
+                <a:ea typeface="Avenir Next Medium"/>
+                <a:cs typeface="Avenir Next Medium"/>
+                <a:sym typeface="Avenir Next Medium"/>
+              </a:defRPr>
             </a:pPr>
-          </a:p>
-        </p:txBody>
-      </p:sp>
-      <p:sp>
-        <p:nvSpPr>
-          <p:cNvPr id="248" name="Shape 248"/>
-          <p:cNvSpPr/>
-          <p:nvPr>
-            <p:ph type="subTitle" sz="quarter" idx="1"/>
-          </p:nvPr>
-        </p:nvSpPr>
-        <p:spPr>
-          <a:prstGeom prst="rect">
-            <a:avLst/>
-          </a:prstGeom>
-        </p:spPr>
-        <p:txBody>
-          <a:bodyPr/>
-          <a:lstStyle/>
-          <a:p>
-            <a:pPr/>
-          </a:p>
-        </p:txBody>
-      </p:sp>
-      <p:pic>
-        <p:nvPicPr>
-          <p:cNvPr id="249" name="pasted-image.jpeg"/>
-          <p:cNvPicPr>
-            <a:picLocks noChangeAspect="1"/>
-          </p:cNvPicPr>
-          <p:nvPr/>
-        </p:nvPicPr>
-        <p:blipFill>
-          <a:blip r:embed="rId2">
-            <a:extLst/>
-          </a:blip>
-          <a:stretch>
-            <a:fillRect/>
-          </a:stretch>
-        </p:blipFill>
-        <p:spPr>
-          <a:xfrm>
-            <a:off x="215900" y="1282700"/>
-            <a:ext cx="12573000" cy="7188200"/>
-          </a:xfrm>
-          <a:prstGeom prst="rect">
-            <a:avLst/>
-          </a:prstGeom>
-          <a:ln w="12700">
-            <a:miter lim="400000"/>
-          </a:ln>
-        </p:spPr>
-      </p:pic>
+            <a:r>
+              <a:t>Changes how heavily we weight regularization</a:t>
+            </a:r>
+          </a:p>
+          <a:p>
+            <a:pPr marL="637067" indent="-637067" defTabSz="527182">
+              <a:lnSpc>
+                <a:spcPct val="100000"/>
+              </a:lnSpc>
+              <a:spcBef>
+                <a:spcPts val="2400"/>
+              </a:spcBef>
+              <a:buSzPct val="40000"/>
+              <a:buBlip>
+                <a:blip r:embed="rId2"/>
+              </a:buBlip>
+              <a:defRPr cap="none" spc="0" sz="5760">
+                <a:latin typeface="Avenir Next Medium"/>
+                <a:ea typeface="Avenir Next Medium"/>
+                <a:cs typeface="Avenir Next Medium"/>
+                <a:sym typeface="Avenir Next Medium"/>
+              </a:defRPr>
+            </a:pPr>
+            <a:r>
+              <a:t>Can test different values </a:t>
+            </a:r>
+            <a:r>
+              <a:t>with validation curve!</a:t>
+            </a:r>
+          </a:p>
+        </p:txBody>
+      </p:sp>
     </p:spTree>
   </p:cSld>
   <p:clrMapOvr>
@@ -7664,8 +7510,8 @@
         </p:nvSpPr>
         <p:spPr>
           <a:xfrm>
-            <a:off x="3675992" y="3684220"/>
-            <a:ext cx="9818416" cy="4654227"/>
+            <a:off x="596076" y="2854486"/>
+            <a:ext cx="11812647" cy="5140003"/>
           </a:xfrm>
           <a:prstGeom prst="rect">
             <a:avLst/>
@@ -7675,9 +7521,19 @@
           <a:bodyPr/>
           <a:lstStyle/>
           <a:p>
-            <a:pPr/>
-            <a:r>
-              <a:t>Review</a:t>
+            <a:pPr defTabSz="473201">
+              <a:defRPr sz="13770"/>
+            </a:pPr>
+            <a:r>
+              <a:t>Regression &amp;</a:t>
+            </a:r>
+          </a:p>
+          <a:p>
+            <a:pPr defTabSz="473201">
+              <a:defRPr sz="13770"/>
+            </a:pPr>
+            <a:r>
+              <a:t>Parametric Models</a:t>
             </a:r>
           </a:p>
         </p:txBody>
@@ -7710,7 +7566,7 @@
       </p:grpSpPr>
       <p:sp>
         <p:nvSpPr>
-          <p:cNvPr id="251" name="Shape 251"/>
+          <p:cNvPr id="246" name="Shape 246"/>
           <p:cNvSpPr/>
           <p:nvPr>
             <p:ph type="title"/>
@@ -7719,7 +7575,7 @@
         <p:spPr>
           <a:xfrm>
             <a:off x="406400" y="1536700"/>
-            <a:ext cx="12192000" cy="1169261"/>
+            <a:ext cx="12192000" cy="1169260"/>
           </a:xfrm>
           <a:prstGeom prst="rect">
             <a:avLst/>
@@ -7732,20 +7588,20 @@
               <a:spcBef>
                 <a:spcPts val="1900"/>
               </a:spcBef>
-              <a:defRPr sz="8200"/>
+              <a:defRPr sz="8280"/>
             </a:lvl1pPr>
           </a:lstStyle>
           <a:p>
             <a:pPr/>
             <a:r>
-              <a:t>Logistic Regression</a:t>
-            </a:r>
-          </a:p>
-        </p:txBody>
-      </p:sp>
-      <p:sp>
-        <p:nvSpPr>
-          <p:cNvPr id="252" name="Shape 252"/>
+              <a:t>Learning curve</a:t>
+            </a:r>
+          </a:p>
+        </p:txBody>
+      </p:sp>
+      <p:sp>
+        <p:nvSpPr>
+          <p:cNvPr id="247" name="Shape 247"/>
           <p:cNvSpPr/>
           <p:nvPr>
             <p:ph type="body" idx="1"/>
@@ -7753,107 +7609,62 @@
         </p:nvSpPr>
         <p:spPr>
           <a:xfrm>
-            <a:off x="406400" y="4237533"/>
-            <a:ext cx="12192000" cy="4536481"/>
-          </a:xfrm>
-          <a:prstGeom prst="rect">
-            <a:avLst/>
-          </a:prstGeom>
-        </p:spPr>
-        <p:txBody>
-          <a:bodyPr anchor="t"/>
+            <a:off x="406400" y="2558069"/>
+            <a:ext cx="12192000" cy="5784563"/>
+          </a:xfrm>
+          <a:prstGeom prst="rect">
+            <a:avLst/>
+          </a:prstGeom>
+        </p:spPr>
+        <p:txBody>
+          <a:bodyPr/>
           <a:lstStyle/>
           <a:p>
-            <a:pPr marL="550656" indent="-550656" defTabSz="455674">
-              <a:lnSpc>
-                <a:spcPct val="100000"/>
-              </a:lnSpc>
+            <a:pPr marL="642433" indent="-642433" defTabSz="531622">
               <a:spcBef>
-                <a:spcPts val="2100"/>
+                <a:spcPts val="2500"/>
               </a:spcBef>
+              <a:buClrTx/>
               <a:buSzPct val="40000"/>
+              <a:buFontTx/>
               <a:buBlip>
                 <a:blip r:embed="rId2"/>
               </a:buBlip>
-              <a:defRPr cap="none" spc="0" sz="4900">
-                <a:solidFill>
-                  <a:srgbClr val="A7A7A7"/>
-                </a:solidFill>
-                <a:latin typeface="Avenir Next Medium"/>
-                <a:ea typeface="Avenir Next Medium"/>
-                <a:cs typeface="Avenir Next Medium"/>
-                <a:sym typeface="Avenir Next Medium"/>
-              </a:defRPr>
+              <a:defRPr sz="5824"/>
             </a:pPr>
-            <a:r>
-              <a:t>Output is probability</a:t>
-            </a:r>
-          </a:p>
-          <a:p>
-            <a:pPr marL="550656" indent="-550656" defTabSz="455674">
-              <a:lnSpc>
-                <a:spcPct val="100000"/>
-              </a:lnSpc>
+          </a:p>
+          <a:p>
+            <a:pPr marL="642433" indent="-642433" defTabSz="531622">
               <a:spcBef>
-                <a:spcPts val="2100"/>
+                <a:spcPts val="2500"/>
               </a:spcBef>
+              <a:buClrTx/>
               <a:buSzPct val="40000"/>
+              <a:buFontTx/>
               <a:buBlip>
                 <a:blip r:embed="rId2"/>
               </a:buBlip>
-              <a:defRPr cap="none" spc="0" sz="4900">
-                <a:latin typeface="Avenir Next Medium"/>
-                <a:ea typeface="Avenir Next Medium"/>
-                <a:cs typeface="Avenir Next Medium"/>
-                <a:sym typeface="Avenir Next Medium"/>
-              </a:defRPr>
+              <a:defRPr sz="5824"/>
             </a:pPr>
             <a:r>
-              <a:rPr>
-                <a:solidFill>
-                  <a:srgbClr val="A7A7A7"/>
-                </a:solidFill>
-              </a:rPr>
-              <a:t>Probability -&gt; classification using a </a:t>
-            </a:r>
-            <a:r>
-              <a:rPr>
-                <a:solidFill>
-                  <a:schemeClr val="accent3"/>
-                </a:solidFill>
-              </a:rPr>
-              <a:t>discrimination threshold</a:t>
-            </a:r>
-            <a:endParaRPr>
-              <a:solidFill>
-                <a:schemeClr val="accent3"/>
-              </a:solidFill>
-            </a:endParaRPr>
-          </a:p>
-          <a:p>
-            <a:pPr marL="550656" indent="-550656" defTabSz="455674">
-              <a:lnSpc>
-                <a:spcPct val="100000"/>
-              </a:lnSpc>
+              <a:t>Scores model as size of data increases</a:t>
+            </a:r>
+          </a:p>
+          <a:p>
+            <a:pPr marL="642433" indent="-642433" defTabSz="531622">
               <a:spcBef>
-                <a:spcPts val="2100"/>
+                <a:spcPts val="2500"/>
               </a:spcBef>
+              <a:buClrTx/>
               <a:buSzPct val="40000"/>
+              <a:buFontTx/>
               <a:buBlip>
                 <a:blip r:embed="rId2"/>
               </a:buBlip>
-              <a:defRPr cap="none" spc="0" sz="4900">
-                <a:solidFill>
-                  <a:srgbClr val="A7A7A7"/>
-                </a:solidFill>
-                <a:latin typeface="Avenir Next Medium"/>
-                <a:ea typeface="Avenir Next Medium"/>
-                <a:cs typeface="Avenir Next Medium"/>
-                <a:sym typeface="Avenir Next Medium"/>
-              </a:defRPr>
+              <a:defRPr sz="5824"/>
             </a:pPr>
             <a:r>
-              <a:t>Default threshold: 0.5</a:t>
+              <a:t>Convergence means more data won’t help</a:t>
             </a:r>
           </a:p>
         </p:txBody>
@@ -7886,7 +7697,7 @@
       </p:grpSpPr>
       <p:sp>
         <p:nvSpPr>
-          <p:cNvPr id="254" name="Shape 254"/>
+          <p:cNvPr id="249" name="Shape 249"/>
           <p:cNvSpPr/>
           <p:nvPr>
             <p:ph type="ctrTitle"/>
@@ -7909,7 +7720,7 @@
       </p:sp>
       <p:sp>
         <p:nvSpPr>
-          <p:cNvPr id="255" name="Shape 255"/>
+          <p:cNvPr id="250" name="Shape 250"/>
           <p:cNvSpPr/>
           <p:nvPr>
             <p:ph type="subTitle" sz="quarter" idx="1"/>
@@ -7930,7 +7741,7 @@
       </p:sp>
       <p:pic>
         <p:nvPicPr>
-          <p:cNvPr id="256" name="pasted-image.jpeg"/>
+          <p:cNvPr id="251" name="learning_curve-2.png"/>
           <p:cNvPicPr>
             <a:picLocks noChangeAspect="1"/>
           </p:cNvPicPr>
@@ -7946,8 +7757,8 @@
         </p:blipFill>
         <p:spPr>
           <a:xfrm>
-            <a:off x="215900" y="1282700"/>
-            <a:ext cx="12573000" cy="7188200"/>
+            <a:off x="-16934" y="406400"/>
+            <a:ext cx="13038667" cy="8964084"/>
           </a:xfrm>
           <a:prstGeom prst="rect">
             <a:avLst/>
@@ -7957,44 +7768,6 @@
           </a:ln>
         </p:spPr>
       </p:pic>
-      <p:sp>
-        <p:nvSpPr>
-          <p:cNvPr id="257" name="Shape 257"/>
-          <p:cNvSpPr/>
-          <p:nvPr/>
-        </p:nvSpPr>
-        <p:spPr>
-          <a:xfrm>
-            <a:off x="2082800" y="4206975"/>
-            <a:ext cx="10509665" cy="1"/>
-          </a:xfrm>
-          <a:prstGeom prst="line">
-            <a:avLst/>
-          </a:prstGeom>
-          <a:ln w="76200">
-            <a:solidFill>
-              <a:schemeClr val="accent5"/>
-            </a:solidFill>
-            <a:custDash>
-              <a:ds d="200000" sp="200000"/>
-            </a:custDash>
-            <a:miter lim="400000"/>
-          </a:ln>
-        </p:spPr>
-        <p:txBody>
-          <a:bodyPr lIns="45718" tIns="45718" rIns="45718" bIns="45718"/>
-          <a:lstStyle/>
-          <a:p>
-            <a:pPr>
-              <a:defRPr>
-                <a:solidFill>
-                  <a:srgbClr val="838787"/>
-                </a:solidFill>
-              </a:defRPr>
-            </a:pPr>
-          </a:p>
-        </p:txBody>
-      </p:sp>
     </p:spTree>
   </p:cSld>
   <p:clrMapOvr>
@@ -8023,7 +7796,7 @@
       </p:grpSpPr>
       <p:sp>
         <p:nvSpPr>
-          <p:cNvPr id="259" name="Shape 259"/>
+          <p:cNvPr id="253" name="Shape 253"/>
           <p:cNvSpPr/>
           <p:nvPr>
             <p:ph type="ctrTitle"/>
@@ -8046,7 +7819,7 @@
       </p:sp>
       <p:sp>
         <p:nvSpPr>
-          <p:cNvPr id="260" name="Shape 260"/>
+          <p:cNvPr id="254" name="Shape 254"/>
           <p:cNvSpPr/>
           <p:nvPr>
             <p:ph type="subTitle" sz="quarter" idx="1"/>
@@ -8067,7 +7840,7 @@
       </p:sp>
       <p:pic>
         <p:nvPicPr>
-          <p:cNvPr id="261" name="pasted-image.png"/>
+          <p:cNvPr id="255" name="learning_curve-1.png"/>
           <p:cNvPicPr>
             <a:picLocks noChangeAspect="1"/>
           </p:cNvPicPr>
@@ -8083,8 +7856,8 @@
         </p:blipFill>
         <p:spPr>
           <a:xfrm>
-            <a:off x="4233" y="1659261"/>
-            <a:ext cx="12996334" cy="6435078"/>
+            <a:off x="-16934" y="457200"/>
+            <a:ext cx="13038667" cy="8964084"/>
           </a:xfrm>
           <a:prstGeom prst="rect">
             <a:avLst/>
@@ -8122,13 +7895,17 @@
       </p:grpSpPr>
       <p:sp>
         <p:nvSpPr>
-          <p:cNvPr id="263" name="Shape 263"/>
+          <p:cNvPr id="257" name="Shape 257"/>
           <p:cNvSpPr/>
           <p:nvPr>
-            <p:ph type="ctrTitle"/>
+            <p:ph type="title"/>
           </p:nvPr>
         </p:nvSpPr>
         <p:spPr>
+          <a:xfrm>
+            <a:off x="2802101" y="4038600"/>
+            <a:ext cx="7400598" cy="4521200"/>
+          </a:xfrm>
           <a:prstGeom prst="rect">
             <a:avLst/>
           </a:prstGeom>
@@ -8137,62 +7914,13 @@
           <a:bodyPr/>
           <a:lstStyle/>
           <a:p>
-            <a:pPr defTabSz="455675">
-              <a:defRPr sz="13259"/>
-            </a:pPr>
-          </a:p>
-        </p:txBody>
-      </p:sp>
-      <p:sp>
-        <p:nvSpPr>
-          <p:cNvPr id="264" name="Shape 264"/>
-          <p:cNvSpPr/>
-          <p:nvPr>
-            <p:ph type="subTitle" sz="quarter" idx="1"/>
-          </p:nvPr>
-        </p:nvSpPr>
-        <p:spPr>
-          <a:prstGeom prst="rect">
-            <a:avLst/>
-          </a:prstGeom>
-        </p:spPr>
-        <p:txBody>
-          <a:bodyPr/>
-          <a:lstStyle/>
-          <a:p>
             <a:pPr/>
-          </a:p>
-        </p:txBody>
-      </p:sp>
-      <p:pic>
-        <p:nvPicPr>
-          <p:cNvPr id="265" name="pasted-image.png"/>
-          <p:cNvPicPr>
-            <a:picLocks noChangeAspect="1"/>
-          </p:cNvPicPr>
-          <p:nvPr/>
-        </p:nvPicPr>
-        <p:blipFill>
-          <a:blip r:embed="rId2">
-            <a:extLst/>
-          </a:blip>
-          <a:stretch>
-            <a:fillRect/>
-          </a:stretch>
-        </p:blipFill>
-        <p:spPr>
-          <a:xfrm>
-            <a:off x="-2117" y="535890"/>
-            <a:ext cx="13009035" cy="8681820"/>
-          </a:xfrm>
-          <a:prstGeom prst="rect">
-            <a:avLst/>
-          </a:prstGeom>
-          <a:ln w="12700">
-            <a:miter lim="400000"/>
-          </a:ln>
-        </p:spPr>
-      </p:pic>
+            <a:r>
+              <a:t>Exercises</a:t>
+            </a:r>
+          </a:p>
+        </p:txBody>
+      </p:sp>
     </p:spTree>
   </p:cSld>
   <p:clrMapOvr>
@@ -8221,7 +7949,7 @@
       </p:grpSpPr>
       <p:sp>
         <p:nvSpPr>
-          <p:cNvPr id="267" name="Shape 267"/>
+          <p:cNvPr id="259" name="Shape 259"/>
           <p:cNvSpPr/>
           <p:nvPr>
             <p:ph type="title"/>
@@ -8229,8 +7957,8 @@
         </p:nvSpPr>
         <p:spPr>
           <a:xfrm>
-            <a:off x="2802101" y="4038600"/>
-            <a:ext cx="7400598" cy="4521200"/>
+            <a:off x="880533" y="2988733"/>
+            <a:ext cx="12192001" cy="4521201"/>
           </a:xfrm>
           <a:prstGeom prst="rect">
             <a:avLst/>
@@ -8242,7 +7970,7 @@
           <a:p>
             <a:pPr/>
             <a:r>
-              <a:t>Exercises</a:t>
+              <a:t>Bias-Variance Tradeoff</a:t>
             </a:r>
           </a:p>
         </p:txBody>
@@ -8275,17 +8003,13 @@
       </p:grpSpPr>
       <p:sp>
         <p:nvSpPr>
-          <p:cNvPr id="269" name="Shape 269"/>
+          <p:cNvPr id="261" name="Shape 261"/>
           <p:cNvSpPr/>
           <p:nvPr>
-            <p:ph type="title"/>
+            <p:ph type="subTitle" sz="quarter" idx="1"/>
           </p:nvPr>
         </p:nvSpPr>
         <p:spPr>
-          <a:xfrm>
-            <a:off x="2015066" y="3056466"/>
-            <a:ext cx="12192001" cy="4521201"/>
-          </a:xfrm>
           <a:prstGeom prst="rect">
             <a:avLst/>
           </a:prstGeom>
@@ -8295,18 +8019,39 @@
           <a:lstStyle/>
           <a:p>
             <a:pPr/>
-            <a:r>
-              <a:t>Evaluating</a:t>
-            </a:r>
-          </a:p>
-          <a:p>
-            <a:pPr/>
-            <a:r>
-              <a:t>Classifiers</a:t>
-            </a:r>
-          </a:p>
-        </p:txBody>
-      </p:sp>
+          </a:p>
+        </p:txBody>
+      </p:sp>
+      <p:pic>
+        <p:nvPicPr>
+          <p:cNvPr id="262" name="bias-variance.png"/>
+          <p:cNvPicPr>
+            <a:picLocks noChangeAspect="1"/>
+          </p:cNvPicPr>
+          <p:nvPr/>
+        </p:nvPicPr>
+        <p:blipFill>
+          <a:blip r:embed="rId2">
+            <a:extLst/>
+          </a:blip>
+          <a:srcRect l="0" t="0" r="47299" b="0"/>
+          <a:stretch>
+            <a:fillRect/>
+          </a:stretch>
+        </p:blipFill>
+        <p:spPr>
+          <a:xfrm>
+            <a:off x="-68486" y="-106108"/>
+            <a:ext cx="13440104" cy="9563596"/>
+          </a:xfrm>
+          <a:prstGeom prst="rect">
+            <a:avLst/>
+          </a:prstGeom>
+          <a:ln w="12700">
+            <a:miter lim="400000"/>
+          </a:ln>
+        </p:spPr>
+      </p:pic>
     </p:spTree>
   </p:cSld>
   <p:clrMapOvr>
@@ -8335,107 +8080,55 @@
       </p:grpSpPr>
       <p:sp>
         <p:nvSpPr>
-          <p:cNvPr id="271" name="Shape 271"/>
+          <p:cNvPr id="264" name="Shape 264"/>
           <p:cNvSpPr/>
           <p:nvPr>
-            <p:ph type="title"/>
+            <p:ph type="subTitle" sz="quarter" idx="1"/>
           </p:nvPr>
         </p:nvSpPr>
         <p:spPr>
+          <a:prstGeom prst="rect">
+            <a:avLst/>
+          </a:prstGeom>
+        </p:spPr>
+        <p:txBody>
+          <a:bodyPr/>
+          <a:lstStyle/>
+          <a:p>
+            <a:pPr/>
+          </a:p>
+        </p:txBody>
+      </p:sp>
+      <p:pic>
+        <p:nvPicPr>
+          <p:cNvPr id="265" name="bias-variance.png"/>
+          <p:cNvPicPr>
+            <a:picLocks noChangeAspect="1"/>
+          </p:cNvPicPr>
+          <p:nvPr/>
+        </p:nvPicPr>
+        <p:blipFill>
+          <a:blip r:embed="rId2">
+            <a:extLst/>
+          </a:blip>
+          <a:srcRect l="47566" t="0" r="0" b="0"/>
+          <a:stretch>
+            <a:fillRect/>
+          </a:stretch>
+        </p:blipFill>
+        <p:spPr>
           <a:xfrm>
-            <a:off x="406400" y="1536700"/>
-            <a:ext cx="12192000" cy="1169261"/>
-          </a:xfrm>
-          <a:prstGeom prst="rect">
-            <a:avLst/>
-          </a:prstGeom>
-        </p:spPr>
-        <p:txBody>
-          <a:bodyPr/>
-          <a:lstStyle>
-            <a:lvl1pPr defTabSz="403097">
-              <a:spcBef>
-                <a:spcPts val="1900"/>
-              </a:spcBef>
-              <a:defRPr sz="8200"/>
-            </a:lvl1pPr>
-          </a:lstStyle>
-          <a:p>
-            <a:pPr/>
-            <a:r>
-              <a:t>Cannot use Regression metrics</a:t>
-            </a:r>
-          </a:p>
-        </p:txBody>
-      </p:sp>
-      <p:sp>
-        <p:nvSpPr>
-          <p:cNvPr id="272" name="Shape 272"/>
-          <p:cNvSpPr/>
-          <p:nvPr>
-            <p:ph type="body" sz="half" idx="1"/>
-          </p:nvPr>
-        </p:nvSpPr>
-        <p:spPr>
-          <a:xfrm>
-            <a:off x="406400" y="4237533"/>
-            <a:ext cx="12192000" cy="3462405"/>
-          </a:xfrm>
-          <a:prstGeom prst="rect">
-            <a:avLst/>
-          </a:prstGeom>
-        </p:spPr>
-        <p:txBody>
-          <a:bodyPr anchor="t"/>
-          <a:lstStyle/>
-          <a:p>
-            <a:pPr marL="550656" indent="-550656" defTabSz="455674">
-              <a:lnSpc>
-                <a:spcPct val="100000"/>
-              </a:lnSpc>
-              <a:spcBef>
-                <a:spcPts val="2100"/>
-              </a:spcBef>
-              <a:buSzPct val="40000"/>
-              <a:buBlip>
-                <a:blip r:embed="rId2"/>
-              </a:buBlip>
-              <a:defRPr cap="none" spc="0" sz="4900">
-                <a:latin typeface="Avenir Next Medium"/>
-                <a:ea typeface="Avenir Next Medium"/>
-                <a:cs typeface="Avenir Next Medium"/>
-                <a:sym typeface="Avenir Next Medium"/>
-              </a:defRPr>
-            </a:pPr>
-            <a:r>
-              <a:t>Outputs are classes, not numbers</a:t>
-            </a:r>
-          </a:p>
-          <a:p>
-            <a:pPr marL="550656" indent="-550656" defTabSz="455674">
-              <a:lnSpc>
-                <a:spcPct val="100000"/>
-              </a:lnSpc>
-              <a:spcBef>
-                <a:spcPts val="2100"/>
-              </a:spcBef>
-              <a:buSzPct val="40000"/>
-              <a:buBlip>
-                <a:blip r:embed="rId2"/>
-              </a:buBlip>
-              <a:defRPr cap="none" spc="0" sz="4900">
-                <a:latin typeface="Avenir Next Medium"/>
-                <a:ea typeface="Avenir Next Medium"/>
-                <a:cs typeface="Avenir Next Medium"/>
-                <a:sym typeface="Avenir Next Medium"/>
-              </a:defRPr>
-            </a:pPr>
-            <a:r>
-              <a:t>“Amount of error” is a bad fit</a:t>
-            </a:r>
-          </a:p>
-        </p:txBody>
-      </p:sp>
+            <a:off x="-366818" y="-55308"/>
+            <a:ext cx="13372183" cy="9563596"/>
+          </a:xfrm>
+          <a:prstGeom prst="rect">
+            <a:avLst/>
+          </a:prstGeom>
+          <a:ln w="12700">
+            <a:miter lim="400000"/>
+          </a:ln>
+        </p:spPr>
+      </p:pic>
     </p:spTree>
   </p:cSld>
   <p:clrMapOvr>
@@ -8464,7 +8157,7 @@
       </p:grpSpPr>
       <p:sp>
         <p:nvSpPr>
-          <p:cNvPr id="274" name="Shape 274"/>
+          <p:cNvPr id="267" name="Shape 267"/>
           <p:cNvSpPr/>
           <p:nvPr>
             <p:ph type="title"/>
@@ -8473,7 +8166,7 @@
         <p:spPr>
           <a:xfrm>
             <a:off x="406400" y="1536700"/>
-            <a:ext cx="12192000" cy="1169261"/>
+            <a:ext cx="12192000" cy="1169260"/>
           </a:xfrm>
           <a:prstGeom prst="rect">
             <a:avLst/>
@@ -8486,81 +8179,74 @@
               <a:spcBef>
                 <a:spcPts val="1900"/>
               </a:spcBef>
-              <a:defRPr sz="8200"/>
+              <a:defRPr sz="8280"/>
             </a:lvl1pPr>
           </a:lstStyle>
           <a:p>
             <a:pPr/>
             <a:r>
-              <a:t>Accuracy</a:t>
-            </a:r>
-          </a:p>
-        </p:txBody>
-      </p:sp>
-      <p:sp>
-        <p:nvSpPr>
-          <p:cNvPr id="275" name="Shape 275"/>
+              <a:t>Overfitting</a:t>
+            </a:r>
+          </a:p>
+        </p:txBody>
+      </p:sp>
+      <p:sp>
+        <p:nvSpPr>
+          <p:cNvPr id="268" name="Shape 268"/>
           <p:cNvSpPr/>
           <p:nvPr>
-            <p:ph type="body" sz="half" idx="1"/>
+            <p:ph type="body" idx="1"/>
           </p:nvPr>
         </p:nvSpPr>
         <p:spPr>
           <a:xfrm>
-            <a:off x="406400" y="4237533"/>
-            <a:ext cx="12192000" cy="3462405"/>
-          </a:xfrm>
-          <a:prstGeom prst="rect">
-            <a:avLst/>
-          </a:prstGeom>
-        </p:spPr>
-        <p:txBody>
-          <a:bodyPr anchor="t"/>
+            <a:off x="406400" y="2570901"/>
+            <a:ext cx="12192000" cy="6465998"/>
+          </a:xfrm>
+          <a:prstGeom prst="rect">
+            <a:avLst/>
+          </a:prstGeom>
+        </p:spPr>
+        <p:txBody>
+          <a:bodyPr/>
           <a:lstStyle/>
           <a:p>
-            <a:pPr marL="550656" indent="-550656" defTabSz="455674">
-              <a:lnSpc>
-                <a:spcPct val="100000"/>
-              </a:lnSpc>
-              <a:spcBef>
-                <a:spcPts val="2100"/>
-              </a:spcBef>
+            <a:pPr marL="705970" indent="-705970">
+              <a:buClrTx/>
               <a:buSzPct val="40000"/>
+              <a:buFontTx/>
               <a:buBlip>
                 <a:blip r:embed="rId2"/>
               </a:buBlip>
-              <a:defRPr cap="none" spc="0" sz="4900">
-                <a:latin typeface="Avenir Next Medium"/>
-                <a:ea typeface="Avenir Next Medium"/>
-                <a:cs typeface="Avenir Next Medium"/>
-                <a:sym typeface="Avenir Next Medium"/>
-              </a:defRPr>
+              <a:defRPr sz="6400"/>
             </a:pPr>
-            <a:r>
-              <a:t>% of samples correctly classified</a:t>
-            </a:r>
-          </a:p>
-          <a:p>
-            <a:pPr marL="550656" indent="-550656" defTabSz="455674">
-              <a:lnSpc>
-                <a:spcPct val="100000"/>
-              </a:lnSpc>
-              <a:spcBef>
-                <a:spcPts val="2100"/>
-              </a:spcBef>
+          </a:p>
+          <a:p>
+            <a:pPr marL="705970" indent="-705970">
+              <a:buClrTx/>
               <a:buSzPct val="40000"/>
+              <a:buFontTx/>
               <a:buBlip>
                 <a:blip r:embed="rId2"/>
               </a:buBlip>
-              <a:defRPr cap="none" spc="0" sz="4900">
-                <a:latin typeface="Avenir Next Medium"/>
-                <a:ea typeface="Avenir Next Medium"/>
-                <a:cs typeface="Avenir Next Medium"/>
-                <a:sym typeface="Avenir Next Medium"/>
-              </a:defRPr>
+              <a:defRPr sz="6400"/>
             </a:pPr>
             <a:r>
-              <a:t>Does not tell you WHERE error is</a:t>
+              <a:t>Model fits training set </a:t>
+            </a:r>
+          </a:p>
+          <a:p>
+            <a:pPr marL="705970" indent="-705970">
+              <a:buClrTx/>
+              <a:buSzPct val="40000"/>
+              <a:buFontTx/>
+              <a:buBlip>
+                <a:blip r:embed="rId2"/>
+              </a:buBlip>
+              <a:defRPr sz="6400"/>
+            </a:pPr>
+            <a:r>
+              <a:t>Complex models overfit data</a:t>
             </a:r>
           </a:p>
         </p:txBody>
@@ -8593,7 +8279,7 @@
       </p:grpSpPr>
       <p:sp>
         <p:nvSpPr>
-          <p:cNvPr id="277" name="Shape 277"/>
+          <p:cNvPr id="270" name="Shape 270"/>
           <p:cNvSpPr/>
           <p:nvPr>
             <p:ph type="title"/>
@@ -8602,7 +8288,7 @@
         <p:spPr>
           <a:xfrm>
             <a:off x="406400" y="1536700"/>
-            <a:ext cx="12192000" cy="1169261"/>
+            <a:ext cx="12192000" cy="1169260"/>
           </a:xfrm>
           <a:prstGeom prst="rect">
             <a:avLst/>
@@ -8615,104 +8301,102 @@
               <a:spcBef>
                 <a:spcPts val="1900"/>
               </a:spcBef>
-              <a:defRPr sz="8200"/>
+              <a:defRPr sz="8280"/>
             </a:lvl1pPr>
           </a:lstStyle>
           <a:p>
             <a:pPr/>
             <a:r>
-              <a:t>Confusion Matrix</a:t>
-            </a:r>
-          </a:p>
-        </p:txBody>
-      </p:sp>
-      <p:sp>
-        <p:nvSpPr>
-          <p:cNvPr id="278" name="Shape 278"/>
+              <a:t>Polynomial Regression</a:t>
+            </a:r>
+          </a:p>
+        </p:txBody>
+      </p:sp>
+      <p:sp>
+        <p:nvSpPr>
+          <p:cNvPr id="271" name="Shape 271"/>
           <p:cNvSpPr/>
           <p:nvPr>
-            <p:ph type="body" sz="half" idx="1"/>
+            <p:ph type="body" idx="1"/>
           </p:nvPr>
         </p:nvSpPr>
         <p:spPr>
           <a:xfrm>
-            <a:off x="406400" y="4237533"/>
-            <a:ext cx="12192000" cy="3462405"/>
-          </a:xfrm>
-          <a:prstGeom prst="rect">
-            <a:avLst/>
-          </a:prstGeom>
-        </p:spPr>
-        <p:txBody>
-          <a:bodyPr anchor="t"/>
+            <a:off x="406400" y="2570901"/>
+            <a:ext cx="12192000" cy="6465998"/>
+          </a:xfrm>
+          <a:prstGeom prst="rect">
+            <a:avLst/>
+          </a:prstGeom>
+        </p:spPr>
+        <p:txBody>
+          <a:bodyPr/>
           <a:lstStyle/>
           <a:p>
-            <a:pPr marL="550656" indent="-550656" defTabSz="455674">
-              <a:lnSpc>
-                <a:spcPct val="100000"/>
-              </a:lnSpc>
+            <a:pPr marL="670672" indent="-670672" defTabSz="554990">
               <a:spcBef>
-                <a:spcPts val="2100"/>
+                <a:spcPts val="2600"/>
               </a:spcBef>
+              <a:buClrTx/>
               <a:buSzPct val="40000"/>
+              <a:buFontTx/>
               <a:buBlip>
                 <a:blip r:embed="rId2"/>
               </a:buBlip>
-              <a:defRPr cap="none" spc="0" sz="4900">
-                <a:latin typeface="Avenir Next Medium"/>
-                <a:ea typeface="Avenir Next Medium"/>
-                <a:cs typeface="Avenir Next Medium"/>
-                <a:sym typeface="Avenir Next Medium"/>
-              </a:defRPr>
+              <a:defRPr sz="6080"/>
             </a:pPr>
-            <a:r>
-              <a:t>Grid comparing predicted VS actual</a:t>
-            </a:r>
-          </a:p>
-          <a:p>
-            <a:pPr marL="550656" indent="-550656" defTabSz="455674">
-              <a:lnSpc>
-                <a:spcPct val="100000"/>
-              </a:lnSpc>
+          </a:p>
+          <a:p>
+            <a:pPr marL="670672" indent="-670672" defTabSz="554990">
               <a:spcBef>
-                <a:spcPts val="2100"/>
+                <a:spcPts val="2600"/>
               </a:spcBef>
+              <a:buClrTx/>
               <a:buSzPct val="40000"/>
+              <a:buFontTx/>
               <a:buBlip>
                 <a:blip r:embed="rId2"/>
               </a:buBlip>
-              <a:defRPr cap="none" spc="0" sz="4900">
-                <a:latin typeface="Avenir Next Medium"/>
-                <a:ea typeface="Avenir Next Medium"/>
-                <a:cs typeface="Avenir Next Medium"/>
-                <a:sym typeface="Avenir Next Medium"/>
-              </a:defRPr>
+              <a:defRPr sz="6080"/>
             </a:pPr>
             <a:r>
-              <a:t>Shows where your errors lie</a:t>
-            </a:r>
-          </a:p>
-          <a:p>
-            <a:pPr marL="550656" indent="-550656" defTabSz="455674">
-              <a:lnSpc>
-                <a:spcPct val="100000"/>
-              </a:lnSpc>
+              <a:rPr>
+                <a:solidFill>
+                  <a:srgbClr val="A7A7A7"/>
+                </a:solidFill>
+              </a:rPr>
+              <a:t>Feature engineering</a:t>
+            </a:r>
+            <a:r>
+              <a:t>: </a:t>
+            </a:r>
+            <a:r>
+              <a:rPr>
+                <a:solidFill>
+                  <a:schemeClr val="accent3"/>
+                </a:solidFill>
+              </a:rPr>
+              <a:t>data is modified</a:t>
+            </a:r>
+            <a:r>
+              <a:t>, not the model</a:t>
+            </a:r>
+          </a:p>
+          <a:p>
+            <a:pPr marL="670672" indent="-670672" defTabSz="554990">
               <a:spcBef>
-                <a:spcPts val="2100"/>
+                <a:spcPts val="2600"/>
               </a:spcBef>
+              <a:buClrTx/>
               <a:buSzPct val="40000"/>
+              <a:buFontTx/>
               <a:buBlip>
                 <a:blip r:embed="rId2"/>
               </a:buBlip>
-              <a:defRPr cap="none" spc="0" sz="4900">
-                <a:latin typeface="Avenir Next Medium"/>
-                <a:ea typeface="Avenir Next Medium"/>
-                <a:cs typeface="Avenir Next Medium"/>
-                <a:sym typeface="Avenir Next Medium"/>
-              </a:defRPr>
+              <a:defRPr sz="6080"/>
             </a:pPr>
             <a:r>
-              <a:t>Correction classification on diagonal</a:t>
+              <a:t>New column is the square of the original column (or cube, etc)</a:t>
             </a:r>
           </a:p>
         </p:txBody>
@@ -8745,45 +8429,49 @@
       </p:grpSpPr>
       <p:sp>
         <p:nvSpPr>
-          <p:cNvPr id="280" name="Shape 280"/>
+          <p:cNvPr id="273" name="Shape 273"/>
           <p:cNvSpPr/>
           <p:nvPr>
-            <p:ph type="subTitle" sz="quarter" idx="1"/>
+            <p:ph type="title"/>
           </p:nvPr>
         </p:nvSpPr>
         <p:spPr>
+          <a:xfrm>
+            <a:off x="406400" y="1536700"/>
+            <a:ext cx="12192000" cy="1169260"/>
+          </a:xfrm>
           <a:prstGeom prst="rect">
             <a:avLst/>
           </a:prstGeom>
         </p:spPr>
         <p:txBody>
           <a:bodyPr/>
-          <a:lstStyle/>
+          <a:lstStyle>
+            <a:lvl1pPr defTabSz="403097">
+              <a:spcBef>
+                <a:spcPts val="1900"/>
+              </a:spcBef>
+              <a:defRPr sz="8280"/>
+            </a:lvl1pPr>
+          </a:lstStyle>
           <a:p>
             <a:pPr/>
-          </a:p>
-        </p:txBody>
-      </p:sp>
-      <p:pic>
-        <p:nvPicPr>
-          <p:cNvPr id="281" name="pasted-image.png"/>
-          <p:cNvPicPr>
-            <a:picLocks noChangeAspect="1"/>
-          </p:cNvPicPr>
+            <a:r>
+              <a:t>Linear Regression</a:t>
+            </a:r>
+          </a:p>
+        </p:txBody>
+      </p:sp>
+      <p:sp>
+        <p:nvSpPr>
+          <p:cNvPr id="274" name="Shape 274"/>
+          <p:cNvSpPr/>
           <p:nvPr/>
-        </p:nvPicPr>
-        <p:blipFill>
-          <a:blip r:embed="rId2">
-            <a:extLst/>
-          </a:blip>
-          <a:stretch>
-            <a:fillRect/>
-          </a:stretch>
-        </p:blipFill>
+        </p:nvSpPr>
         <p:spPr>
           <a:xfrm>
-            <a:off x="0" y="1003607"/>
-            <a:ext cx="14671184" cy="7746386"/>
+            <a:off x="656526" y="4571724"/>
+            <a:ext cx="12136011" cy="1333501"/>
           </a:xfrm>
           <a:prstGeom prst="rect">
             <a:avLst/>
@@ -8791,8 +8479,81 @@
           <a:ln w="12700">
             <a:miter lim="400000"/>
           </a:ln>
-        </p:spPr>
-      </p:pic>
+          <a:extLst>
+            <a:ext uri="{C572A759-6A51-4108-AA02-DFA0A04FC94B}">
+              <ma14:wrappingTextBoxFlag xmlns:ma14="http://schemas.microsoft.com/office/mac/drawingml/2011/main" val="1"/>
+            </a:ext>
+          </a:extLst>
+        </p:spPr>
+        <p:txBody>
+          <a:bodyPr lIns="50800" tIns="50800" rIns="50800" bIns="50800" anchor="ctr">
+            <a:spAutoFit/>
+          </a:bodyPr>
+          <a:lstStyle/>
+          <a:p>
+            <a:pPr>
+              <a:defRPr sz="8100">
+                <a:solidFill>
+                  <a:srgbClr val="838787"/>
+                </a:solidFill>
+                <a:latin typeface="Anonymous Pro for Powerline"/>
+                <a:ea typeface="Anonymous Pro for Powerline"/>
+                <a:cs typeface="Anonymous Pro for Powerline"/>
+                <a:sym typeface="Anonymous Pro for Powerline"/>
+              </a:defRPr>
+            </a:pPr>
+            <a:r>
+              <a:rPr>
+                <a:solidFill>
+                  <a:schemeClr val="accent5"/>
+                </a:solidFill>
+              </a:rPr>
+              <a:t>y</a:t>
+            </a:r>
+            <a:r>
+              <a:t> = 2</a:t>
+            </a:r>
+            <a:r>
+              <a:rPr>
+                <a:solidFill>
+                  <a:schemeClr val="accent3"/>
+                </a:solidFill>
+              </a:rPr>
+              <a:t>x</a:t>
+            </a:r>
+            <a:r>
+              <a:rPr baseline="-5999">
+                <a:solidFill>
+                  <a:schemeClr val="accent3"/>
+                </a:solidFill>
+              </a:rPr>
+              <a:t>0</a:t>
+            </a:r>
+            <a:r>
+              <a:t> + 3</a:t>
+            </a:r>
+            <a:r>
+              <a:rPr>
+                <a:solidFill>
+                  <a:schemeClr val="accent3"/>
+                </a:solidFill>
+              </a:rPr>
+              <a:t>x</a:t>
+            </a:r>
+            <a:r>
+              <a:rPr baseline="-5999">
+                <a:solidFill>
+                  <a:schemeClr val="accent3"/>
+                </a:solidFill>
+              </a:rPr>
+              <a:t>1 </a:t>
+            </a:r>
+            <a:r>
+              <a:t>+ … + 1</a:t>
+            </a:r>
+          </a:p>
+        </p:txBody>
+      </p:sp>
     </p:spTree>
   </p:cSld>
   <p:clrMapOvr>
@@ -8829,43 +8590,8 @@
         </p:nvSpPr>
         <p:spPr>
           <a:xfrm>
-            <a:off x="406400" y="1536700"/>
-            <a:ext cx="12192000" cy="1169260"/>
-          </a:xfrm>
-          <a:prstGeom prst="rect">
-            <a:avLst/>
-          </a:prstGeom>
-        </p:spPr>
-        <p:txBody>
-          <a:bodyPr/>
-          <a:lstStyle>
-            <a:lvl1pPr defTabSz="403097">
-              <a:spcBef>
-                <a:spcPts val="1900"/>
-              </a:spcBef>
-              <a:defRPr sz="8280"/>
-            </a:lvl1pPr>
-          </a:lstStyle>
-          <a:p>
-            <a:pPr/>
-            <a:r>
-              <a:t>One-hot encoding</a:t>
-            </a:r>
-          </a:p>
-        </p:txBody>
-      </p:sp>
-      <p:sp>
-        <p:nvSpPr>
-          <p:cNvPr id="197" name="Shape 197"/>
-          <p:cNvSpPr/>
-          <p:nvPr>
-            <p:ph type="body" idx="1"/>
-          </p:nvPr>
-        </p:nvSpPr>
-        <p:spPr>
-          <a:xfrm>
-            <a:off x="224565" y="3362306"/>
-            <a:ext cx="12555671" cy="5610529"/>
+            <a:off x="2253592" y="2939153"/>
+            <a:ext cx="9818416" cy="4654227"/>
           </a:xfrm>
           <a:prstGeom prst="rect">
             <a:avLst/>
@@ -8875,48 +8601,9 @@
           <a:bodyPr/>
           <a:lstStyle/>
           <a:p>
-            <a:pPr marL="649492" indent="-649492" defTabSz="537463">
-              <a:spcBef>
-                <a:spcPts val="2500"/>
-              </a:spcBef>
-              <a:buClrTx/>
-              <a:buSzPct val="40000"/>
-              <a:buFontTx/>
-              <a:buBlip>
-                <a:blip r:embed="rId2"/>
-              </a:buBlip>
-              <a:defRPr sz="5888"/>
-            </a:pPr>
-            <a:r>
-              <a:t>Feature engineering: transforming our input</a:t>
-            </a:r>
-          </a:p>
-          <a:p>
-            <a:pPr marL="649492" indent="-649492" defTabSz="537463">
-              <a:spcBef>
-                <a:spcPts val="2500"/>
-              </a:spcBef>
-              <a:buClrTx/>
-              <a:buSzPct val="40000"/>
-              <a:buFontTx/>
-              <a:buBlip>
-                <a:blip r:embed="rId2"/>
-              </a:buBlip>
-              <a:defRPr sz="5888"/>
-            </a:pPr>
-            <a:r>
-              <a:t>Creates a 1-or-0 column for </a:t>
-            </a:r>
-            <a:r>
-              <a:rPr>
-                <a:solidFill>
-                  <a:schemeClr val="accent3"/>
-                </a:solidFill>
-              </a:rPr>
-              <a:t>each unique value</a:t>
-            </a:r>
-            <a:r>
-              <a:t> in original categorical column</a:t>
+            <a:pPr/>
+            <a:r>
+              <a:t>Linear Regression</a:t>
             </a:r>
           </a:p>
         </p:txBody>
@@ -8949,7 +8636,7 @@
       </p:grpSpPr>
       <p:sp>
         <p:nvSpPr>
-          <p:cNvPr id="283" name="Shape 283"/>
+          <p:cNvPr id="276" name="Shape 276"/>
           <p:cNvSpPr/>
           <p:nvPr>
             <p:ph type="title"/>
@@ -8958,7 +8645,7 @@
         <p:spPr>
           <a:xfrm>
             <a:off x="406400" y="1536700"/>
-            <a:ext cx="12192000" cy="1169261"/>
+            <a:ext cx="12192000" cy="1169260"/>
           </a:xfrm>
           <a:prstGeom prst="rect">
             <a:avLst/>
@@ -8971,37 +8658,27 @@
               <a:spcBef>
                 <a:spcPts val="1900"/>
               </a:spcBef>
-              <a:defRPr sz="8200"/>
+              <a:defRPr sz="8280"/>
             </a:lvl1pPr>
           </a:lstStyle>
           <a:p>
             <a:pPr/>
             <a:r>
-              <a:t>Confusion Matrix</a:t>
-            </a:r>
-          </a:p>
-        </p:txBody>
-      </p:sp>
-      <p:pic>
-        <p:nvPicPr>
-          <p:cNvPr id="284" name="pasted-image.png"/>
-          <p:cNvPicPr>
-            <a:picLocks noChangeAspect="1"/>
-          </p:cNvPicPr>
+              <a:t>Polynomial Regression</a:t>
+            </a:r>
+          </a:p>
+        </p:txBody>
+      </p:sp>
+      <p:sp>
+        <p:nvSpPr>
+          <p:cNvPr id="277" name="Shape 277"/>
+          <p:cNvSpPr/>
           <p:nvPr/>
-        </p:nvPicPr>
-        <p:blipFill>
-          <a:blip r:embed="rId2">
-            <a:extLst/>
-          </a:blip>
-          <a:stretch>
-            <a:fillRect/>
-          </a:stretch>
-        </p:blipFill>
+        </p:nvSpPr>
         <p:spPr>
           <a:xfrm>
-            <a:off x="1122891" y="1870934"/>
-            <a:ext cx="4762501" cy="3454401"/>
+            <a:off x="656526" y="4571724"/>
+            <a:ext cx="12136011" cy="1333501"/>
           </a:xfrm>
           <a:prstGeom prst="rect">
             <a:avLst/>
@@ -9009,29 +8686,91 @@
           <a:ln w="12700">
             <a:miter lim="400000"/>
           </a:ln>
-        </p:spPr>
-      </p:pic>
-      <p:pic>
-        <p:nvPicPr>
-          <p:cNvPr id="285" name="pasted-image.png"/>
-          <p:cNvPicPr>
-            <a:picLocks noChangeAspect="1"/>
-          </p:cNvPicPr>
+          <a:extLst>
+            <a:ext uri="{C572A759-6A51-4108-AA02-DFA0A04FC94B}">
+              <ma14:wrappingTextBoxFlag xmlns:ma14="http://schemas.microsoft.com/office/mac/drawingml/2011/main" val="1"/>
+            </a:ext>
+          </a:extLst>
+        </p:spPr>
+        <p:txBody>
+          <a:bodyPr lIns="50800" tIns="50800" rIns="50800" bIns="50800" anchor="ctr">
+            <a:spAutoFit/>
+          </a:bodyPr>
+          <a:lstStyle/>
+          <a:p>
+            <a:pPr>
+              <a:defRPr sz="8100">
+                <a:solidFill>
+                  <a:srgbClr val="838787"/>
+                </a:solidFill>
+                <a:latin typeface="Anonymous Pro for Powerline"/>
+                <a:ea typeface="Anonymous Pro for Powerline"/>
+                <a:cs typeface="Anonymous Pro for Powerline"/>
+                <a:sym typeface="Anonymous Pro for Powerline"/>
+              </a:defRPr>
+            </a:pPr>
+            <a:r>
+              <a:rPr>
+                <a:solidFill>
+                  <a:schemeClr val="accent5"/>
+                </a:solidFill>
+              </a:rPr>
+              <a:t>y</a:t>
+            </a:r>
+            <a:r>
+              <a:t> = 2</a:t>
+            </a:r>
+            <a:r>
+              <a:rPr>
+                <a:solidFill>
+                  <a:schemeClr val="accent3"/>
+                </a:solidFill>
+              </a:rPr>
+              <a:t>x</a:t>
+            </a:r>
+            <a:r>
+              <a:rPr baseline="-5999">
+                <a:solidFill>
+                  <a:schemeClr val="accent3"/>
+                </a:solidFill>
+              </a:rPr>
+              <a:t>0</a:t>
+            </a:r>
+            <a:r>
+              <a:t> + 3</a:t>
+            </a:r>
+            <a:r>
+              <a:rPr>
+                <a:solidFill>
+                  <a:schemeClr val="accent3"/>
+                </a:solidFill>
+              </a:rPr>
+              <a:t>x</a:t>
+            </a:r>
+            <a:r>
+              <a:rPr baseline="-5999">
+                <a:solidFill>
+                  <a:schemeClr val="accent3"/>
+                </a:solidFill>
+              </a:rPr>
+              <a:t>1 </a:t>
+            </a:r>
+            <a:r>
+              <a:t>+ … + 1</a:t>
+            </a:r>
+          </a:p>
+        </p:txBody>
+      </p:sp>
+      <p:sp>
+        <p:nvSpPr>
+          <p:cNvPr id="278" name="Shape 278"/>
+          <p:cNvSpPr/>
           <p:nvPr/>
-        </p:nvPicPr>
-        <p:blipFill>
-          <a:blip r:embed="rId3">
-            <a:extLst/>
-          </a:blip>
-          <a:srcRect l="1243" t="0" r="0" b="0"/>
-          <a:stretch>
-            <a:fillRect/>
-          </a:stretch>
-        </p:blipFill>
+        </p:nvSpPr>
         <p:spPr>
           <a:xfrm>
-            <a:off x="-91182" y="-153260"/>
-            <a:ext cx="13355285" cy="10547990"/>
+            <a:off x="1838187" y="6004983"/>
+            <a:ext cx="10483889" cy="1333501"/>
           </a:xfrm>
           <a:prstGeom prst="rect">
             <a:avLst/>
@@ -9039,8 +8778,97 @@
           <a:ln w="12700">
             <a:miter lim="400000"/>
           </a:ln>
-        </p:spPr>
-      </p:pic>
+          <a:extLst>
+            <a:ext uri="{C572A759-6A51-4108-AA02-DFA0A04FC94B}">
+              <ma14:wrappingTextBoxFlag xmlns:ma14="http://schemas.microsoft.com/office/mac/drawingml/2011/main" val="1"/>
+            </a:ext>
+          </a:extLst>
+        </p:spPr>
+        <p:txBody>
+          <a:bodyPr lIns="50800" tIns="50800" rIns="50800" bIns="50800" anchor="ctr">
+            <a:spAutoFit/>
+          </a:bodyPr>
+          <a:lstStyle/>
+          <a:p>
+            <a:pPr>
+              <a:defRPr sz="8100">
+                <a:solidFill>
+                  <a:srgbClr val="838787"/>
+                </a:solidFill>
+                <a:latin typeface="Anonymous Pro for Powerline"/>
+                <a:ea typeface="Anonymous Pro for Powerline"/>
+                <a:cs typeface="Anonymous Pro for Powerline"/>
+                <a:sym typeface="Anonymous Pro for Powerline"/>
+              </a:defRPr>
+            </a:pPr>
+            <a:r>
+              <a:t>+ 1</a:t>
+            </a:r>
+            <a:r>
+              <a:rPr>
+                <a:solidFill>
+                  <a:schemeClr val="accent3"/>
+                </a:solidFill>
+              </a:rPr>
+              <a:t>x</a:t>
+            </a:r>
+            <a:r>
+              <a:rPr baseline="-5999">
+                <a:solidFill>
+                  <a:schemeClr val="accent3"/>
+                </a:solidFill>
+              </a:rPr>
+              <a:t>0</a:t>
+            </a:r>
+            <a:r>
+              <a:rPr baseline="31999">
+                <a:solidFill>
+                  <a:schemeClr val="accent3"/>
+                </a:solidFill>
+              </a:rPr>
+              <a:t>2</a:t>
+            </a:r>
+            <a:r>
+              <a:t> + 2</a:t>
+            </a:r>
+            <a:r>
+              <a:rPr>
+                <a:solidFill>
+                  <a:schemeClr val="accent3"/>
+                </a:solidFill>
+              </a:rPr>
+              <a:t>x</a:t>
+            </a:r>
+            <a:r>
+              <a:rPr baseline="-5999">
+                <a:solidFill>
+                  <a:schemeClr val="accent3"/>
+                </a:solidFill>
+              </a:rPr>
+              <a:t>1</a:t>
+            </a:r>
+            <a:r>
+              <a:rPr baseline="31999">
+                <a:solidFill>
+                  <a:schemeClr val="accent3"/>
+                </a:solidFill>
+              </a:rPr>
+              <a:t>2</a:t>
+            </a:r>
+            <a:r>
+              <a:rPr baseline="-5999">
+                <a:solidFill>
+                  <a:schemeClr val="accent3"/>
+                </a:solidFill>
+              </a:rPr>
+              <a:t> </a:t>
+            </a:r>
+            <a:r>
+              <a:t>+ …</a:t>
+            </a:r>
+          </a:p>
+        </p:txBody>
+      </p:sp>
     </p:spTree>
   </p:cSld>
   <p:clrMapOvr>
@@ -9069,7 +8897,7 @@
       </p:grpSpPr>
       <p:sp>
         <p:nvSpPr>
-          <p:cNvPr id="287" name="Shape 287"/>
+          <p:cNvPr id="280" name="Shape 280"/>
           <p:cNvSpPr/>
           <p:nvPr>
             <p:ph type="title"/>
@@ -9078,7 +8906,7 @@
         <p:spPr>
           <a:xfrm>
             <a:off x="406400" y="1536700"/>
-            <a:ext cx="12192000" cy="1169261"/>
+            <a:ext cx="12192000" cy="1169260"/>
           </a:xfrm>
           <a:prstGeom prst="rect">
             <a:avLst/>
@@ -9091,81 +8919,321 @@
               <a:spcBef>
                 <a:spcPts val="1900"/>
               </a:spcBef>
-              <a:defRPr sz="8200"/>
+              <a:defRPr sz="8280"/>
             </a:lvl1pPr>
           </a:lstStyle>
           <a:p>
             <a:pPr/>
             <a:r>
-              <a:t>Class prediction Error</a:t>
-            </a:r>
-          </a:p>
-        </p:txBody>
-      </p:sp>
-      <p:sp>
-        <p:nvSpPr>
-          <p:cNvPr id="288" name="Shape 288"/>
-          <p:cNvSpPr/>
-          <p:nvPr>
-            <p:ph type="body" sz="half" idx="1"/>
-          </p:nvPr>
+              <a:t>Polynomial Regression</a:t>
+            </a:r>
+          </a:p>
+        </p:txBody>
+      </p:sp>
+      <p:sp>
+        <p:nvSpPr>
+          <p:cNvPr id="281" name="Shape 281"/>
+          <p:cNvSpPr/>
+          <p:nvPr/>
         </p:nvSpPr>
         <p:spPr>
           <a:xfrm>
-            <a:off x="406400" y="4237533"/>
-            <a:ext cx="12192000" cy="3462405"/>
-          </a:xfrm>
-          <a:prstGeom prst="rect">
-            <a:avLst/>
-          </a:prstGeom>
-        </p:spPr>
-        <p:txBody>
-          <a:bodyPr anchor="t"/>
+            <a:off x="656526" y="4571724"/>
+            <a:ext cx="12136011" cy="1333501"/>
+          </a:xfrm>
+          <a:prstGeom prst="rect">
+            <a:avLst/>
+          </a:prstGeom>
+          <a:ln w="12700">
+            <a:miter lim="400000"/>
+          </a:ln>
+          <a:extLst>
+            <a:ext uri="{C572A759-6A51-4108-AA02-DFA0A04FC94B}">
+              <ma14:wrappingTextBoxFlag xmlns:ma14="http://schemas.microsoft.com/office/mac/drawingml/2011/main" val="1"/>
+            </a:ext>
+          </a:extLst>
+        </p:spPr>
+        <p:txBody>
+          <a:bodyPr lIns="50800" tIns="50800" rIns="50800" bIns="50800" anchor="ctr">
+            <a:spAutoFit/>
+          </a:bodyPr>
           <a:lstStyle/>
           <a:p>
-            <a:pPr marL="550656" indent="-550656" defTabSz="455674">
-              <a:lnSpc>
-                <a:spcPct val="100000"/>
-              </a:lnSpc>
-              <a:spcBef>
-                <a:spcPts val="2100"/>
-              </a:spcBef>
-              <a:buSzPct val="40000"/>
-              <a:buBlip>
-                <a:blip r:embed="rId2"/>
-              </a:buBlip>
-              <a:defRPr cap="none" spc="0" sz="4900">
-                <a:latin typeface="Avenir Next Medium"/>
-                <a:ea typeface="Avenir Next Medium"/>
-                <a:cs typeface="Avenir Next Medium"/>
-                <a:sym typeface="Avenir Next Medium"/>
+            <a:pPr>
+              <a:defRPr sz="8100">
+                <a:solidFill>
+                  <a:srgbClr val="838787"/>
+                </a:solidFill>
+                <a:latin typeface="Anonymous Pro for Powerline"/>
+                <a:ea typeface="Anonymous Pro for Powerline"/>
+                <a:cs typeface="Anonymous Pro for Powerline"/>
+                <a:sym typeface="Anonymous Pro for Powerline"/>
               </a:defRPr>
             </a:pPr>
             <a:r>
-              <a:t>Derived from the confusion matrix</a:t>
-            </a:r>
-          </a:p>
-          <a:p>
-            <a:pPr marL="550656" indent="-550656" defTabSz="455674">
-              <a:lnSpc>
-                <a:spcPct val="100000"/>
-              </a:lnSpc>
-              <a:spcBef>
-                <a:spcPts val="2100"/>
-              </a:spcBef>
-              <a:buSzPct val="40000"/>
-              <a:buBlip>
-                <a:blip r:embed="rId2"/>
-              </a:buBlip>
-              <a:defRPr cap="none" spc="0" sz="4900">
-                <a:latin typeface="Avenir Next Medium"/>
-                <a:ea typeface="Avenir Next Medium"/>
-                <a:cs typeface="Avenir Next Medium"/>
-                <a:sym typeface="Avenir Next Medium"/>
+              <a:rPr>
+                <a:solidFill>
+                  <a:schemeClr val="accent5"/>
+                </a:solidFill>
+              </a:rPr>
+              <a:t>y</a:t>
+            </a:r>
+            <a:r>
+              <a:t> = 2</a:t>
+            </a:r>
+            <a:r>
+              <a:rPr>
+                <a:solidFill>
+                  <a:schemeClr val="accent3"/>
+                </a:solidFill>
+              </a:rPr>
+              <a:t>x</a:t>
+            </a:r>
+            <a:r>
+              <a:rPr baseline="-5999">
+                <a:solidFill>
+                  <a:schemeClr val="accent3"/>
+                </a:solidFill>
+              </a:rPr>
+              <a:t>0</a:t>
+            </a:r>
+            <a:r>
+              <a:t> + 3</a:t>
+            </a:r>
+            <a:r>
+              <a:rPr>
+                <a:solidFill>
+                  <a:schemeClr val="accent3"/>
+                </a:solidFill>
+              </a:rPr>
+              <a:t>x</a:t>
+            </a:r>
+            <a:r>
+              <a:rPr baseline="-5999">
+                <a:solidFill>
+                  <a:schemeClr val="accent3"/>
+                </a:solidFill>
+              </a:rPr>
+              <a:t>1 </a:t>
+            </a:r>
+            <a:r>
+              <a:t>+ … + 1</a:t>
+            </a:r>
+          </a:p>
+        </p:txBody>
+      </p:sp>
+      <p:sp>
+        <p:nvSpPr>
+          <p:cNvPr id="282" name="Shape 282"/>
+          <p:cNvSpPr/>
+          <p:nvPr/>
+        </p:nvSpPr>
+        <p:spPr>
+          <a:xfrm>
+            <a:off x="1838187" y="6055783"/>
+            <a:ext cx="10483889" cy="1333501"/>
+          </a:xfrm>
+          <a:prstGeom prst="rect">
+            <a:avLst/>
+          </a:prstGeom>
+          <a:ln w="12700">
+            <a:miter lim="400000"/>
+          </a:ln>
+          <a:extLst>
+            <a:ext uri="{C572A759-6A51-4108-AA02-DFA0A04FC94B}">
+              <ma14:wrappingTextBoxFlag xmlns:ma14="http://schemas.microsoft.com/office/mac/drawingml/2011/main" val="1"/>
+            </a:ext>
+          </a:extLst>
+        </p:spPr>
+        <p:txBody>
+          <a:bodyPr lIns="50800" tIns="50800" rIns="50800" bIns="50800" anchor="ctr">
+            <a:spAutoFit/>
+          </a:bodyPr>
+          <a:lstStyle/>
+          <a:p>
+            <a:pPr>
+              <a:defRPr sz="8100">
+                <a:solidFill>
+                  <a:srgbClr val="838787"/>
+                </a:solidFill>
+                <a:latin typeface="Anonymous Pro for Powerline"/>
+                <a:ea typeface="Anonymous Pro for Powerline"/>
+                <a:cs typeface="Anonymous Pro for Powerline"/>
+                <a:sym typeface="Anonymous Pro for Powerline"/>
               </a:defRPr>
             </a:pPr>
             <a:r>
-              <a:t>Sometimes easier to interpret</a:t>
+              <a:t>+ 1</a:t>
+            </a:r>
+            <a:r>
+              <a:rPr>
+                <a:solidFill>
+                  <a:schemeClr val="accent3"/>
+                </a:solidFill>
+              </a:rPr>
+              <a:t>x</a:t>
+            </a:r>
+            <a:r>
+              <a:rPr baseline="-5999">
+                <a:solidFill>
+                  <a:schemeClr val="accent3"/>
+                </a:solidFill>
+              </a:rPr>
+              <a:t>0</a:t>
+            </a:r>
+            <a:r>
+              <a:rPr baseline="31999">
+                <a:solidFill>
+                  <a:schemeClr val="accent3"/>
+                </a:solidFill>
+              </a:rPr>
+              <a:t>2</a:t>
+            </a:r>
+            <a:r>
+              <a:t> + 2</a:t>
+            </a:r>
+            <a:r>
+              <a:rPr>
+                <a:solidFill>
+                  <a:schemeClr val="accent3"/>
+                </a:solidFill>
+              </a:rPr>
+              <a:t>x</a:t>
+            </a:r>
+            <a:r>
+              <a:rPr baseline="-5999">
+                <a:solidFill>
+                  <a:schemeClr val="accent3"/>
+                </a:solidFill>
+              </a:rPr>
+              <a:t>1</a:t>
+            </a:r>
+            <a:r>
+              <a:rPr baseline="31999">
+                <a:solidFill>
+                  <a:schemeClr val="accent3"/>
+                </a:solidFill>
+              </a:rPr>
+              <a:t>2</a:t>
+            </a:r>
+            <a:r>
+              <a:rPr baseline="-5999">
+                <a:solidFill>
+                  <a:schemeClr val="accent3"/>
+                </a:solidFill>
+              </a:rPr>
+              <a:t> </a:t>
+            </a:r>
+            <a:r>
+              <a:t>+ …</a:t>
+            </a:r>
+          </a:p>
+        </p:txBody>
+      </p:sp>
+      <p:sp>
+        <p:nvSpPr>
+          <p:cNvPr id="283" name="Shape 283"/>
+          <p:cNvSpPr/>
+          <p:nvPr/>
+        </p:nvSpPr>
+        <p:spPr>
+          <a:xfrm>
+            <a:off x="1838187" y="7466188"/>
+            <a:ext cx="10483889" cy="1333501"/>
+          </a:xfrm>
+          <a:prstGeom prst="rect">
+            <a:avLst/>
+          </a:prstGeom>
+          <a:ln w="12700">
+            <a:miter lim="400000"/>
+          </a:ln>
+          <a:extLst>
+            <a:ext uri="{C572A759-6A51-4108-AA02-DFA0A04FC94B}">
+              <ma14:wrappingTextBoxFlag xmlns:ma14="http://schemas.microsoft.com/office/mac/drawingml/2011/main" val="1"/>
+            </a:ext>
+          </a:extLst>
+        </p:spPr>
+        <p:txBody>
+          <a:bodyPr lIns="50800" tIns="50800" rIns="50800" bIns="50800" anchor="ctr">
+            <a:spAutoFit/>
+          </a:bodyPr>
+          <a:lstStyle/>
+          <a:p>
+            <a:pPr>
+              <a:defRPr sz="8100">
+                <a:solidFill>
+                  <a:srgbClr val="838787"/>
+                </a:solidFill>
+                <a:latin typeface="Anonymous Pro for Powerline"/>
+                <a:ea typeface="Anonymous Pro for Powerline"/>
+                <a:cs typeface="Anonymous Pro for Powerline"/>
+                <a:sym typeface="Anonymous Pro for Powerline"/>
+              </a:defRPr>
+            </a:pPr>
+            <a:r>
+              <a:t>+ 3</a:t>
+            </a:r>
+            <a:r>
+              <a:rPr>
+                <a:solidFill>
+                  <a:schemeClr val="accent3"/>
+                </a:solidFill>
+              </a:rPr>
+              <a:t>x</a:t>
+            </a:r>
+            <a:r>
+              <a:rPr baseline="-5999">
+                <a:solidFill>
+                  <a:schemeClr val="accent3"/>
+                </a:solidFill>
+              </a:rPr>
+              <a:t>0</a:t>
+            </a:r>
+            <a:r>
+              <a:rPr baseline="31999">
+                <a:solidFill>
+                  <a:schemeClr val="accent3"/>
+                </a:solidFill>
+              </a:rPr>
+              <a:t>3</a:t>
+            </a:r>
+            <a:r>
+              <a:t> + 1</a:t>
+            </a:r>
+            <a:r>
+              <a:rPr>
+                <a:solidFill>
+                  <a:schemeClr val="accent3"/>
+                </a:solidFill>
+              </a:rPr>
+              <a:t>x</a:t>
+            </a:r>
+            <a:r>
+              <a:rPr baseline="-5999">
+                <a:solidFill>
+                  <a:schemeClr val="accent3"/>
+                </a:solidFill>
+              </a:rPr>
+              <a:t>1</a:t>
+            </a:r>
+            <a:r>
+              <a:rPr baseline="31999">
+                <a:solidFill>
+                  <a:schemeClr val="accent3"/>
+                </a:solidFill>
+              </a:rPr>
+              <a:t>3</a:t>
+            </a:r>
+            <a:r>
+              <a:rPr baseline="-5999">
+                <a:solidFill>
+                  <a:schemeClr val="accent3"/>
+                </a:solidFill>
+              </a:rPr>
+              <a:t> </a:t>
+            </a:r>
+            <a:r>
+              <a:t>+ …</a:t>
             </a:r>
           </a:p>
         </p:txBody>
@@ -9198,7 +9266,7 @@
       </p:grpSpPr>
       <p:sp>
         <p:nvSpPr>
-          <p:cNvPr id="290" name="Shape 290"/>
+          <p:cNvPr id="285" name="Shape 285"/>
           <p:cNvSpPr/>
           <p:nvPr>
             <p:ph type="ctrTitle"/>
@@ -9221,7 +9289,7 @@
       </p:sp>
       <p:sp>
         <p:nvSpPr>
-          <p:cNvPr id="291" name="Shape 291"/>
+          <p:cNvPr id="286" name="Shape 286"/>
           <p:cNvSpPr/>
           <p:nvPr>
             <p:ph type="subTitle" sz="quarter" idx="1"/>
@@ -9242,7 +9310,7 @@
       </p:sp>
       <p:pic>
         <p:nvPicPr>
-          <p:cNvPr id="292" name="pasted-image.png"/>
+          <p:cNvPr id="287" name="7thorder.png"/>
           <p:cNvPicPr>
             <a:picLocks noChangeAspect="1"/>
           </p:cNvPicPr>
@@ -9258,8 +9326,8 @@
         </p:blipFill>
         <p:spPr>
           <a:xfrm>
-            <a:off x="152400" y="694266"/>
-            <a:ext cx="12527941" cy="8612961"/>
+            <a:off x="-31750" y="306916"/>
+            <a:ext cx="13068300" cy="9039129"/>
           </a:xfrm>
           <a:prstGeom prst="rect">
             <a:avLst/>
@@ -9297,7 +9365,7 @@
       </p:grpSpPr>
       <p:sp>
         <p:nvSpPr>
-          <p:cNvPr id="294" name="Shape 294"/>
+          <p:cNvPr id="289" name="Shape 289"/>
           <p:cNvSpPr/>
           <p:nvPr>
             <p:ph type="title"/>
@@ -9325,14 +9393,14 @@
           <a:p>
             <a:pPr/>
             <a:r>
-              <a:t>Choosing a Threshold</a:t>
-            </a:r>
-          </a:p>
-        </p:txBody>
-      </p:sp>
-      <p:sp>
-        <p:nvSpPr>
-          <p:cNvPr id="295" name="Shape 295"/>
+              <a:t>Downsides</a:t>
+            </a:r>
+          </a:p>
+        </p:txBody>
+      </p:sp>
+      <p:sp>
+        <p:nvSpPr>
+          <p:cNvPr id="290" name="Shape 290"/>
           <p:cNvSpPr/>
           <p:nvPr>
             <p:ph type="body" idx="1"/>
@@ -9372,7 +9440,7 @@
               <a:defRPr sz="6400"/>
             </a:pPr>
             <a:r>
-              <a:t>Business decision: Which type of errors are more costly?</a:t>
+              <a:t>Features matrix grows FAST!</a:t>
             </a:r>
           </a:p>
           <a:p>
@@ -9386,7 +9454,7 @@
               <a:defRPr sz="6400"/>
             </a:pPr>
             <a:r>
-              <a:t>Equal weight? Closest point on curve to top-left corner</a:t>
+              <a:t>Complex models overfit data</a:t>
             </a:r>
           </a:p>
         </p:txBody>
@@ -9419,7 +9487,7 @@
       </p:grpSpPr>
       <p:sp>
         <p:nvSpPr>
-          <p:cNvPr id="297" name="Shape 297"/>
+          <p:cNvPr id="292" name="Shape 292"/>
           <p:cNvSpPr/>
           <p:nvPr>
             <p:ph type="title"/>
@@ -9447,14 +9515,14 @@
           <a:p>
             <a:pPr/>
             <a:r>
-              <a:t>ROC Curve</a:t>
-            </a:r>
-          </a:p>
-        </p:txBody>
-      </p:sp>
-      <p:sp>
-        <p:nvSpPr>
-          <p:cNvPr id="298" name="Shape 298"/>
+              <a:t>Validation curve</a:t>
+            </a:r>
+          </a:p>
+        </p:txBody>
+      </p:sp>
+      <p:sp>
+        <p:nvSpPr>
+          <p:cNvPr id="293" name="Shape 293"/>
           <p:cNvSpPr/>
           <p:nvPr>
             <p:ph type="body" idx="1"/>
@@ -9462,8 +9530,8 @@
         </p:nvSpPr>
         <p:spPr>
           <a:xfrm>
-            <a:off x="406400" y="1927435"/>
-            <a:ext cx="12192000" cy="6465997"/>
+            <a:off x="406400" y="2558069"/>
+            <a:ext cx="12192000" cy="5784563"/>
           </a:xfrm>
           <a:prstGeom prst="rect">
             <a:avLst/>
@@ -9494,7 +9562,7 @@
               <a:defRPr sz="6400"/>
             </a:pPr>
             <a:r>
-              <a:t>Short for “Receiver operating characteristic” </a:t>
+              <a:t>See result of changing hyperparameter</a:t>
             </a:r>
           </a:p>
           <a:p>
@@ -9508,7 +9576,7 @@
               <a:defRPr sz="6400"/>
             </a:pPr>
             <a:r>
-              <a:t>Shows effect of changing probability threshold </a:t>
+              <a:t>Look for sweet spot</a:t>
             </a:r>
           </a:p>
         </p:txBody>
@@ -9539,9 +9607,53 @@
           <a:chExt cx="0" cy="0"/>
         </a:xfrm>
       </p:grpSpPr>
+      <p:sp>
+        <p:nvSpPr>
+          <p:cNvPr id="295" name="Shape 295"/>
+          <p:cNvSpPr/>
+          <p:nvPr>
+            <p:ph type="ctrTitle"/>
+          </p:nvPr>
+        </p:nvSpPr>
+        <p:spPr>
+          <a:prstGeom prst="rect">
+            <a:avLst/>
+          </a:prstGeom>
+        </p:spPr>
+        <p:txBody>
+          <a:bodyPr/>
+          <a:lstStyle/>
+          <a:p>
+            <a:pPr defTabSz="455675">
+              <a:defRPr sz="13259"/>
+            </a:pPr>
+          </a:p>
+        </p:txBody>
+      </p:sp>
+      <p:sp>
+        <p:nvSpPr>
+          <p:cNvPr id="296" name="Shape 296"/>
+          <p:cNvSpPr/>
+          <p:nvPr>
+            <p:ph type="subTitle" sz="quarter" idx="1"/>
+          </p:nvPr>
+        </p:nvSpPr>
+        <p:spPr>
+          <a:prstGeom prst="rect">
+            <a:avLst/>
+          </a:prstGeom>
+        </p:spPr>
+        <p:txBody>
+          <a:bodyPr/>
+          <a:lstStyle/>
+          <a:p>
+            <a:pPr/>
+          </a:p>
+        </p:txBody>
+      </p:sp>
       <p:pic>
         <p:nvPicPr>
-          <p:cNvPr id="300" name="pasted-image.png"/>
+          <p:cNvPr id="297" name="validation-curve.png"/>
           <p:cNvPicPr>
             <a:picLocks noChangeAspect="1"/>
           </p:cNvPicPr>
@@ -9557,8 +9669,8 @@
         </p:blipFill>
         <p:spPr>
           <a:xfrm>
-            <a:off x="357214" y="-44847"/>
-            <a:ext cx="12290372" cy="9843294"/>
+            <a:off x="0" y="406400"/>
+            <a:ext cx="13004801" cy="8940800"/>
           </a:xfrm>
           <a:prstGeom prst="rect">
             <a:avLst/>
@@ -9596,7 +9708,7 @@
       </p:grpSpPr>
       <p:sp>
         <p:nvSpPr>
-          <p:cNvPr id="302" name="Shape 302"/>
+          <p:cNvPr id="299" name="Shape 299"/>
           <p:cNvSpPr/>
           <p:nvPr>
             <p:ph type="title"/>
@@ -9604,43 +9716,8 @@
         </p:nvSpPr>
         <p:spPr>
           <a:xfrm>
-            <a:off x="406400" y="1536700"/>
-            <a:ext cx="12192000" cy="1169260"/>
-          </a:xfrm>
-          <a:prstGeom prst="rect">
-            <a:avLst/>
-          </a:prstGeom>
-        </p:spPr>
-        <p:txBody>
-          <a:bodyPr/>
-          <a:lstStyle>
-            <a:lvl1pPr defTabSz="403097">
-              <a:spcBef>
-                <a:spcPts val="1900"/>
-              </a:spcBef>
-              <a:defRPr sz="8280"/>
-            </a:lvl1pPr>
-          </a:lstStyle>
-          <a:p>
-            <a:pPr/>
-            <a:r>
-              <a:t>Area Under the curve</a:t>
-            </a:r>
-          </a:p>
-        </p:txBody>
-      </p:sp>
-      <p:sp>
-        <p:nvSpPr>
-          <p:cNvPr id="303" name="Shape 303"/>
-          <p:cNvSpPr/>
-          <p:nvPr>
-            <p:ph type="body" idx="1"/>
-          </p:nvPr>
-        </p:nvSpPr>
-        <p:spPr>
-          <a:xfrm>
-            <a:off x="406400" y="2570901"/>
-            <a:ext cx="12192000" cy="6465998"/>
+            <a:off x="2802101" y="4038600"/>
+            <a:ext cx="7400598" cy="4521200"/>
           </a:xfrm>
           <a:prstGeom prst="rect">
             <a:avLst/>
@@ -9650,281 +9727,9 @@
           <a:bodyPr/>
           <a:lstStyle/>
           <a:p>
-            <a:pPr marL="705970" indent="-705970">
-              <a:buClrTx/>
-              <a:buSzPct val="40000"/>
-              <a:buFontTx/>
-              <a:buBlip>
-                <a:blip r:embed="rId2"/>
-              </a:buBlip>
-              <a:defRPr sz="6400"/>
-            </a:pPr>
-          </a:p>
-          <a:p>
-            <a:pPr marL="705970" indent="-705970">
-              <a:buClrTx/>
-              <a:buSzPct val="40000"/>
-              <a:buFontTx/>
-              <a:buBlip>
-                <a:blip r:embed="rId2"/>
-              </a:buBlip>
-              <a:defRPr sz="6400"/>
-            </a:pPr>
-            <a:r>
-              <a:t>Total AUC is a measure of classifier power</a:t>
-            </a:r>
-          </a:p>
-          <a:p>
-            <a:pPr marL="705970" indent="-705970">
-              <a:buClrTx/>
-              <a:buSzPct val="40000"/>
-              <a:buFontTx/>
-              <a:buBlip>
-                <a:blip r:embed="rId2"/>
-              </a:buBlip>
-              <a:defRPr sz="6400"/>
-            </a:pPr>
-            <a:r>
-              <a:t>1.0 is perfect, 0.5 is as bad as random chance</a:t>
-            </a:r>
-          </a:p>
-        </p:txBody>
-      </p:sp>
-    </p:spTree>
-  </p:cSld>
-  <p:clrMapOvr>
-    <a:masterClrMapping/>
-  </p:clrMapOvr>
-  <p:transition xmlns:p14="http://schemas.microsoft.com/office/powerpoint/2010/main" spd="med" advClick="1"/>
-</p:sld>
-</file>
-
-<file path=ppt/slides/slide37.xml><?xml version="1.0" encoding="utf-8"?>
-<p:sld xmlns:a="http://schemas.openxmlformats.org/drawingml/2006/main" xmlns:r="http://schemas.openxmlformats.org/officeDocument/2006/relationships" xmlns:p="http://schemas.openxmlformats.org/presentationml/2006/main" showMasterSp="1" showMasterPhAnim="1">
-  <p:cSld>
-    <p:spTree>
-      <p:nvGrpSpPr>
-        <p:cNvPr id="1" name=""/>
-        <p:cNvGrpSpPr/>
-        <p:nvPr/>
-      </p:nvGrpSpPr>
-      <p:grpSpPr>
-        <a:xfrm>
-          <a:off x="0" y="0"/>
-          <a:ext cx="0" cy="0"/>
-          <a:chOff x="0" y="0"/>
-          <a:chExt cx="0" cy="0"/>
-        </a:xfrm>
-      </p:grpSpPr>
-      <p:sp>
-        <p:nvSpPr>
-          <p:cNvPr id="305" name="Shape 305"/>
-          <p:cNvSpPr/>
-          <p:nvPr>
-            <p:ph type="title"/>
-          </p:nvPr>
-        </p:nvSpPr>
-        <p:spPr>
-          <a:xfrm>
-            <a:off x="2802101" y="4038600"/>
-            <a:ext cx="7400598" cy="4521200"/>
-          </a:xfrm>
-          <a:prstGeom prst="rect">
-            <a:avLst/>
-          </a:prstGeom>
-        </p:spPr>
-        <p:txBody>
-          <a:bodyPr/>
-          <a:lstStyle/>
-          <a:p>
             <a:pPr/>
             <a:r>
               <a:t>Exercises</a:t>
-            </a:r>
-          </a:p>
-        </p:txBody>
-      </p:sp>
-    </p:spTree>
-  </p:cSld>
-  <p:clrMapOvr>
-    <a:masterClrMapping/>
-  </p:clrMapOvr>
-  <p:transition xmlns:p14="http://schemas.microsoft.com/office/powerpoint/2010/main" spd="med" advClick="1"/>
-</p:sld>
-</file>
-
-<file path=ppt/slides/slide38.xml><?xml version="1.0" encoding="utf-8"?>
-<p:sld xmlns:a="http://schemas.openxmlformats.org/drawingml/2006/main" xmlns:r="http://schemas.openxmlformats.org/officeDocument/2006/relationships" xmlns:p="http://schemas.openxmlformats.org/presentationml/2006/main" showMasterSp="1" showMasterPhAnim="1">
-  <p:cSld>
-    <p:spTree>
-      <p:nvGrpSpPr>
-        <p:cNvPr id="1" name=""/>
-        <p:cNvGrpSpPr/>
-        <p:nvPr/>
-      </p:nvGrpSpPr>
-      <p:grpSpPr>
-        <a:xfrm>
-          <a:off x="0" y="0"/>
-          <a:ext cx="0" cy="0"/>
-          <a:chOff x="0" y="0"/>
-          <a:chExt cx="0" cy="0"/>
-        </a:xfrm>
-      </p:grpSpPr>
-      <p:sp>
-        <p:nvSpPr>
-          <p:cNvPr id="307" name="Shape 307"/>
-          <p:cNvSpPr/>
-          <p:nvPr>
-            <p:ph type="title"/>
-          </p:nvPr>
-        </p:nvSpPr>
-        <p:spPr>
-          <a:xfrm>
-            <a:off x="2097385" y="3056466"/>
-            <a:ext cx="8810030" cy="4521201"/>
-          </a:xfrm>
-          <a:prstGeom prst="rect">
-            <a:avLst/>
-          </a:prstGeom>
-        </p:spPr>
-        <p:txBody>
-          <a:bodyPr/>
-          <a:lstStyle>
-            <a:lvl1pPr algn="ctr"/>
-          </a:lstStyle>
-          <a:p>
-            <a:pPr/>
-            <a:r>
-              <a:t>Imbalanced classes</a:t>
-            </a:r>
-          </a:p>
-        </p:txBody>
-      </p:sp>
-    </p:spTree>
-  </p:cSld>
-  <p:clrMapOvr>
-    <a:masterClrMapping/>
-  </p:clrMapOvr>
-  <p:transition xmlns:p14="http://schemas.microsoft.com/office/powerpoint/2010/main" spd="med" advClick="1"/>
-</p:sld>
-</file>
-
-<file path=ppt/slides/slide39.xml><?xml version="1.0" encoding="utf-8"?>
-<p:sld xmlns:a="http://schemas.openxmlformats.org/drawingml/2006/main" xmlns:r="http://schemas.openxmlformats.org/officeDocument/2006/relationships" xmlns:p="http://schemas.openxmlformats.org/presentationml/2006/main" showMasterSp="1" showMasterPhAnim="1">
-  <p:cSld>
-    <p:spTree>
-      <p:nvGrpSpPr>
-        <p:cNvPr id="1" name=""/>
-        <p:cNvGrpSpPr/>
-        <p:nvPr/>
-      </p:nvGrpSpPr>
-      <p:grpSpPr>
-        <a:xfrm>
-          <a:off x="0" y="0"/>
-          <a:ext cx="0" cy="0"/>
-          <a:chOff x="0" y="0"/>
-          <a:chExt cx="0" cy="0"/>
-        </a:xfrm>
-      </p:grpSpPr>
-      <p:sp>
-        <p:nvSpPr>
-          <p:cNvPr id="309" name="Shape 309"/>
-          <p:cNvSpPr/>
-          <p:nvPr>
-            <p:ph type="title"/>
-          </p:nvPr>
-        </p:nvSpPr>
-        <p:spPr>
-          <a:xfrm>
-            <a:off x="406400" y="1536700"/>
-            <a:ext cx="12192000" cy="1169261"/>
-          </a:xfrm>
-          <a:prstGeom prst="rect">
-            <a:avLst/>
-          </a:prstGeom>
-        </p:spPr>
-        <p:txBody>
-          <a:bodyPr/>
-          <a:lstStyle>
-            <a:lvl1pPr defTabSz="403097">
-              <a:spcBef>
-                <a:spcPts val="1900"/>
-              </a:spcBef>
-              <a:defRPr sz="8200"/>
-            </a:lvl1pPr>
-          </a:lstStyle>
-          <a:p>
-            <a:pPr/>
-            <a:r>
-              <a:t>The problem</a:t>
-            </a:r>
-          </a:p>
-        </p:txBody>
-      </p:sp>
-      <p:sp>
-        <p:nvSpPr>
-          <p:cNvPr id="310" name="Shape 310"/>
-          <p:cNvSpPr/>
-          <p:nvPr>
-            <p:ph type="body" idx="1"/>
-          </p:nvPr>
-        </p:nvSpPr>
-        <p:spPr>
-          <a:xfrm>
-            <a:off x="406400" y="3953767"/>
-            <a:ext cx="12192000" cy="4793723"/>
-          </a:xfrm>
-          <a:prstGeom prst="rect">
-            <a:avLst/>
-          </a:prstGeom>
-        </p:spPr>
-        <p:txBody>
-          <a:bodyPr anchor="t"/>
-          <a:lstStyle/>
-          <a:p>
-            <a:pPr marL="663612" indent="-663612" defTabSz="549148">
-              <a:lnSpc>
-                <a:spcPct val="100000"/>
-              </a:lnSpc>
-              <a:spcBef>
-                <a:spcPts val="2600"/>
-              </a:spcBef>
-              <a:buSzPct val="40000"/>
-              <a:buBlip>
-                <a:blip r:embed="rId2"/>
-              </a:buBlip>
-              <a:defRPr cap="none" spc="0" sz="6000">
-                <a:latin typeface="Avenir Next Medium"/>
-                <a:ea typeface="Avenir Next Medium"/>
-                <a:cs typeface="Avenir Next Medium"/>
-                <a:sym typeface="Avenir Next Medium"/>
-              </a:defRPr>
-            </a:pPr>
-            <a:r>
-              <a:t>Often have WAY more negative samples than positive</a:t>
-            </a:r>
-          </a:p>
-          <a:p>
-            <a:pPr marL="663612" indent="-663612" defTabSz="549148">
-              <a:lnSpc>
-                <a:spcPct val="100000"/>
-              </a:lnSpc>
-              <a:spcBef>
-                <a:spcPts val="2600"/>
-              </a:spcBef>
-              <a:buSzPct val="40000"/>
-              <a:buBlip>
-                <a:blip r:embed="rId2"/>
-              </a:buBlip>
-              <a:defRPr cap="none" spc="0" sz="6000">
-                <a:latin typeface="Avenir Next Medium"/>
-                <a:ea typeface="Avenir Next Medium"/>
-                <a:cs typeface="Avenir Next Medium"/>
-                <a:sym typeface="Avenir Next Medium"/>
-              </a:defRPr>
-            </a:pPr>
-            <a:r>
-              <a:t>High “accuracy” if you always guess negative!</a:t>
             </a:r>
           </a:p>
         </p:txBody>
@@ -9957,52 +9762,13 @@
       </p:grpSpPr>
       <p:sp>
         <p:nvSpPr>
-          <p:cNvPr id="199" name="Shape 199"/>
+          <p:cNvPr id="198" name="Shape 198"/>
           <p:cNvSpPr/>
           <p:nvPr>
-            <p:ph type="title"/>
+            <p:ph type="ctrTitle"/>
           </p:nvPr>
         </p:nvSpPr>
         <p:spPr>
-          <a:xfrm>
-            <a:off x="406400" y="1536700"/>
-            <a:ext cx="12192000" cy="1169260"/>
-          </a:xfrm>
-          <a:prstGeom prst="rect">
-            <a:avLst/>
-          </a:prstGeom>
-        </p:spPr>
-        <p:txBody>
-          <a:bodyPr/>
-          <a:lstStyle>
-            <a:lvl1pPr defTabSz="403097">
-              <a:spcBef>
-                <a:spcPts val="1900"/>
-              </a:spcBef>
-              <a:defRPr sz="8280"/>
-            </a:lvl1pPr>
-          </a:lstStyle>
-          <a:p>
-            <a:pPr/>
-            <a:r>
-              <a:t>Polynomial Regression</a:t>
-            </a:r>
-          </a:p>
-        </p:txBody>
-      </p:sp>
-      <p:sp>
-        <p:nvSpPr>
-          <p:cNvPr id="200" name="Shape 200"/>
-          <p:cNvSpPr/>
-          <p:nvPr>
-            <p:ph type="body" idx="1"/>
-          </p:nvPr>
-        </p:nvSpPr>
-        <p:spPr>
-          <a:xfrm>
-            <a:off x="406400" y="3045035"/>
-            <a:ext cx="12192001" cy="6465997"/>
-          </a:xfrm>
           <a:prstGeom prst="rect">
             <a:avLst/>
           </a:prstGeom>
@@ -10011,171 +9777,36 @@
           <a:bodyPr/>
           <a:lstStyle/>
           <a:p>
-            <a:pPr marL="705970" indent="-705970">
-              <a:buClrTx/>
-              <a:buSzPct val="40000"/>
-              <a:buFontTx/>
-              <a:buBlip>
-                <a:blip r:embed="rId2"/>
-              </a:buBlip>
-              <a:defRPr sz="6400"/>
+            <a:pPr defTabSz="455675">
+              <a:defRPr sz="13259"/>
             </a:pPr>
-            <a:r>
-              <a:t>Feature engineering: transforming our input</a:t>
-            </a:r>
-          </a:p>
-          <a:p>
-            <a:pPr marL="705970" indent="-705970">
-              <a:buClrTx/>
-              <a:buSzPct val="40000"/>
-              <a:buFontTx/>
-              <a:buBlip>
-                <a:blip r:embed="rId2"/>
-              </a:buBlip>
-              <a:defRPr sz="6400"/>
-            </a:pPr>
-            <a:r>
-              <a:t>New column is the square of the original column (or cube, etc)</a:t>
-            </a:r>
-          </a:p>
-        </p:txBody>
-      </p:sp>
-    </p:spTree>
-  </p:cSld>
-  <p:clrMapOvr>
-    <a:masterClrMapping/>
-  </p:clrMapOvr>
-  <p:transition xmlns:p14="http://schemas.microsoft.com/office/powerpoint/2010/main" spd="med" advClick="1"/>
-</p:sld>
-</file>
-
-<file path=ppt/slides/slide40.xml><?xml version="1.0" encoding="utf-8"?>
-<p:sld xmlns:a="http://schemas.openxmlformats.org/drawingml/2006/main" xmlns:r="http://schemas.openxmlformats.org/officeDocument/2006/relationships" xmlns:p="http://schemas.openxmlformats.org/presentationml/2006/main" showMasterSp="1" showMasterPhAnim="1">
-  <p:cSld>
-    <p:spTree>
-      <p:nvGrpSpPr>
-        <p:cNvPr id="1" name=""/>
-        <p:cNvGrpSpPr/>
-        <p:nvPr/>
-      </p:nvGrpSpPr>
-      <p:grpSpPr>
-        <a:xfrm>
-          <a:off x="0" y="0"/>
-          <a:ext cx="0" cy="0"/>
-          <a:chOff x="0" y="0"/>
-          <a:chExt cx="0" cy="0"/>
-        </a:xfrm>
-      </p:grpSpPr>
+          </a:p>
+        </p:txBody>
+      </p:sp>
+      <p:sp>
+        <p:nvSpPr>
+          <p:cNvPr id="199" name="Shape 199"/>
+          <p:cNvSpPr/>
+          <p:nvPr>
+            <p:ph type="subTitle" sz="quarter" idx="1"/>
+          </p:nvPr>
+        </p:nvSpPr>
+        <p:spPr>
+          <a:prstGeom prst="rect">
+            <a:avLst/>
+          </a:prstGeom>
+        </p:spPr>
+        <p:txBody>
+          <a:bodyPr/>
+          <a:lstStyle/>
+          <a:p>
+            <a:pPr/>
+          </a:p>
+        </p:txBody>
+      </p:sp>
       <p:pic>
         <p:nvPicPr>
-          <p:cNvPr id="312" name="pasted-image.jpeg"/>
-          <p:cNvPicPr>
-            <a:picLocks noChangeAspect="1"/>
-          </p:cNvPicPr>
-          <p:nvPr>
-            <p:ph type="pic" idx="13"/>
-          </p:nvPr>
-        </p:nvPicPr>
-        <p:blipFill>
-          <a:blip r:embed="rId2">
-            <a:extLst/>
-          </a:blip>
-          <a:srcRect l="55649" t="0" r="12235" b="0"/>
-          <a:stretch>
-            <a:fillRect/>
-          </a:stretch>
-        </p:blipFill>
-        <p:spPr>
-          <a:xfrm>
-            <a:off x="0" y="0"/>
-            <a:ext cx="5486400" cy="9753600"/>
-          </a:xfrm>
-          <a:prstGeom prst="rect">
-            <a:avLst/>
-          </a:prstGeom>
-        </p:spPr>
-      </p:pic>
-      <p:sp>
-        <p:nvSpPr>
-          <p:cNvPr id="313" name="Shape 313"/>
-          <p:cNvSpPr/>
-          <p:nvPr>
-            <p:ph type="title"/>
-          </p:nvPr>
-        </p:nvSpPr>
-        <p:spPr>
-          <a:prstGeom prst="rect">
-            <a:avLst/>
-          </a:prstGeom>
-        </p:spPr>
-        <p:txBody>
-          <a:bodyPr/>
-          <a:lstStyle>
-            <a:lvl1pPr defTabSz="379729">
-              <a:defRPr sz="11049"/>
-            </a:lvl1pPr>
-          </a:lstStyle>
-          <a:p>
-            <a:pPr/>
-            <a:r>
-              <a:t>Transactions</a:t>
-            </a:r>
-          </a:p>
-        </p:txBody>
-      </p:sp>
-      <p:sp>
-        <p:nvSpPr>
-          <p:cNvPr id="314" name="Shape 314"/>
-          <p:cNvSpPr/>
-          <p:nvPr>
-            <p:ph type="body" sz="quarter" idx="1"/>
-          </p:nvPr>
-        </p:nvSpPr>
-        <p:spPr>
-          <a:prstGeom prst="rect">
-            <a:avLst/>
-          </a:prstGeom>
-        </p:spPr>
-        <p:txBody>
-          <a:bodyPr/>
-          <a:lstStyle/>
-          <a:p>
-            <a:pPr/>
-            <a:r>
-              <a:t>Fraudulent</a:t>
-            </a:r>
-          </a:p>
-        </p:txBody>
-      </p:sp>
-    </p:spTree>
-  </p:cSld>
-  <p:clrMapOvr>
-    <a:masterClrMapping/>
-  </p:clrMapOvr>
-  <p:transition xmlns:p14="http://schemas.microsoft.com/office/powerpoint/2010/main" spd="med" advClick="1"/>
-</p:sld>
-</file>
-
-<file path=ppt/slides/slide41.xml><?xml version="1.0" encoding="utf-8"?>
-<p:sld xmlns:a="http://schemas.openxmlformats.org/drawingml/2006/main" xmlns:r="http://schemas.openxmlformats.org/officeDocument/2006/relationships" xmlns:p="http://schemas.openxmlformats.org/presentationml/2006/main" showMasterSp="1" showMasterPhAnim="1">
-  <p:cSld>
-    <p:spTree>
-      <p:nvGrpSpPr>
-        <p:cNvPr id="1" name=""/>
-        <p:cNvGrpSpPr/>
-        <p:nvPr/>
-      </p:nvGrpSpPr>
-      <p:grpSpPr>
-        <a:xfrm>
-          <a:off x="0" y="0"/>
-          <a:ext cx="0" cy="0"/>
-          <a:chOff x="0" y="0"/>
-          <a:chExt cx="0" cy="0"/>
-        </a:xfrm>
-      </p:grpSpPr>
-      <p:pic>
-        <p:nvPicPr>
-          <p:cNvPr id="316" name="pasted-image.png"/>
+          <p:cNvPr id="200" name="pasted-image.png"/>
           <p:cNvPicPr>
             <a:picLocks noChangeAspect="1"/>
           </p:cNvPicPr>
@@ -10191,8 +9822,8 @@
         </p:blipFill>
         <p:spPr>
           <a:xfrm>
-            <a:off x="425450" y="1217083"/>
-            <a:ext cx="12153900" cy="7790963"/>
+            <a:off x="275166" y="69850"/>
+            <a:ext cx="12473125" cy="9613901"/>
           </a:xfrm>
           <a:prstGeom prst="rect">
             <a:avLst/>
@@ -10202,817 +9833,6 @@
           </a:ln>
         </p:spPr>
       </p:pic>
-    </p:spTree>
-  </p:cSld>
-  <p:clrMapOvr>
-    <a:masterClrMapping/>
-  </p:clrMapOvr>
-  <p:transition xmlns:p14="http://schemas.microsoft.com/office/powerpoint/2010/main" spd="med" advClick="1"/>
-</p:sld>
-</file>
-
-<file path=ppt/slides/slide42.xml><?xml version="1.0" encoding="utf-8"?>
-<p:sld xmlns:a="http://schemas.openxmlformats.org/drawingml/2006/main" xmlns:r="http://schemas.openxmlformats.org/officeDocument/2006/relationships" xmlns:p="http://schemas.openxmlformats.org/presentationml/2006/main" showMasterSp="1" showMasterPhAnim="1">
-  <p:cSld>
-    <p:spTree>
-      <p:nvGrpSpPr>
-        <p:cNvPr id="1" name=""/>
-        <p:cNvGrpSpPr/>
-        <p:nvPr/>
-      </p:nvGrpSpPr>
-      <p:grpSpPr>
-        <a:xfrm>
-          <a:off x="0" y="0"/>
-          <a:ext cx="0" cy="0"/>
-          <a:chOff x="0" y="0"/>
-          <a:chExt cx="0" cy="0"/>
-        </a:xfrm>
-      </p:grpSpPr>
-      <p:sp>
-        <p:nvSpPr>
-          <p:cNvPr id="318" name="Shape 318"/>
-          <p:cNvSpPr/>
-          <p:nvPr>
-            <p:ph type="title"/>
-          </p:nvPr>
-        </p:nvSpPr>
-        <p:spPr>
-          <a:xfrm>
-            <a:off x="406400" y="1536700"/>
-            <a:ext cx="12192000" cy="1169261"/>
-          </a:xfrm>
-          <a:prstGeom prst="rect">
-            <a:avLst/>
-          </a:prstGeom>
-        </p:spPr>
-        <p:txBody>
-          <a:bodyPr/>
-          <a:lstStyle>
-            <a:lvl1pPr defTabSz="403097">
-              <a:spcBef>
-                <a:spcPts val="1900"/>
-              </a:spcBef>
-              <a:defRPr sz="8200"/>
-            </a:lvl1pPr>
-          </a:lstStyle>
-          <a:p>
-            <a:pPr/>
-            <a:r>
-              <a:t>Sensitivity</a:t>
-            </a:r>
-          </a:p>
-        </p:txBody>
-      </p:sp>
-      <p:sp>
-        <p:nvSpPr>
-          <p:cNvPr id="319" name="Shape 319"/>
-          <p:cNvSpPr/>
-          <p:nvPr>
-            <p:ph type="body" idx="1"/>
-          </p:nvPr>
-        </p:nvSpPr>
-        <p:spPr>
-          <a:xfrm>
-            <a:off x="406400" y="3953767"/>
-            <a:ext cx="12192000" cy="4793723"/>
-          </a:xfrm>
-          <a:prstGeom prst="rect">
-            <a:avLst/>
-          </a:prstGeom>
-        </p:spPr>
-        <p:txBody>
-          <a:bodyPr anchor="t"/>
-          <a:lstStyle/>
-          <a:p>
-            <a:pPr marL="663612" indent="-663612" defTabSz="549148">
-              <a:lnSpc>
-                <a:spcPct val="100000"/>
-              </a:lnSpc>
-              <a:spcBef>
-                <a:spcPts val="2600"/>
-              </a:spcBef>
-              <a:buSzPct val="40000"/>
-              <a:buBlip>
-                <a:blip r:embed="rId2"/>
-              </a:buBlip>
-              <a:defRPr cap="none" spc="0" sz="6000">
-                <a:latin typeface="Avenir Next Medium"/>
-                <a:ea typeface="Avenir Next Medium"/>
-                <a:cs typeface="Avenir Next Medium"/>
-                <a:sym typeface="Avenir Next Medium"/>
-              </a:defRPr>
-            </a:pPr>
-            <a:r>
-              <a:t>TP / TP + FN</a:t>
-            </a:r>
-          </a:p>
-          <a:p>
-            <a:pPr marL="663612" indent="-663612" defTabSz="549148">
-              <a:lnSpc>
-                <a:spcPct val="100000"/>
-              </a:lnSpc>
-              <a:spcBef>
-                <a:spcPts val="2600"/>
-              </a:spcBef>
-              <a:buSzPct val="40000"/>
-              <a:buBlip>
-                <a:blip r:embed="rId2"/>
-              </a:buBlip>
-              <a:defRPr cap="none" spc="0" sz="6000">
-                <a:latin typeface="Avenir Next Medium"/>
-                <a:ea typeface="Avenir Next Medium"/>
-                <a:cs typeface="Avenir Next Medium"/>
-                <a:sym typeface="Avenir Next Medium"/>
-              </a:defRPr>
-            </a:pPr>
-            <a:r>
-              <a:t>Focuses only on performance on TRUE samples</a:t>
-            </a:r>
-          </a:p>
-        </p:txBody>
-      </p:sp>
-    </p:spTree>
-  </p:cSld>
-  <p:clrMapOvr>
-    <a:masterClrMapping/>
-  </p:clrMapOvr>
-  <p:transition xmlns:p14="http://schemas.microsoft.com/office/powerpoint/2010/main" spd="med" advClick="1"/>
-</p:sld>
-</file>
-
-<file path=ppt/slides/slide43.xml><?xml version="1.0" encoding="utf-8"?>
-<p:sld xmlns:a="http://schemas.openxmlformats.org/drawingml/2006/main" xmlns:r="http://schemas.openxmlformats.org/officeDocument/2006/relationships" xmlns:p="http://schemas.openxmlformats.org/presentationml/2006/main" showMasterSp="1" showMasterPhAnim="1">
-  <p:cSld>
-    <p:spTree>
-      <p:nvGrpSpPr>
-        <p:cNvPr id="1" name=""/>
-        <p:cNvGrpSpPr/>
-        <p:nvPr/>
-      </p:nvGrpSpPr>
-      <p:grpSpPr>
-        <a:xfrm>
-          <a:off x="0" y="0"/>
-          <a:ext cx="0" cy="0"/>
-          <a:chOff x="0" y="0"/>
-          <a:chExt cx="0" cy="0"/>
-        </a:xfrm>
-      </p:grpSpPr>
-      <p:pic>
-        <p:nvPicPr>
-          <p:cNvPr id="321" name="resampling.png"/>
-          <p:cNvPicPr>
-            <a:picLocks noChangeAspect="1"/>
-          </p:cNvPicPr>
-          <p:nvPr/>
-        </p:nvPicPr>
-        <p:blipFill>
-          <a:blip r:embed="rId2">
-            <a:extLst/>
-          </a:blip>
-          <a:srcRect l="45323" t="0" r="0" b="0"/>
-          <a:stretch>
-            <a:fillRect/>
-          </a:stretch>
-        </p:blipFill>
-        <p:spPr>
-          <a:xfrm>
-            <a:off x="0" y="1225153"/>
-            <a:ext cx="13004942" cy="7303262"/>
-          </a:xfrm>
-          <a:prstGeom prst="rect">
-            <a:avLst/>
-          </a:prstGeom>
-          <a:ln w="12700">
-            <a:miter lim="400000"/>
-          </a:ln>
-        </p:spPr>
-      </p:pic>
-    </p:spTree>
-  </p:cSld>
-  <p:clrMapOvr>
-    <a:masterClrMapping/>
-  </p:clrMapOvr>
-  <p:transition xmlns:p14="http://schemas.microsoft.com/office/powerpoint/2010/main" spd="med" advClick="1"/>
-</p:sld>
-</file>
-
-<file path=ppt/slides/slide44.xml><?xml version="1.0" encoding="utf-8"?>
-<p:sld xmlns:a="http://schemas.openxmlformats.org/drawingml/2006/main" xmlns:r="http://schemas.openxmlformats.org/officeDocument/2006/relationships" xmlns:p="http://schemas.openxmlformats.org/presentationml/2006/main" showMasterSp="1" showMasterPhAnim="1">
-  <p:cSld>
-    <p:spTree>
-      <p:nvGrpSpPr>
-        <p:cNvPr id="1" name=""/>
-        <p:cNvGrpSpPr/>
-        <p:nvPr/>
-      </p:nvGrpSpPr>
-      <p:grpSpPr>
-        <a:xfrm>
-          <a:off x="0" y="0"/>
-          <a:ext cx="0" cy="0"/>
-          <a:chOff x="0" y="0"/>
-          <a:chExt cx="0" cy="0"/>
-        </a:xfrm>
-      </p:grpSpPr>
-      <p:sp>
-        <p:nvSpPr>
-          <p:cNvPr id="323" name="Shape 323"/>
-          <p:cNvSpPr/>
-          <p:nvPr>
-            <p:ph type="title"/>
-          </p:nvPr>
-        </p:nvSpPr>
-        <p:spPr>
-          <a:xfrm>
-            <a:off x="406400" y="1536700"/>
-            <a:ext cx="12192000" cy="1169261"/>
-          </a:xfrm>
-          <a:prstGeom prst="rect">
-            <a:avLst/>
-          </a:prstGeom>
-        </p:spPr>
-        <p:txBody>
-          <a:bodyPr/>
-          <a:lstStyle>
-            <a:lvl1pPr defTabSz="403097">
-              <a:spcBef>
-                <a:spcPts val="1900"/>
-              </a:spcBef>
-              <a:defRPr sz="8200"/>
-            </a:lvl1pPr>
-          </a:lstStyle>
-          <a:p>
-            <a:pPr/>
-            <a:r>
-              <a:t>Oversampling</a:t>
-            </a:r>
-          </a:p>
-        </p:txBody>
-      </p:sp>
-      <p:sp>
-        <p:nvSpPr>
-          <p:cNvPr id="324" name="Shape 324"/>
-          <p:cNvSpPr/>
-          <p:nvPr>
-            <p:ph type="body" idx="1"/>
-          </p:nvPr>
-        </p:nvSpPr>
-        <p:spPr>
-          <a:xfrm>
-            <a:off x="406400" y="3953767"/>
-            <a:ext cx="12192000" cy="4793723"/>
-          </a:xfrm>
-          <a:prstGeom prst="rect">
-            <a:avLst/>
-          </a:prstGeom>
-        </p:spPr>
-        <p:txBody>
-          <a:bodyPr anchor="t"/>
-          <a:lstStyle/>
-          <a:p>
-            <a:pPr marL="663612" indent="-663612" defTabSz="549148">
-              <a:lnSpc>
-                <a:spcPct val="100000"/>
-              </a:lnSpc>
-              <a:spcBef>
-                <a:spcPts val="2600"/>
-              </a:spcBef>
-              <a:buSzPct val="40000"/>
-              <a:buBlip>
-                <a:blip r:embed="rId2"/>
-              </a:buBlip>
-              <a:defRPr cap="none" spc="0" sz="6000">
-                <a:latin typeface="Avenir Next Medium"/>
-                <a:ea typeface="Avenir Next Medium"/>
-                <a:cs typeface="Avenir Next Medium"/>
-                <a:sym typeface="Avenir Next Medium"/>
-              </a:defRPr>
-            </a:pPr>
-            <a:r>
-              <a:t>Often have WAY more negative samples than positive</a:t>
-            </a:r>
-          </a:p>
-          <a:p>
-            <a:pPr marL="663612" indent="-663612" defTabSz="549148">
-              <a:lnSpc>
-                <a:spcPct val="100000"/>
-              </a:lnSpc>
-              <a:spcBef>
-                <a:spcPts val="2600"/>
-              </a:spcBef>
-              <a:buSzPct val="40000"/>
-              <a:buBlip>
-                <a:blip r:embed="rId2"/>
-              </a:buBlip>
-              <a:defRPr cap="none" spc="0" sz="6000">
-                <a:latin typeface="Avenir Next Medium"/>
-                <a:ea typeface="Avenir Next Medium"/>
-                <a:cs typeface="Avenir Next Medium"/>
-                <a:sym typeface="Avenir Next Medium"/>
-              </a:defRPr>
-            </a:pPr>
-            <a:r>
-              <a:t>High “accuracy” if you always guess negative!</a:t>
-            </a:r>
-          </a:p>
-        </p:txBody>
-      </p:sp>
-    </p:spTree>
-  </p:cSld>
-  <p:clrMapOvr>
-    <a:masterClrMapping/>
-  </p:clrMapOvr>
-  <p:transition xmlns:p14="http://schemas.microsoft.com/office/powerpoint/2010/main" spd="med" advClick="1"/>
-</p:sld>
-</file>
-
-<file path=ppt/slides/slide45.xml><?xml version="1.0" encoding="utf-8"?>
-<p:sld xmlns:a="http://schemas.openxmlformats.org/drawingml/2006/main" xmlns:r="http://schemas.openxmlformats.org/officeDocument/2006/relationships" xmlns:p="http://schemas.openxmlformats.org/presentationml/2006/main" showMasterSp="1" showMasterPhAnim="1">
-  <p:cSld>
-    <p:spTree>
-      <p:nvGrpSpPr>
-        <p:cNvPr id="1" name=""/>
-        <p:cNvGrpSpPr/>
-        <p:nvPr/>
-      </p:nvGrpSpPr>
-      <p:grpSpPr>
-        <a:xfrm>
-          <a:off x="0" y="0"/>
-          <a:ext cx="0" cy="0"/>
-          <a:chOff x="0" y="0"/>
-          <a:chExt cx="0" cy="0"/>
-        </a:xfrm>
-      </p:grpSpPr>
-      <p:pic>
-        <p:nvPicPr>
-          <p:cNvPr id="326" name="resampling.png"/>
-          <p:cNvPicPr>
-            <a:picLocks noChangeAspect="1"/>
-          </p:cNvPicPr>
-          <p:nvPr/>
-        </p:nvPicPr>
-        <p:blipFill>
-          <a:blip r:embed="rId2">
-            <a:extLst/>
-          </a:blip>
-          <a:srcRect l="0" t="0" r="48145" b="0"/>
-          <a:stretch>
-            <a:fillRect/>
-          </a:stretch>
-        </p:blipFill>
-        <p:spPr>
-          <a:xfrm>
-            <a:off x="-13451" y="1018626"/>
-            <a:ext cx="13031665" cy="7716472"/>
-          </a:xfrm>
-          <a:prstGeom prst="rect">
-            <a:avLst/>
-          </a:prstGeom>
-          <a:ln w="12700">
-            <a:miter lim="400000"/>
-          </a:ln>
-        </p:spPr>
-      </p:pic>
-    </p:spTree>
-  </p:cSld>
-  <p:clrMapOvr>
-    <a:masterClrMapping/>
-  </p:clrMapOvr>
-  <p:transition xmlns:p14="http://schemas.microsoft.com/office/powerpoint/2010/main" spd="med" advClick="1"/>
-</p:sld>
-</file>
-
-<file path=ppt/slides/slide46.xml><?xml version="1.0" encoding="utf-8"?>
-<p:sld xmlns:a="http://schemas.openxmlformats.org/drawingml/2006/main" xmlns:r="http://schemas.openxmlformats.org/officeDocument/2006/relationships" xmlns:p="http://schemas.openxmlformats.org/presentationml/2006/main" showMasterSp="1" showMasterPhAnim="1">
-  <p:cSld>
-    <p:spTree>
-      <p:nvGrpSpPr>
-        <p:cNvPr id="1" name=""/>
-        <p:cNvGrpSpPr/>
-        <p:nvPr/>
-      </p:nvGrpSpPr>
-      <p:grpSpPr>
-        <a:xfrm>
-          <a:off x="0" y="0"/>
-          <a:ext cx="0" cy="0"/>
-          <a:chOff x="0" y="0"/>
-          <a:chExt cx="0" cy="0"/>
-        </a:xfrm>
-      </p:grpSpPr>
-      <p:sp>
-        <p:nvSpPr>
-          <p:cNvPr id="328" name="Shape 328"/>
-          <p:cNvSpPr/>
-          <p:nvPr>
-            <p:ph type="title"/>
-          </p:nvPr>
-        </p:nvSpPr>
-        <p:spPr>
-          <a:xfrm>
-            <a:off x="406400" y="1536700"/>
-            <a:ext cx="12192000" cy="1169261"/>
-          </a:xfrm>
-          <a:prstGeom prst="rect">
-            <a:avLst/>
-          </a:prstGeom>
-        </p:spPr>
-        <p:txBody>
-          <a:bodyPr/>
-          <a:lstStyle>
-            <a:lvl1pPr defTabSz="403097">
-              <a:spcBef>
-                <a:spcPts val="1900"/>
-              </a:spcBef>
-              <a:defRPr sz="8200"/>
-            </a:lvl1pPr>
-          </a:lstStyle>
-          <a:p>
-            <a:pPr/>
-            <a:r>
-              <a:t>Undersampling</a:t>
-            </a:r>
-          </a:p>
-        </p:txBody>
-      </p:sp>
-      <p:sp>
-        <p:nvSpPr>
-          <p:cNvPr id="329" name="Shape 329"/>
-          <p:cNvSpPr/>
-          <p:nvPr>
-            <p:ph type="body" idx="1"/>
-          </p:nvPr>
-        </p:nvSpPr>
-        <p:spPr>
-          <a:xfrm>
-            <a:off x="406400" y="3953767"/>
-            <a:ext cx="12192000" cy="4793723"/>
-          </a:xfrm>
-          <a:prstGeom prst="rect">
-            <a:avLst/>
-          </a:prstGeom>
-        </p:spPr>
-        <p:txBody>
-          <a:bodyPr anchor="t"/>
-          <a:lstStyle/>
-          <a:p>
-            <a:pPr marL="663612" indent="-663612" defTabSz="549148">
-              <a:lnSpc>
-                <a:spcPct val="100000"/>
-              </a:lnSpc>
-              <a:spcBef>
-                <a:spcPts val="2600"/>
-              </a:spcBef>
-              <a:buSzPct val="40000"/>
-              <a:buBlip>
-                <a:blip r:embed="rId2"/>
-              </a:buBlip>
-              <a:defRPr cap="none" spc="0" sz="6000">
-                <a:latin typeface="Avenir Next Medium"/>
-                <a:ea typeface="Avenir Next Medium"/>
-                <a:cs typeface="Avenir Next Medium"/>
-                <a:sym typeface="Avenir Next Medium"/>
-              </a:defRPr>
-            </a:pPr>
-            <a:r>
-              <a:t>Avoid — loses data!</a:t>
-            </a:r>
-          </a:p>
-          <a:p>
-            <a:pPr marL="663612" indent="-663612" defTabSz="549148">
-              <a:lnSpc>
-                <a:spcPct val="100000"/>
-              </a:lnSpc>
-              <a:spcBef>
-                <a:spcPts val="2600"/>
-              </a:spcBef>
-              <a:buSzPct val="40000"/>
-              <a:buBlip>
-                <a:blip r:embed="rId2"/>
-              </a:buBlip>
-              <a:defRPr cap="none" spc="0" sz="6000">
-                <a:latin typeface="Avenir Next Medium"/>
-                <a:ea typeface="Avenir Next Medium"/>
-                <a:cs typeface="Avenir Next Medium"/>
-                <a:sym typeface="Avenir Next Medium"/>
-              </a:defRPr>
-            </a:pPr>
-            <a:r>
-              <a:t>Used when size is expensive, eg. Big Data or data that has to be cleaned manually</a:t>
-            </a:r>
-          </a:p>
-        </p:txBody>
-      </p:sp>
-    </p:spTree>
-  </p:cSld>
-  <p:clrMapOvr>
-    <a:masterClrMapping/>
-  </p:clrMapOvr>
-  <p:transition xmlns:p14="http://schemas.microsoft.com/office/powerpoint/2010/main" spd="med" advClick="1"/>
-</p:sld>
-</file>
-
-<file path=ppt/slides/slide47.xml><?xml version="1.0" encoding="utf-8"?>
-<p:sld xmlns:a="http://schemas.openxmlformats.org/drawingml/2006/main" xmlns:r="http://schemas.openxmlformats.org/officeDocument/2006/relationships" xmlns:p="http://schemas.openxmlformats.org/presentationml/2006/main" showMasterSp="1" showMasterPhAnim="1">
-  <p:cSld>
-    <p:spTree>
-      <p:nvGrpSpPr>
-        <p:cNvPr id="1" name=""/>
-        <p:cNvGrpSpPr/>
-        <p:nvPr/>
-      </p:nvGrpSpPr>
-      <p:grpSpPr>
-        <a:xfrm>
-          <a:off x="0" y="0"/>
-          <a:ext cx="0" cy="0"/>
-          <a:chOff x="0" y="0"/>
-          <a:chExt cx="0" cy="0"/>
-        </a:xfrm>
-      </p:grpSpPr>
-      <p:sp>
-        <p:nvSpPr>
-          <p:cNvPr id="331" name="Shape 331"/>
-          <p:cNvSpPr/>
-          <p:nvPr>
-            <p:ph type="title"/>
-          </p:nvPr>
-        </p:nvSpPr>
-        <p:spPr>
-          <a:xfrm>
-            <a:off x="406400" y="1536700"/>
-            <a:ext cx="12192000" cy="1169261"/>
-          </a:xfrm>
-          <a:prstGeom prst="rect">
-            <a:avLst/>
-          </a:prstGeom>
-        </p:spPr>
-        <p:txBody>
-          <a:bodyPr/>
-          <a:lstStyle>
-            <a:lvl1pPr defTabSz="403097">
-              <a:spcBef>
-                <a:spcPts val="1900"/>
-              </a:spcBef>
-              <a:defRPr sz="8200"/>
-            </a:lvl1pPr>
-          </a:lstStyle>
-          <a:p>
-            <a:pPr/>
-            <a:r>
-              <a:t>Imbalance-learn</a:t>
-            </a:r>
-          </a:p>
-        </p:txBody>
-      </p:sp>
-      <p:sp>
-        <p:nvSpPr>
-          <p:cNvPr id="332" name="Shape 332"/>
-          <p:cNvSpPr/>
-          <p:nvPr>
-            <p:ph type="body" idx="1"/>
-          </p:nvPr>
-        </p:nvSpPr>
-        <p:spPr>
-          <a:xfrm>
-            <a:off x="406400" y="3953767"/>
-            <a:ext cx="12192000" cy="4793723"/>
-          </a:xfrm>
-          <a:prstGeom prst="rect">
-            <a:avLst/>
-          </a:prstGeom>
-        </p:spPr>
-        <p:txBody>
-          <a:bodyPr anchor="t"/>
-          <a:lstStyle/>
-          <a:p>
-            <a:pPr marL="663612" indent="-663612" defTabSz="549148">
-              <a:lnSpc>
-                <a:spcPct val="100000"/>
-              </a:lnSpc>
-              <a:spcBef>
-                <a:spcPts val="2600"/>
-              </a:spcBef>
-              <a:buSzPct val="40000"/>
-              <a:buBlip>
-                <a:blip r:embed="rId2"/>
-              </a:buBlip>
-              <a:defRPr cap="none" spc="0" sz="6000">
-                <a:latin typeface="Avenir Next Medium"/>
-                <a:ea typeface="Avenir Next Medium"/>
-                <a:cs typeface="Avenir Next Medium"/>
-                <a:sym typeface="Avenir Next Medium"/>
-              </a:defRPr>
-            </a:pPr>
-            <a:r>
-              <a:t>Fix imbalance in Pipeline</a:t>
-            </a:r>
-          </a:p>
-          <a:p>
-            <a:pPr marL="663612" indent="-663612" defTabSz="549148">
-              <a:lnSpc>
-                <a:spcPct val="100000"/>
-              </a:lnSpc>
-              <a:spcBef>
-                <a:spcPts val="2600"/>
-              </a:spcBef>
-              <a:buSzPct val="40000"/>
-              <a:buBlip>
-                <a:blip r:embed="rId2"/>
-              </a:buBlip>
-              <a:defRPr cap="none" spc="0" sz="6000">
-                <a:latin typeface="Avenir Next Medium"/>
-                <a:ea typeface="Avenir Next Medium"/>
-                <a:cs typeface="Avenir Next Medium"/>
-                <a:sym typeface="Avenir Next Medium"/>
-              </a:defRPr>
-            </a:pPr>
-            <a:r>
-              <a:t>Need to import make_pipeline() from imbalance-learn instead</a:t>
-            </a:r>
-          </a:p>
-        </p:txBody>
-      </p:sp>
-    </p:spTree>
-  </p:cSld>
-  <p:clrMapOvr>
-    <a:masterClrMapping/>
-  </p:clrMapOvr>
-  <p:transition xmlns:p14="http://schemas.microsoft.com/office/powerpoint/2010/main" spd="med" advClick="1"/>
-</p:sld>
-</file>
-
-<file path=ppt/slides/slide48.xml><?xml version="1.0" encoding="utf-8"?>
-<p:sld xmlns:a="http://schemas.openxmlformats.org/drawingml/2006/main" xmlns:r="http://schemas.openxmlformats.org/officeDocument/2006/relationships" xmlns:p="http://schemas.openxmlformats.org/presentationml/2006/main" showMasterSp="1" showMasterPhAnim="1">
-  <p:cSld>
-    <p:spTree>
-      <p:nvGrpSpPr>
-        <p:cNvPr id="1" name=""/>
-        <p:cNvGrpSpPr/>
-        <p:nvPr/>
-      </p:nvGrpSpPr>
-      <p:grpSpPr>
-        <a:xfrm>
-          <a:off x="0" y="0"/>
-          <a:ext cx="0" cy="0"/>
-          <a:chOff x="0" y="0"/>
-          <a:chExt cx="0" cy="0"/>
-        </a:xfrm>
-      </p:grpSpPr>
-      <p:sp>
-        <p:nvSpPr>
-          <p:cNvPr id="334" name="Shape 334"/>
-          <p:cNvSpPr/>
-          <p:nvPr>
-            <p:ph type="title"/>
-          </p:nvPr>
-        </p:nvSpPr>
-        <p:spPr>
-          <a:xfrm>
-            <a:off x="406400" y="1536700"/>
-            <a:ext cx="12192000" cy="1169261"/>
-          </a:xfrm>
-          <a:prstGeom prst="rect">
-            <a:avLst/>
-          </a:prstGeom>
-        </p:spPr>
-        <p:txBody>
-          <a:bodyPr/>
-          <a:lstStyle>
-            <a:lvl1pPr defTabSz="403097">
-              <a:spcBef>
-                <a:spcPts val="1900"/>
-              </a:spcBef>
-              <a:defRPr sz="8200"/>
-            </a:lvl1pPr>
-          </a:lstStyle>
-          <a:p>
-            <a:pPr/>
-            <a:r>
-              <a:t>Random Oversampler</a:t>
-            </a:r>
-          </a:p>
-        </p:txBody>
-      </p:sp>
-      <p:sp>
-        <p:nvSpPr>
-          <p:cNvPr id="335" name="Shape 335"/>
-          <p:cNvSpPr/>
-          <p:nvPr>
-            <p:ph type="body" idx="1"/>
-          </p:nvPr>
-        </p:nvSpPr>
-        <p:spPr>
-          <a:xfrm>
-            <a:off x="406400" y="3953767"/>
-            <a:ext cx="12192000" cy="4793723"/>
-          </a:xfrm>
-          <a:prstGeom prst="rect">
-            <a:avLst/>
-          </a:prstGeom>
-        </p:spPr>
-        <p:txBody>
-          <a:bodyPr anchor="t"/>
-          <a:lstStyle/>
-          <a:p>
-            <a:pPr marL="663612" indent="-663612" defTabSz="549148">
-              <a:lnSpc>
-                <a:spcPct val="100000"/>
-              </a:lnSpc>
-              <a:spcBef>
-                <a:spcPts val="2600"/>
-              </a:spcBef>
-              <a:buSzPct val="40000"/>
-              <a:buBlip>
-                <a:blip r:embed="rId2"/>
-              </a:buBlip>
-              <a:defRPr cap="none" spc="0" sz="6000">
-                <a:latin typeface="Avenir Next Medium"/>
-                <a:ea typeface="Avenir Next Medium"/>
-                <a:cs typeface="Avenir Next Medium"/>
-                <a:sym typeface="Avenir Next Medium"/>
-              </a:defRPr>
-            </a:pPr>
-            <a:r>
-              <a:t>Adds random duplicates</a:t>
-            </a:r>
-          </a:p>
-          <a:p>
-            <a:pPr marL="663612" indent="-663612" defTabSz="549148">
-              <a:lnSpc>
-                <a:spcPct val="100000"/>
-              </a:lnSpc>
-              <a:spcBef>
-                <a:spcPts val="2600"/>
-              </a:spcBef>
-              <a:buSzPct val="40000"/>
-              <a:buBlip>
-                <a:blip r:embed="rId2"/>
-              </a:buBlip>
-              <a:defRPr cap="none" spc="0" sz="6000">
-                <a:latin typeface="Avenir Next Medium"/>
-                <a:ea typeface="Avenir Next Medium"/>
-                <a:cs typeface="Avenir Next Medium"/>
-                <a:sym typeface="Avenir Next Medium"/>
-              </a:defRPr>
-            </a:pPr>
-            <a:r>
-              <a:t>from imblearn.over_sampling import RandomOverSampler</a:t>
-            </a:r>
-          </a:p>
-        </p:txBody>
-      </p:sp>
-    </p:spTree>
-  </p:cSld>
-  <p:clrMapOvr>
-    <a:masterClrMapping/>
-  </p:clrMapOvr>
-  <p:transition xmlns:p14="http://schemas.microsoft.com/office/powerpoint/2010/main" spd="med" advClick="1"/>
-</p:sld>
-</file>
-
-<file path=ppt/slides/slide49.xml><?xml version="1.0" encoding="utf-8"?>
-<p:sld xmlns:a="http://schemas.openxmlformats.org/drawingml/2006/main" xmlns:r="http://schemas.openxmlformats.org/officeDocument/2006/relationships" xmlns:p="http://schemas.openxmlformats.org/presentationml/2006/main" showMasterSp="1" showMasterPhAnim="1">
-  <p:cSld>
-    <p:spTree>
-      <p:nvGrpSpPr>
-        <p:cNvPr id="1" name=""/>
-        <p:cNvGrpSpPr/>
-        <p:nvPr/>
-      </p:nvGrpSpPr>
-      <p:grpSpPr>
-        <a:xfrm>
-          <a:off x="0" y="0"/>
-          <a:ext cx="0" cy="0"/>
-          <a:chOff x="0" y="0"/>
-          <a:chExt cx="0" cy="0"/>
-        </a:xfrm>
-      </p:grpSpPr>
-      <p:sp>
-        <p:nvSpPr>
-          <p:cNvPr id="337" name="Shape 337"/>
-          <p:cNvSpPr/>
-          <p:nvPr>
-            <p:ph type="title"/>
-          </p:nvPr>
-        </p:nvSpPr>
-        <p:spPr>
-          <a:xfrm>
-            <a:off x="2802101" y="4038600"/>
-            <a:ext cx="7400598" cy="4521200"/>
-          </a:xfrm>
-          <a:prstGeom prst="rect">
-            <a:avLst/>
-          </a:prstGeom>
-        </p:spPr>
-        <p:txBody>
-          <a:bodyPr/>
-          <a:lstStyle/>
-          <a:p>
-            <a:pPr/>
-            <a:r>
-              <a:t>Exercises</a:t>
-            </a:r>
-          </a:p>
-        </p:txBody>
-      </p:sp>
     </p:spTree>
   </p:cSld>
   <p:clrMapOvr>
@@ -11069,7 +9889,7 @@
           <a:p>
             <a:pPr/>
             <a:r>
-              <a:t>regularization</a:t>
+              <a:t>Parametric Models</a:t>
             </a:r>
           </a:p>
         </p:txBody>
@@ -11079,13 +9899,13 @@
           <p:cNvPr id="203" name="Shape 203"/>
           <p:cNvSpPr/>
           <p:nvPr>
-            <p:ph type="body" idx="1"/>
+            <p:ph type="body" sz="half" idx="1"/>
           </p:nvPr>
         </p:nvSpPr>
         <p:spPr>
           <a:xfrm>
             <a:off x="406400" y="3953767"/>
-            <a:ext cx="12192000" cy="5147736"/>
+            <a:ext cx="12192000" cy="2531602"/>
           </a:xfrm>
           <a:prstGeom prst="rect">
             <a:avLst/>
@@ -11095,18 +9915,18 @@
           <a:bodyPr anchor="t"/>
           <a:lstStyle/>
           <a:p>
-            <a:pPr marL="663612" indent="-663612" defTabSz="549148">
+            <a:pPr marL="537525" indent="-537525" defTabSz="444809">
               <a:lnSpc>
                 <a:spcPct val="100000"/>
               </a:lnSpc>
               <a:spcBef>
-                <a:spcPts val="2600"/>
+                <a:spcPts val="2100"/>
               </a:spcBef>
               <a:buSzPct val="40000"/>
               <a:buBlip>
                 <a:blip r:embed="rId2"/>
               </a:buBlip>
-              <a:defRPr cap="none" spc="0" sz="6000">
+              <a:defRPr cap="none" spc="0" sz="4860">
                 <a:latin typeface="Avenir Next Medium"/>
                 <a:ea typeface="Avenir Next Medium"/>
                 <a:cs typeface="Avenir Next Medium"/>
@@ -11114,22 +9934,22 @@
               </a:defRPr>
             </a:pPr>
             <a:r>
-              <a:t>Changes what “best-fit” means </a:t>
-            </a:r>
-          </a:p>
-          <a:p>
-            <a:pPr marL="663612" indent="-663612" defTabSz="549148">
+              <a:t>Model constrained by formula</a:t>
+            </a:r>
+          </a:p>
+          <a:p>
+            <a:pPr marL="537525" indent="-537525" defTabSz="444809">
               <a:lnSpc>
-                <a:spcPct val="100000"/>
+                <a:spcPct val="200000"/>
               </a:lnSpc>
               <a:spcBef>
-                <a:spcPts val="2600"/>
+                <a:spcPts val="2100"/>
               </a:spcBef>
               <a:buSzPct val="40000"/>
               <a:buBlip>
                 <a:blip r:embed="rId2"/>
               </a:buBlip>
-              <a:defRPr cap="none" spc="0" sz="6000">
+              <a:defRPr cap="none" spc="0" sz="4860">
                 <a:latin typeface="Avenir Next Medium"/>
                 <a:ea typeface="Avenir Next Medium"/>
                 <a:cs typeface="Avenir Next Medium"/>
@@ -11137,7 +9957,7 @@
               </a:defRPr>
             </a:pPr>
             <a:r>
-              <a:t>Adds penalty for using too many features</a:t>
+              <a:t>Parameters of formula learned from data</a:t>
             </a:r>
           </a:p>
         </p:txBody>
@@ -11178,8 +9998,8 @@
         </p:nvSpPr>
         <p:spPr>
           <a:xfrm>
-            <a:off x="2253592" y="2939153"/>
-            <a:ext cx="9818416" cy="4654227"/>
+            <a:off x="406400" y="1536700"/>
+            <a:ext cx="12192000" cy="1169260"/>
           </a:xfrm>
           <a:prstGeom prst="rect">
             <a:avLst/>
@@ -11187,11 +10007,142 @@
         </p:spPr>
         <p:txBody>
           <a:bodyPr/>
+          <a:lstStyle>
+            <a:lvl1pPr defTabSz="403097">
+              <a:spcBef>
+                <a:spcPts val="1900"/>
+              </a:spcBef>
+              <a:defRPr sz="8280"/>
+            </a:lvl1pPr>
+          </a:lstStyle>
+          <a:p>
+            <a:pPr/>
+            <a:r>
+              <a:t>Linear Regression</a:t>
+            </a:r>
+          </a:p>
+        </p:txBody>
+      </p:sp>
+      <p:sp>
+        <p:nvSpPr>
+          <p:cNvPr id="206" name="Shape 206"/>
+          <p:cNvSpPr/>
+          <p:nvPr/>
+        </p:nvSpPr>
+        <p:spPr>
+          <a:xfrm>
+            <a:off x="656526" y="4571724"/>
+            <a:ext cx="12136011" cy="1333501"/>
+          </a:xfrm>
+          <a:prstGeom prst="rect">
+            <a:avLst/>
+          </a:prstGeom>
+          <a:ln w="12700">
+            <a:miter lim="400000"/>
+          </a:ln>
+          <a:extLst>
+            <a:ext uri="{C572A759-6A51-4108-AA02-DFA0A04FC94B}">
+              <ma14:wrappingTextBoxFlag xmlns:ma14="http://schemas.microsoft.com/office/mac/drawingml/2011/main" val="1"/>
+            </a:ext>
+          </a:extLst>
+        </p:spPr>
+        <p:txBody>
+          <a:bodyPr lIns="50800" tIns="50800" rIns="50800" bIns="50800" anchor="ctr">
+            <a:spAutoFit/>
+          </a:bodyPr>
           <a:lstStyle/>
           <a:p>
-            <a:pPr/>
-            <a:r>
-              <a:t>Logistic Regression</a:t>
+            <a:pPr>
+              <a:defRPr sz="8100">
+                <a:solidFill>
+                  <a:srgbClr val="838787"/>
+                </a:solidFill>
+                <a:latin typeface="Anonymous Pro for Powerline"/>
+                <a:ea typeface="Anonymous Pro for Powerline"/>
+                <a:cs typeface="Anonymous Pro for Powerline"/>
+                <a:sym typeface="Anonymous Pro for Powerline"/>
+              </a:defRPr>
+            </a:pPr>
+            <a:r>
+              <a:rPr>
+                <a:solidFill>
+                  <a:srgbClr val="A7A7A7"/>
+                </a:solidFill>
+              </a:rPr>
+              <a:t>y</a:t>
+            </a:r>
+            <a:r>
+              <a:t> = </a:t>
+            </a:r>
+            <a:r>
+              <a:rPr>
+                <a:solidFill>
+                  <a:schemeClr val="accent3"/>
+                </a:solidFill>
+              </a:rPr>
+              <a:t>2</a:t>
+            </a:r>
+            <a:r>
+              <a:rPr>
+                <a:solidFill>
+                  <a:srgbClr val="A7A7A7"/>
+                </a:solidFill>
+              </a:rPr>
+              <a:t>x</a:t>
+            </a:r>
+            <a:r>
+              <a:rPr baseline="-5999">
+                <a:solidFill>
+                  <a:srgbClr val="A7A7A7"/>
+                </a:solidFill>
+              </a:rPr>
+              <a:t>0</a:t>
+            </a:r>
+            <a:r>
+              <a:t> + </a:t>
+            </a:r>
+            <a:r>
+              <a:rPr>
+                <a:solidFill>
+                  <a:schemeClr val="accent3"/>
+                </a:solidFill>
+              </a:rPr>
+              <a:t>3</a:t>
+            </a:r>
+            <a:r>
+              <a:rPr>
+                <a:solidFill>
+                  <a:srgbClr val="A7A7A7"/>
+                </a:solidFill>
+              </a:rPr>
+              <a:t>x</a:t>
+            </a:r>
+            <a:r>
+              <a:rPr baseline="-5999">
+                <a:solidFill>
+                  <a:srgbClr val="A7A7A7"/>
+                </a:solidFill>
+              </a:rPr>
+              <a:t>1</a:t>
+            </a:r>
+            <a:r>
+              <a:rPr baseline="-5999">
+                <a:solidFill>
+                  <a:schemeClr val="accent3"/>
+                </a:solidFill>
+              </a:rPr>
+              <a:t> </a:t>
+            </a:r>
+            <a:r>
+              <a:t>+ … + </a:t>
+            </a:r>
+            <a:r>
+              <a:rPr>
+                <a:solidFill>
+                  <a:schemeClr val="accent3"/>
+                </a:solidFill>
+              </a:rPr>
+              <a:t>1</a:t>
             </a:r>
           </a:p>
         </p:txBody>
@@ -11222,120 +10173,35 @@
           <a:chExt cx="0" cy="0"/>
         </a:xfrm>
       </p:grpSpPr>
-      <p:sp>
-        <p:nvSpPr>
-          <p:cNvPr id="207" name="Shape 207"/>
-          <p:cNvSpPr/>
-          <p:nvPr>
-            <p:ph type="title"/>
-          </p:nvPr>
-        </p:nvSpPr>
+      <p:pic>
+        <p:nvPicPr>
+          <p:cNvPr id="208" name="pasted-image.png"/>
+          <p:cNvPicPr>
+            <a:picLocks noChangeAspect="1"/>
+          </p:cNvPicPr>
+          <p:nvPr/>
+        </p:nvPicPr>
+        <p:blipFill>
+          <a:blip r:embed="rId2">
+            <a:extLst/>
+          </a:blip>
+          <a:stretch>
+            <a:fillRect/>
+          </a:stretch>
+        </p:blipFill>
         <p:spPr>
           <a:xfrm>
-            <a:off x="406400" y="1536700"/>
-            <a:ext cx="12192000" cy="1169261"/>
-          </a:xfrm>
-          <a:prstGeom prst="rect">
-            <a:avLst/>
-          </a:prstGeom>
-        </p:spPr>
-        <p:txBody>
-          <a:bodyPr/>
-          <a:lstStyle>
-            <a:lvl1pPr defTabSz="403097">
-              <a:spcBef>
-                <a:spcPts val="1900"/>
-              </a:spcBef>
-              <a:defRPr sz="8200"/>
-            </a:lvl1pPr>
-          </a:lstStyle>
-          <a:p>
-            <a:pPr/>
-            <a:r>
-              <a:t>Logistic Regression</a:t>
-            </a:r>
-          </a:p>
-        </p:txBody>
-      </p:sp>
-      <p:sp>
-        <p:nvSpPr>
-          <p:cNvPr id="208" name="Shape 208"/>
-          <p:cNvSpPr/>
-          <p:nvPr>
-            <p:ph type="body" sz="half" idx="1"/>
-          </p:nvPr>
-        </p:nvSpPr>
-        <p:spPr>
-          <a:xfrm>
-            <a:off x="406400" y="4186733"/>
-            <a:ext cx="12192000" cy="4152372"/>
-          </a:xfrm>
-          <a:prstGeom prst="rect">
-            <a:avLst/>
-          </a:prstGeom>
-        </p:spPr>
-        <p:txBody>
-          <a:bodyPr anchor="t"/>
-          <a:lstStyle/>
-          <a:p>
-            <a:pPr marL="550656" indent="-550656" defTabSz="455674">
-              <a:lnSpc>
-                <a:spcPct val="100000"/>
-              </a:lnSpc>
-              <a:spcBef>
-                <a:spcPts val="2100"/>
-              </a:spcBef>
-              <a:buSzPct val="40000"/>
-              <a:buBlip>
-                <a:blip r:embed="rId2"/>
-              </a:buBlip>
-              <a:defRPr cap="none" spc="0" sz="4900">
-                <a:latin typeface="Avenir Next Medium"/>
-                <a:ea typeface="Avenir Next Medium"/>
-                <a:cs typeface="Avenir Next Medium"/>
-                <a:sym typeface="Avenir Next Medium"/>
-              </a:defRPr>
-            </a:pPr>
-            <a:r>
-              <a:rPr>
-                <a:solidFill>
-                  <a:schemeClr val="accent3"/>
-                </a:solidFill>
-              </a:rPr>
-              <a:t>Modify output</a:t>
-            </a:r>
-            <a:r>
-              <a:t> of l</a:t>
-            </a:r>
-            <a:r>
-              <a:t>inear model to be a probability</a:t>
-            </a:r>
-          </a:p>
-          <a:p>
-            <a:pPr marL="550656" indent="-550656" defTabSz="455674">
-              <a:lnSpc>
-                <a:spcPct val="100000"/>
-              </a:lnSpc>
-              <a:spcBef>
-                <a:spcPts val="2100"/>
-              </a:spcBef>
-              <a:buSzPct val="40000"/>
-              <a:buBlip>
-                <a:blip r:embed="rId2"/>
-              </a:buBlip>
-              <a:defRPr cap="none" spc="0" sz="4900">
-                <a:latin typeface="Avenir Next Medium"/>
-                <a:ea typeface="Avenir Next Medium"/>
-                <a:cs typeface="Avenir Next Medium"/>
-                <a:sym typeface="Avenir Next Medium"/>
-              </a:defRPr>
-            </a:pPr>
-            <a:r>
-              <a:t>Used for classification, despite name</a:t>
-            </a:r>
-          </a:p>
-        </p:txBody>
-      </p:sp>
+            <a:off x="1153583" y="67207"/>
+            <a:ext cx="9572840" cy="10203386"/>
+          </a:xfrm>
+          <a:prstGeom prst="rect">
+            <a:avLst/>
+          </a:prstGeom>
+          <a:ln w="12700">
+            <a:miter lim="400000"/>
+          </a:ln>
+        </p:spPr>
+      </p:pic>
     </p:spTree>
   </p:cSld>
   <p:clrMapOvr>
@@ -11373,7 +10239,7 @@
         <p:spPr>
           <a:xfrm>
             <a:off x="406400" y="1536700"/>
-            <a:ext cx="12192000" cy="1169261"/>
+            <a:ext cx="12192000" cy="1169260"/>
           </a:xfrm>
           <a:prstGeom prst="rect">
             <a:avLst/>
@@ -11386,13 +10252,13 @@
               <a:spcBef>
                 <a:spcPts val="1900"/>
               </a:spcBef>
-              <a:defRPr sz="8200"/>
+              <a:defRPr sz="8280"/>
             </a:lvl1pPr>
           </a:lstStyle>
           <a:p>
             <a:pPr/>
             <a:r>
-              <a:t>Problems with Probability</a:t>
+              <a:t>Training a Model</a:t>
             </a:r>
           </a:p>
         </p:txBody>
@@ -11401,66 +10267,60 @@
         <p:nvSpPr>
           <p:cNvPr id="211" name="Shape 211"/>
           <p:cNvSpPr/>
-          <p:nvPr>
-            <p:ph type="body" sz="half" idx="1"/>
-          </p:nvPr>
+          <p:nvPr/>
         </p:nvSpPr>
         <p:spPr>
           <a:xfrm>
-            <a:off x="406400" y="4538100"/>
-            <a:ext cx="12192000" cy="2531601"/>
-          </a:xfrm>
-          <a:prstGeom prst="rect">
-            <a:avLst/>
-          </a:prstGeom>
-        </p:spPr>
-        <p:txBody>
-          <a:bodyPr anchor="t"/>
+            <a:off x="546594" y="4889499"/>
+            <a:ext cx="13599923" cy="1828801"/>
+          </a:xfrm>
+          <a:prstGeom prst="rect">
+            <a:avLst/>
+          </a:prstGeom>
+          <a:ln w="12700">
+            <a:miter lim="400000"/>
+          </a:ln>
+          <a:extLst>
+            <a:ext uri="{C572A759-6A51-4108-AA02-DFA0A04FC94B}">
+              <ma14:wrappingTextBoxFlag xmlns:ma14="http://schemas.microsoft.com/office/mac/drawingml/2011/main" val="1"/>
+            </a:ext>
+          </a:extLst>
+        </p:spPr>
+        <p:txBody>
+          <a:bodyPr lIns="50800" tIns="50800" rIns="50800" bIns="50800" anchor="ctr">
+            <a:spAutoFit/>
+          </a:bodyPr>
           <a:lstStyle/>
           <a:p>
-            <a:pPr marL="550656" indent="-550656" defTabSz="455674">
-              <a:lnSpc>
-                <a:spcPct val="100000"/>
-              </a:lnSpc>
-              <a:spcBef>
-                <a:spcPts val="2100"/>
-              </a:spcBef>
-              <a:buSzPct val="40000"/>
-              <a:buBlip>
-                <a:blip r:embed="rId2"/>
-              </a:buBlip>
-              <a:defRPr cap="none" spc="0" sz="4900">
-                <a:latin typeface="Avenir Next Medium"/>
-                <a:ea typeface="Avenir Next Medium"/>
-                <a:cs typeface="Avenir Next Medium"/>
-                <a:sym typeface="Avenir Next Medium"/>
+            <a:pPr>
+              <a:defRPr sz="4700">
+                <a:solidFill>
+                  <a:srgbClr val="838787"/>
+                </a:solidFill>
+                <a:latin typeface="Anonymous Pro for Powerline"/>
+                <a:ea typeface="Anonymous Pro for Powerline"/>
+                <a:cs typeface="Anonymous Pro for Powerline"/>
+                <a:sym typeface="Anonymous Pro for Powerline"/>
               </a:defRPr>
             </a:pPr>
             <a:r>
-              <a:t>Positive values only</a:t>
-            </a:r>
-          </a:p>
-          <a:p>
-            <a:pPr marL="550656" indent="-550656" defTabSz="455674">
-              <a:lnSpc>
-                <a:spcPct val="100000"/>
-              </a:lnSpc>
-              <a:spcBef>
-                <a:spcPts val="2100"/>
-              </a:spcBef>
-              <a:buSzPct val="40000"/>
-              <a:buBlip>
-                <a:blip r:embed="rId2"/>
-              </a:buBlip>
-              <a:defRPr cap="none" spc="0" sz="4900">
-                <a:latin typeface="Avenir Next Medium"/>
-                <a:ea typeface="Avenir Next Medium"/>
-                <a:cs typeface="Avenir Next Medium"/>
-                <a:sym typeface="Avenir Next Medium"/>
+              <a:t>model = LinearRegression()</a:t>
+            </a:r>
+          </a:p>
+          <a:p>
+            <a:pPr>
+              <a:defRPr sz="4700">
+                <a:solidFill>
+                  <a:srgbClr val="838787"/>
+                </a:solidFill>
+                <a:latin typeface="Anonymous Pro for Powerline"/>
+                <a:ea typeface="Anonymous Pro for Powerline"/>
+                <a:cs typeface="Anonymous Pro for Powerline"/>
+                <a:sym typeface="Anonymous Pro for Powerline"/>
               </a:defRPr>
             </a:pPr>
             <a:r>
-              <a:t>Must fit between 0 and 1</a:t>
+              <a:t>model.fit(X_train,y_train)</a:t>
             </a:r>
           </a:p>
         </p:txBody>
@@ -11502,7 +10362,7 @@
         <p:spPr>
           <a:xfrm>
             <a:off x="406400" y="1536700"/>
-            <a:ext cx="12192000" cy="1169261"/>
+            <a:ext cx="12192000" cy="1169260"/>
           </a:xfrm>
           <a:prstGeom prst="rect">
             <a:avLst/>
@@ -11511,17 +10371,17 @@
         <p:txBody>
           <a:bodyPr/>
           <a:lstStyle>
-            <a:lvl1pPr defTabSz="391004">
+            <a:lvl1pPr defTabSz="403097">
               <a:spcBef>
-                <a:spcPts val="1800"/>
+                <a:spcPts val="1900"/>
               </a:spcBef>
-              <a:defRPr sz="7954"/>
+              <a:defRPr sz="8280"/>
             </a:lvl1pPr>
           </a:lstStyle>
           <a:p>
             <a:pPr/>
             <a:r>
-              <a:t>Solution: Output something easier</a:t>
+              <a:t>Using a Model</a:t>
             </a:r>
           </a:p>
         </p:txBody>
@@ -11530,66 +10390,46 @@
         <p:nvSpPr>
           <p:cNvPr id="214" name="Shape 214"/>
           <p:cNvSpPr/>
-          <p:nvPr>
-            <p:ph type="body" sz="half" idx="1"/>
-          </p:nvPr>
+          <p:nvPr/>
         </p:nvSpPr>
         <p:spPr>
           <a:xfrm>
-            <a:off x="406400" y="4538100"/>
-            <a:ext cx="12192000" cy="2531601"/>
-          </a:xfrm>
-          <a:prstGeom prst="rect">
-            <a:avLst/>
-          </a:prstGeom>
-        </p:spPr>
-        <p:txBody>
-          <a:bodyPr anchor="t"/>
-          <a:lstStyle/>
-          <a:p>
-            <a:pPr marL="550656" indent="-550656" defTabSz="455674">
-              <a:lnSpc>
-                <a:spcPct val="100000"/>
-              </a:lnSpc>
-              <a:spcBef>
-                <a:spcPts val="2100"/>
-              </a:spcBef>
-              <a:buSzPct val="40000"/>
-              <a:buBlip>
-                <a:blip r:embed="rId2"/>
-              </a:buBlip>
-              <a:defRPr cap="none" spc="0" sz="4900">
-                <a:latin typeface="Avenir Next Medium"/>
-                <a:ea typeface="Avenir Next Medium"/>
-                <a:cs typeface="Avenir Next Medium"/>
-                <a:sym typeface="Avenir Next Medium"/>
-              </a:defRPr>
-            </a:pPr>
-            <a:r>
-              <a:t>Output something more line-friendly</a:t>
-            </a:r>
-          </a:p>
-          <a:p>
-            <a:pPr marL="550656" indent="-550656" defTabSz="455674">
-              <a:lnSpc>
-                <a:spcPct val="100000"/>
-              </a:lnSpc>
-              <a:spcBef>
-                <a:spcPts val="2100"/>
-              </a:spcBef>
-              <a:buSzPct val="40000"/>
-              <a:buBlip>
-                <a:blip r:embed="rId2"/>
-              </a:buBlip>
-              <a:defRPr cap="none" spc="0" sz="4900">
-                <a:latin typeface="Avenir Next Medium"/>
-                <a:ea typeface="Avenir Next Medium"/>
-                <a:cs typeface="Avenir Next Medium"/>
-                <a:sym typeface="Avenir Next Medium"/>
-              </a:defRPr>
-            </a:pPr>
-            <a:r>
-              <a:t>Translate back to probability later</a:t>
+            <a:off x="526400" y="5397500"/>
+            <a:ext cx="13599923" cy="812801"/>
+          </a:xfrm>
+          <a:prstGeom prst="rect">
+            <a:avLst/>
+          </a:prstGeom>
+          <a:ln w="12700">
+            <a:miter lim="400000"/>
+          </a:ln>
+          <a:extLst>
+            <a:ext uri="{C572A759-6A51-4108-AA02-DFA0A04FC94B}">
+              <ma14:wrappingTextBoxFlag xmlns:ma14="http://schemas.microsoft.com/office/mac/drawingml/2011/main" val="1"/>
+            </a:ext>
+          </a:extLst>
+        </p:spPr>
+        <p:txBody>
+          <a:bodyPr lIns="50800" tIns="50800" rIns="50800" bIns="50800" anchor="ctr">
+            <a:spAutoFit/>
+          </a:bodyPr>
+          <a:lstStyle>
+            <a:lvl1pPr>
+              <a:defRPr sz="4700">
+                <a:solidFill>
+                  <a:srgbClr val="838787"/>
+                </a:solidFill>
+                <a:latin typeface="Anonymous Pro for Powerline"/>
+                <a:ea typeface="Anonymous Pro for Powerline"/>
+                <a:cs typeface="Anonymous Pro for Powerline"/>
+                <a:sym typeface="Anonymous Pro for Powerline"/>
+              </a:defRPr>
+            </a:lvl1pPr>
+          </a:lstStyle>
+          <a:p>
+            <a:pPr/>
+            <a:r>
+              <a:t>y_predicted = model.predict(X_test)</a:t>
             </a:r>
           </a:p>
         </p:txBody>

--- a/Session3/Session3_Slides.pptx
+++ b/Session3/Session3_Slides.pptx
@@ -13370,7 +13370,7 @@
           </a:ln>
           <a:extLst>
             <a:ext uri="{C572A759-6A51-4108-AA02-DFA0A04FC94B}">
-              <ma14:wrappingTextBoxFlag xmlns="" xmlns:ma14="http://schemas.microsoft.com/office/mac/drawingml/2011/main" val="1"/>
+              <ma14:wrappingTextBoxFlag xmlns:ma14="http://schemas.microsoft.com/office/mac/drawingml/2011/main" xmlns="" val="1"/>
             </a:ext>
           </a:extLst>
         </p:spPr>
@@ -13409,7 +13409,7 @@
           </a:ln>
           <a:extLst>
             <a:ext uri="{C572A759-6A51-4108-AA02-DFA0A04FC94B}">
-              <ma14:wrappingTextBoxFlag xmlns="" xmlns:ma14="http://schemas.microsoft.com/office/mac/drawingml/2011/main" val="1"/>
+              <ma14:wrappingTextBoxFlag xmlns:ma14="http://schemas.microsoft.com/office/mac/drawingml/2011/main" xmlns="" val="1"/>
             </a:ext>
           </a:extLst>
         </p:spPr>
@@ -14466,7 +14466,7 @@
           </a:ln>
           <a:extLst>
             <a:ext uri="{C572A759-6A51-4108-AA02-DFA0A04FC94B}">
-              <ma14:wrappingTextBoxFlag xmlns="" xmlns:ma14="http://schemas.microsoft.com/office/mac/drawingml/2011/main" val="1"/>
+              <ma14:wrappingTextBoxFlag xmlns:ma14="http://schemas.microsoft.com/office/mac/drawingml/2011/main" xmlns="" val="1"/>
             </a:ext>
           </a:extLst>
         </p:spPr>
@@ -15577,7 +15577,7 @@
           </a:ln>
           <a:extLst>
             <a:ext uri="{C572A759-6A51-4108-AA02-DFA0A04FC94B}">
-              <ma14:wrappingTextBoxFlag xmlns="" xmlns:ma14="http://schemas.microsoft.com/office/mac/drawingml/2011/main" val="1"/>
+              <ma14:wrappingTextBoxFlag xmlns:ma14="http://schemas.microsoft.com/office/mac/drawingml/2011/main" xmlns="" val="1"/>
             </a:ext>
           </a:extLst>
         </p:spPr>
@@ -17168,7 +17168,7 @@
 </file>
 
 <file path=ppt/slides/slide27.xml><?xml version="1.0" encoding="utf-8"?>
-<p:sld xmlns:a="http://schemas.openxmlformats.org/drawingml/2006/main" xmlns:r="http://schemas.openxmlformats.org/officeDocument/2006/relationships" xmlns:p="http://schemas.openxmlformats.org/presentationml/2006/main">
+<p:sld xmlns:a="http://schemas.openxmlformats.org/drawingml/2006/main" xmlns:r="http://schemas.openxmlformats.org/officeDocument/2006/relationships" xmlns:p="http://schemas.openxmlformats.org/presentationml/2006/main" show="0">
   <p:cSld>
     <p:spTree>
       <p:nvGrpSpPr>
@@ -17790,7 +17790,7 @@
           </a:ln>
           <a:extLst>
             <a:ext uri="{C572A759-6A51-4108-AA02-DFA0A04FC94B}">
-              <ma14:wrappingTextBoxFlag xmlns="" xmlns:ma14="http://schemas.microsoft.com/office/mac/drawingml/2011/main" val="1"/>
+              <ma14:wrappingTextBoxFlag xmlns:ma14="http://schemas.microsoft.com/office/mac/drawingml/2011/main" xmlns="" val="1"/>
             </a:ext>
           </a:extLst>
         </p:spPr>
@@ -17944,7 +17944,7 @@
           </a:ln>
           <a:extLst>
             <a:ext uri="{C572A759-6A51-4108-AA02-DFA0A04FC94B}">
-              <ma14:wrappingTextBoxFlag xmlns="" xmlns:ma14="http://schemas.microsoft.com/office/mac/drawingml/2011/main" val="1"/>
+              <ma14:wrappingTextBoxFlag xmlns:ma14="http://schemas.microsoft.com/office/mac/drawingml/2011/main" xmlns="" val="1"/>
             </a:ext>
           </a:extLst>
         </p:spPr>
@@ -18036,7 +18036,7 @@
           </a:ln>
           <a:extLst>
             <a:ext uri="{C572A759-6A51-4108-AA02-DFA0A04FC94B}">
-              <ma14:wrappingTextBoxFlag xmlns="" xmlns:ma14="http://schemas.microsoft.com/office/mac/drawingml/2011/main" val="1"/>
+              <ma14:wrappingTextBoxFlag xmlns:ma14="http://schemas.microsoft.com/office/mac/drawingml/2011/main" xmlns="" val="1"/>
             </a:ext>
           </a:extLst>
         </p:spPr>
@@ -18144,7 +18144,7 @@
           </a:ln>
           <a:extLst>
             <a:ext uri="{C572A759-6A51-4108-AA02-DFA0A04FC94B}">
-              <ma14:wrappingTextBoxFlag xmlns="" xmlns:ma14="http://schemas.microsoft.com/office/mac/drawingml/2011/main" val="1"/>
+              <ma14:wrappingTextBoxFlag xmlns:ma14="http://schemas.microsoft.com/office/mac/drawingml/2011/main" xmlns="" val="1"/>
             </a:ext>
           </a:extLst>
         </p:spPr>
@@ -19174,7 +19174,7 @@
           </a:ln>
           <a:extLst>
             <a:ext uri="{C572A759-6A51-4108-AA02-DFA0A04FC94B}">
-              <ma14:wrappingTextBoxFlag xmlns="" xmlns:ma14="http://schemas.microsoft.com/office/mac/drawingml/2011/main" val="1"/>
+              <ma14:wrappingTextBoxFlag xmlns:ma14="http://schemas.microsoft.com/office/mac/drawingml/2011/main" xmlns="" val="1"/>
             </a:ext>
           </a:extLst>
         </p:spPr>
@@ -19413,7 +19413,7 @@
           </a:ln>
           <a:extLst>
             <a:ext uri="{C572A759-6A51-4108-AA02-DFA0A04FC94B}">
-              <ma14:wrappingTextBoxFlag xmlns="" xmlns:ma14="http://schemas.microsoft.com/office/mac/drawingml/2011/main" val="1"/>
+              <ma14:wrappingTextBoxFlag xmlns:ma14="http://schemas.microsoft.com/office/mac/drawingml/2011/main" xmlns="" val="1"/>
             </a:ext>
           </a:extLst>
         </p:spPr>
@@ -19537,7 +19537,7 @@
           </a:ln>
           <a:extLst>
             <a:ext uri="{C572A759-6A51-4108-AA02-DFA0A04FC94B}">
-              <ma14:wrappingTextBoxFlag xmlns="" xmlns:ma14="http://schemas.microsoft.com/office/mac/drawingml/2011/main" val="1"/>
+              <ma14:wrappingTextBoxFlag xmlns:ma14="http://schemas.microsoft.com/office/mac/drawingml/2011/main" xmlns="" val="1"/>
             </a:ext>
           </a:extLst>
         </p:spPr>
